--- a/presentation/presentation.pptx
+++ b/presentation/presentation.pptx
@@ -5,7 +5,7 @@
     <p:sldMasterId id="2147483777" r:id="rId1"/>
   </p:sldMasterIdLst>
   <p:notesMasterIdLst>
-    <p:notesMasterId r:id="rId8"/>
+    <p:notesMasterId r:id="rId23"/>
   </p:notesMasterIdLst>
   <p:sldIdLst>
     <p:sldId id="256" r:id="rId2"/>
@@ -14,36 +14,55 @@
     <p:sldId id="264" r:id="rId5"/>
     <p:sldId id="259" r:id="rId6"/>
     <p:sldId id="261" r:id="rId7"/>
+    <p:sldId id="265" r:id="rId8"/>
+    <p:sldId id="266" r:id="rId9"/>
+    <p:sldId id="267" r:id="rId10"/>
+    <p:sldId id="269" r:id="rId11"/>
+    <p:sldId id="270" r:id="rId12"/>
+    <p:sldId id="271" r:id="rId13"/>
+    <p:sldId id="272" r:id="rId14"/>
+    <p:sldId id="273" r:id="rId15"/>
+    <p:sldId id="274" r:id="rId16"/>
+    <p:sldId id="275" r:id="rId17"/>
+    <p:sldId id="276" r:id="rId18"/>
+    <p:sldId id="277" r:id="rId19"/>
+    <p:sldId id="279" r:id="rId20"/>
+    <p:sldId id="280" r:id="rId21"/>
+    <p:sldId id="278" r:id="rId22"/>
   </p:sldIdLst>
   <p:sldSz cx="12192000" cy="6858000"/>
   <p:notesSz cx="6858000" cy="9144000"/>
   <p:embeddedFontLst>
     <p:embeddedFont>
       <p:font typeface="Roboto Light" panose="02000000000000000000" pitchFamily="2" charset="0"/>
-      <p:regular r:id="rId9"/>
-      <p:italic r:id="rId10"/>
+      <p:regular r:id="rId24"/>
+      <p:italic r:id="rId25"/>
     </p:embeddedFont>
     <p:embeddedFont>
       <p:font typeface="Century Gothic" panose="020B0502020202020204" pitchFamily="34" charset="0"/>
-      <p:regular r:id="rId11"/>
-      <p:bold r:id="rId12"/>
-      <p:italic r:id="rId13"/>
-      <p:boldItalic r:id="rId14"/>
+      <p:regular r:id="rId26"/>
+      <p:bold r:id="rId27"/>
+      <p:italic r:id="rId28"/>
+      <p:boldItalic r:id="rId29"/>
     </p:embeddedFont>
     <p:embeddedFont>
       <p:font typeface="Wingdings 2" panose="05020102010507070707" pitchFamily="18" charset="2"/>
-      <p:regular r:id="rId15"/>
+      <p:regular r:id="rId30"/>
+    </p:embeddedFont>
+    <p:embeddedFont>
+      <p:font typeface="Cambria Math" panose="02040503050406030204" pitchFamily="18" charset="0"/>
+      <p:regular r:id="rId31"/>
     </p:embeddedFont>
     <p:embeddedFont>
       <p:font typeface="Calibri" panose="020F0502020204030204" pitchFamily="34" charset="0"/>
-      <p:regular r:id="rId16"/>
-      <p:bold r:id="rId17"/>
-      <p:italic r:id="rId18"/>
-      <p:boldItalic r:id="rId19"/>
+      <p:regular r:id="rId32"/>
+      <p:bold r:id="rId33"/>
+      <p:italic r:id="rId34"/>
+      <p:boldItalic r:id="rId35"/>
     </p:embeddedFont>
   </p:embeddedFontLst>
   <p:custDataLst>
-    <p:tags r:id="rId20"/>
+    <p:tags r:id="rId36"/>
   </p:custDataLst>
   <p:defaultTextStyle>
     <a:defPPr>
@@ -188,13 +207,31 @@
           </p14:sldIdLst>
         </p14:section>
         <p14:section name="Ontologie" id="{CC18B593-61A1-40D2-B00F-F572254006C3}">
-          <p14:sldIdLst/>
+          <p14:sldIdLst>
+            <p14:sldId id="265"/>
+            <p14:sldId id="266"/>
+            <p14:sldId id="267"/>
+            <p14:sldId id="269"/>
+            <p14:sldId id="270"/>
+            <p14:sldId id="271"/>
+            <p14:sldId id="272"/>
+            <p14:sldId id="273"/>
+            <p14:sldId id="274"/>
+          </p14:sldIdLst>
         </p14:section>
         <p14:section name="NLP" id="{FBBB29FF-EE23-4950-9CB2-9E185AC271DF}">
-          <p14:sldIdLst/>
+          <p14:sldIdLst>
+            <p14:sldId id="275"/>
+            <p14:sldId id="276"/>
+            <p14:sldId id="277"/>
+            <p14:sldId id="279"/>
+            <p14:sldId id="280"/>
+          </p14:sldIdLst>
         </p14:section>
         <p14:section name="PSL" id="{B54AC5D6-6245-4814-91FB-FA87A2EBDD51}">
-          <p14:sldIdLst/>
+          <p14:sldIdLst>
+            <p14:sldId id="278"/>
+          </p14:sldIdLst>
         </p14:section>
         <p14:section name="Bewertung" id="{52C4CFEC-31BB-4909-8B63-EFB3F256EBD9}">
           <p14:sldIdLst/>
@@ -205,7 +242,7 @@
       </p14:sectionLst>
     </p:ext>
     <p:ext uri="{EFAFB233-063F-42B5-8137-9DF3F51BA10A}">
-      <p15:sldGuideLst xmlns="" xmlns:p15="http://schemas.microsoft.com/office/powerpoint/2012/main">
+      <p15:sldGuideLst xmlns:p15="http://schemas.microsoft.com/office/powerpoint/2012/main" xmlns="">
         <p15:guide id="1" orient="horz" pos="2160" userDrawn="1">
           <p15:clr>
             <a:srgbClr val="A4A3A4"/>
@@ -305,7 +342,7 @@
             <a:fld id="{070EEAC5-C180-4BB0-8CEB-D0349F56CA62}" type="datetimeFigureOut">
               <a:rPr lang="de-DE" smtClean="0"/>
               <a:pPr/>
-              <a:t>24.10.2017</a:t>
+              <a:t>25.10.2017</a:t>
             </a:fld>
             <a:endParaRPr lang="de-DE" dirty="0"/>
           </a:p>
@@ -833,7 +870,7 @@
           </a:lstStyle>
           <a:p>
             <a:r>
-              <a:rPr lang="de-DE" smtClean="0"/>
+              <a:rPr lang="de-DE" dirty="0" smtClean="0"/>
               <a:t>Formatvorlage des Untertitelmasters durch Klicken bearbeiten</a:t>
             </a:r>
             <a:endParaRPr lang="de-DE" dirty="0"/>
@@ -1081,7 +1118,7 @@
           <a:p>
             <a:fld id="{BF21FDD1-FA09-4BA0-B88A-7ECBCAA800CC}" type="datetime1">
               <a:rPr lang="de-DE" smtClean="0"/>
-              <a:t>24.10.2017</a:t>
+              <a:t>25.10.2017</a:t>
             </a:fld>
             <a:endParaRPr lang="de-DE" dirty="0"/>
           </a:p>
@@ -1370,7 +1407,7 @@
           <a:p>
             <a:fld id="{036C97DE-B393-47A3-99A6-1B0C91AC8E51}" type="datetime1">
               <a:rPr lang="de-DE" smtClean="0"/>
-              <a:t>24.10.2017</a:t>
+              <a:t>25.10.2017</a:t>
             </a:fld>
             <a:endParaRPr lang="de-DE" dirty="0"/>
           </a:p>
@@ -1391,7 +1428,7 @@
           <a:bodyPr/>
           <a:lstStyle/>
           <a:p>
-            <a:endParaRPr lang="de-DE" dirty="0"/>
+            <a:endParaRPr lang="de-DE" dirty="0" smtClean="0"/>
           </a:p>
         </p:txBody>
       </p:sp>
@@ -1586,7 +1623,7 @@
           <a:p>
             <a:fld id="{93579388-70C9-498E-BC37-0CD0D4E909B8}" type="datetime1">
               <a:rPr lang="de-DE" smtClean="0"/>
-              <a:t>24.10.2017</a:t>
+              <a:t>25.10.2017</a:t>
             </a:fld>
             <a:endParaRPr lang="de-DE" dirty="0"/>
           </a:p>
@@ -1965,7 +2002,7 @@
           <a:p>
             <a:fld id="{1E2DA32B-7E9D-4942-B0A8-5FBBBE77D83D}" type="datetime1">
               <a:rPr lang="de-DE" smtClean="0"/>
-              <a:t>24.10.2017</a:t>
+              <a:t>25.10.2017</a:t>
             </a:fld>
             <a:endParaRPr lang="de-DE" dirty="0"/>
           </a:p>
@@ -2085,7 +2122,30 @@
       </p:grpSpPr>
       <p:sp>
         <p:nvSpPr>
-          <p:cNvPr id="3" name="Datumsplatzhalter 2"/>
+          <p:cNvPr id="2" name="Titel 1"/>
+          <p:cNvSpPr>
+            <a:spLocks noGrp="1"/>
+          </p:cNvSpPr>
+          <p:nvPr>
+            <p:ph type="title"/>
+          </p:nvPr>
+        </p:nvSpPr>
+        <p:spPr/>
+        <p:txBody>
+          <a:bodyPr/>
+          <a:lstStyle/>
+          <a:p>
+            <a:r>
+              <a:rPr lang="de-DE" smtClean="0"/>
+              <a:t>Titelmasterformat durch Klicken bearbeiten</a:t>
+            </a:r>
+            <a:endParaRPr lang="de-DE"/>
+          </a:p>
+        </p:txBody>
+      </p:sp>
+      <p:sp>
+        <p:nvSpPr>
+          <p:cNvPr id="7" name="Datumsplatzhalter 6"/>
           <p:cNvSpPr>
             <a:spLocks noGrp="1"/>
           </p:cNvSpPr>
@@ -2098,9 +2158,10 @@
           <a:bodyPr/>
           <a:lstStyle/>
           <a:p>
-            <a:fld id="{25DDE37F-7098-4FEB-AE71-949547CCF30B}" type="datetime1">
+            <a:fld id="{1217C929-59DE-4893-8992-D8FC7123675F}" type="datetime1">
               <a:rPr lang="de-DE" smtClean="0"/>
-              <a:t>24.10.2017</a:t>
+              <a:pPr/>
+              <a:t>25.10.2017</a:t>
             </a:fld>
             <a:endParaRPr lang="de-DE" dirty="0"/>
           </a:p>
@@ -2108,7 +2169,7 @@
       </p:sp>
       <p:sp>
         <p:nvSpPr>
-          <p:cNvPr id="4" name="Fußzeilenplatzhalter 3"/>
+          <p:cNvPr id="8" name="Fußzeilenplatzhalter 7"/>
           <p:cNvSpPr>
             <a:spLocks noGrp="1"/>
           </p:cNvSpPr>
@@ -2127,7 +2188,7 @@
       </p:sp>
       <p:sp>
         <p:nvSpPr>
-          <p:cNvPr id="5" name="Foliennummernplatzhalter 4"/>
+          <p:cNvPr id="9" name="Foliennummernplatzhalter 8"/>
           <p:cNvSpPr>
             <a:spLocks noGrp="1"/>
           </p:cNvSpPr>
@@ -2142,41 +2203,9 @@
           <a:p>
             <a:fld id="{F4DAF760-8A09-427D-9634-9AF01F07ABD5}" type="slidenum">
               <a:rPr lang="de-DE" smtClean="0"/>
+              <a:pPr/>
               <a:t>‹Nr.›</a:t>
             </a:fld>
-            <a:endParaRPr lang="de-DE" dirty="0"/>
-          </a:p>
-        </p:txBody>
-      </p:sp>
-      <p:sp>
-        <p:nvSpPr>
-          <p:cNvPr id="6" name="Titelplatzhalter 15"/>
-          <p:cNvSpPr>
-            <a:spLocks noGrp="1"/>
-          </p:cNvSpPr>
-          <p:nvPr>
-            <p:ph type="title"/>
-          </p:nvPr>
-        </p:nvSpPr>
-        <p:spPr>
-          <a:xfrm>
-            <a:off x="767408" y="191766"/>
-            <a:ext cx="10586392" cy="662782"/>
-          </a:xfrm>
-          <a:prstGeom prst="rect">
-            <a:avLst/>
-          </a:prstGeom>
-        </p:spPr>
-        <p:txBody>
-          <a:bodyPr vert="horz" lIns="91440" tIns="45720" rIns="91440" bIns="45720" rtlCol="0" anchor="b">
-            <a:noAutofit/>
-          </a:bodyPr>
-          <a:lstStyle/>
-          <a:p>
-            <a:r>
-              <a:rPr lang="de-DE" smtClean="0"/>
-              <a:t>Titelmasterformat durch Klicken bearbeiten</a:t>
-            </a:r>
             <a:endParaRPr lang="de-DE" dirty="0"/>
           </a:p>
         </p:txBody>
@@ -2235,7 +2264,7 @@
           <a:p>
             <a:fld id="{B8D6D5E1-500A-4D23-9381-FF82601E1329}" type="datetime1">
               <a:rPr lang="de-DE" smtClean="0"/>
-              <a:t>24.10.2017</a:t>
+              <a:t>25.10.2017</a:t>
             </a:fld>
             <a:endParaRPr lang="de-DE" dirty="0"/>
           </a:p>
@@ -2293,6 +2322,13 @@
   <p:clrMapOvr>
     <a:masterClrMapping/>
   </p:clrMapOvr>
+  <p:timing>
+    <p:tnLst>
+      <p:par>
+        <p:cTn id="1" dur="indefinite" restart="never" nodeType="tmRoot"/>
+      </p:par>
+    </p:tnLst>
+  </p:timing>
 </p:sldLayout>
 </file>
 
@@ -2515,7 +2551,7 @@
           <a:p>
             <a:fld id="{9DEA69BE-655B-4CEC-8542-DBFADD7876E1}" type="datetime1">
               <a:rPr lang="de-DE" smtClean="0"/>
-              <a:t>24.10.2017</a:t>
+              <a:t>25.10.2017</a:t>
             </a:fld>
             <a:endParaRPr lang="de-DE" dirty="0"/>
           </a:p>
@@ -2699,11 +2735,10 @@
             </a:lvl1pPr>
           </a:lstStyle>
           <a:p>
-            <a:fld id="{1217C929-59DE-4893-8992-D8FC7123675F}" type="datetime1">
-              <a:rPr lang="de-DE" smtClean="0"/>
-              <a:pPr/>
-              <a:t>24.10.2017</a:t>
-            </a:fld>
+            <a:r>
+              <a:rPr lang="de-DE" dirty="0" smtClean="0"/>
+              <a:t>27.10.2017</a:t>
+            </a:r>
             <a:endParaRPr lang="de-DE" dirty="0"/>
           </a:p>
         </p:txBody>
@@ -2741,7 +2776,7 @@
             </a:lvl1pPr>
           </a:lstStyle>
           <a:p>
-            <a:endParaRPr lang="de-DE" dirty="0"/>
+            <a:endParaRPr lang="de-DE" dirty="0" smtClean="0"/>
           </a:p>
         </p:txBody>
       </p:sp>
@@ -3396,6 +3431,4443 @@
 </p:sld>
 </file>
 
+<file path=ppt/slides/slide10.xml><?xml version="1.0" encoding="utf-8"?>
+<p:sld xmlns:a="http://schemas.openxmlformats.org/drawingml/2006/main" xmlns:r="http://schemas.openxmlformats.org/officeDocument/2006/relationships" xmlns:p="http://schemas.openxmlformats.org/presentationml/2006/main">
+  <p:cSld>
+    <p:spTree>
+      <p:nvGrpSpPr>
+        <p:cNvPr id="1" name=""/>
+        <p:cNvGrpSpPr/>
+        <p:nvPr/>
+      </p:nvGrpSpPr>
+      <p:grpSpPr>
+        <a:xfrm>
+          <a:off x="0" y="0"/>
+          <a:ext cx="0" cy="0"/>
+          <a:chOff x="0" y="0"/>
+          <a:chExt cx="0" cy="0"/>
+        </a:xfrm>
+      </p:grpSpPr>
+      <p:sp>
+        <p:nvSpPr>
+          <p:cNvPr id="2" name="Foliennummernplatzhalter 1"/>
+          <p:cNvSpPr>
+            <a:spLocks noGrp="1"/>
+          </p:cNvSpPr>
+          <p:nvPr>
+            <p:ph type="sldNum" sz="quarter" idx="12"/>
+          </p:nvPr>
+        </p:nvSpPr>
+        <p:spPr>
+          <a:xfrm>
+            <a:off x="8610600" y="6356351"/>
+            <a:ext cx="2743200" cy="365125"/>
+          </a:xfrm>
+        </p:spPr>
+        <p:txBody>
+          <a:bodyPr/>
+          <a:lstStyle/>
+          <a:p>
+            <a:fld id="{F4DAF760-8A09-427D-9634-9AF01F07ABD5}" type="slidenum">
+              <a:rPr lang="de-DE" smtClean="0"/>
+              <a:t>10</a:t>
+            </a:fld>
+            <a:endParaRPr lang="de-DE" dirty="0"/>
+          </a:p>
+        </p:txBody>
+      </p:sp>
+      <p:sp>
+        <p:nvSpPr>
+          <p:cNvPr id="3" name="Titel 2"/>
+          <p:cNvSpPr>
+            <a:spLocks noGrp="1"/>
+          </p:cNvSpPr>
+          <p:nvPr>
+            <p:ph type="title"/>
+          </p:nvPr>
+        </p:nvSpPr>
+        <p:spPr>
+          <a:xfrm>
+            <a:off x="767408" y="191766"/>
+            <a:ext cx="10586392" cy="662782"/>
+          </a:xfrm>
+        </p:spPr>
+        <p:txBody>
+          <a:bodyPr/>
+          <a:lstStyle/>
+          <a:p>
+            <a:r>
+              <a:rPr lang="de-DE" sz="2400" b="1" dirty="0" smtClean="0"/>
+              <a:t>Ontologie:</a:t>
+            </a:r>
+            <a:r>
+              <a:rPr lang="de-DE" sz="2400" dirty="0" smtClean="0"/>
+              <a:t>	</a:t>
+            </a:r>
+            <a:r>
+              <a:rPr lang="de-DE" dirty="0" smtClean="0"/>
+              <a:t>J. F. Sowas Konzeptgraphen</a:t>
+            </a:r>
+            <a:endParaRPr lang="de-DE" dirty="0"/>
+          </a:p>
+        </p:txBody>
+      </p:sp>
+      <mc:AlternateContent xmlns:mc="http://schemas.openxmlformats.org/markup-compatibility/2006">
+        <mc:Choice xmlns:a14="http://schemas.microsoft.com/office/drawing/2010/main" Requires="a14">
+          <p:sp>
+            <p:nvSpPr>
+              <p:cNvPr id="9" name="Rechteck 8"/>
+              <p:cNvSpPr/>
+              <p:nvPr/>
+            </p:nvSpPr>
+            <p:spPr>
+              <a:xfrm>
+                <a:off x="5303912" y="2852936"/>
+                <a:ext cx="6480720" cy="1754326"/>
+              </a:xfrm>
+              <a:prstGeom prst="rect">
+                <a:avLst/>
+              </a:prstGeom>
+            </p:spPr>
+            <p:txBody>
+              <a:bodyPr wrap="square">
+                <a:spAutoFit/>
+              </a:bodyPr>
+              <a:lstStyle/>
+              <a:p>
+                <a:pPr>
+                  <a:lnSpc>
+                    <a:spcPct val="150000"/>
+                  </a:lnSpc>
+                </a:pPr>
+                <a14:m>
+                  <m:oMathPara xmlns:m="http://schemas.openxmlformats.org/officeDocument/2006/math">
+                    <m:oMathParaPr>
+                      <m:jc m:val="left"/>
+                    </m:oMathParaPr>
+                    <m:oMath xmlns:m="http://schemas.openxmlformats.org/officeDocument/2006/math">
+                      <m:r>
+                        <a:rPr lang="de-DE" sz="3600" i="1" smtClean="0">
+                          <a:solidFill>
+                            <a:schemeClr val="tx1"/>
+                          </a:solidFill>
+                          <a:latin typeface="Cambria Math"/>
+                          <a:ea typeface="Cambria Math"/>
+                        </a:rPr>
+                        <m:t>∃</m:t>
+                      </m:r>
+                      <m:r>
+                        <a:rPr lang="de-DE" sz="3600" i="1" smtClean="0">
+                          <a:solidFill>
+                            <a:schemeClr val="tx1"/>
+                          </a:solidFill>
+                          <a:latin typeface="Cambria Math"/>
+                          <a:ea typeface="Cambria Math"/>
+                        </a:rPr>
+                        <m:t>𝑥</m:t>
+                      </m:r>
+                      <m:r>
+                        <a:rPr lang="de-DE" sz="3600" i="1" smtClean="0">
+                          <a:solidFill>
+                            <a:schemeClr val="tx1"/>
+                          </a:solidFill>
+                          <a:latin typeface="Cambria Math"/>
+                          <a:ea typeface="Cambria Math"/>
+                        </a:rPr>
+                        <m:t>,</m:t>
+                      </m:r>
+                      <m:r>
+                        <a:rPr lang="de-DE" sz="3600" i="1" smtClean="0">
+                          <a:solidFill>
+                            <a:schemeClr val="tx1"/>
+                          </a:solidFill>
+                          <a:latin typeface="Cambria Math"/>
+                          <a:ea typeface="Cambria Math"/>
+                        </a:rPr>
+                        <m:t>𝑦</m:t>
+                      </m:r>
+                      <m:r>
+                        <a:rPr lang="de-DE" sz="3600" b="0" i="1" smtClean="0">
+                          <a:solidFill>
+                            <a:schemeClr val="tx1"/>
+                          </a:solidFill>
+                          <a:latin typeface="Cambria Math"/>
+                          <a:ea typeface="Cambria Math"/>
+                        </a:rPr>
+                        <m:t>:</m:t>
+                      </m:r>
+                      <m:r>
+                        <a:rPr lang="de-DE" sz="3600" b="0" i="1" smtClean="0">
+                          <a:solidFill>
+                            <a:schemeClr val="accent3"/>
+                          </a:solidFill>
+                          <a:latin typeface="Cambria Math"/>
+                          <a:ea typeface="Cambria Math"/>
+                        </a:rPr>
+                        <m:t>𝑆</m:t>
+                      </m:r>
+                      <m:d>
+                        <m:dPr>
+                          <m:ctrlPr>
+                            <a:rPr lang="de-DE" sz="3600" b="0" i="1" smtClean="0">
+                              <a:solidFill>
+                                <a:schemeClr val="accent3"/>
+                              </a:solidFill>
+                              <a:latin typeface="Cambria Math"/>
+                              <a:ea typeface="Cambria Math"/>
+                            </a:rPr>
+                          </m:ctrlPr>
+                        </m:dPr>
+                        <m:e>
+                          <m:r>
+                            <a:rPr lang="de-DE" sz="3600" b="0" i="1" smtClean="0">
+                              <a:solidFill>
+                                <a:schemeClr val="tx1"/>
+                              </a:solidFill>
+                              <a:latin typeface="Cambria Math"/>
+                              <a:ea typeface="Cambria Math"/>
+                            </a:rPr>
+                            <m:t>𝑥</m:t>
+                          </m:r>
+                        </m:e>
+                      </m:d>
+                      <m:r>
+                        <a:rPr lang="de-DE" sz="3600" i="1">
+                          <a:solidFill>
+                            <a:schemeClr val="accent3"/>
+                          </a:solidFill>
+                          <a:latin typeface="Cambria Math"/>
+                          <a:ea typeface="Cambria Math"/>
+                        </a:rPr>
+                        <m:t>∧</m:t>
+                      </m:r>
+                      <m:r>
+                        <a:rPr lang="de-DE" sz="3600" i="1">
+                          <a:solidFill>
+                            <a:schemeClr val="accent3"/>
+                          </a:solidFill>
+                          <a:latin typeface="Cambria Math"/>
+                          <a:ea typeface="Cambria Math"/>
+                        </a:rPr>
+                        <m:t>𝑇</m:t>
+                      </m:r>
+                      <m:d>
+                        <m:dPr>
+                          <m:ctrlPr>
+                            <a:rPr lang="de-DE" sz="3600" i="1">
+                              <a:solidFill>
+                                <a:schemeClr val="accent3"/>
+                              </a:solidFill>
+                              <a:latin typeface="Cambria Math"/>
+                              <a:ea typeface="Cambria Math"/>
+                            </a:rPr>
+                          </m:ctrlPr>
+                        </m:dPr>
+                        <m:e>
+                          <m:r>
+                            <a:rPr lang="de-DE" sz="3600" i="1">
+                              <a:latin typeface="Cambria Math"/>
+                              <a:ea typeface="Cambria Math"/>
+                            </a:rPr>
+                            <m:t>𝑦</m:t>
+                          </m:r>
+                        </m:e>
+                      </m:d>
+                    </m:oMath>
+                  </m:oMathPara>
+                </a14:m>
+                <a:endParaRPr lang="de-DE" sz="3600" b="0" i="1" dirty="0" smtClean="0">
+                  <a:latin typeface="Cambria Math"/>
+                  <a:ea typeface="Cambria Math"/>
+                </a:endParaRPr>
+              </a:p>
+              <a:p>
+                <a:pPr>
+                  <a:lnSpc>
+                    <a:spcPct val="150000"/>
+                  </a:lnSpc>
+                </a:pPr>
+                <a:r>
+                  <a:rPr lang="de-DE" sz="3600" dirty="0">
+                    <a:solidFill>
+                      <a:schemeClr val="accent3"/>
+                    </a:solidFill>
+                    <a:ea typeface="Cambria Math"/>
+                  </a:rPr>
+                  <a:t> </a:t>
+                </a:r>
+                <a:r>
+                  <a:rPr lang="de-DE" sz="3600" dirty="0" smtClean="0">
+                    <a:solidFill>
+                      <a:schemeClr val="accent3"/>
+                    </a:solidFill>
+                    <a:ea typeface="Cambria Math"/>
+                  </a:rPr>
+                  <a:t>     </a:t>
+                </a:r>
+                <a14:m>
+                  <m:oMath xmlns:m="http://schemas.openxmlformats.org/officeDocument/2006/math">
+                    <m:r>
+                      <a:rPr lang="de-DE" sz="3600" i="1">
+                        <a:solidFill>
+                          <a:schemeClr val="accent3"/>
+                        </a:solidFill>
+                        <a:latin typeface="Cambria Math"/>
+                        <a:ea typeface="Cambria Math"/>
+                      </a:rPr>
+                      <m:t>∧</m:t>
+                    </m:r>
+                    <m:r>
+                      <a:rPr lang="de-DE" sz="3600" b="0" i="1" smtClean="0">
+                        <a:solidFill>
+                          <a:schemeClr val="accent3"/>
+                        </a:solidFill>
+                        <a:latin typeface="Cambria Math"/>
+                        <a:ea typeface="Cambria Math"/>
+                      </a:rPr>
+                      <m:t>𝑃</m:t>
+                    </m:r>
+                    <m:d>
+                      <m:dPr>
+                        <m:ctrlPr>
+                          <a:rPr lang="de-DE" sz="3600" b="0" i="1" smtClean="0">
+                            <a:solidFill>
+                              <a:schemeClr val="accent3"/>
+                            </a:solidFill>
+                            <a:latin typeface="Cambria Math"/>
+                            <a:ea typeface="Cambria Math"/>
+                          </a:rPr>
+                        </m:ctrlPr>
+                      </m:dPr>
+                      <m:e>
+                        <m:r>
+                          <a:rPr lang="de-DE" sz="3600" b="0" i="1" smtClean="0">
+                            <a:solidFill>
+                              <a:schemeClr val="tx1"/>
+                            </a:solidFill>
+                            <a:latin typeface="Cambria Math"/>
+                            <a:ea typeface="Cambria Math"/>
+                          </a:rPr>
+                          <m:t>𝑥</m:t>
+                        </m:r>
+                        <m:r>
+                          <a:rPr lang="de-DE" sz="3600" b="0" i="1" smtClean="0">
+                            <a:solidFill>
+                              <a:schemeClr val="accent3"/>
+                            </a:solidFill>
+                            <a:latin typeface="Cambria Math"/>
+                            <a:ea typeface="Cambria Math"/>
+                          </a:rPr>
+                          <m:t>, </m:t>
+                        </m:r>
+                        <m:r>
+                          <a:rPr lang="de-DE" sz="3600" b="0" i="1" smtClean="0">
+                            <a:solidFill>
+                              <a:schemeClr val="tx1"/>
+                            </a:solidFill>
+                            <a:latin typeface="Cambria Math"/>
+                            <a:ea typeface="Cambria Math"/>
+                          </a:rPr>
+                          <m:t>𝑦</m:t>
+                        </m:r>
+                      </m:e>
+                    </m:d>
+                    <m:r>
+                      <a:rPr lang="de-DE" sz="3600" i="1">
+                        <a:solidFill>
+                          <a:schemeClr val="accent3"/>
+                        </a:solidFill>
+                        <a:latin typeface="Cambria Math"/>
+                        <a:ea typeface="Cambria Math"/>
+                      </a:rPr>
+                      <m:t>∧</m:t>
+                    </m:r>
+                    <m:r>
+                      <a:rPr lang="de-DE" sz="3600" b="0" i="1" smtClean="0">
+                        <a:solidFill>
+                          <a:schemeClr val="accent3"/>
+                        </a:solidFill>
+                        <a:latin typeface="Cambria Math"/>
+                        <a:ea typeface="Cambria Math"/>
+                      </a:rPr>
+                      <m:t>𝑅</m:t>
+                    </m:r>
+                    <m:r>
+                      <a:rPr lang="de-DE" sz="3600" b="0" i="1" smtClean="0">
+                        <a:solidFill>
+                          <a:schemeClr val="accent3"/>
+                        </a:solidFill>
+                        <a:latin typeface="Cambria Math"/>
+                        <a:ea typeface="Cambria Math"/>
+                      </a:rPr>
+                      <m:t>(</m:t>
+                    </m:r>
+                    <m:r>
+                      <a:rPr lang="de-DE" sz="3600" b="0" i="1" smtClean="0">
+                        <a:solidFill>
+                          <a:schemeClr val="tx1"/>
+                        </a:solidFill>
+                        <a:latin typeface="Cambria Math"/>
+                        <a:ea typeface="Cambria Math"/>
+                      </a:rPr>
+                      <m:t>𝑦</m:t>
+                    </m:r>
+                    <m:r>
+                      <a:rPr lang="de-DE" sz="3600" b="0" i="1" smtClean="0">
+                        <a:solidFill>
+                          <a:schemeClr val="accent3"/>
+                        </a:solidFill>
+                        <a:latin typeface="Cambria Math"/>
+                        <a:ea typeface="Cambria Math"/>
+                      </a:rPr>
+                      <m:t>, </m:t>
+                    </m:r>
+                    <m:r>
+                      <a:rPr lang="de-DE" sz="3600" b="0" i="1" smtClean="0">
+                        <a:solidFill>
+                          <a:schemeClr val="tx1"/>
+                        </a:solidFill>
+                        <a:latin typeface="Cambria Math"/>
+                        <a:ea typeface="Cambria Math"/>
+                      </a:rPr>
+                      <m:t>𝑥</m:t>
+                    </m:r>
+                    <m:r>
+                      <a:rPr lang="de-DE" sz="3600" b="0" i="1" smtClean="0">
+                        <a:solidFill>
+                          <a:schemeClr val="accent3"/>
+                        </a:solidFill>
+                        <a:latin typeface="Cambria Math"/>
+                        <a:ea typeface="Cambria Math"/>
+                      </a:rPr>
+                      <m:t>)</m:t>
+                    </m:r>
+                  </m:oMath>
+                </a14:m>
+                <a:r>
+                  <a:rPr lang="de-DE" sz="3600" dirty="0" smtClean="0">
+                    <a:solidFill>
+                      <a:schemeClr val="accent3"/>
+                    </a:solidFill>
+                  </a:rPr>
+                  <a:t> </a:t>
+                </a:r>
+                <a:endParaRPr lang="de-DE" sz="3600" dirty="0">
+                  <a:solidFill>
+                    <a:schemeClr val="tx1"/>
+                  </a:solidFill>
+                </a:endParaRPr>
+              </a:p>
+            </p:txBody>
+          </p:sp>
+        </mc:Choice>
+        <mc:Fallback>
+          <p:sp>
+            <p:nvSpPr>
+              <p:cNvPr id="9" name="Rechteck 8"/>
+              <p:cNvSpPr>
+                <a:spLocks noRot="1" noChangeAspect="1" noMove="1" noResize="1" noEditPoints="1" noAdjustHandles="1" noChangeArrowheads="1" noChangeShapeType="1" noTextEdit="1"/>
+              </p:cNvSpPr>
+              <p:nvPr/>
+            </p:nvSpPr>
+            <p:spPr>
+              <a:xfrm>
+                <a:off x="5303912" y="2852936"/>
+                <a:ext cx="6480720" cy="1754326"/>
+              </a:xfrm>
+              <a:prstGeom prst="rect">
+                <a:avLst/>
+              </a:prstGeom>
+              <a:blipFill rotWithShape="1">
+                <a:blip r:embed="rId2"/>
+                <a:stretch>
+                  <a:fillRect/>
+                </a:stretch>
+              </a:blipFill>
+            </p:spPr>
+            <p:txBody>
+              <a:bodyPr/>
+              <a:lstStyle/>
+              <a:p>
+                <a:r>
+                  <a:rPr lang="de-DE">
+                    <a:noFill/>
+                  </a:rPr>
+                  <a:t> </a:t>
+                </a:r>
+              </a:p>
+            </p:txBody>
+          </p:sp>
+        </mc:Fallback>
+      </mc:AlternateContent>
+      <p:pic>
+        <p:nvPicPr>
+          <p:cNvPr id="12" name="Picture 3"/>
+          <p:cNvPicPr>
+            <a:picLocks noChangeAspect="1" noChangeArrowheads="1"/>
+          </p:cNvPicPr>
+          <p:nvPr/>
+        </p:nvPicPr>
+        <p:blipFill>
+          <a:blip r:embed="rId3" cstate="print">
+            <a:extLst>
+              <a:ext uri="{28A0092B-C50C-407E-A947-70E740481C1C}">
+                <a14:useLocalDpi xmlns:a14="http://schemas.microsoft.com/office/drawing/2010/main" val="0"/>
+              </a:ext>
+            </a:extLst>
+          </a:blip>
+          <a:stretch>
+            <a:fillRect/>
+          </a:stretch>
+        </p:blipFill>
+        <p:spPr bwMode="auto">
+          <a:xfrm>
+            <a:off x="912660" y="3140968"/>
+            <a:ext cx="3556149" cy="1235601"/>
+          </a:xfrm>
+          <a:prstGeom prst="rect">
+            <a:avLst/>
+          </a:prstGeom>
+          <a:noFill/>
+          <a:extLst>
+            <a:ext uri="{909E8E84-426E-40DD-AFC4-6F175D3DCCD1}">
+              <a14:hiddenFill xmlns:a14="http://schemas.microsoft.com/office/drawing/2010/main">
+                <a:solidFill>
+                  <a:srgbClr val="FFFFFF"/>
+                </a:solidFill>
+              </a14:hiddenFill>
+            </a:ext>
+          </a:extLst>
+        </p:spPr>
+      </p:pic>
+      <p:sp>
+        <p:nvSpPr>
+          <p:cNvPr id="13" name="Inhaltsplatzhalter 1"/>
+          <p:cNvSpPr txBox="1">
+            <a:spLocks/>
+          </p:cNvSpPr>
+          <p:nvPr/>
+        </p:nvSpPr>
+        <p:spPr>
+          <a:xfrm>
+            <a:off x="263352" y="1556792"/>
+            <a:ext cx="11665296" cy="1008112"/>
+          </a:xfrm>
+          <a:prstGeom prst="rect">
+            <a:avLst/>
+          </a:prstGeom>
+        </p:spPr>
+        <p:txBody>
+          <a:bodyPr anchor="ctr"/>
+          <a:lstStyle>
+            <a:lvl1pPr marL="228600" indent="-228600" algn="l" defTabSz="914400" rtl="0" eaLnBrk="1" latinLnBrk="0" hangingPunct="1">
+              <a:lnSpc>
+                <a:spcPct val="90000"/>
+              </a:lnSpc>
+              <a:spcBef>
+                <a:spcPts val="1000"/>
+              </a:spcBef>
+              <a:buFont typeface="Arial" panose="020B0604020202020204" pitchFamily="34" charset="0"/>
+              <a:buChar char="•"/>
+              <a:defRPr sz="2800" kern="1200">
+                <a:solidFill>
+                  <a:schemeClr val="tx1"/>
+                </a:solidFill>
+                <a:latin typeface="Roboto Light" panose="02000000000000000000" pitchFamily="2" charset="0"/>
+                <a:ea typeface="Roboto Light" panose="02000000000000000000" pitchFamily="2" charset="0"/>
+                <a:cs typeface="+mn-cs"/>
+              </a:defRPr>
+            </a:lvl1pPr>
+            <a:lvl2pPr marL="685800" indent="-228600" algn="l" defTabSz="914400" rtl="0" eaLnBrk="1" latinLnBrk="0" hangingPunct="1">
+              <a:lnSpc>
+                <a:spcPct val="90000"/>
+              </a:lnSpc>
+              <a:spcBef>
+                <a:spcPts val="500"/>
+              </a:spcBef>
+              <a:buFont typeface="Arial" panose="020B0604020202020204" pitchFamily="34" charset="0"/>
+              <a:buChar char="•"/>
+              <a:defRPr sz="2400" kern="1200">
+                <a:solidFill>
+                  <a:schemeClr val="tx1"/>
+                </a:solidFill>
+                <a:latin typeface="Roboto Light" panose="02000000000000000000" pitchFamily="2" charset="0"/>
+                <a:ea typeface="Roboto Light" panose="02000000000000000000" pitchFamily="2" charset="0"/>
+                <a:cs typeface="+mn-cs"/>
+              </a:defRPr>
+            </a:lvl2pPr>
+            <a:lvl3pPr marL="1143000" indent="-228600" algn="l" defTabSz="914400" rtl="0" eaLnBrk="1" latinLnBrk="0" hangingPunct="1">
+              <a:lnSpc>
+                <a:spcPct val="90000"/>
+              </a:lnSpc>
+              <a:spcBef>
+                <a:spcPts val="500"/>
+              </a:spcBef>
+              <a:buFont typeface="Arial" panose="020B0604020202020204" pitchFamily="34" charset="0"/>
+              <a:buChar char="•"/>
+              <a:defRPr sz="2000" kern="1200">
+                <a:solidFill>
+                  <a:schemeClr val="tx1"/>
+                </a:solidFill>
+                <a:latin typeface="Roboto Light" panose="02000000000000000000" pitchFamily="2" charset="0"/>
+                <a:ea typeface="Roboto Light" panose="02000000000000000000" pitchFamily="2" charset="0"/>
+                <a:cs typeface="+mn-cs"/>
+              </a:defRPr>
+            </a:lvl3pPr>
+            <a:lvl4pPr marL="1600200" indent="-228600" algn="l" defTabSz="914400" rtl="0" eaLnBrk="1" latinLnBrk="0" hangingPunct="1">
+              <a:lnSpc>
+                <a:spcPct val="90000"/>
+              </a:lnSpc>
+              <a:spcBef>
+                <a:spcPts val="500"/>
+              </a:spcBef>
+              <a:buFont typeface="Arial" panose="020B0604020202020204" pitchFamily="34" charset="0"/>
+              <a:buChar char="•"/>
+              <a:defRPr sz="1800" kern="1200">
+                <a:solidFill>
+                  <a:schemeClr val="tx1"/>
+                </a:solidFill>
+                <a:latin typeface="Roboto Light" panose="02000000000000000000" pitchFamily="2" charset="0"/>
+                <a:ea typeface="Roboto Light" panose="02000000000000000000" pitchFamily="2" charset="0"/>
+                <a:cs typeface="+mn-cs"/>
+              </a:defRPr>
+            </a:lvl4pPr>
+            <a:lvl5pPr marL="2057400" indent="-228600" algn="l" defTabSz="914400" rtl="0" eaLnBrk="1" latinLnBrk="0" hangingPunct="1">
+              <a:lnSpc>
+                <a:spcPct val="90000"/>
+              </a:lnSpc>
+              <a:spcBef>
+                <a:spcPts val="500"/>
+              </a:spcBef>
+              <a:buFont typeface="Arial" panose="020B0604020202020204" pitchFamily="34" charset="0"/>
+              <a:buChar char="•"/>
+              <a:defRPr sz="1800" kern="1200">
+                <a:solidFill>
+                  <a:schemeClr val="tx1"/>
+                </a:solidFill>
+                <a:latin typeface="Roboto Light" panose="02000000000000000000" pitchFamily="2" charset="0"/>
+                <a:ea typeface="Roboto Light" panose="02000000000000000000" pitchFamily="2" charset="0"/>
+                <a:cs typeface="+mn-cs"/>
+              </a:defRPr>
+            </a:lvl5pPr>
+            <a:lvl6pPr marL="2514600" indent="-228600" algn="l" defTabSz="914400" rtl="0" eaLnBrk="1" latinLnBrk="0" hangingPunct="1">
+              <a:lnSpc>
+                <a:spcPct val="90000"/>
+              </a:lnSpc>
+              <a:spcBef>
+                <a:spcPts val="500"/>
+              </a:spcBef>
+              <a:buFont typeface="Arial" panose="020B0604020202020204" pitchFamily="34" charset="0"/>
+              <a:buChar char="•"/>
+              <a:defRPr sz="1800" kern="1200">
+                <a:solidFill>
+                  <a:schemeClr val="tx1"/>
+                </a:solidFill>
+                <a:latin typeface="+mn-lt"/>
+                <a:ea typeface="+mn-ea"/>
+                <a:cs typeface="+mn-cs"/>
+              </a:defRPr>
+            </a:lvl6pPr>
+            <a:lvl7pPr marL="2971800" indent="-228600" algn="l" defTabSz="914400" rtl="0" eaLnBrk="1" latinLnBrk="0" hangingPunct="1">
+              <a:lnSpc>
+                <a:spcPct val="90000"/>
+              </a:lnSpc>
+              <a:spcBef>
+                <a:spcPts val="500"/>
+              </a:spcBef>
+              <a:buFont typeface="Arial" panose="020B0604020202020204" pitchFamily="34" charset="0"/>
+              <a:buChar char="•"/>
+              <a:defRPr sz="1800" kern="1200">
+                <a:solidFill>
+                  <a:schemeClr val="tx1"/>
+                </a:solidFill>
+                <a:latin typeface="+mn-lt"/>
+                <a:ea typeface="+mn-ea"/>
+                <a:cs typeface="+mn-cs"/>
+              </a:defRPr>
+            </a:lvl7pPr>
+            <a:lvl8pPr marL="3429000" indent="-228600" algn="l" defTabSz="914400" rtl="0" eaLnBrk="1" latinLnBrk="0" hangingPunct="1">
+              <a:lnSpc>
+                <a:spcPct val="90000"/>
+              </a:lnSpc>
+              <a:spcBef>
+                <a:spcPts val="500"/>
+              </a:spcBef>
+              <a:buFont typeface="Arial" panose="020B0604020202020204" pitchFamily="34" charset="0"/>
+              <a:buChar char="•"/>
+              <a:defRPr sz="1800" kern="1200">
+                <a:solidFill>
+                  <a:schemeClr val="tx1"/>
+                </a:solidFill>
+                <a:latin typeface="+mn-lt"/>
+                <a:ea typeface="+mn-ea"/>
+                <a:cs typeface="+mn-cs"/>
+              </a:defRPr>
+            </a:lvl8pPr>
+            <a:lvl9pPr marL="3886200" indent="-228600" algn="l" defTabSz="914400" rtl="0" eaLnBrk="1" latinLnBrk="0" hangingPunct="1">
+              <a:lnSpc>
+                <a:spcPct val="90000"/>
+              </a:lnSpc>
+              <a:spcBef>
+                <a:spcPts val="500"/>
+              </a:spcBef>
+              <a:buFont typeface="Arial" panose="020B0604020202020204" pitchFamily="34" charset="0"/>
+              <a:buChar char="•"/>
+              <a:defRPr sz="1800" kern="1200">
+                <a:solidFill>
+                  <a:schemeClr val="tx1"/>
+                </a:solidFill>
+                <a:latin typeface="+mn-lt"/>
+                <a:ea typeface="+mn-ea"/>
+                <a:cs typeface="+mn-cs"/>
+              </a:defRPr>
+            </a:lvl9pPr>
+          </a:lstStyle>
+          <a:p>
+            <a:pPr marL="0" indent="0" algn="ctr">
+              <a:lnSpc>
+                <a:spcPct val="150000"/>
+              </a:lnSpc>
+              <a:buNone/>
+            </a:pPr>
+            <a:r>
+              <a:rPr lang="de-DE" dirty="0" smtClean="0"/>
+              <a:t>Relationen:</a:t>
+            </a:r>
+            <a:endParaRPr lang="de-DE" dirty="0" smtClean="0"/>
+          </a:p>
+        </p:txBody>
+      </p:sp>
+    </p:spTree>
+    <p:extLst>
+      <p:ext uri="{BB962C8B-B14F-4D97-AF65-F5344CB8AC3E}">
+        <p14:creationId xmlns:p14="http://schemas.microsoft.com/office/powerpoint/2010/main" val="2960416379"/>
+      </p:ext>
+    </p:extLst>
+  </p:cSld>
+  <p:clrMapOvr>
+    <a:masterClrMapping/>
+  </p:clrMapOvr>
+  <p:timing>
+    <p:tnLst>
+      <p:par>
+        <p:cTn id="1" dur="indefinite" restart="never" nodeType="tmRoot"/>
+      </p:par>
+    </p:tnLst>
+  </p:timing>
+</p:sld>
+</file>
+
+<file path=ppt/slides/slide11.xml><?xml version="1.0" encoding="utf-8"?>
+<p:sld xmlns:a="http://schemas.openxmlformats.org/drawingml/2006/main" xmlns:r="http://schemas.openxmlformats.org/officeDocument/2006/relationships" xmlns:p="http://schemas.openxmlformats.org/presentationml/2006/main">
+  <p:cSld>
+    <p:spTree>
+      <p:nvGrpSpPr>
+        <p:cNvPr id="1" name=""/>
+        <p:cNvGrpSpPr/>
+        <p:nvPr/>
+      </p:nvGrpSpPr>
+      <p:grpSpPr>
+        <a:xfrm>
+          <a:off x="0" y="0"/>
+          <a:ext cx="0" cy="0"/>
+          <a:chOff x="0" y="0"/>
+          <a:chExt cx="0" cy="0"/>
+        </a:xfrm>
+      </p:grpSpPr>
+      <p:sp>
+        <p:nvSpPr>
+          <p:cNvPr id="2" name="Foliennummernplatzhalter 1"/>
+          <p:cNvSpPr>
+            <a:spLocks noGrp="1"/>
+          </p:cNvSpPr>
+          <p:nvPr>
+            <p:ph type="sldNum" sz="quarter" idx="12"/>
+          </p:nvPr>
+        </p:nvSpPr>
+        <p:spPr>
+          <a:xfrm>
+            <a:off x="8610600" y="6356351"/>
+            <a:ext cx="2743200" cy="365125"/>
+          </a:xfrm>
+        </p:spPr>
+        <p:txBody>
+          <a:bodyPr/>
+          <a:lstStyle/>
+          <a:p>
+            <a:fld id="{F4DAF760-8A09-427D-9634-9AF01F07ABD5}" type="slidenum">
+              <a:rPr lang="de-DE" smtClean="0"/>
+              <a:t>11</a:t>
+            </a:fld>
+            <a:endParaRPr lang="de-DE" dirty="0"/>
+          </a:p>
+        </p:txBody>
+      </p:sp>
+      <p:sp>
+        <p:nvSpPr>
+          <p:cNvPr id="3" name="Titel 2"/>
+          <p:cNvSpPr>
+            <a:spLocks noGrp="1"/>
+          </p:cNvSpPr>
+          <p:nvPr>
+            <p:ph type="title"/>
+          </p:nvPr>
+        </p:nvSpPr>
+        <p:spPr>
+          <a:xfrm>
+            <a:off x="767408" y="191766"/>
+            <a:ext cx="10586392" cy="662782"/>
+          </a:xfrm>
+        </p:spPr>
+        <p:txBody>
+          <a:bodyPr/>
+          <a:lstStyle/>
+          <a:p>
+            <a:r>
+              <a:rPr lang="de-DE" sz="2400" b="1" dirty="0" smtClean="0"/>
+              <a:t>Ontologie:</a:t>
+            </a:r>
+            <a:r>
+              <a:rPr lang="de-DE" sz="2400" dirty="0" smtClean="0"/>
+              <a:t>	</a:t>
+            </a:r>
+            <a:r>
+              <a:rPr lang="de-DE" dirty="0" smtClean="0"/>
+              <a:t>J. F. Sowas Konzeptgraphen</a:t>
+            </a:r>
+            <a:endParaRPr lang="de-DE" dirty="0"/>
+          </a:p>
+        </p:txBody>
+      </p:sp>
+      <mc:AlternateContent xmlns:mc="http://schemas.openxmlformats.org/markup-compatibility/2006">
+        <mc:Choice xmlns:a14="http://schemas.microsoft.com/office/drawing/2010/main" Requires="a14">
+          <p:sp>
+            <p:nvSpPr>
+              <p:cNvPr id="9" name="Rechteck 8"/>
+              <p:cNvSpPr/>
+              <p:nvPr/>
+            </p:nvSpPr>
+            <p:spPr>
+              <a:xfrm>
+                <a:off x="5303912" y="2852936"/>
+                <a:ext cx="6624736" cy="1754326"/>
+              </a:xfrm>
+              <a:prstGeom prst="rect">
+                <a:avLst/>
+              </a:prstGeom>
+            </p:spPr>
+            <p:txBody>
+              <a:bodyPr wrap="square">
+                <a:spAutoFit/>
+              </a:bodyPr>
+              <a:lstStyle/>
+              <a:p>
+                <a:pPr>
+                  <a:lnSpc>
+                    <a:spcPct val="150000"/>
+                  </a:lnSpc>
+                </a:pPr>
+                <a14:m>
+                  <m:oMathPara xmlns:m="http://schemas.openxmlformats.org/officeDocument/2006/math">
+                    <m:oMathParaPr>
+                      <m:jc m:val="left"/>
+                    </m:oMathParaPr>
+                    <m:oMath xmlns:m="http://schemas.openxmlformats.org/officeDocument/2006/math">
+                      <m:r>
+                        <a:rPr lang="de-DE" sz="3600" i="1" smtClean="0">
+                          <a:solidFill>
+                            <a:schemeClr val="tx1"/>
+                          </a:solidFill>
+                          <a:latin typeface="Cambria Math"/>
+                          <a:ea typeface="Cambria Math"/>
+                        </a:rPr>
+                        <m:t>∃</m:t>
+                      </m:r>
+                      <m:r>
+                        <a:rPr lang="de-DE" sz="3600" i="1" smtClean="0">
+                          <a:solidFill>
+                            <a:schemeClr val="tx1"/>
+                          </a:solidFill>
+                          <a:latin typeface="Cambria Math"/>
+                          <a:ea typeface="Cambria Math"/>
+                        </a:rPr>
+                        <m:t>𝑥</m:t>
+                      </m:r>
+                      <m:r>
+                        <a:rPr lang="de-DE" sz="3600" b="0" i="1" smtClean="0">
+                          <a:solidFill>
+                            <a:schemeClr val="tx1"/>
+                          </a:solidFill>
+                          <a:latin typeface="Cambria Math"/>
+                          <a:ea typeface="Cambria Math"/>
+                        </a:rPr>
+                        <m:t>:</m:t>
+                      </m:r>
+                      <m:r>
+                        <a:rPr lang="de-DE" sz="3600" b="0" i="1" smtClean="0">
+                          <a:solidFill>
+                            <a:schemeClr val="tx1"/>
+                          </a:solidFill>
+                          <a:latin typeface="Cambria Math"/>
+                          <a:ea typeface="Cambria Math"/>
+                        </a:rPr>
+                        <m:t>𝑆</m:t>
+                      </m:r>
+                      <m:d>
+                        <m:dPr>
+                          <m:ctrlPr>
+                            <a:rPr lang="de-DE" sz="3600" b="0" i="1" smtClean="0">
+                              <a:solidFill>
+                                <a:schemeClr val="tx1"/>
+                              </a:solidFill>
+                              <a:latin typeface="Cambria Math"/>
+                              <a:ea typeface="Cambria Math"/>
+                            </a:rPr>
+                          </m:ctrlPr>
+                        </m:dPr>
+                        <m:e>
+                          <m:r>
+                            <a:rPr lang="de-DE" sz="3600" b="0" i="1" smtClean="0">
+                              <a:solidFill>
+                                <a:schemeClr val="tx1"/>
+                              </a:solidFill>
+                              <a:latin typeface="Cambria Math"/>
+                              <a:ea typeface="Cambria Math"/>
+                            </a:rPr>
+                            <m:t>𝑥</m:t>
+                          </m:r>
+                        </m:e>
+                      </m:d>
+                    </m:oMath>
+                  </m:oMathPara>
+                </a14:m>
+                <a:endParaRPr lang="de-DE" sz="3600" b="0" i="1" dirty="0" smtClean="0">
+                  <a:latin typeface="Cambria Math"/>
+                  <a:ea typeface="Cambria Math"/>
+                </a:endParaRPr>
+              </a:p>
+              <a:p>
+                <a:pPr>
+                  <a:lnSpc>
+                    <a:spcPct val="150000"/>
+                  </a:lnSpc>
+                </a:pPr>
+                <a:r>
+                  <a:rPr lang="de-DE" sz="3600" dirty="0" smtClean="0">
+                    <a:ea typeface="Cambria Math"/>
+                  </a:rPr>
+                  <a:t>  </a:t>
+                </a:r>
+                <a14:m>
+                  <m:oMath xmlns:m="http://schemas.openxmlformats.org/officeDocument/2006/math">
+                    <m:r>
+                      <a:rPr lang="de-DE" sz="3600" i="1">
+                        <a:latin typeface="Cambria Math"/>
+                        <a:ea typeface="Cambria Math"/>
+                      </a:rPr>
+                      <m:t>∧</m:t>
+                    </m:r>
+                    <m:r>
+                      <a:rPr lang="de-DE" sz="3600" i="1" smtClean="0">
+                        <a:solidFill>
+                          <a:schemeClr val="accent3"/>
+                        </a:solidFill>
+                        <a:latin typeface="Cambria Math"/>
+                        <a:ea typeface="Cambria Math"/>
+                      </a:rPr>
+                      <m:t>¬</m:t>
+                    </m:r>
+                    <m:r>
+                      <a:rPr lang="de-DE" sz="3600" i="1">
+                        <a:solidFill>
+                          <a:schemeClr val="accent3"/>
+                        </a:solidFill>
+                        <a:latin typeface="Cambria Math"/>
+                        <a:ea typeface="Cambria Math"/>
+                      </a:rPr>
+                      <m:t>∃</m:t>
+                    </m:r>
+                    <m:r>
+                      <a:rPr lang="de-DE" sz="3600" b="0" i="1" smtClean="0">
+                        <a:solidFill>
+                          <a:schemeClr val="tx1"/>
+                        </a:solidFill>
+                        <a:latin typeface="Cambria Math"/>
+                        <a:ea typeface="Cambria Math"/>
+                      </a:rPr>
+                      <m:t>𝑦</m:t>
+                    </m:r>
+                    <m:r>
+                      <a:rPr lang="de-DE" sz="3600" i="1">
+                        <a:solidFill>
+                          <a:schemeClr val="tx1"/>
+                        </a:solidFill>
+                        <a:latin typeface="Cambria Math"/>
+                        <a:ea typeface="Cambria Math"/>
+                      </a:rPr>
+                      <m:t>:</m:t>
+                    </m:r>
+                    <m:r>
+                      <a:rPr lang="de-DE" sz="3600" i="1">
+                        <a:latin typeface="Cambria Math"/>
+                        <a:ea typeface="Cambria Math"/>
+                      </a:rPr>
+                      <m:t>𝑇</m:t>
+                    </m:r>
+                    <m:d>
+                      <m:dPr>
+                        <m:ctrlPr>
+                          <a:rPr lang="de-DE" sz="3600" i="1">
+                            <a:latin typeface="Cambria Math"/>
+                            <a:ea typeface="Cambria Math"/>
+                          </a:rPr>
+                        </m:ctrlPr>
+                      </m:dPr>
+                      <m:e>
+                        <m:r>
+                          <a:rPr lang="de-DE" sz="3600" i="1">
+                            <a:latin typeface="Cambria Math"/>
+                            <a:ea typeface="Cambria Math"/>
+                          </a:rPr>
+                          <m:t>𝑦</m:t>
+                        </m:r>
+                      </m:e>
+                    </m:d>
+                    <m:r>
+                      <a:rPr lang="de-DE" sz="3600" i="1">
+                        <a:latin typeface="Cambria Math"/>
+                        <a:ea typeface="Cambria Math"/>
+                      </a:rPr>
+                      <m:t>∧</m:t>
+                    </m:r>
+                    <m:r>
+                      <a:rPr lang="de-DE" sz="3600" b="0" i="1" smtClean="0">
+                        <a:latin typeface="Cambria Math"/>
+                        <a:ea typeface="Cambria Math"/>
+                      </a:rPr>
+                      <m:t>𝑃</m:t>
+                    </m:r>
+                    <m:d>
+                      <m:dPr>
+                        <m:ctrlPr>
+                          <a:rPr lang="de-DE" sz="3600" b="0" i="1" smtClean="0">
+                            <a:latin typeface="Cambria Math"/>
+                            <a:ea typeface="Cambria Math"/>
+                          </a:rPr>
+                        </m:ctrlPr>
+                      </m:dPr>
+                      <m:e>
+                        <m:r>
+                          <a:rPr lang="de-DE" sz="3600" b="0" i="1" smtClean="0">
+                            <a:latin typeface="Cambria Math"/>
+                            <a:ea typeface="Cambria Math"/>
+                          </a:rPr>
+                          <m:t>𝑥</m:t>
+                        </m:r>
+                        <m:r>
+                          <a:rPr lang="de-DE" sz="3600" b="0" i="1" smtClean="0">
+                            <a:latin typeface="Cambria Math"/>
+                            <a:ea typeface="Cambria Math"/>
+                          </a:rPr>
+                          <m:t>, </m:t>
+                        </m:r>
+                        <m:r>
+                          <a:rPr lang="de-DE" sz="3600" b="0" i="1" smtClean="0">
+                            <a:latin typeface="Cambria Math"/>
+                            <a:ea typeface="Cambria Math"/>
+                          </a:rPr>
+                          <m:t>𝑦</m:t>
+                        </m:r>
+                      </m:e>
+                    </m:d>
+                    <m:r>
+                      <a:rPr lang="de-DE" sz="3600" i="1">
+                        <a:latin typeface="Cambria Math"/>
+                        <a:ea typeface="Cambria Math"/>
+                      </a:rPr>
+                      <m:t>∧</m:t>
+                    </m:r>
+                    <m:r>
+                      <a:rPr lang="de-DE" sz="3600" b="0" i="1" smtClean="0">
+                        <a:latin typeface="Cambria Math"/>
+                        <a:ea typeface="Cambria Math"/>
+                      </a:rPr>
+                      <m:t>𝑅</m:t>
+                    </m:r>
+                    <m:r>
+                      <a:rPr lang="de-DE" sz="3600" b="0" i="1" smtClean="0">
+                        <a:latin typeface="Cambria Math"/>
+                        <a:ea typeface="Cambria Math"/>
+                      </a:rPr>
+                      <m:t>(</m:t>
+                    </m:r>
+                    <m:r>
+                      <a:rPr lang="de-DE" sz="3600" b="0" i="1" smtClean="0">
+                        <a:latin typeface="Cambria Math"/>
+                        <a:ea typeface="Cambria Math"/>
+                      </a:rPr>
+                      <m:t>𝑦</m:t>
+                    </m:r>
+                    <m:r>
+                      <a:rPr lang="de-DE" sz="3600" b="0" i="1" smtClean="0">
+                        <a:latin typeface="Cambria Math"/>
+                        <a:ea typeface="Cambria Math"/>
+                      </a:rPr>
+                      <m:t>, </m:t>
+                    </m:r>
+                    <m:r>
+                      <a:rPr lang="de-DE" sz="3600" b="0" i="1" smtClean="0">
+                        <a:latin typeface="Cambria Math"/>
+                        <a:ea typeface="Cambria Math"/>
+                      </a:rPr>
+                      <m:t>𝑥</m:t>
+                    </m:r>
+                    <m:r>
+                      <a:rPr lang="de-DE" sz="3600" b="0" i="1" smtClean="0">
+                        <a:latin typeface="Cambria Math"/>
+                        <a:ea typeface="Cambria Math"/>
+                      </a:rPr>
+                      <m:t>)</m:t>
+                    </m:r>
+                  </m:oMath>
+                </a14:m>
+                <a:r>
+                  <a:rPr lang="de-DE" sz="3600" dirty="0" smtClean="0">
+                    <a:solidFill>
+                      <a:schemeClr val="tx1"/>
+                    </a:solidFill>
+                  </a:rPr>
+                  <a:t> </a:t>
+                </a:r>
+                <a:endParaRPr lang="de-DE" sz="3600" dirty="0">
+                  <a:solidFill>
+                    <a:schemeClr val="tx1"/>
+                  </a:solidFill>
+                </a:endParaRPr>
+              </a:p>
+            </p:txBody>
+          </p:sp>
+        </mc:Choice>
+        <mc:Fallback>
+          <p:sp>
+            <p:nvSpPr>
+              <p:cNvPr id="9" name="Rechteck 8"/>
+              <p:cNvSpPr>
+                <a:spLocks noRot="1" noChangeAspect="1" noMove="1" noResize="1" noEditPoints="1" noAdjustHandles="1" noChangeArrowheads="1" noChangeShapeType="1" noTextEdit="1"/>
+              </p:cNvSpPr>
+              <p:nvPr/>
+            </p:nvSpPr>
+            <p:spPr>
+              <a:xfrm>
+                <a:off x="5303912" y="2852936"/>
+                <a:ext cx="6624736" cy="1754326"/>
+              </a:xfrm>
+              <a:prstGeom prst="rect">
+                <a:avLst/>
+              </a:prstGeom>
+              <a:blipFill rotWithShape="1">
+                <a:blip r:embed="rId2"/>
+                <a:stretch>
+                  <a:fillRect/>
+                </a:stretch>
+              </a:blipFill>
+            </p:spPr>
+            <p:txBody>
+              <a:bodyPr/>
+              <a:lstStyle/>
+              <a:p>
+                <a:r>
+                  <a:rPr lang="de-DE">
+                    <a:noFill/>
+                  </a:rPr>
+                  <a:t> </a:t>
+                </a:r>
+              </a:p>
+            </p:txBody>
+          </p:sp>
+        </mc:Fallback>
+      </mc:AlternateContent>
+      <p:pic>
+        <p:nvPicPr>
+          <p:cNvPr id="7" name="Picture 4"/>
+          <p:cNvPicPr>
+            <a:picLocks noChangeAspect="1" noChangeArrowheads="1"/>
+          </p:cNvPicPr>
+          <p:nvPr/>
+        </p:nvPicPr>
+        <p:blipFill>
+          <a:blip r:embed="rId3" cstate="print">
+            <a:extLst>
+              <a:ext uri="{28A0092B-C50C-407E-A947-70E740481C1C}">
+                <a14:useLocalDpi xmlns:a14="http://schemas.microsoft.com/office/drawing/2010/main" val="0"/>
+              </a:ext>
+            </a:extLst>
+          </a:blip>
+          <a:stretch>
+            <a:fillRect/>
+          </a:stretch>
+        </p:blipFill>
+        <p:spPr bwMode="auto">
+          <a:xfrm>
+            <a:off x="911424" y="2622191"/>
+            <a:ext cx="3754747" cy="1976251"/>
+          </a:xfrm>
+          <a:prstGeom prst="rect">
+            <a:avLst/>
+          </a:prstGeom>
+          <a:noFill/>
+          <a:extLst>
+            <a:ext uri="{909E8E84-426E-40DD-AFC4-6F175D3DCCD1}">
+              <a14:hiddenFill xmlns:a14="http://schemas.microsoft.com/office/drawing/2010/main">
+                <a:solidFill>
+                  <a:srgbClr val="FFFFFF"/>
+                </a:solidFill>
+              </a14:hiddenFill>
+            </a:ext>
+          </a:extLst>
+        </p:spPr>
+      </p:pic>
+      <p:sp>
+        <p:nvSpPr>
+          <p:cNvPr id="8" name="Inhaltsplatzhalter 1"/>
+          <p:cNvSpPr txBox="1">
+            <a:spLocks/>
+          </p:cNvSpPr>
+          <p:nvPr/>
+        </p:nvSpPr>
+        <p:spPr>
+          <a:xfrm>
+            <a:off x="263352" y="1556792"/>
+            <a:ext cx="11665296" cy="1008112"/>
+          </a:xfrm>
+          <a:prstGeom prst="rect">
+            <a:avLst/>
+          </a:prstGeom>
+        </p:spPr>
+        <p:txBody>
+          <a:bodyPr anchor="ctr"/>
+          <a:lstStyle>
+            <a:lvl1pPr marL="228600" indent="-228600" algn="l" defTabSz="914400" rtl="0" eaLnBrk="1" latinLnBrk="0" hangingPunct="1">
+              <a:lnSpc>
+                <a:spcPct val="90000"/>
+              </a:lnSpc>
+              <a:spcBef>
+                <a:spcPts val="1000"/>
+              </a:spcBef>
+              <a:buFont typeface="Arial" panose="020B0604020202020204" pitchFamily="34" charset="0"/>
+              <a:buChar char="•"/>
+              <a:defRPr sz="2800" kern="1200">
+                <a:solidFill>
+                  <a:schemeClr val="tx1"/>
+                </a:solidFill>
+                <a:latin typeface="Roboto Light" panose="02000000000000000000" pitchFamily="2" charset="0"/>
+                <a:ea typeface="Roboto Light" panose="02000000000000000000" pitchFamily="2" charset="0"/>
+                <a:cs typeface="+mn-cs"/>
+              </a:defRPr>
+            </a:lvl1pPr>
+            <a:lvl2pPr marL="685800" indent="-228600" algn="l" defTabSz="914400" rtl="0" eaLnBrk="1" latinLnBrk="0" hangingPunct="1">
+              <a:lnSpc>
+                <a:spcPct val="90000"/>
+              </a:lnSpc>
+              <a:spcBef>
+                <a:spcPts val="500"/>
+              </a:spcBef>
+              <a:buFont typeface="Arial" panose="020B0604020202020204" pitchFamily="34" charset="0"/>
+              <a:buChar char="•"/>
+              <a:defRPr sz="2400" kern="1200">
+                <a:solidFill>
+                  <a:schemeClr val="tx1"/>
+                </a:solidFill>
+                <a:latin typeface="Roboto Light" panose="02000000000000000000" pitchFamily="2" charset="0"/>
+                <a:ea typeface="Roboto Light" panose="02000000000000000000" pitchFamily="2" charset="0"/>
+                <a:cs typeface="+mn-cs"/>
+              </a:defRPr>
+            </a:lvl2pPr>
+            <a:lvl3pPr marL="1143000" indent="-228600" algn="l" defTabSz="914400" rtl="0" eaLnBrk="1" latinLnBrk="0" hangingPunct="1">
+              <a:lnSpc>
+                <a:spcPct val="90000"/>
+              </a:lnSpc>
+              <a:spcBef>
+                <a:spcPts val="500"/>
+              </a:spcBef>
+              <a:buFont typeface="Arial" panose="020B0604020202020204" pitchFamily="34" charset="0"/>
+              <a:buChar char="•"/>
+              <a:defRPr sz="2000" kern="1200">
+                <a:solidFill>
+                  <a:schemeClr val="tx1"/>
+                </a:solidFill>
+                <a:latin typeface="Roboto Light" panose="02000000000000000000" pitchFamily="2" charset="0"/>
+                <a:ea typeface="Roboto Light" panose="02000000000000000000" pitchFamily="2" charset="0"/>
+                <a:cs typeface="+mn-cs"/>
+              </a:defRPr>
+            </a:lvl3pPr>
+            <a:lvl4pPr marL="1600200" indent="-228600" algn="l" defTabSz="914400" rtl="0" eaLnBrk="1" latinLnBrk="0" hangingPunct="1">
+              <a:lnSpc>
+                <a:spcPct val="90000"/>
+              </a:lnSpc>
+              <a:spcBef>
+                <a:spcPts val="500"/>
+              </a:spcBef>
+              <a:buFont typeface="Arial" panose="020B0604020202020204" pitchFamily="34" charset="0"/>
+              <a:buChar char="•"/>
+              <a:defRPr sz="1800" kern="1200">
+                <a:solidFill>
+                  <a:schemeClr val="tx1"/>
+                </a:solidFill>
+                <a:latin typeface="Roboto Light" panose="02000000000000000000" pitchFamily="2" charset="0"/>
+                <a:ea typeface="Roboto Light" panose="02000000000000000000" pitchFamily="2" charset="0"/>
+                <a:cs typeface="+mn-cs"/>
+              </a:defRPr>
+            </a:lvl4pPr>
+            <a:lvl5pPr marL="2057400" indent="-228600" algn="l" defTabSz="914400" rtl="0" eaLnBrk="1" latinLnBrk="0" hangingPunct="1">
+              <a:lnSpc>
+                <a:spcPct val="90000"/>
+              </a:lnSpc>
+              <a:spcBef>
+                <a:spcPts val="500"/>
+              </a:spcBef>
+              <a:buFont typeface="Arial" panose="020B0604020202020204" pitchFamily="34" charset="0"/>
+              <a:buChar char="•"/>
+              <a:defRPr sz="1800" kern="1200">
+                <a:solidFill>
+                  <a:schemeClr val="tx1"/>
+                </a:solidFill>
+                <a:latin typeface="Roboto Light" panose="02000000000000000000" pitchFamily="2" charset="0"/>
+                <a:ea typeface="Roboto Light" panose="02000000000000000000" pitchFamily="2" charset="0"/>
+                <a:cs typeface="+mn-cs"/>
+              </a:defRPr>
+            </a:lvl5pPr>
+            <a:lvl6pPr marL="2514600" indent="-228600" algn="l" defTabSz="914400" rtl="0" eaLnBrk="1" latinLnBrk="0" hangingPunct="1">
+              <a:lnSpc>
+                <a:spcPct val="90000"/>
+              </a:lnSpc>
+              <a:spcBef>
+                <a:spcPts val="500"/>
+              </a:spcBef>
+              <a:buFont typeface="Arial" panose="020B0604020202020204" pitchFamily="34" charset="0"/>
+              <a:buChar char="•"/>
+              <a:defRPr sz="1800" kern="1200">
+                <a:solidFill>
+                  <a:schemeClr val="tx1"/>
+                </a:solidFill>
+                <a:latin typeface="+mn-lt"/>
+                <a:ea typeface="+mn-ea"/>
+                <a:cs typeface="+mn-cs"/>
+              </a:defRPr>
+            </a:lvl6pPr>
+            <a:lvl7pPr marL="2971800" indent="-228600" algn="l" defTabSz="914400" rtl="0" eaLnBrk="1" latinLnBrk="0" hangingPunct="1">
+              <a:lnSpc>
+                <a:spcPct val="90000"/>
+              </a:lnSpc>
+              <a:spcBef>
+                <a:spcPts val="500"/>
+              </a:spcBef>
+              <a:buFont typeface="Arial" panose="020B0604020202020204" pitchFamily="34" charset="0"/>
+              <a:buChar char="•"/>
+              <a:defRPr sz="1800" kern="1200">
+                <a:solidFill>
+                  <a:schemeClr val="tx1"/>
+                </a:solidFill>
+                <a:latin typeface="+mn-lt"/>
+                <a:ea typeface="+mn-ea"/>
+                <a:cs typeface="+mn-cs"/>
+              </a:defRPr>
+            </a:lvl7pPr>
+            <a:lvl8pPr marL="3429000" indent="-228600" algn="l" defTabSz="914400" rtl="0" eaLnBrk="1" latinLnBrk="0" hangingPunct="1">
+              <a:lnSpc>
+                <a:spcPct val="90000"/>
+              </a:lnSpc>
+              <a:spcBef>
+                <a:spcPts val="500"/>
+              </a:spcBef>
+              <a:buFont typeface="Arial" panose="020B0604020202020204" pitchFamily="34" charset="0"/>
+              <a:buChar char="•"/>
+              <a:defRPr sz="1800" kern="1200">
+                <a:solidFill>
+                  <a:schemeClr val="tx1"/>
+                </a:solidFill>
+                <a:latin typeface="+mn-lt"/>
+                <a:ea typeface="+mn-ea"/>
+                <a:cs typeface="+mn-cs"/>
+              </a:defRPr>
+            </a:lvl8pPr>
+            <a:lvl9pPr marL="3886200" indent="-228600" algn="l" defTabSz="914400" rtl="0" eaLnBrk="1" latinLnBrk="0" hangingPunct="1">
+              <a:lnSpc>
+                <a:spcPct val="90000"/>
+              </a:lnSpc>
+              <a:spcBef>
+                <a:spcPts val="500"/>
+              </a:spcBef>
+              <a:buFont typeface="Arial" panose="020B0604020202020204" pitchFamily="34" charset="0"/>
+              <a:buChar char="•"/>
+              <a:defRPr sz="1800" kern="1200">
+                <a:solidFill>
+                  <a:schemeClr val="tx1"/>
+                </a:solidFill>
+                <a:latin typeface="+mn-lt"/>
+                <a:ea typeface="+mn-ea"/>
+                <a:cs typeface="+mn-cs"/>
+              </a:defRPr>
+            </a:lvl9pPr>
+          </a:lstStyle>
+          <a:p>
+            <a:pPr marL="0" indent="0" algn="ctr">
+              <a:lnSpc>
+                <a:spcPct val="150000"/>
+              </a:lnSpc>
+              <a:buNone/>
+            </a:pPr>
+            <a:r>
+              <a:rPr lang="de-DE" dirty="0" smtClean="0"/>
+              <a:t>Negationskontexte:</a:t>
+            </a:r>
+            <a:endParaRPr lang="de-DE" dirty="0" smtClean="0"/>
+          </a:p>
+        </p:txBody>
+      </p:sp>
+    </p:spTree>
+    <p:extLst>
+      <p:ext uri="{BB962C8B-B14F-4D97-AF65-F5344CB8AC3E}">
+        <p14:creationId xmlns:p14="http://schemas.microsoft.com/office/powerpoint/2010/main" val="2102460493"/>
+      </p:ext>
+    </p:extLst>
+  </p:cSld>
+  <p:clrMapOvr>
+    <a:masterClrMapping/>
+  </p:clrMapOvr>
+  <p:timing>
+    <p:tnLst>
+      <p:par>
+        <p:cTn id="1" dur="indefinite" restart="never" nodeType="tmRoot"/>
+      </p:par>
+    </p:tnLst>
+  </p:timing>
+</p:sld>
+</file>
+
+<file path=ppt/slides/slide12.xml><?xml version="1.0" encoding="utf-8"?>
+<p:sld xmlns:a="http://schemas.openxmlformats.org/drawingml/2006/main" xmlns:r="http://schemas.openxmlformats.org/officeDocument/2006/relationships" xmlns:p="http://schemas.openxmlformats.org/presentationml/2006/main">
+  <p:cSld>
+    <p:spTree>
+      <p:nvGrpSpPr>
+        <p:cNvPr id="1" name=""/>
+        <p:cNvGrpSpPr/>
+        <p:nvPr/>
+      </p:nvGrpSpPr>
+      <p:grpSpPr>
+        <a:xfrm>
+          <a:off x="0" y="0"/>
+          <a:ext cx="0" cy="0"/>
+          <a:chOff x="0" y="0"/>
+          <a:chExt cx="0" cy="0"/>
+        </a:xfrm>
+      </p:grpSpPr>
+      <p:sp>
+        <p:nvSpPr>
+          <p:cNvPr id="2" name="Foliennummernplatzhalter 1"/>
+          <p:cNvSpPr>
+            <a:spLocks noGrp="1"/>
+          </p:cNvSpPr>
+          <p:nvPr>
+            <p:ph type="sldNum" sz="quarter" idx="12"/>
+          </p:nvPr>
+        </p:nvSpPr>
+        <p:spPr>
+          <a:xfrm>
+            <a:off x="8610600" y="6356351"/>
+            <a:ext cx="2743200" cy="365125"/>
+          </a:xfrm>
+        </p:spPr>
+        <p:txBody>
+          <a:bodyPr/>
+          <a:lstStyle/>
+          <a:p>
+            <a:fld id="{F4DAF760-8A09-427D-9634-9AF01F07ABD5}" type="slidenum">
+              <a:rPr lang="de-DE" smtClean="0"/>
+              <a:t>12</a:t>
+            </a:fld>
+            <a:endParaRPr lang="de-DE" dirty="0"/>
+          </a:p>
+        </p:txBody>
+      </p:sp>
+      <p:sp>
+        <p:nvSpPr>
+          <p:cNvPr id="3" name="Titel 2"/>
+          <p:cNvSpPr>
+            <a:spLocks noGrp="1"/>
+          </p:cNvSpPr>
+          <p:nvPr>
+            <p:ph type="title"/>
+          </p:nvPr>
+        </p:nvSpPr>
+        <p:spPr>
+          <a:xfrm>
+            <a:off x="767408" y="191766"/>
+            <a:ext cx="10586392" cy="662782"/>
+          </a:xfrm>
+        </p:spPr>
+        <p:txBody>
+          <a:bodyPr/>
+          <a:lstStyle/>
+          <a:p>
+            <a:r>
+              <a:rPr lang="de-DE" sz="2400" b="1" dirty="0" smtClean="0"/>
+              <a:t>Ontologie:</a:t>
+            </a:r>
+            <a:r>
+              <a:rPr lang="de-DE" sz="2400" dirty="0" smtClean="0"/>
+              <a:t>	</a:t>
+            </a:r>
+            <a:r>
+              <a:rPr lang="de-DE" dirty="0" smtClean="0"/>
+              <a:t>J. F. Sowas Konzeptgraphen</a:t>
+            </a:r>
+            <a:endParaRPr lang="de-DE" dirty="0"/>
+          </a:p>
+        </p:txBody>
+      </p:sp>
+      <mc:AlternateContent xmlns:mc="http://schemas.openxmlformats.org/markup-compatibility/2006">
+        <mc:Choice xmlns:a14="http://schemas.microsoft.com/office/drawing/2010/main" Requires="a14">
+          <p:sp>
+            <p:nvSpPr>
+              <p:cNvPr id="9" name="Rechteck 8"/>
+              <p:cNvSpPr/>
+              <p:nvPr/>
+            </p:nvSpPr>
+            <p:spPr>
+              <a:xfrm>
+                <a:off x="5303912" y="2852936"/>
+                <a:ext cx="6624736" cy="1651671"/>
+              </a:xfrm>
+              <a:prstGeom prst="rect">
+                <a:avLst/>
+              </a:prstGeom>
+            </p:spPr>
+            <p:txBody>
+              <a:bodyPr wrap="square">
+                <a:spAutoFit/>
+              </a:bodyPr>
+              <a:lstStyle/>
+              <a:p>
+                <a:pPr>
+                  <a:lnSpc>
+                    <a:spcPct val="150000"/>
+                  </a:lnSpc>
+                </a:pPr>
+                <a14:m>
+                  <m:oMathPara xmlns:m="http://schemas.openxmlformats.org/officeDocument/2006/math">
+                    <m:oMathParaPr>
+                      <m:jc m:val="left"/>
+                    </m:oMathParaPr>
+                    <m:oMath xmlns:m="http://schemas.openxmlformats.org/officeDocument/2006/math">
+                      <m:r>
+                        <a:rPr lang="de-DE" sz="3600" i="1" smtClean="0">
+                          <a:solidFill>
+                            <a:schemeClr val="tx1"/>
+                          </a:solidFill>
+                          <a:latin typeface="Cambria Math"/>
+                          <a:ea typeface="Cambria Math"/>
+                        </a:rPr>
+                        <m:t>∃</m:t>
+                      </m:r>
+                      <m:r>
+                        <a:rPr lang="de-DE" sz="3600" i="1" smtClean="0">
+                          <a:solidFill>
+                            <a:schemeClr val="tx1"/>
+                          </a:solidFill>
+                          <a:latin typeface="Cambria Math"/>
+                          <a:ea typeface="Cambria Math"/>
+                        </a:rPr>
+                        <m:t>𝑥</m:t>
+                      </m:r>
+                      <m:r>
+                        <a:rPr lang="de-DE" sz="3600" b="0" i="1" smtClean="0">
+                          <a:solidFill>
+                            <a:schemeClr val="tx1"/>
+                          </a:solidFill>
+                          <a:latin typeface="Cambria Math"/>
+                          <a:ea typeface="Cambria Math"/>
+                        </a:rPr>
+                        <m:t>, </m:t>
+                      </m:r>
+                      <m:r>
+                        <a:rPr lang="de-DE" sz="3600" b="0" i="1" smtClean="0">
+                          <a:solidFill>
+                            <a:schemeClr val="tx1"/>
+                          </a:solidFill>
+                          <a:latin typeface="Cambria Math"/>
+                          <a:ea typeface="Cambria Math"/>
+                        </a:rPr>
+                        <m:t>𝑦</m:t>
+                      </m:r>
+                      <m:r>
+                        <a:rPr lang="de-DE" sz="3600" b="0" i="1" smtClean="0">
+                          <a:solidFill>
+                            <a:schemeClr val="tx1"/>
+                          </a:solidFill>
+                          <a:latin typeface="Cambria Math"/>
+                          <a:ea typeface="Cambria Math"/>
+                        </a:rPr>
+                        <m:t>:</m:t>
+                      </m:r>
+                      <m:r>
+                        <a:rPr lang="de-DE" sz="3600" b="0" i="1" smtClean="0">
+                          <a:solidFill>
+                            <a:schemeClr val="tx1"/>
+                          </a:solidFill>
+                          <a:latin typeface="Cambria Math"/>
+                          <a:ea typeface="Cambria Math"/>
+                        </a:rPr>
+                        <m:t>𝑆</m:t>
+                      </m:r>
+                      <m:d>
+                        <m:dPr>
+                          <m:ctrlPr>
+                            <a:rPr lang="de-DE" sz="3600" b="0" i="1" smtClean="0">
+                              <a:solidFill>
+                                <a:schemeClr val="tx1"/>
+                              </a:solidFill>
+                              <a:latin typeface="Cambria Math"/>
+                              <a:ea typeface="Cambria Math"/>
+                            </a:rPr>
+                          </m:ctrlPr>
+                        </m:dPr>
+                        <m:e>
+                          <m:r>
+                            <a:rPr lang="de-DE" sz="3600" b="0" i="1" smtClean="0">
+                              <a:solidFill>
+                                <a:schemeClr val="tx1"/>
+                              </a:solidFill>
+                              <a:latin typeface="Cambria Math"/>
+                              <a:ea typeface="Cambria Math"/>
+                            </a:rPr>
+                            <m:t>𝑥</m:t>
+                          </m:r>
+                        </m:e>
+                      </m:d>
+                      <m:r>
+                        <a:rPr lang="de-DE" sz="3600" i="1">
+                          <a:latin typeface="Cambria Math"/>
+                          <a:ea typeface="Cambria Math"/>
+                        </a:rPr>
+                        <m:t>∧</m:t>
+                      </m:r>
+                      <m:r>
+                        <a:rPr lang="de-DE" sz="3600" i="1">
+                          <a:latin typeface="Cambria Math"/>
+                          <a:ea typeface="Cambria Math"/>
+                        </a:rPr>
+                        <m:t>𝑇</m:t>
+                      </m:r>
+                      <m:d>
+                        <m:dPr>
+                          <m:ctrlPr>
+                            <a:rPr lang="de-DE" sz="3600" i="1">
+                              <a:latin typeface="Cambria Math"/>
+                              <a:ea typeface="Cambria Math"/>
+                            </a:rPr>
+                          </m:ctrlPr>
+                        </m:dPr>
+                        <m:e>
+                          <m:r>
+                            <a:rPr lang="de-DE" sz="3600" i="1">
+                              <a:latin typeface="Cambria Math"/>
+                              <a:ea typeface="Cambria Math"/>
+                            </a:rPr>
+                            <m:t>𝑦</m:t>
+                          </m:r>
+                        </m:e>
+                      </m:d>
+                      <m:r>
+                        <a:rPr lang="de-DE" sz="3600" i="1">
+                          <a:latin typeface="Cambria Math"/>
+                          <a:ea typeface="Cambria Math"/>
+                        </a:rPr>
+                        <m:t>∧</m:t>
+                      </m:r>
+                      <m:r>
+                        <a:rPr lang="de-DE" sz="3600" b="0" i="1" smtClean="0">
+                          <a:latin typeface="Cambria Math"/>
+                          <a:ea typeface="Cambria Math"/>
+                        </a:rPr>
+                        <m:t>𝑅</m:t>
+                      </m:r>
+                      <m:d>
+                        <m:dPr>
+                          <m:ctrlPr>
+                            <a:rPr lang="de-DE" sz="3600" i="1">
+                              <a:latin typeface="Cambria Math"/>
+                              <a:ea typeface="Cambria Math"/>
+                            </a:rPr>
+                          </m:ctrlPr>
+                        </m:dPr>
+                        <m:e>
+                          <m:r>
+                            <a:rPr lang="de-DE" sz="3600" i="1">
+                              <a:latin typeface="Cambria Math"/>
+                              <a:ea typeface="Cambria Math"/>
+                            </a:rPr>
+                            <m:t>𝑥</m:t>
+                          </m:r>
+                          <m:r>
+                            <a:rPr lang="de-DE" sz="3600" i="1">
+                              <a:latin typeface="Cambria Math"/>
+                              <a:ea typeface="Cambria Math"/>
+                            </a:rPr>
+                            <m:t>, </m:t>
+                          </m:r>
+                          <m:r>
+                            <a:rPr lang="de-DE" sz="3600" i="1">
+                              <a:latin typeface="Cambria Math"/>
+                              <a:ea typeface="Cambria Math"/>
+                            </a:rPr>
+                            <m:t>𝑦</m:t>
+                          </m:r>
+                        </m:e>
+                      </m:d>
+                    </m:oMath>
+                  </m:oMathPara>
+                </a14:m>
+                <a:endParaRPr lang="de-DE" sz="3600" b="0" i="1" dirty="0" smtClean="0">
+                  <a:latin typeface="Cambria Math"/>
+                  <a:ea typeface="Cambria Math"/>
+                </a:endParaRPr>
+              </a:p>
+              <a:p>
+                <a:pPr>
+                  <a:lnSpc>
+                    <a:spcPct val="150000"/>
+                  </a:lnSpc>
+                </a:pPr>
+                <a:r>
+                  <a:rPr lang="de-DE" sz="3600" dirty="0" smtClean="0">
+                    <a:ea typeface="Cambria Math"/>
+                  </a:rPr>
+                  <a:t>     </a:t>
+                </a:r>
+                <a14:m>
+                  <m:oMath xmlns:m="http://schemas.openxmlformats.org/officeDocument/2006/math">
+                    <m:r>
+                      <a:rPr lang="de-DE" sz="3600" i="1">
+                        <a:latin typeface="Cambria Math"/>
+                        <a:ea typeface="Cambria Math"/>
+                      </a:rPr>
+                      <m:t>∧</m:t>
+                    </m:r>
+                    <m:r>
+                      <a:rPr lang="de-DE" sz="3600" i="1" smtClean="0">
+                        <a:solidFill>
+                          <a:schemeClr val="tx1"/>
+                        </a:solidFill>
+                        <a:latin typeface="Cambria Math"/>
+                        <a:ea typeface="Cambria Math"/>
+                      </a:rPr>
+                      <m:t>¬</m:t>
+                    </m:r>
+                    <m:r>
+                      <a:rPr lang="de-DE" sz="3600" i="1">
+                        <a:solidFill>
+                          <a:schemeClr val="tx1"/>
+                        </a:solidFill>
+                        <a:latin typeface="Cambria Math"/>
+                        <a:ea typeface="Cambria Math"/>
+                      </a:rPr>
+                      <m:t>∃</m:t>
+                    </m:r>
+                    <m:r>
+                      <a:rPr lang="de-DE" sz="3600" b="0" i="1" smtClean="0">
+                        <a:solidFill>
+                          <a:schemeClr val="tx1"/>
+                        </a:solidFill>
+                        <a:latin typeface="Cambria Math"/>
+                        <a:ea typeface="Cambria Math"/>
+                      </a:rPr>
+                      <m:t>𝑧</m:t>
+                    </m:r>
+                    <m:r>
+                      <a:rPr lang="de-DE" sz="3600" i="1">
+                        <a:solidFill>
+                          <a:schemeClr val="tx1"/>
+                        </a:solidFill>
+                        <a:latin typeface="Cambria Math"/>
+                        <a:ea typeface="Cambria Math"/>
+                      </a:rPr>
+                      <m:t>:</m:t>
+                    </m:r>
+                    <m:r>
+                      <a:rPr lang="de-DE" sz="3600" b="0" i="1" smtClean="0">
+                        <a:solidFill>
+                          <a:schemeClr val="accent3"/>
+                        </a:solidFill>
+                        <a:latin typeface="Cambria Math"/>
+                        <a:ea typeface="Cambria Math"/>
+                      </a:rPr>
+                      <m:t>𝑦</m:t>
+                    </m:r>
+                    <m:r>
+                      <a:rPr lang="de-DE" sz="3600" b="0" i="1" smtClean="0">
+                        <a:solidFill>
+                          <a:schemeClr val="accent3"/>
+                        </a:solidFill>
+                        <a:latin typeface="Cambria Math"/>
+                        <a:ea typeface="Cambria Math"/>
+                      </a:rPr>
+                      <m:t>=</m:t>
+                    </m:r>
+                    <m:r>
+                      <a:rPr lang="de-DE" sz="3600" b="0" i="1" smtClean="0">
+                        <a:solidFill>
+                          <a:schemeClr val="accent3"/>
+                        </a:solidFill>
+                        <a:latin typeface="Cambria Math"/>
+                        <a:ea typeface="Cambria Math"/>
+                      </a:rPr>
+                      <m:t>𝑧</m:t>
+                    </m:r>
+                    <m:r>
+                      <a:rPr lang="de-DE" sz="3600" i="1">
+                        <a:latin typeface="Cambria Math"/>
+                        <a:ea typeface="Cambria Math"/>
+                      </a:rPr>
+                      <m:t>∧</m:t>
+                    </m:r>
+                    <m:r>
+                      <a:rPr lang="de-DE" sz="3600" b="0" i="1" smtClean="0">
+                        <a:latin typeface="Cambria Math"/>
+                        <a:ea typeface="Cambria Math"/>
+                      </a:rPr>
+                      <m:t>𝑃</m:t>
+                    </m:r>
+                    <m:d>
+                      <m:dPr>
+                        <m:ctrlPr>
+                          <a:rPr lang="de-DE" sz="3600" b="0" i="1" smtClean="0">
+                            <a:latin typeface="Cambria Math"/>
+                            <a:ea typeface="Cambria Math"/>
+                          </a:rPr>
+                        </m:ctrlPr>
+                      </m:dPr>
+                      <m:e>
+                        <m:r>
+                          <a:rPr lang="de-DE" sz="3600" b="0" i="1" smtClean="0">
+                            <a:latin typeface="Cambria Math"/>
+                            <a:ea typeface="Cambria Math"/>
+                          </a:rPr>
+                          <m:t>𝑥</m:t>
+                        </m:r>
+                        <m:r>
+                          <a:rPr lang="de-DE" sz="3600" b="0" i="1" smtClean="0">
+                            <a:latin typeface="Cambria Math"/>
+                            <a:ea typeface="Cambria Math"/>
+                          </a:rPr>
+                          <m:t>, </m:t>
+                        </m:r>
+                        <m:r>
+                          <a:rPr lang="de-DE" sz="3600" b="0" i="1" smtClean="0">
+                            <a:latin typeface="Cambria Math"/>
+                            <a:ea typeface="Cambria Math"/>
+                          </a:rPr>
+                          <m:t>𝑧</m:t>
+                        </m:r>
+                      </m:e>
+                    </m:d>
+                  </m:oMath>
+                </a14:m>
+                <a:endParaRPr lang="de-DE" sz="3600" dirty="0">
+                  <a:solidFill>
+                    <a:schemeClr val="tx1"/>
+                  </a:solidFill>
+                </a:endParaRPr>
+              </a:p>
+            </p:txBody>
+          </p:sp>
+        </mc:Choice>
+        <mc:Fallback>
+          <p:sp>
+            <p:nvSpPr>
+              <p:cNvPr id="9" name="Rechteck 8"/>
+              <p:cNvSpPr>
+                <a:spLocks noRot="1" noChangeAspect="1" noMove="1" noResize="1" noEditPoints="1" noAdjustHandles="1" noChangeArrowheads="1" noChangeShapeType="1" noTextEdit="1"/>
+              </p:cNvSpPr>
+              <p:nvPr/>
+            </p:nvSpPr>
+            <p:spPr>
+              <a:xfrm>
+                <a:off x="5303912" y="2852936"/>
+                <a:ext cx="6624736" cy="1651671"/>
+              </a:xfrm>
+              <a:prstGeom prst="rect">
+                <a:avLst/>
+              </a:prstGeom>
+              <a:blipFill rotWithShape="1">
+                <a:blip r:embed="rId2"/>
+                <a:stretch>
+                  <a:fillRect/>
+                </a:stretch>
+              </a:blipFill>
+            </p:spPr>
+            <p:txBody>
+              <a:bodyPr/>
+              <a:lstStyle/>
+              <a:p>
+                <a:r>
+                  <a:rPr lang="de-DE">
+                    <a:noFill/>
+                  </a:rPr>
+                  <a:t> </a:t>
+                </a:r>
+              </a:p>
+            </p:txBody>
+          </p:sp>
+        </mc:Fallback>
+      </mc:AlternateContent>
+      <p:sp>
+        <p:nvSpPr>
+          <p:cNvPr id="8" name="Inhaltsplatzhalter 1"/>
+          <p:cNvSpPr txBox="1">
+            <a:spLocks/>
+          </p:cNvSpPr>
+          <p:nvPr/>
+        </p:nvSpPr>
+        <p:spPr>
+          <a:xfrm>
+            <a:off x="263352" y="1556792"/>
+            <a:ext cx="11665296" cy="1008112"/>
+          </a:xfrm>
+          <a:prstGeom prst="rect">
+            <a:avLst/>
+          </a:prstGeom>
+        </p:spPr>
+        <p:txBody>
+          <a:bodyPr anchor="ctr"/>
+          <a:lstStyle>
+            <a:lvl1pPr marL="228600" indent="-228600" algn="l" defTabSz="914400" rtl="0" eaLnBrk="1" latinLnBrk="0" hangingPunct="1">
+              <a:lnSpc>
+                <a:spcPct val="90000"/>
+              </a:lnSpc>
+              <a:spcBef>
+                <a:spcPts val="1000"/>
+              </a:spcBef>
+              <a:buFont typeface="Arial" panose="020B0604020202020204" pitchFamily="34" charset="0"/>
+              <a:buChar char="•"/>
+              <a:defRPr sz="2800" kern="1200">
+                <a:solidFill>
+                  <a:schemeClr val="tx1"/>
+                </a:solidFill>
+                <a:latin typeface="Roboto Light" panose="02000000000000000000" pitchFamily="2" charset="0"/>
+                <a:ea typeface="Roboto Light" panose="02000000000000000000" pitchFamily="2" charset="0"/>
+                <a:cs typeface="+mn-cs"/>
+              </a:defRPr>
+            </a:lvl1pPr>
+            <a:lvl2pPr marL="685800" indent="-228600" algn="l" defTabSz="914400" rtl="0" eaLnBrk="1" latinLnBrk="0" hangingPunct="1">
+              <a:lnSpc>
+                <a:spcPct val="90000"/>
+              </a:lnSpc>
+              <a:spcBef>
+                <a:spcPts val="500"/>
+              </a:spcBef>
+              <a:buFont typeface="Arial" panose="020B0604020202020204" pitchFamily="34" charset="0"/>
+              <a:buChar char="•"/>
+              <a:defRPr sz="2400" kern="1200">
+                <a:solidFill>
+                  <a:schemeClr val="tx1"/>
+                </a:solidFill>
+                <a:latin typeface="Roboto Light" panose="02000000000000000000" pitchFamily="2" charset="0"/>
+                <a:ea typeface="Roboto Light" panose="02000000000000000000" pitchFamily="2" charset="0"/>
+                <a:cs typeface="+mn-cs"/>
+              </a:defRPr>
+            </a:lvl2pPr>
+            <a:lvl3pPr marL="1143000" indent="-228600" algn="l" defTabSz="914400" rtl="0" eaLnBrk="1" latinLnBrk="0" hangingPunct="1">
+              <a:lnSpc>
+                <a:spcPct val="90000"/>
+              </a:lnSpc>
+              <a:spcBef>
+                <a:spcPts val="500"/>
+              </a:spcBef>
+              <a:buFont typeface="Arial" panose="020B0604020202020204" pitchFamily="34" charset="0"/>
+              <a:buChar char="•"/>
+              <a:defRPr sz="2000" kern="1200">
+                <a:solidFill>
+                  <a:schemeClr val="tx1"/>
+                </a:solidFill>
+                <a:latin typeface="Roboto Light" panose="02000000000000000000" pitchFamily="2" charset="0"/>
+                <a:ea typeface="Roboto Light" panose="02000000000000000000" pitchFamily="2" charset="0"/>
+                <a:cs typeface="+mn-cs"/>
+              </a:defRPr>
+            </a:lvl3pPr>
+            <a:lvl4pPr marL="1600200" indent="-228600" algn="l" defTabSz="914400" rtl="0" eaLnBrk="1" latinLnBrk="0" hangingPunct="1">
+              <a:lnSpc>
+                <a:spcPct val="90000"/>
+              </a:lnSpc>
+              <a:spcBef>
+                <a:spcPts val="500"/>
+              </a:spcBef>
+              <a:buFont typeface="Arial" panose="020B0604020202020204" pitchFamily="34" charset="0"/>
+              <a:buChar char="•"/>
+              <a:defRPr sz="1800" kern="1200">
+                <a:solidFill>
+                  <a:schemeClr val="tx1"/>
+                </a:solidFill>
+                <a:latin typeface="Roboto Light" panose="02000000000000000000" pitchFamily="2" charset="0"/>
+                <a:ea typeface="Roboto Light" panose="02000000000000000000" pitchFamily="2" charset="0"/>
+                <a:cs typeface="+mn-cs"/>
+              </a:defRPr>
+            </a:lvl4pPr>
+            <a:lvl5pPr marL="2057400" indent="-228600" algn="l" defTabSz="914400" rtl="0" eaLnBrk="1" latinLnBrk="0" hangingPunct="1">
+              <a:lnSpc>
+                <a:spcPct val="90000"/>
+              </a:lnSpc>
+              <a:spcBef>
+                <a:spcPts val="500"/>
+              </a:spcBef>
+              <a:buFont typeface="Arial" panose="020B0604020202020204" pitchFamily="34" charset="0"/>
+              <a:buChar char="•"/>
+              <a:defRPr sz="1800" kern="1200">
+                <a:solidFill>
+                  <a:schemeClr val="tx1"/>
+                </a:solidFill>
+                <a:latin typeface="Roboto Light" panose="02000000000000000000" pitchFamily="2" charset="0"/>
+                <a:ea typeface="Roboto Light" panose="02000000000000000000" pitchFamily="2" charset="0"/>
+                <a:cs typeface="+mn-cs"/>
+              </a:defRPr>
+            </a:lvl5pPr>
+            <a:lvl6pPr marL="2514600" indent="-228600" algn="l" defTabSz="914400" rtl="0" eaLnBrk="1" latinLnBrk="0" hangingPunct="1">
+              <a:lnSpc>
+                <a:spcPct val="90000"/>
+              </a:lnSpc>
+              <a:spcBef>
+                <a:spcPts val="500"/>
+              </a:spcBef>
+              <a:buFont typeface="Arial" panose="020B0604020202020204" pitchFamily="34" charset="0"/>
+              <a:buChar char="•"/>
+              <a:defRPr sz="1800" kern="1200">
+                <a:solidFill>
+                  <a:schemeClr val="tx1"/>
+                </a:solidFill>
+                <a:latin typeface="+mn-lt"/>
+                <a:ea typeface="+mn-ea"/>
+                <a:cs typeface="+mn-cs"/>
+              </a:defRPr>
+            </a:lvl6pPr>
+            <a:lvl7pPr marL="2971800" indent="-228600" algn="l" defTabSz="914400" rtl="0" eaLnBrk="1" latinLnBrk="0" hangingPunct="1">
+              <a:lnSpc>
+                <a:spcPct val="90000"/>
+              </a:lnSpc>
+              <a:spcBef>
+                <a:spcPts val="500"/>
+              </a:spcBef>
+              <a:buFont typeface="Arial" panose="020B0604020202020204" pitchFamily="34" charset="0"/>
+              <a:buChar char="•"/>
+              <a:defRPr sz="1800" kern="1200">
+                <a:solidFill>
+                  <a:schemeClr val="tx1"/>
+                </a:solidFill>
+                <a:latin typeface="+mn-lt"/>
+                <a:ea typeface="+mn-ea"/>
+                <a:cs typeface="+mn-cs"/>
+              </a:defRPr>
+            </a:lvl7pPr>
+            <a:lvl8pPr marL="3429000" indent="-228600" algn="l" defTabSz="914400" rtl="0" eaLnBrk="1" latinLnBrk="0" hangingPunct="1">
+              <a:lnSpc>
+                <a:spcPct val="90000"/>
+              </a:lnSpc>
+              <a:spcBef>
+                <a:spcPts val="500"/>
+              </a:spcBef>
+              <a:buFont typeface="Arial" panose="020B0604020202020204" pitchFamily="34" charset="0"/>
+              <a:buChar char="•"/>
+              <a:defRPr sz="1800" kern="1200">
+                <a:solidFill>
+                  <a:schemeClr val="tx1"/>
+                </a:solidFill>
+                <a:latin typeface="+mn-lt"/>
+                <a:ea typeface="+mn-ea"/>
+                <a:cs typeface="+mn-cs"/>
+              </a:defRPr>
+            </a:lvl8pPr>
+            <a:lvl9pPr marL="3886200" indent="-228600" algn="l" defTabSz="914400" rtl="0" eaLnBrk="1" latinLnBrk="0" hangingPunct="1">
+              <a:lnSpc>
+                <a:spcPct val="90000"/>
+              </a:lnSpc>
+              <a:spcBef>
+                <a:spcPts val="500"/>
+              </a:spcBef>
+              <a:buFont typeface="Arial" panose="020B0604020202020204" pitchFamily="34" charset="0"/>
+              <a:buChar char="•"/>
+              <a:defRPr sz="1800" kern="1200">
+                <a:solidFill>
+                  <a:schemeClr val="tx1"/>
+                </a:solidFill>
+                <a:latin typeface="+mn-lt"/>
+                <a:ea typeface="+mn-ea"/>
+                <a:cs typeface="+mn-cs"/>
+              </a:defRPr>
+            </a:lvl9pPr>
+          </a:lstStyle>
+          <a:p>
+            <a:pPr marL="0" indent="0" algn="ctr">
+              <a:lnSpc>
+                <a:spcPct val="150000"/>
+              </a:lnSpc>
+              <a:buNone/>
+            </a:pPr>
+            <a:r>
+              <a:rPr lang="de-DE" dirty="0" err="1" smtClean="0"/>
+              <a:t>Koreferenzen</a:t>
+            </a:r>
+            <a:r>
+              <a:rPr lang="de-DE" dirty="0" smtClean="0"/>
+              <a:t>:</a:t>
+            </a:r>
+            <a:endParaRPr lang="de-DE" dirty="0" smtClean="0"/>
+          </a:p>
+        </p:txBody>
+      </p:sp>
+      <p:pic>
+        <p:nvPicPr>
+          <p:cNvPr id="11" name="Picture 5"/>
+          <p:cNvPicPr>
+            <a:picLocks noChangeAspect="1" noChangeArrowheads="1"/>
+          </p:cNvPicPr>
+          <p:nvPr/>
+        </p:nvPicPr>
+        <p:blipFill>
+          <a:blip r:embed="rId3" cstate="print">
+            <a:extLst>
+              <a:ext uri="{28A0092B-C50C-407E-A947-70E740481C1C}">
+                <a14:useLocalDpi xmlns:a14="http://schemas.microsoft.com/office/drawing/2010/main" val="0"/>
+              </a:ext>
+            </a:extLst>
+          </a:blip>
+          <a:stretch>
+            <a:fillRect/>
+          </a:stretch>
+        </p:blipFill>
+        <p:spPr bwMode="auto">
+          <a:xfrm>
+            <a:off x="911424" y="2622237"/>
+            <a:ext cx="3754747" cy="2470837"/>
+          </a:xfrm>
+          <a:prstGeom prst="rect">
+            <a:avLst/>
+          </a:prstGeom>
+          <a:noFill/>
+          <a:extLst>
+            <a:ext uri="{909E8E84-426E-40DD-AFC4-6F175D3DCCD1}">
+              <a14:hiddenFill xmlns:a14="http://schemas.microsoft.com/office/drawing/2010/main">
+                <a:solidFill>
+                  <a:srgbClr val="FFFFFF"/>
+                </a:solidFill>
+              </a14:hiddenFill>
+            </a:ext>
+          </a:extLst>
+        </p:spPr>
+      </p:pic>
+      <mc:AlternateContent xmlns:mc="http://schemas.openxmlformats.org/markup-compatibility/2006">
+        <mc:Choice xmlns:a14="http://schemas.microsoft.com/office/drawing/2010/main" Requires="a14">
+          <p:sp>
+            <p:nvSpPr>
+              <p:cNvPr id="18" name="Rechteck 17"/>
+              <p:cNvSpPr/>
+              <p:nvPr/>
+            </p:nvSpPr>
+            <p:spPr>
+              <a:xfrm>
+                <a:off x="6744072" y="3741415"/>
+                <a:ext cx="4680520" cy="864096"/>
+              </a:xfrm>
+              <a:prstGeom prst="rect">
+                <a:avLst/>
+              </a:prstGeom>
+              <a:solidFill>
+                <a:schemeClr val="bg1"/>
+              </a:solidFill>
+              <a:ln>
+                <a:solidFill>
+                  <a:schemeClr val="bg1"/>
+                </a:solidFill>
+              </a:ln>
+            </p:spPr>
+            <p:style>
+              <a:lnRef idx="2">
+                <a:schemeClr val="accent1">
+                  <a:shade val="50000"/>
+                </a:schemeClr>
+              </a:lnRef>
+              <a:fillRef idx="1">
+                <a:schemeClr val="accent1"/>
+              </a:fillRef>
+              <a:effectRef idx="0">
+                <a:schemeClr val="accent1"/>
+              </a:effectRef>
+              <a:fontRef idx="minor">
+                <a:schemeClr val="lt1"/>
+              </a:fontRef>
+            </p:style>
+            <p:txBody>
+              <a:bodyPr rtlCol="0" anchor="ctr"/>
+              <a:lstStyle/>
+              <a:p>
+                <a:pPr/>
+                <a14:m>
+                  <m:oMathPara xmlns:m="http://schemas.openxmlformats.org/officeDocument/2006/math">
+                    <m:oMathParaPr>
+                      <m:jc m:val="left"/>
+                    </m:oMathParaPr>
+                    <m:oMath xmlns:m="http://schemas.openxmlformats.org/officeDocument/2006/math">
+                      <m:r>
+                        <a:rPr lang="de-DE" sz="3600" b="0" i="1" smtClean="0">
+                          <a:solidFill>
+                            <a:schemeClr val="tx1"/>
+                          </a:solidFill>
+                          <a:latin typeface="Cambria Math"/>
+                          <a:ea typeface="Cambria Math"/>
+                        </a:rPr>
+                        <m:t>𝑃</m:t>
+                      </m:r>
+                      <m:r>
+                        <a:rPr lang="de-DE" sz="3600" b="0" i="1" smtClean="0">
+                          <a:solidFill>
+                            <a:schemeClr val="tx1"/>
+                          </a:solidFill>
+                          <a:latin typeface="Cambria Math"/>
+                          <a:ea typeface="Cambria Math"/>
+                        </a:rPr>
+                        <m:t>(</m:t>
+                      </m:r>
+                      <m:r>
+                        <a:rPr lang="de-DE" sz="3600" b="0" i="1" smtClean="0">
+                          <a:solidFill>
+                            <a:schemeClr val="tx1"/>
+                          </a:solidFill>
+                          <a:latin typeface="Cambria Math"/>
+                          <a:ea typeface="Cambria Math"/>
+                        </a:rPr>
+                        <m:t>𝑥</m:t>
+                      </m:r>
+                      <m:r>
+                        <a:rPr lang="de-DE" sz="3600" b="0" i="1" smtClean="0">
+                          <a:solidFill>
+                            <a:schemeClr val="tx1"/>
+                          </a:solidFill>
+                          <a:latin typeface="Cambria Math"/>
+                          <a:ea typeface="Cambria Math"/>
+                        </a:rPr>
+                        <m:t>, </m:t>
+                      </m:r>
+                      <m:r>
+                        <a:rPr lang="de-DE" sz="3600" b="0" i="1" smtClean="0">
+                          <a:solidFill>
+                            <a:schemeClr val="tx1"/>
+                          </a:solidFill>
+                          <a:latin typeface="Cambria Math"/>
+                          <a:ea typeface="Cambria Math"/>
+                        </a:rPr>
+                        <m:t>𝑦</m:t>
+                      </m:r>
+                      <m:r>
+                        <a:rPr lang="de-DE" sz="3600" b="0" i="1" smtClean="0">
+                          <a:solidFill>
+                            <a:schemeClr val="tx1"/>
+                          </a:solidFill>
+                          <a:latin typeface="Cambria Math"/>
+                          <a:ea typeface="Cambria Math"/>
+                        </a:rPr>
+                        <m:t>)</m:t>
+                      </m:r>
+                    </m:oMath>
+                  </m:oMathPara>
+                </a14:m>
+                <a:endParaRPr lang="de-DE" sz="3600" dirty="0">
+                  <a:solidFill>
+                    <a:schemeClr val="tx1"/>
+                  </a:solidFill>
+                  <a:latin typeface="Roboto Light" panose="02000000000000000000" pitchFamily="2" charset="0"/>
+                  <a:ea typeface="Roboto Light" panose="02000000000000000000" pitchFamily="2" charset="0"/>
+                </a:endParaRPr>
+              </a:p>
+            </p:txBody>
+          </p:sp>
+        </mc:Choice>
+        <mc:Fallback>
+          <p:sp>
+            <p:nvSpPr>
+              <p:cNvPr id="18" name="Rechteck 17"/>
+              <p:cNvSpPr>
+                <a:spLocks noRot="1" noChangeAspect="1" noMove="1" noResize="1" noEditPoints="1" noAdjustHandles="1" noChangeArrowheads="1" noChangeShapeType="1" noTextEdit="1"/>
+              </p:cNvSpPr>
+              <p:nvPr/>
+            </p:nvSpPr>
+            <p:spPr>
+              <a:xfrm>
+                <a:off x="6744072" y="3741415"/>
+                <a:ext cx="4680520" cy="864096"/>
+              </a:xfrm>
+              <a:prstGeom prst="rect">
+                <a:avLst/>
+              </a:prstGeom>
+              <a:blipFill rotWithShape="1">
+                <a:blip r:embed="rId4"/>
+                <a:stretch>
+                  <a:fillRect/>
+                </a:stretch>
+              </a:blipFill>
+              <a:ln>
+                <a:solidFill>
+                  <a:schemeClr val="bg1"/>
+                </a:solidFill>
+              </a:ln>
+            </p:spPr>
+            <p:txBody>
+              <a:bodyPr/>
+              <a:lstStyle/>
+              <a:p>
+                <a:r>
+                  <a:rPr lang="de-DE">
+                    <a:noFill/>
+                  </a:rPr>
+                  <a:t> </a:t>
+                </a:r>
+              </a:p>
+            </p:txBody>
+          </p:sp>
+        </mc:Fallback>
+      </mc:AlternateContent>
+    </p:spTree>
+    <p:extLst>
+      <p:ext uri="{BB962C8B-B14F-4D97-AF65-F5344CB8AC3E}">
+        <p14:creationId xmlns:p14="http://schemas.microsoft.com/office/powerpoint/2010/main" val="1162095577"/>
+      </p:ext>
+    </p:extLst>
+  </p:cSld>
+  <p:clrMapOvr>
+    <a:masterClrMapping/>
+  </p:clrMapOvr>
+  <p:timing>
+    <p:tnLst>
+      <p:par>
+        <p:cTn id="1" dur="indefinite" restart="never" nodeType="tmRoot">
+          <p:childTnLst>
+            <p:seq concurrent="1" nextAc="seek">
+              <p:cTn id="2" dur="indefinite" nodeType="mainSeq">
+                <p:childTnLst>
+                  <p:par>
+                    <p:cTn id="3" fill="hold">
+                      <p:stCondLst>
+                        <p:cond delay="indefinite"/>
+                      </p:stCondLst>
+                      <p:childTnLst>
+                        <p:par>
+                          <p:cTn id="4" fill="hold">
+                            <p:stCondLst>
+                              <p:cond delay="0"/>
+                            </p:stCondLst>
+                            <p:childTnLst>
+                              <p:par>
+                                <p:cTn id="5" presetID="1" presetClass="entr" presetSubtype="0" fill="hold" grpId="0" nodeType="clickEffect">
+                                  <p:stCondLst>
+                                    <p:cond delay="0"/>
+                                  </p:stCondLst>
+                                  <p:childTnLst>
+                                    <p:set>
+                                      <p:cBhvr>
+                                        <p:cTn id="6" dur="1" fill="hold">
+                                          <p:stCondLst>
+                                            <p:cond delay="0"/>
+                                          </p:stCondLst>
+                                        </p:cTn>
+                                        <p:tgtEl>
+                                          <p:spTgt spid="18"/>
+                                        </p:tgtEl>
+                                        <p:attrNameLst>
+                                          <p:attrName>style.visibility</p:attrName>
+                                        </p:attrNameLst>
+                                      </p:cBhvr>
+                                      <p:to>
+                                        <p:strVal val="visible"/>
+                                      </p:to>
+                                    </p:set>
+                                  </p:childTnLst>
+                                </p:cTn>
+                              </p:par>
+                            </p:childTnLst>
+                          </p:cTn>
+                        </p:par>
+                      </p:childTnLst>
+                    </p:cTn>
+                  </p:par>
+                </p:childTnLst>
+              </p:cTn>
+              <p:prevCondLst>
+                <p:cond evt="onPrev" delay="0">
+                  <p:tgtEl>
+                    <p:sldTgt/>
+                  </p:tgtEl>
+                </p:cond>
+              </p:prevCondLst>
+              <p:nextCondLst>
+                <p:cond evt="onNext" delay="0">
+                  <p:tgtEl>
+                    <p:sldTgt/>
+                  </p:tgtEl>
+                </p:cond>
+              </p:nextCondLst>
+            </p:seq>
+          </p:childTnLst>
+        </p:cTn>
+      </p:par>
+    </p:tnLst>
+    <p:bldLst>
+      <p:bldP spid="18" grpId="0" animBg="1"/>
+    </p:bldLst>
+  </p:timing>
+</p:sld>
+</file>
+
+<file path=ppt/slides/slide13.xml><?xml version="1.0" encoding="utf-8"?>
+<p:sld xmlns:a="http://schemas.openxmlformats.org/drawingml/2006/main" xmlns:r="http://schemas.openxmlformats.org/officeDocument/2006/relationships" xmlns:p="http://schemas.openxmlformats.org/presentationml/2006/main">
+  <p:cSld>
+    <p:spTree>
+      <p:nvGrpSpPr>
+        <p:cNvPr id="1" name=""/>
+        <p:cNvGrpSpPr/>
+        <p:nvPr/>
+      </p:nvGrpSpPr>
+      <p:grpSpPr>
+        <a:xfrm>
+          <a:off x="0" y="0"/>
+          <a:ext cx="0" cy="0"/>
+          <a:chOff x="0" y="0"/>
+          <a:chExt cx="0" cy="0"/>
+        </a:xfrm>
+      </p:grpSpPr>
+      <p:sp>
+        <p:nvSpPr>
+          <p:cNvPr id="2" name="Foliennummernplatzhalter 1"/>
+          <p:cNvSpPr>
+            <a:spLocks noGrp="1"/>
+          </p:cNvSpPr>
+          <p:nvPr>
+            <p:ph type="sldNum" sz="quarter" idx="12"/>
+          </p:nvPr>
+        </p:nvSpPr>
+        <p:spPr>
+          <a:xfrm>
+            <a:off x="8610600" y="6356351"/>
+            <a:ext cx="2743200" cy="365125"/>
+          </a:xfrm>
+        </p:spPr>
+        <p:txBody>
+          <a:bodyPr/>
+          <a:lstStyle/>
+          <a:p>
+            <a:fld id="{F4DAF760-8A09-427D-9634-9AF01F07ABD5}" type="slidenum">
+              <a:rPr lang="de-DE" smtClean="0"/>
+              <a:t>13</a:t>
+            </a:fld>
+            <a:endParaRPr lang="de-DE" dirty="0"/>
+          </a:p>
+        </p:txBody>
+      </p:sp>
+      <p:sp>
+        <p:nvSpPr>
+          <p:cNvPr id="3" name="Titel 2"/>
+          <p:cNvSpPr>
+            <a:spLocks noGrp="1"/>
+          </p:cNvSpPr>
+          <p:nvPr>
+            <p:ph type="title"/>
+          </p:nvPr>
+        </p:nvSpPr>
+        <p:spPr>
+          <a:xfrm>
+            <a:off x="767408" y="191766"/>
+            <a:ext cx="10586392" cy="662782"/>
+          </a:xfrm>
+        </p:spPr>
+        <p:txBody>
+          <a:bodyPr/>
+          <a:lstStyle/>
+          <a:p>
+            <a:r>
+              <a:rPr lang="de-DE" sz="2400" b="1" dirty="0" smtClean="0"/>
+              <a:t>Ontologie:</a:t>
+            </a:r>
+            <a:r>
+              <a:rPr lang="de-DE" sz="2400" dirty="0" smtClean="0"/>
+              <a:t>	</a:t>
+            </a:r>
+            <a:r>
+              <a:rPr lang="de-DE" dirty="0" smtClean="0"/>
+              <a:t>Modale Kontexte</a:t>
+            </a:r>
+            <a:endParaRPr lang="de-DE" dirty="0"/>
+          </a:p>
+        </p:txBody>
+      </p:sp>
+      <mc:AlternateContent xmlns:mc="http://schemas.openxmlformats.org/markup-compatibility/2006">
+        <mc:Choice xmlns:a14="http://schemas.microsoft.com/office/drawing/2010/main" Requires="a14">
+          <p:sp>
+            <p:nvSpPr>
+              <p:cNvPr id="9" name="Rechteck 8"/>
+              <p:cNvSpPr/>
+              <p:nvPr/>
+            </p:nvSpPr>
+            <p:spPr>
+              <a:xfrm>
+                <a:off x="4727848" y="4581128"/>
+                <a:ext cx="6840760" cy="923330"/>
+              </a:xfrm>
+              <a:prstGeom prst="rect">
+                <a:avLst/>
+              </a:prstGeom>
+            </p:spPr>
+            <p:txBody>
+              <a:bodyPr wrap="square">
+                <a:spAutoFit/>
+              </a:bodyPr>
+              <a:lstStyle/>
+              <a:p>
+                <a:pPr>
+                  <a:lnSpc>
+                    <a:spcPct val="150000"/>
+                  </a:lnSpc>
+                </a:pPr>
+                <a14:m>
+                  <m:oMathPara xmlns:m="http://schemas.openxmlformats.org/officeDocument/2006/math">
+                    <m:oMathParaPr>
+                      <m:jc m:val="center"/>
+                    </m:oMathParaPr>
+                    <m:oMath xmlns:m="http://schemas.openxmlformats.org/officeDocument/2006/math">
+                      <m:r>
+                        <a:rPr lang="de-DE" sz="3600" i="1" smtClean="0">
+                          <a:solidFill>
+                            <a:schemeClr val="accent3"/>
+                          </a:solidFill>
+                          <a:latin typeface="Cambria Math"/>
+                          <a:ea typeface="Cambria Math"/>
+                        </a:rPr>
+                        <m:t>∃</m:t>
+                      </m:r>
+                      <m:r>
+                        <a:rPr lang="de-DE" sz="3600" i="1" smtClean="0">
+                          <a:solidFill>
+                            <a:schemeClr val="accent3"/>
+                          </a:solidFill>
+                          <a:latin typeface="Cambria Math"/>
+                          <a:ea typeface="Cambria Math"/>
+                        </a:rPr>
+                        <m:t>𝑐</m:t>
+                      </m:r>
+                      <m:r>
+                        <a:rPr lang="de-DE" sz="3600" b="0" i="1" smtClean="0">
+                          <a:solidFill>
+                            <a:schemeClr val="accent3"/>
+                          </a:solidFill>
+                          <a:latin typeface="Cambria Math"/>
+                          <a:ea typeface="Cambria Math"/>
+                        </a:rPr>
+                        <m:t>:</m:t>
+                      </m:r>
+                      <m:r>
+                        <a:rPr lang="de-DE" sz="3600" b="0" i="1" smtClean="0">
+                          <a:solidFill>
+                            <a:schemeClr val="accent3"/>
+                          </a:solidFill>
+                          <a:latin typeface="Cambria Math"/>
+                          <a:ea typeface="Cambria Math"/>
+                        </a:rPr>
+                        <m:t>𝑎𝑐𝑡𝑢𝑎𝑙</m:t>
+                      </m:r>
+                      <m:d>
+                        <m:dPr>
+                          <m:ctrlPr>
+                            <a:rPr lang="de-DE" sz="3600" b="0" i="1" smtClean="0">
+                              <a:solidFill>
+                                <a:schemeClr val="accent3"/>
+                              </a:solidFill>
+                              <a:latin typeface="Cambria Math"/>
+                              <a:ea typeface="Cambria Math"/>
+                            </a:rPr>
+                          </m:ctrlPr>
+                        </m:dPr>
+                        <m:e>
+                          <m:r>
+                            <a:rPr lang="de-DE" sz="3600" b="0" i="1" smtClean="0">
+                              <a:solidFill>
+                                <a:schemeClr val="accent3"/>
+                              </a:solidFill>
+                              <a:latin typeface="Cambria Math"/>
+                              <a:ea typeface="Cambria Math"/>
+                            </a:rPr>
+                            <m:t>𝑐</m:t>
+                          </m:r>
+                        </m:e>
+                      </m:d>
+                      <m:r>
+                        <a:rPr lang="de-DE" sz="3600" b="0" i="1" smtClean="0">
+                          <a:solidFill>
+                            <a:schemeClr val="accent3"/>
+                          </a:solidFill>
+                          <a:latin typeface="Cambria Math"/>
+                          <a:ea typeface="Cambria Math"/>
+                        </a:rPr>
+                        <m:t>↔(</m:t>
+                      </m:r>
+                      <m:r>
+                        <a:rPr lang="de-DE" sz="3600" i="1">
+                          <a:latin typeface="Cambria Math"/>
+                          <a:ea typeface="Cambria Math"/>
+                        </a:rPr>
+                        <m:t>∃</m:t>
+                      </m:r>
+                      <m:r>
+                        <a:rPr lang="de-DE" sz="3600" b="0" i="1" smtClean="0">
+                          <a:latin typeface="Cambria Math"/>
+                          <a:ea typeface="Cambria Math"/>
+                        </a:rPr>
+                        <m:t>𝑥</m:t>
+                      </m:r>
+                      <m:r>
+                        <a:rPr lang="de-DE" sz="3600" b="0" i="1" smtClean="0">
+                          <a:latin typeface="Cambria Math"/>
+                          <a:ea typeface="Cambria Math"/>
+                        </a:rPr>
+                        <m:t>:</m:t>
+                      </m:r>
+                      <m:r>
+                        <a:rPr lang="de-DE" sz="3600" b="0" i="1" smtClean="0">
+                          <a:latin typeface="Cambria Math"/>
+                          <a:ea typeface="Cambria Math"/>
+                        </a:rPr>
+                        <m:t>𝑆</m:t>
+                      </m:r>
+                      <m:d>
+                        <m:dPr>
+                          <m:ctrlPr>
+                            <a:rPr lang="de-DE" sz="3600" b="0" i="1" smtClean="0">
+                              <a:latin typeface="Cambria Math"/>
+                              <a:ea typeface="Cambria Math"/>
+                            </a:rPr>
+                          </m:ctrlPr>
+                        </m:dPr>
+                        <m:e>
+                          <m:r>
+                            <a:rPr lang="de-DE" sz="3600" b="0" i="1" smtClean="0">
+                              <a:latin typeface="Cambria Math"/>
+                              <a:ea typeface="Cambria Math"/>
+                            </a:rPr>
+                            <m:t>𝑥</m:t>
+                          </m:r>
+                        </m:e>
+                      </m:d>
+                      <m:r>
+                        <a:rPr lang="de-DE" sz="3600" b="0" i="1" smtClean="0">
+                          <a:solidFill>
+                            <a:schemeClr val="accent3"/>
+                          </a:solidFill>
+                          <a:latin typeface="Cambria Math"/>
+                          <a:ea typeface="Cambria Math"/>
+                        </a:rPr>
+                        <m:t>)</m:t>
+                      </m:r>
+                    </m:oMath>
+                  </m:oMathPara>
+                </a14:m>
+                <a:endParaRPr lang="de-DE" sz="3600" dirty="0">
+                  <a:solidFill>
+                    <a:schemeClr val="accent3"/>
+                  </a:solidFill>
+                </a:endParaRPr>
+              </a:p>
+            </p:txBody>
+          </p:sp>
+        </mc:Choice>
+        <mc:Fallback>
+          <p:sp>
+            <p:nvSpPr>
+              <p:cNvPr id="9" name="Rechteck 8"/>
+              <p:cNvSpPr>
+                <a:spLocks noRot="1" noChangeAspect="1" noMove="1" noResize="1" noEditPoints="1" noAdjustHandles="1" noChangeArrowheads="1" noChangeShapeType="1" noTextEdit="1"/>
+              </p:cNvSpPr>
+              <p:nvPr/>
+            </p:nvSpPr>
+            <p:spPr>
+              <a:xfrm>
+                <a:off x="4727848" y="4581128"/>
+                <a:ext cx="6840760" cy="923330"/>
+              </a:xfrm>
+              <a:prstGeom prst="rect">
+                <a:avLst/>
+              </a:prstGeom>
+              <a:blipFill rotWithShape="1">
+                <a:blip r:embed="rId2"/>
+                <a:stretch>
+                  <a:fillRect/>
+                </a:stretch>
+              </a:blipFill>
+            </p:spPr>
+            <p:txBody>
+              <a:bodyPr/>
+              <a:lstStyle/>
+              <a:p>
+                <a:r>
+                  <a:rPr lang="de-DE">
+                    <a:noFill/>
+                  </a:rPr>
+                  <a:t> </a:t>
+                </a:r>
+              </a:p>
+            </p:txBody>
+          </p:sp>
+        </mc:Fallback>
+      </mc:AlternateContent>
+      <p:pic>
+        <p:nvPicPr>
+          <p:cNvPr id="4098" name="Picture 2" descr="C:\Users\a587002\Documents\bachelor-thesis\presentation\possib.emf"/>
+          <p:cNvPicPr>
+            <a:picLocks noChangeAspect="1" noChangeArrowheads="1"/>
+          </p:cNvPicPr>
+          <p:nvPr/>
+        </p:nvPicPr>
+        <p:blipFill>
+          <a:blip r:embed="rId3" cstate="print">
+            <a:extLst>
+              <a:ext uri="{28A0092B-C50C-407E-A947-70E740481C1C}">
+                <a14:useLocalDpi xmlns:a14="http://schemas.microsoft.com/office/drawing/2010/main" val="0"/>
+              </a:ext>
+            </a:extLst>
+          </a:blip>
+          <a:srcRect/>
+          <a:stretch>
+            <a:fillRect/>
+          </a:stretch>
+        </p:blipFill>
+        <p:spPr bwMode="auto">
+          <a:xfrm>
+            <a:off x="695400" y="2780928"/>
+            <a:ext cx="2292732" cy="1345305"/>
+          </a:xfrm>
+          <a:prstGeom prst="rect">
+            <a:avLst/>
+          </a:prstGeom>
+          <a:noFill/>
+          <a:extLst>
+            <a:ext uri="{909E8E84-426E-40DD-AFC4-6F175D3DCCD1}">
+              <a14:hiddenFill xmlns:a14="http://schemas.microsoft.com/office/drawing/2010/main">
+                <a:solidFill>
+                  <a:srgbClr val="FFFFFF"/>
+                </a:solidFill>
+              </a14:hiddenFill>
+            </a:ext>
+          </a:extLst>
+        </p:spPr>
+      </p:pic>
+      <p:pic>
+        <p:nvPicPr>
+          <p:cNvPr id="4099" name="Picture 3" descr="C:\Users\a587002\Documents\bachelor-thesis\presentation\possibExpansion.emf"/>
+          <p:cNvPicPr>
+            <a:picLocks noChangeAspect="1" noChangeArrowheads="1"/>
+          </p:cNvPicPr>
+          <p:nvPr/>
+        </p:nvPicPr>
+        <p:blipFill>
+          <a:blip r:embed="rId4" cstate="print">
+            <a:extLst>
+              <a:ext uri="{28A0092B-C50C-407E-A947-70E740481C1C}">
+                <a14:useLocalDpi xmlns:a14="http://schemas.microsoft.com/office/drawing/2010/main" val="0"/>
+              </a:ext>
+            </a:extLst>
+          </a:blip>
+          <a:srcRect/>
+          <a:stretch>
+            <a:fillRect/>
+          </a:stretch>
+        </p:blipFill>
+        <p:spPr bwMode="auto">
+          <a:xfrm>
+            <a:off x="4511824" y="2420888"/>
+            <a:ext cx="7128792" cy="1894857"/>
+          </a:xfrm>
+          <a:prstGeom prst="rect">
+            <a:avLst/>
+          </a:prstGeom>
+          <a:noFill/>
+          <a:extLst>
+            <a:ext uri="{909E8E84-426E-40DD-AFC4-6F175D3DCCD1}">
+              <a14:hiddenFill xmlns:a14="http://schemas.microsoft.com/office/drawing/2010/main">
+                <a:solidFill>
+                  <a:srgbClr val="FFFFFF"/>
+                </a:solidFill>
+              </a14:hiddenFill>
+            </a:ext>
+          </a:extLst>
+        </p:spPr>
+      </p:pic>
+      <mc:AlternateContent xmlns:mc="http://schemas.openxmlformats.org/markup-compatibility/2006">
+        <mc:Choice xmlns:a14="http://schemas.microsoft.com/office/drawing/2010/main" Requires="a14">
+          <p:sp>
+            <p:nvSpPr>
+              <p:cNvPr id="12" name="Textfeld 11"/>
+              <p:cNvSpPr txBox="1"/>
+              <p:nvPr/>
+            </p:nvSpPr>
+            <p:spPr>
+              <a:xfrm>
+                <a:off x="3043280" y="2852936"/>
+                <a:ext cx="1396536" cy="1200329"/>
+              </a:xfrm>
+              <a:prstGeom prst="rect">
+                <a:avLst/>
+              </a:prstGeom>
+              <a:noFill/>
+            </p:spPr>
+            <p:txBody>
+              <a:bodyPr wrap="none" rtlCol="0">
+                <a:spAutoFit/>
+              </a:bodyPr>
+              <a:lstStyle/>
+              <a:p>
+                <a:pPr/>
+                <a14:m>
+                  <m:oMathPara xmlns:m="http://schemas.openxmlformats.org/officeDocument/2006/math">
+                    <m:oMathParaPr>
+                      <m:jc m:val="centerGroup"/>
+                    </m:oMathParaPr>
+                    <m:oMath xmlns:m="http://schemas.openxmlformats.org/officeDocument/2006/math">
+                      <m:r>
+                        <a:rPr lang="de-DE" sz="7200" i="1" smtClean="0">
+                          <a:latin typeface="Cambria Math"/>
+                          <a:ea typeface="Cambria Math"/>
+                        </a:rPr>
+                        <m:t>⇔</m:t>
+                      </m:r>
+                    </m:oMath>
+                  </m:oMathPara>
+                </a14:m>
+                <a:endParaRPr lang="de-DE" sz="7200" dirty="0"/>
+              </a:p>
+            </p:txBody>
+          </p:sp>
+        </mc:Choice>
+        <mc:Fallback>
+          <p:sp>
+            <p:nvSpPr>
+              <p:cNvPr id="12" name="Textfeld 11"/>
+              <p:cNvSpPr txBox="1">
+                <a:spLocks noRot="1" noChangeAspect="1" noMove="1" noResize="1" noEditPoints="1" noAdjustHandles="1" noChangeArrowheads="1" noChangeShapeType="1" noTextEdit="1"/>
+              </p:cNvSpPr>
+              <p:nvPr/>
+            </p:nvSpPr>
+            <p:spPr>
+              <a:xfrm>
+                <a:off x="3043280" y="2852936"/>
+                <a:ext cx="1396536" cy="1200329"/>
+              </a:xfrm>
+              <a:prstGeom prst="rect">
+                <a:avLst/>
+              </a:prstGeom>
+              <a:blipFill rotWithShape="1">
+                <a:blip r:embed="rId5"/>
+                <a:stretch>
+                  <a:fillRect/>
+                </a:stretch>
+              </a:blipFill>
+            </p:spPr>
+            <p:txBody>
+              <a:bodyPr/>
+              <a:lstStyle/>
+              <a:p>
+                <a:r>
+                  <a:rPr lang="de-DE">
+                    <a:noFill/>
+                  </a:rPr>
+                  <a:t> </a:t>
+                </a:r>
+              </a:p>
+            </p:txBody>
+          </p:sp>
+        </mc:Fallback>
+      </mc:AlternateContent>
+    </p:spTree>
+    <p:extLst>
+      <p:ext uri="{BB962C8B-B14F-4D97-AF65-F5344CB8AC3E}">
+        <p14:creationId xmlns:p14="http://schemas.microsoft.com/office/powerpoint/2010/main" val="4249143054"/>
+      </p:ext>
+    </p:extLst>
+  </p:cSld>
+  <p:clrMapOvr>
+    <a:masterClrMapping/>
+  </p:clrMapOvr>
+  <p:timing>
+    <p:tnLst>
+      <p:par>
+        <p:cTn id="1" dur="indefinite" restart="never" nodeType="tmRoot"/>
+      </p:par>
+    </p:tnLst>
+  </p:timing>
+</p:sld>
+</file>
+
+<file path=ppt/slides/slide14.xml><?xml version="1.0" encoding="utf-8"?>
+<p:sld xmlns:a="http://schemas.openxmlformats.org/drawingml/2006/main" xmlns:r="http://schemas.openxmlformats.org/officeDocument/2006/relationships" xmlns:p="http://schemas.openxmlformats.org/presentationml/2006/main">
+  <p:cSld>
+    <p:spTree>
+      <p:nvGrpSpPr>
+        <p:cNvPr id="1" name=""/>
+        <p:cNvGrpSpPr/>
+        <p:nvPr/>
+      </p:nvGrpSpPr>
+      <p:grpSpPr>
+        <a:xfrm>
+          <a:off x="0" y="0"/>
+          <a:ext cx="0" cy="0"/>
+          <a:chOff x="0" y="0"/>
+          <a:chExt cx="0" cy="0"/>
+        </a:xfrm>
+      </p:grpSpPr>
+      <mc:AlternateContent xmlns:mc="http://schemas.openxmlformats.org/markup-compatibility/2006">
+        <mc:Choice xmlns:a14="http://schemas.microsoft.com/office/drawing/2010/main" Requires="a14">
+          <p:sp>
+            <p:nvSpPr>
+              <p:cNvPr id="4" name="Inhaltsplatzhalter 3"/>
+              <p:cNvSpPr>
+                <a:spLocks noGrp="1"/>
+              </p:cNvSpPr>
+              <p:nvPr>
+                <p:ph idx="1"/>
+              </p:nvPr>
+            </p:nvSpPr>
+            <p:spPr/>
+            <p:txBody>
+              <a:bodyPr anchor="ctr"/>
+              <a:lstStyle/>
+              <a:p>
+                <a:pPr>
+                  <a:lnSpc>
+                    <a:spcPct val="150000"/>
+                  </a:lnSpc>
+                </a:pPr>
+                <a14:m>
+                  <m:oMath xmlns:m="http://schemas.openxmlformats.org/officeDocument/2006/math">
+                    <m:r>
+                      <a:rPr lang="de-DE" b="0" i="1" smtClean="0">
+                        <a:latin typeface="Cambria Math"/>
+                        <a:ea typeface="Cambria Math"/>
+                      </a:rPr>
+                      <m:t>𝑙𝑎𝑏𝑒𝑙</m:t>
+                    </m:r>
+                  </m:oMath>
+                </a14:m>
+                <a:r>
+                  <a:rPr lang="de-DE" dirty="0" smtClean="0"/>
+                  <a:t>: Bezeichner eines Konzeptes</a:t>
+                </a:r>
+              </a:p>
+              <a:p>
+                <a:pPr>
+                  <a:lnSpc>
+                    <a:spcPct val="150000"/>
+                  </a:lnSpc>
+                </a:pPr>
+                <a14:m>
+                  <m:oMath xmlns:m="http://schemas.openxmlformats.org/officeDocument/2006/math">
+                    <m:r>
+                      <a:rPr lang="de-DE" b="0" i="1" smtClean="0">
+                        <a:latin typeface="Cambria Math"/>
+                        <a:ea typeface="Cambria Math"/>
+                      </a:rPr>
+                      <m:t>𝑛𝑎𝑚𝑒𝑑</m:t>
+                    </m:r>
+                  </m:oMath>
+                </a14:m>
+                <a:r>
+                  <a:rPr lang="de-DE" dirty="0" smtClean="0"/>
+                  <a:t>: Markiert Konzepte deren </a:t>
+                </a:r>
+                <a14:m>
+                  <m:oMath xmlns:m="http://schemas.openxmlformats.org/officeDocument/2006/math">
+                    <m:r>
+                      <a:rPr lang="de-DE" i="1">
+                        <a:latin typeface="Cambria Math"/>
+                        <a:ea typeface="Cambria Math"/>
+                      </a:rPr>
+                      <m:t>𝑙𝑎𝑏𝑒𝑙</m:t>
+                    </m:r>
+                  </m:oMath>
+                </a14:m>
+                <a:r>
+                  <a:rPr lang="de-DE" dirty="0" smtClean="0"/>
+                  <a:t> Namen sind</a:t>
+                </a:r>
+              </a:p>
+              <a:p>
+                <a:pPr>
+                  <a:lnSpc>
+                    <a:spcPct val="150000"/>
+                  </a:lnSpc>
+                </a:pPr>
+                <a14:m>
+                  <m:oMath xmlns:m="http://schemas.openxmlformats.org/officeDocument/2006/math">
+                    <m:r>
+                      <a:rPr lang="de-DE" b="0" i="1" smtClean="0">
+                        <a:latin typeface="Cambria Math"/>
+                        <a:ea typeface="Cambria Math"/>
+                      </a:rPr>
+                      <m:t>𝑖𝑛𝑠𝑡</m:t>
+                    </m:r>
+                  </m:oMath>
+                </a14:m>
+                <a:r>
+                  <a:rPr lang="de-DE" dirty="0" smtClean="0"/>
+                  <a:t>: Entspricht der </a:t>
+                </a:r>
+                <a:r>
+                  <a:rPr lang="de-DE" i="1" dirty="0" smtClean="0"/>
+                  <a:t>IS-A</a:t>
+                </a:r>
+                <a:r>
+                  <a:rPr lang="de-DE" dirty="0" smtClean="0"/>
+                  <a:t> bzw. Vererbungsrelation</a:t>
+                </a:r>
+              </a:p>
+              <a:p>
+                <a:pPr>
+                  <a:lnSpc>
+                    <a:spcPct val="150000"/>
+                  </a:lnSpc>
+                </a:pPr>
+                <a14:m>
+                  <m:oMath xmlns:m="http://schemas.openxmlformats.org/officeDocument/2006/math">
+                    <m:r>
+                      <a:rPr lang="de-DE" b="0" i="1" smtClean="0">
+                        <a:latin typeface="Cambria Math"/>
+                        <a:ea typeface="Cambria Math"/>
+                      </a:rPr>
+                      <m:t>𝑟𝑒𝑙𝑎𝑡𝑖𝑜𝑛</m:t>
+                    </m:r>
+                  </m:oMath>
+                </a14:m>
+                <a:r>
+                  <a:rPr lang="de-DE" dirty="0" smtClean="0"/>
+                  <a:t>: Markiert Konzepte, die andere Konzepte verbinden</a:t>
+                </a:r>
+              </a:p>
+              <a:p>
+                <a:pPr>
+                  <a:lnSpc>
+                    <a:spcPct val="150000"/>
+                  </a:lnSpc>
+                </a:pPr>
+                <a14:m>
+                  <m:oMath xmlns:m="http://schemas.openxmlformats.org/officeDocument/2006/math">
+                    <m:r>
+                      <a:rPr lang="de-DE" b="0" i="1" smtClean="0">
+                        <a:latin typeface="Cambria Math"/>
+                        <a:ea typeface="Cambria Math"/>
+                      </a:rPr>
+                      <m:t>𝑎𝑔𝑒𝑛𝑡</m:t>
+                    </m:r>
+                  </m:oMath>
+                </a14:m>
+                <a:r>
+                  <a:rPr lang="de-DE" b="0" dirty="0" smtClean="0">
+                    <a:ea typeface="Cambria Math"/>
+                  </a:rPr>
+                  <a:t>: Entspricht grob der Kausalitätsrelation (vgl. Proto-Agens)</a:t>
+                </a:r>
+              </a:p>
+              <a:p>
+                <a:pPr>
+                  <a:lnSpc>
+                    <a:spcPct val="150000"/>
+                  </a:lnSpc>
+                </a:pPr>
+                <a14:m>
+                  <m:oMath xmlns:m="http://schemas.openxmlformats.org/officeDocument/2006/math">
+                    <m:r>
+                      <a:rPr lang="de-DE" b="0" i="1" smtClean="0">
+                        <a:latin typeface="Cambria Math"/>
+                      </a:rPr>
+                      <m:t>𝑝𝑎𝑡𝑖𝑒𝑛𝑡</m:t>
+                    </m:r>
+                  </m:oMath>
+                </a14:m>
+                <a:r>
+                  <a:rPr lang="de-DE" dirty="0" smtClean="0"/>
+                  <a:t>: Beschreibt Veränderungen (vgl. Proto-Patiens)</a:t>
+                </a:r>
+                <a:endParaRPr lang="de-DE" dirty="0"/>
+              </a:p>
+            </p:txBody>
+          </p:sp>
+        </mc:Choice>
+        <mc:Fallback>
+          <p:sp>
+            <p:nvSpPr>
+              <p:cNvPr id="4" name="Inhaltsplatzhalter 3"/>
+              <p:cNvSpPr>
+                <a:spLocks noGrp="1" noRot="1" noChangeAspect="1" noMove="1" noResize="1" noEditPoints="1" noAdjustHandles="1" noChangeArrowheads="1" noChangeShapeType="1" noTextEdit="1"/>
+              </p:cNvSpPr>
+              <p:nvPr>
+                <p:ph idx="1"/>
+              </p:nvPr>
+            </p:nvSpPr>
+            <p:spPr>
+              <a:blipFill rotWithShape="1">
+                <a:blip r:embed="rId2"/>
+                <a:stretch>
+                  <a:fillRect/>
+                </a:stretch>
+              </a:blipFill>
+            </p:spPr>
+            <p:txBody>
+              <a:bodyPr/>
+              <a:lstStyle/>
+              <a:p>
+                <a:r>
+                  <a:rPr lang="de-DE">
+                    <a:noFill/>
+                  </a:rPr>
+                  <a:t> </a:t>
+                </a:r>
+              </a:p>
+            </p:txBody>
+          </p:sp>
+        </mc:Fallback>
+      </mc:AlternateContent>
+      <p:sp>
+        <p:nvSpPr>
+          <p:cNvPr id="2" name="Foliennummernplatzhalter 1"/>
+          <p:cNvSpPr>
+            <a:spLocks noGrp="1"/>
+          </p:cNvSpPr>
+          <p:nvPr>
+            <p:ph type="sldNum" sz="quarter" idx="12"/>
+          </p:nvPr>
+        </p:nvSpPr>
+        <p:spPr/>
+        <p:txBody>
+          <a:bodyPr/>
+          <a:lstStyle/>
+          <a:p>
+            <a:fld id="{F4DAF760-8A09-427D-9634-9AF01F07ABD5}" type="slidenum">
+              <a:rPr lang="de-DE" smtClean="0"/>
+              <a:t>14</a:t>
+            </a:fld>
+            <a:endParaRPr lang="de-DE" dirty="0"/>
+          </a:p>
+        </p:txBody>
+      </p:sp>
+      <p:sp>
+        <p:nvSpPr>
+          <p:cNvPr id="3" name="Titel 2"/>
+          <p:cNvSpPr>
+            <a:spLocks noGrp="1"/>
+          </p:cNvSpPr>
+          <p:nvPr>
+            <p:ph type="title"/>
+          </p:nvPr>
+        </p:nvSpPr>
+        <p:spPr/>
+        <p:txBody>
+          <a:bodyPr/>
+          <a:lstStyle/>
+          <a:p>
+            <a:r>
+              <a:rPr lang="de-DE" sz="2400" b="1" dirty="0" smtClean="0"/>
+              <a:t>Ontologie:</a:t>
+            </a:r>
+            <a:r>
+              <a:rPr lang="de-DE" sz="2400" dirty="0" smtClean="0"/>
+              <a:t>	</a:t>
+            </a:r>
+            <a:r>
+              <a:rPr lang="de-DE" dirty="0" smtClean="0"/>
+              <a:t>Verwendete Prädikate</a:t>
+            </a:r>
+            <a:endParaRPr lang="de-DE" dirty="0"/>
+          </a:p>
+        </p:txBody>
+      </p:sp>
+    </p:spTree>
+    <p:extLst>
+      <p:ext uri="{BB962C8B-B14F-4D97-AF65-F5344CB8AC3E}">
+        <p14:creationId xmlns:p14="http://schemas.microsoft.com/office/powerpoint/2010/main" val="932067689"/>
+      </p:ext>
+    </p:extLst>
+  </p:cSld>
+  <p:clrMapOvr>
+    <a:masterClrMapping/>
+  </p:clrMapOvr>
+  <p:timing>
+    <p:tnLst>
+      <p:par>
+        <p:cTn id="1" dur="indefinite" restart="never" nodeType="tmRoot"/>
+      </p:par>
+    </p:tnLst>
+  </p:timing>
+</p:sld>
+</file>
+
+<file path=ppt/slides/slide15.xml><?xml version="1.0" encoding="utf-8"?>
+<p:sld xmlns:a="http://schemas.openxmlformats.org/drawingml/2006/main" xmlns:r="http://schemas.openxmlformats.org/officeDocument/2006/relationships" xmlns:p="http://schemas.openxmlformats.org/presentationml/2006/main">
+  <p:cSld>
+    <p:spTree>
+      <p:nvGrpSpPr>
+        <p:cNvPr id="1" name=""/>
+        <p:cNvGrpSpPr/>
+        <p:nvPr/>
+      </p:nvGrpSpPr>
+      <p:grpSpPr>
+        <a:xfrm>
+          <a:off x="0" y="0"/>
+          <a:ext cx="0" cy="0"/>
+          <a:chOff x="0" y="0"/>
+          <a:chExt cx="0" cy="0"/>
+        </a:xfrm>
+      </p:grpSpPr>
+      <p:sp>
+        <p:nvSpPr>
+          <p:cNvPr id="3" name="Titel 2"/>
+          <p:cNvSpPr>
+            <a:spLocks noGrp="1"/>
+          </p:cNvSpPr>
+          <p:nvPr>
+            <p:ph type="title"/>
+          </p:nvPr>
+        </p:nvSpPr>
+        <p:spPr/>
+        <p:txBody>
+          <a:bodyPr/>
+          <a:lstStyle/>
+          <a:p>
+            <a:r>
+              <a:rPr lang="de-DE" sz="2400" b="1" dirty="0" smtClean="0"/>
+              <a:t>Ontologie:</a:t>
+            </a:r>
+            <a:r>
+              <a:rPr lang="de-DE" sz="2400" dirty="0" smtClean="0"/>
+              <a:t>	</a:t>
+            </a:r>
+            <a:r>
+              <a:rPr lang="de-DE" dirty="0" smtClean="0"/>
+              <a:t>Beispiel</a:t>
+            </a:r>
+            <a:endParaRPr lang="de-DE" dirty="0"/>
+          </a:p>
+        </p:txBody>
+      </p:sp>
+      <p:sp>
+        <p:nvSpPr>
+          <p:cNvPr id="2" name="Foliennummernplatzhalter 1"/>
+          <p:cNvSpPr>
+            <a:spLocks noGrp="1"/>
+          </p:cNvSpPr>
+          <p:nvPr>
+            <p:ph type="sldNum" sz="quarter" idx="12"/>
+          </p:nvPr>
+        </p:nvSpPr>
+        <p:spPr/>
+        <p:txBody>
+          <a:bodyPr/>
+          <a:lstStyle/>
+          <a:p>
+            <a:fld id="{F4DAF760-8A09-427D-9634-9AF01F07ABD5}" type="slidenum">
+              <a:rPr lang="de-DE" smtClean="0"/>
+              <a:t>15</a:t>
+            </a:fld>
+            <a:endParaRPr lang="de-DE" dirty="0"/>
+          </a:p>
+        </p:txBody>
+      </p:sp>
+      <p:sp>
+        <p:nvSpPr>
+          <p:cNvPr id="5" name="Rechteck 4"/>
+          <p:cNvSpPr/>
+          <p:nvPr/>
+        </p:nvSpPr>
+        <p:spPr>
+          <a:xfrm>
+            <a:off x="839416" y="1196752"/>
+            <a:ext cx="10513168" cy="827214"/>
+          </a:xfrm>
+          <a:prstGeom prst="rect">
+            <a:avLst/>
+          </a:prstGeom>
+        </p:spPr>
+        <p:txBody>
+          <a:bodyPr wrap="square">
+            <a:spAutoFit/>
+          </a:bodyPr>
+          <a:lstStyle/>
+          <a:p>
+            <a:pPr marL="0" lvl="0" indent="0" algn="ctr">
+              <a:lnSpc>
+                <a:spcPct val="200000"/>
+              </a:lnSpc>
+              <a:buNone/>
+            </a:pPr>
+            <a:r>
+              <a:rPr lang="en-US" sz="2400" dirty="0">
+                <a:solidFill>
+                  <a:srgbClr val="00205B"/>
+                </a:solidFill>
+                <a:latin typeface="Roboto Light" panose="02000000000000000000" pitchFamily="2" charset="0"/>
+                <a:ea typeface="Roboto Light" panose="02000000000000000000" pitchFamily="2" charset="0"/>
+              </a:rPr>
+              <a:t>11.06.2017: 	</a:t>
+            </a:r>
+            <a:r>
+              <a:rPr lang="en-US" sz="2400" b="1" dirty="0">
+                <a:solidFill>
+                  <a:srgbClr val="00205B"/>
+                </a:solidFill>
+                <a:latin typeface="Roboto Light" panose="02000000000000000000" pitchFamily="2" charset="0"/>
+                <a:ea typeface="Roboto Light" panose="02000000000000000000" pitchFamily="2" charset="0"/>
+              </a:rPr>
+              <a:t>Bob </a:t>
+            </a:r>
+            <a:r>
+              <a:rPr lang="de-DE" sz="2400" b="1" dirty="0">
+                <a:solidFill>
+                  <a:srgbClr val="00205B"/>
+                </a:solidFill>
+                <a:latin typeface="Roboto Light" panose="02000000000000000000" pitchFamily="2" charset="0"/>
+                <a:ea typeface="Roboto Light" panose="02000000000000000000" pitchFamily="2" charset="0"/>
+              </a:rPr>
+              <a:t>→</a:t>
+            </a:r>
+            <a:r>
+              <a:rPr lang="en-US" sz="2400" b="1" dirty="0">
+                <a:solidFill>
+                  <a:srgbClr val="00205B"/>
+                </a:solidFill>
+                <a:latin typeface="Roboto Light" panose="02000000000000000000" pitchFamily="2" charset="0"/>
+                <a:ea typeface="Roboto Light" panose="02000000000000000000" pitchFamily="2" charset="0"/>
+              </a:rPr>
+              <a:t> Alice:</a:t>
+            </a:r>
+            <a:r>
+              <a:rPr lang="en-US" sz="2400" dirty="0">
+                <a:solidFill>
+                  <a:srgbClr val="00205B"/>
+                </a:solidFill>
+                <a:latin typeface="Roboto Light" panose="02000000000000000000" pitchFamily="2" charset="0"/>
+                <a:ea typeface="Roboto Light" panose="02000000000000000000" pitchFamily="2" charset="0"/>
+              </a:rPr>
+              <a:t> </a:t>
+            </a:r>
+            <a:r>
+              <a:rPr lang="en-US" sz="2800" i="1" dirty="0">
+                <a:solidFill>
+                  <a:srgbClr val="00205B"/>
+                </a:solidFill>
+                <a:latin typeface="Roboto Light" panose="02000000000000000000" pitchFamily="2" charset="0"/>
+                <a:ea typeface="Roboto Light" panose="02000000000000000000" pitchFamily="2" charset="0"/>
+              </a:rPr>
+              <a:t>“I think I saw you in the red tent today.”</a:t>
+            </a:r>
+            <a:endParaRPr lang="en-US" sz="2400" dirty="0">
+              <a:latin typeface="Roboto Light" panose="02000000000000000000" pitchFamily="2" charset="0"/>
+              <a:ea typeface="Roboto Light" panose="02000000000000000000" pitchFamily="2" charset="0"/>
+            </a:endParaRPr>
+          </a:p>
+        </p:txBody>
+      </p:sp>
+      <p:pic>
+        <p:nvPicPr>
+          <p:cNvPr id="5122" name="Picture 2"/>
+          <p:cNvPicPr>
+            <a:picLocks noChangeAspect="1" noChangeArrowheads="1"/>
+          </p:cNvPicPr>
+          <p:nvPr/>
+        </p:nvPicPr>
+        <p:blipFill>
+          <a:blip r:embed="rId2" cstate="print">
+            <a:extLst>
+              <a:ext uri="{28A0092B-C50C-407E-A947-70E740481C1C}">
+                <a14:useLocalDpi xmlns:a14="http://schemas.microsoft.com/office/drawing/2010/main" val="0"/>
+              </a:ext>
+            </a:extLst>
+          </a:blip>
+          <a:stretch>
+            <a:fillRect/>
+          </a:stretch>
+        </p:blipFill>
+        <p:spPr bwMode="auto">
+          <a:xfrm>
+            <a:off x="2925906" y="2492896"/>
+            <a:ext cx="6340189" cy="3528392"/>
+          </a:xfrm>
+          <a:prstGeom prst="rect">
+            <a:avLst/>
+          </a:prstGeom>
+          <a:noFill/>
+          <a:extLst>
+            <a:ext uri="{909E8E84-426E-40DD-AFC4-6F175D3DCCD1}">
+              <a14:hiddenFill xmlns:a14="http://schemas.microsoft.com/office/drawing/2010/main">
+                <a:solidFill>
+                  <a:srgbClr val="FFFFFF"/>
+                </a:solidFill>
+              </a14:hiddenFill>
+            </a:ext>
+          </a:extLst>
+        </p:spPr>
+      </p:pic>
+    </p:spTree>
+    <p:extLst>
+      <p:ext uri="{BB962C8B-B14F-4D97-AF65-F5344CB8AC3E}">
+        <p14:creationId xmlns:p14="http://schemas.microsoft.com/office/powerpoint/2010/main" val="1260334705"/>
+      </p:ext>
+    </p:extLst>
+  </p:cSld>
+  <p:clrMapOvr>
+    <a:masterClrMapping/>
+  </p:clrMapOvr>
+  <p:timing>
+    <p:tnLst>
+      <p:par>
+        <p:cTn id="1" dur="indefinite" restart="never" nodeType="tmRoot">
+          <p:childTnLst>
+            <p:seq concurrent="1" nextAc="seek">
+              <p:cTn id="2" dur="indefinite" nodeType="mainSeq">
+                <p:childTnLst>
+                  <p:par>
+                    <p:cTn id="3" fill="hold">
+                      <p:stCondLst>
+                        <p:cond delay="indefinite"/>
+                        <p:cond evt="onBegin" delay="0">
+                          <p:tn val="2"/>
+                        </p:cond>
+                      </p:stCondLst>
+                      <p:childTnLst>
+                        <p:par>
+                          <p:cTn id="4" fill="hold">
+                            <p:stCondLst>
+                              <p:cond delay="0"/>
+                            </p:stCondLst>
+                            <p:childTnLst>
+                              <p:par>
+                                <p:cTn id="5" presetID="1" presetClass="entr" presetSubtype="0" fill="hold" grpId="0" nodeType="withEffect">
+                                  <p:stCondLst>
+                                    <p:cond delay="0"/>
+                                  </p:stCondLst>
+                                  <p:childTnLst>
+                                    <p:set>
+                                      <p:cBhvr>
+                                        <p:cTn id="6" dur="1" fill="hold">
+                                          <p:stCondLst>
+                                            <p:cond delay="0"/>
+                                          </p:stCondLst>
+                                        </p:cTn>
+                                        <p:tgtEl>
+                                          <p:spTgt spid="5"/>
+                                        </p:tgtEl>
+                                        <p:attrNameLst>
+                                          <p:attrName>style.visibility</p:attrName>
+                                        </p:attrNameLst>
+                                      </p:cBhvr>
+                                      <p:to>
+                                        <p:strVal val="visible"/>
+                                      </p:to>
+                                    </p:set>
+                                  </p:childTnLst>
+                                </p:cTn>
+                              </p:par>
+                            </p:childTnLst>
+                          </p:cTn>
+                        </p:par>
+                      </p:childTnLst>
+                    </p:cTn>
+                  </p:par>
+                </p:childTnLst>
+              </p:cTn>
+              <p:prevCondLst>
+                <p:cond evt="onPrev" delay="0">
+                  <p:tgtEl>
+                    <p:sldTgt/>
+                  </p:tgtEl>
+                </p:cond>
+              </p:prevCondLst>
+              <p:nextCondLst>
+                <p:cond evt="onNext" delay="0">
+                  <p:tgtEl>
+                    <p:sldTgt/>
+                  </p:tgtEl>
+                </p:cond>
+              </p:nextCondLst>
+            </p:seq>
+          </p:childTnLst>
+        </p:cTn>
+      </p:par>
+    </p:tnLst>
+    <p:bldLst>
+      <p:bldP spid="5" grpId="0"/>
+    </p:bldLst>
+  </p:timing>
+</p:sld>
+</file>
+
+<file path=ppt/slides/slide16.xml><?xml version="1.0" encoding="utf-8"?>
+<p:sld xmlns:a="http://schemas.openxmlformats.org/drawingml/2006/main" xmlns:r="http://schemas.openxmlformats.org/officeDocument/2006/relationships" xmlns:p="http://schemas.openxmlformats.org/presentationml/2006/main">
+  <p:cSld>
+    <p:spTree>
+      <p:nvGrpSpPr>
+        <p:cNvPr id="1" name=""/>
+        <p:cNvGrpSpPr/>
+        <p:nvPr/>
+      </p:nvGrpSpPr>
+      <p:grpSpPr>
+        <a:xfrm>
+          <a:off x="0" y="0"/>
+          <a:ext cx="0" cy="0"/>
+          <a:chOff x="0" y="0"/>
+          <a:chExt cx="0" cy="0"/>
+        </a:xfrm>
+      </p:grpSpPr>
+      <p:sp>
+        <p:nvSpPr>
+          <p:cNvPr id="2" name="Titel 1"/>
+          <p:cNvSpPr>
+            <a:spLocks noGrp="1"/>
+          </p:cNvSpPr>
+          <p:nvPr>
+            <p:ph type="title"/>
+          </p:nvPr>
+        </p:nvSpPr>
+        <p:spPr/>
+        <p:txBody>
+          <a:bodyPr/>
+          <a:lstStyle/>
+          <a:p>
+            <a:pPr algn="ctr"/>
+            <a:r>
+              <a:rPr lang="de-DE" dirty="0"/>
+              <a:t>2</a:t>
+            </a:r>
+            <a:r>
+              <a:rPr lang="de-DE" dirty="0" smtClean="0"/>
+              <a:t>. NLP-Phase</a:t>
+            </a:r>
+            <a:endParaRPr lang="de-DE" dirty="0"/>
+          </a:p>
+        </p:txBody>
+      </p:sp>
+      <p:sp>
+        <p:nvSpPr>
+          <p:cNvPr id="4" name="Foliennummernplatzhalter 3"/>
+          <p:cNvSpPr>
+            <a:spLocks noGrp="1"/>
+          </p:cNvSpPr>
+          <p:nvPr>
+            <p:ph type="sldNum" sz="quarter" idx="12"/>
+          </p:nvPr>
+        </p:nvSpPr>
+        <p:spPr/>
+        <p:txBody>
+          <a:bodyPr/>
+          <a:lstStyle/>
+          <a:p>
+            <a:fld id="{F4DAF760-8A09-427D-9634-9AF01F07ABD5}" type="slidenum">
+              <a:rPr lang="de-DE" smtClean="0"/>
+              <a:t>16</a:t>
+            </a:fld>
+            <a:endParaRPr lang="de-DE" dirty="0"/>
+          </a:p>
+        </p:txBody>
+      </p:sp>
+      <p:pic>
+        <p:nvPicPr>
+          <p:cNvPr id="5" name="Picture 2" descr="C:\Users\a587002\Documents\bachelor-thesis\presentation\overviewGeneral.emf"/>
+          <p:cNvPicPr>
+            <a:picLocks noChangeAspect="1" noChangeArrowheads="1"/>
+          </p:cNvPicPr>
+          <p:nvPr/>
+        </p:nvPicPr>
+        <p:blipFill>
+          <a:blip r:embed="rId2" cstate="print">
+            <a:extLst>
+              <a:ext uri="{28A0092B-C50C-407E-A947-70E740481C1C}">
+                <a14:useLocalDpi xmlns:a14="http://schemas.microsoft.com/office/drawing/2010/main" val="0"/>
+              </a:ext>
+            </a:extLst>
+          </a:blip>
+          <a:srcRect/>
+          <a:stretch>
+            <a:fillRect/>
+          </a:stretch>
+        </p:blipFill>
+        <p:spPr bwMode="auto">
+          <a:xfrm>
+            <a:off x="2662112" y="1412776"/>
+            <a:ext cx="8595968" cy="864939"/>
+          </a:xfrm>
+          <a:prstGeom prst="rect">
+            <a:avLst/>
+          </a:prstGeom>
+          <a:noFill/>
+          <a:extLst>
+            <a:ext uri="{909E8E84-426E-40DD-AFC4-6F175D3DCCD1}">
+              <a14:hiddenFill xmlns:a14="http://schemas.microsoft.com/office/drawing/2010/main">
+                <a:solidFill>
+                  <a:srgbClr val="FFFFFF"/>
+                </a:solidFill>
+              </a14:hiddenFill>
+            </a:ext>
+          </a:extLst>
+        </p:spPr>
+      </p:pic>
+      <p:sp>
+        <p:nvSpPr>
+          <p:cNvPr id="6" name="Rechteck 5"/>
+          <p:cNvSpPr/>
+          <p:nvPr/>
+        </p:nvSpPr>
+        <p:spPr>
+          <a:xfrm>
+            <a:off x="9376564" y="1267862"/>
+            <a:ext cx="1904012" cy="1008112"/>
+          </a:xfrm>
+          <a:prstGeom prst="rect">
+            <a:avLst/>
+          </a:prstGeom>
+          <a:solidFill>
+            <a:schemeClr val="bg1"/>
+          </a:solidFill>
+          <a:ln>
+            <a:noFill/>
+          </a:ln>
+        </p:spPr>
+        <p:style>
+          <a:lnRef idx="2">
+            <a:schemeClr val="accent1">
+              <a:shade val="50000"/>
+            </a:schemeClr>
+          </a:lnRef>
+          <a:fillRef idx="1">
+            <a:schemeClr val="accent1"/>
+          </a:fillRef>
+          <a:effectRef idx="0">
+            <a:schemeClr val="accent1"/>
+          </a:effectRef>
+          <a:fontRef idx="minor">
+            <a:schemeClr val="lt1"/>
+          </a:fontRef>
+        </p:style>
+        <p:txBody>
+          <a:bodyPr rtlCol="0" anchor="ctr"/>
+          <a:lstStyle/>
+          <a:p>
+            <a:pPr algn="ctr"/>
+            <a:endParaRPr lang="de-DE"/>
+          </a:p>
+        </p:txBody>
+      </p:sp>
+      <p:sp>
+        <p:nvSpPr>
+          <p:cNvPr id="7" name="Pfeil nach unten 6"/>
+          <p:cNvSpPr/>
+          <p:nvPr/>
+        </p:nvSpPr>
+        <p:spPr>
+          <a:xfrm flipV="1">
+            <a:off x="4881389" y="2101416"/>
+            <a:ext cx="288032" cy="175456"/>
+          </a:xfrm>
+          <a:prstGeom prst="downArrow">
+            <a:avLst>
+              <a:gd name="adj1" fmla="val 50000"/>
+              <a:gd name="adj2" fmla="val 100000"/>
+            </a:avLst>
+          </a:prstGeom>
+          <a:solidFill>
+            <a:schemeClr val="tx1"/>
+          </a:solidFill>
+          <a:ln>
+            <a:noFill/>
+          </a:ln>
+        </p:spPr>
+        <p:style>
+          <a:lnRef idx="2">
+            <a:schemeClr val="accent1">
+              <a:shade val="50000"/>
+            </a:schemeClr>
+          </a:lnRef>
+          <a:fillRef idx="1">
+            <a:schemeClr val="accent1"/>
+          </a:fillRef>
+          <a:effectRef idx="0">
+            <a:schemeClr val="accent1"/>
+          </a:effectRef>
+          <a:fontRef idx="minor">
+            <a:schemeClr val="lt1"/>
+          </a:fontRef>
+        </p:style>
+        <p:txBody>
+          <a:bodyPr rtlCol="0" anchor="ctr"/>
+          <a:lstStyle/>
+          <a:p>
+            <a:pPr algn="ctr"/>
+            <a:endParaRPr lang="en-US" baseline="-25000" dirty="0" smtClean="0">
+              <a:solidFill>
+                <a:schemeClr val="tx1"/>
+              </a:solidFill>
+            </a:endParaRPr>
+          </a:p>
+          <a:p>
+            <a:pPr algn="ctr"/>
+            <a:endParaRPr lang="en-US" baseline="-25000" dirty="0">
+              <a:solidFill>
+                <a:schemeClr val="tx1"/>
+              </a:solidFill>
+            </a:endParaRPr>
+          </a:p>
+        </p:txBody>
+      </p:sp>
+    </p:spTree>
+    <p:extLst>
+      <p:ext uri="{BB962C8B-B14F-4D97-AF65-F5344CB8AC3E}">
+        <p14:creationId xmlns:p14="http://schemas.microsoft.com/office/powerpoint/2010/main" val="3525010358"/>
+      </p:ext>
+    </p:extLst>
+  </p:cSld>
+  <p:clrMapOvr>
+    <a:masterClrMapping/>
+  </p:clrMapOvr>
+  <p:timing>
+    <p:tnLst>
+      <p:par>
+        <p:cTn id="1" dur="indefinite" restart="never" nodeType="tmRoot"/>
+      </p:par>
+    </p:tnLst>
+  </p:timing>
+</p:sld>
+</file>
+
+<file path=ppt/slides/slide17.xml><?xml version="1.0" encoding="utf-8"?>
+<p:sld xmlns:a="http://schemas.openxmlformats.org/drawingml/2006/main" xmlns:r="http://schemas.openxmlformats.org/officeDocument/2006/relationships" xmlns:p="http://schemas.openxmlformats.org/presentationml/2006/main">
+  <p:cSld>
+    <p:spTree>
+      <p:nvGrpSpPr>
+        <p:cNvPr id="1" name=""/>
+        <p:cNvGrpSpPr/>
+        <p:nvPr/>
+      </p:nvGrpSpPr>
+      <p:grpSpPr>
+        <a:xfrm>
+          <a:off x="0" y="0"/>
+          <a:ext cx="0" cy="0"/>
+          <a:chOff x="0" y="0"/>
+          <a:chExt cx="0" cy="0"/>
+        </a:xfrm>
+      </p:grpSpPr>
+      <p:sp>
+        <p:nvSpPr>
+          <p:cNvPr id="4" name="Inhaltsplatzhalter 3"/>
+          <p:cNvSpPr>
+            <a:spLocks noGrp="1"/>
+          </p:cNvSpPr>
+          <p:nvPr>
+            <p:ph idx="1"/>
+          </p:nvPr>
+        </p:nvSpPr>
+        <p:spPr>
+          <a:xfrm>
+            <a:off x="2783632" y="3573016"/>
+            <a:ext cx="6624736" cy="2603947"/>
+          </a:xfrm>
+        </p:spPr>
+        <p:txBody>
+          <a:bodyPr anchor="ctr">
+            <a:normAutofit/>
+          </a:bodyPr>
+          <a:lstStyle/>
+          <a:p>
+            <a:pPr marL="514350" indent="-514350">
+              <a:lnSpc>
+                <a:spcPct val="200000"/>
+              </a:lnSpc>
+              <a:buAutoNum type="arabicPeriod"/>
+            </a:pPr>
+            <a:r>
+              <a:rPr lang="de-DE" dirty="0" smtClean="0"/>
+              <a:t>Annotationsgraph erstellen</a:t>
+            </a:r>
+          </a:p>
+          <a:p>
+            <a:pPr marL="514350" indent="-514350">
+              <a:lnSpc>
+                <a:spcPct val="200000"/>
+              </a:lnSpc>
+              <a:buAutoNum type="arabicPeriod"/>
+            </a:pPr>
+            <a:r>
+              <a:rPr lang="de-DE" dirty="0" smtClean="0"/>
+              <a:t>Extraktionsgraph erstellen</a:t>
+            </a:r>
+            <a:endParaRPr lang="de-DE" dirty="0"/>
+          </a:p>
+        </p:txBody>
+      </p:sp>
+      <p:sp>
+        <p:nvSpPr>
+          <p:cNvPr id="2" name="Foliennummernplatzhalter 1"/>
+          <p:cNvSpPr>
+            <a:spLocks noGrp="1"/>
+          </p:cNvSpPr>
+          <p:nvPr>
+            <p:ph type="sldNum" sz="quarter" idx="12"/>
+          </p:nvPr>
+        </p:nvSpPr>
+        <p:spPr/>
+        <p:txBody>
+          <a:bodyPr/>
+          <a:lstStyle/>
+          <a:p>
+            <a:fld id="{F4DAF760-8A09-427D-9634-9AF01F07ABD5}" type="slidenum">
+              <a:rPr lang="de-DE" smtClean="0"/>
+              <a:t>17</a:t>
+            </a:fld>
+            <a:endParaRPr lang="de-DE" dirty="0"/>
+          </a:p>
+        </p:txBody>
+      </p:sp>
+      <p:sp>
+        <p:nvSpPr>
+          <p:cNvPr id="3" name="Titel 2"/>
+          <p:cNvSpPr>
+            <a:spLocks noGrp="1"/>
+          </p:cNvSpPr>
+          <p:nvPr>
+            <p:ph type="title"/>
+          </p:nvPr>
+        </p:nvSpPr>
+        <p:spPr/>
+        <p:txBody>
+          <a:bodyPr/>
+          <a:lstStyle/>
+          <a:p>
+            <a:r>
+              <a:rPr lang="de-DE" sz="2400" b="1" dirty="0" smtClean="0"/>
+              <a:t>NLP-Phase:</a:t>
+            </a:r>
+            <a:r>
+              <a:rPr lang="de-DE" sz="2400" dirty="0" smtClean="0"/>
+              <a:t>	</a:t>
+            </a:r>
+            <a:r>
+              <a:rPr lang="de-DE" dirty="0" smtClean="0"/>
+              <a:t>Überblick</a:t>
+            </a:r>
+            <a:endParaRPr lang="de-DE" dirty="0"/>
+          </a:p>
+        </p:txBody>
+      </p:sp>
+      <p:pic>
+        <p:nvPicPr>
+          <p:cNvPr id="12" name="Picture 4" descr="C:\Users\a587002\Documents\bachelor-thesis\presentation\nlpPhase2.emf"/>
+          <p:cNvPicPr>
+            <a:picLocks noChangeAspect="1" noChangeArrowheads="1"/>
+          </p:cNvPicPr>
+          <p:nvPr/>
+        </p:nvPicPr>
+        <p:blipFill>
+          <a:blip r:embed="rId2" cstate="print">
+            <a:extLst>
+              <a:ext uri="{28A0092B-C50C-407E-A947-70E740481C1C}">
+                <a14:useLocalDpi xmlns:a14="http://schemas.microsoft.com/office/drawing/2010/main" val="0"/>
+              </a:ext>
+            </a:extLst>
+          </a:blip>
+          <a:srcRect/>
+          <a:stretch>
+            <a:fillRect/>
+          </a:stretch>
+        </p:blipFill>
+        <p:spPr bwMode="auto">
+          <a:xfrm>
+            <a:off x="2663469" y="1164499"/>
+            <a:ext cx="6742800" cy="2190839"/>
+          </a:xfrm>
+          <a:prstGeom prst="rect">
+            <a:avLst/>
+          </a:prstGeom>
+          <a:noFill/>
+          <a:extLst>
+            <a:ext uri="{909E8E84-426E-40DD-AFC4-6F175D3DCCD1}">
+              <a14:hiddenFill xmlns:a14="http://schemas.microsoft.com/office/drawing/2010/main">
+                <a:solidFill>
+                  <a:srgbClr val="FFFFFF"/>
+                </a:solidFill>
+              </a14:hiddenFill>
+            </a:ext>
+          </a:extLst>
+        </p:spPr>
+      </p:pic>
+    </p:spTree>
+    <p:extLst>
+      <p:ext uri="{BB962C8B-B14F-4D97-AF65-F5344CB8AC3E}">
+        <p14:creationId xmlns:p14="http://schemas.microsoft.com/office/powerpoint/2010/main" val="2029401820"/>
+      </p:ext>
+    </p:extLst>
+  </p:cSld>
+  <p:clrMapOvr>
+    <a:masterClrMapping/>
+  </p:clrMapOvr>
+  <p:timing>
+    <p:tnLst>
+      <p:par>
+        <p:cTn id="1" dur="indefinite" restart="never" nodeType="tmRoot"/>
+      </p:par>
+    </p:tnLst>
+  </p:timing>
+</p:sld>
+</file>
+
+<file path=ppt/slides/slide18.xml><?xml version="1.0" encoding="utf-8"?>
+<p:sld xmlns:a="http://schemas.openxmlformats.org/drawingml/2006/main" xmlns:r="http://schemas.openxmlformats.org/officeDocument/2006/relationships" xmlns:p="http://schemas.openxmlformats.org/presentationml/2006/main">
+  <p:cSld>
+    <p:spTree>
+      <p:nvGrpSpPr>
+        <p:cNvPr id="1" name=""/>
+        <p:cNvGrpSpPr/>
+        <p:nvPr/>
+      </p:nvGrpSpPr>
+      <p:grpSpPr>
+        <a:xfrm>
+          <a:off x="0" y="0"/>
+          <a:ext cx="0" cy="0"/>
+          <a:chOff x="0" y="0"/>
+          <a:chExt cx="0" cy="0"/>
+        </a:xfrm>
+      </p:grpSpPr>
+      <p:sp>
+        <p:nvSpPr>
+          <p:cNvPr id="6" name="Inhaltsplatzhalter 5"/>
+          <p:cNvSpPr>
+            <a:spLocks noGrp="1"/>
+          </p:cNvSpPr>
+          <p:nvPr>
+            <p:ph idx="1"/>
+          </p:nvPr>
+        </p:nvSpPr>
+        <p:spPr>
+          <a:xfrm>
+            <a:off x="838200" y="1124744"/>
+            <a:ext cx="4969768" cy="5052219"/>
+          </a:xfrm>
+        </p:spPr>
+        <p:txBody>
+          <a:bodyPr anchor="ctr">
+            <a:normAutofit fontScale="92500" lnSpcReduction="10000"/>
+          </a:bodyPr>
+          <a:lstStyle/>
+          <a:p>
+            <a:pPr marL="0" indent="0" algn="ctr">
+              <a:lnSpc>
+                <a:spcPct val="200000"/>
+              </a:lnSpc>
+              <a:buNone/>
+            </a:pPr>
+            <a:r>
+              <a:rPr lang="de-DE" dirty="0" smtClean="0"/>
+              <a:t>Repräsentation der grammatikalischen Struktur einer Nachricht</a:t>
+            </a:r>
+          </a:p>
+          <a:p>
+            <a:pPr marL="0" indent="0" algn="ctr">
+              <a:lnSpc>
+                <a:spcPct val="200000"/>
+              </a:lnSpc>
+              <a:buNone/>
+            </a:pPr>
+            <a:endParaRPr lang="de-DE" dirty="0" smtClean="0"/>
+          </a:p>
+          <a:p>
+            <a:pPr marL="0" indent="0" algn="ctr">
+              <a:lnSpc>
+                <a:spcPct val="200000"/>
+              </a:lnSpc>
+              <a:buNone/>
+            </a:pPr>
+            <a:r>
+              <a:rPr lang="de-DE" dirty="0" smtClean="0"/>
+              <a:t>Aufgebaut mittels</a:t>
+            </a:r>
+          </a:p>
+          <a:p>
+            <a:pPr marL="0" indent="0" algn="ctr">
+              <a:lnSpc>
+                <a:spcPct val="200000"/>
+              </a:lnSpc>
+              <a:buNone/>
+            </a:pPr>
+            <a:r>
+              <a:rPr lang="de-DE" i="1" dirty="0" smtClean="0"/>
+              <a:t>Stanford </a:t>
+            </a:r>
+            <a:r>
+              <a:rPr lang="de-DE" i="1" dirty="0" err="1" smtClean="0"/>
+              <a:t>CoreNLP</a:t>
+            </a:r>
+            <a:endParaRPr lang="de-DE" i="1" dirty="0"/>
+          </a:p>
+        </p:txBody>
+      </p:sp>
+      <p:sp>
+        <p:nvSpPr>
+          <p:cNvPr id="2" name="Foliennummernplatzhalter 1"/>
+          <p:cNvSpPr>
+            <a:spLocks noGrp="1"/>
+          </p:cNvSpPr>
+          <p:nvPr>
+            <p:ph type="sldNum" sz="quarter" idx="12"/>
+          </p:nvPr>
+        </p:nvSpPr>
+        <p:spPr/>
+        <p:txBody>
+          <a:bodyPr/>
+          <a:lstStyle/>
+          <a:p>
+            <a:fld id="{F4DAF760-8A09-427D-9634-9AF01F07ABD5}" type="slidenum">
+              <a:rPr lang="de-DE" smtClean="0"/>
+              <a:t>18</a:t>
+            </a:fld>
+            <a:endParaRPr lang="de-DE" dirty="0"/>
+          </a:p>
+        </p:txBody>
+      </p:sp>
+      <p:sp>
+        <p:nvSpPr>
+          <p:cNvPr id="3" name="Titel 2"/>
+          <p:cNvSpPr>
+            <a:spLocks noGrp="1"/>
+          </p:cNvSpPr>
+          <p:nvPr>
+            <p:ph type="title"/>
+          </p:nvPr>
+        </p:nvSpPr>
+        <p:spPr/>
+        <p:txBody>
+          <a:bodyPr/>
+          <a:lstStyle/>
+          <a:p>
+            <a:r>
+              <a:rPr lang="de-DE" sz="2400" b="1" dirty="0" smtClean="0"/>
+              <a:t>NLP-Phase:</a:t>
+            </a:r>
+            <a:r>
+              <a:rPr lang="de-DE" sz="2400" dirty="0" smtClean="0"/>
+              <a:t>	</a:t>
+            </a:r>
+            <a:r>
+              <a:rPr lang="de-DE" dirty="0" smtClean="0"/>
+              <a:t>Annotationsgraph</a:t>
+            </a:r>
+            <a:endParaRPr lang="de-DE" dirty="0"/>
+          </a:p>
+        </p:txBody>
+      </p:sp>
+      <p:grpSp>
+        <p:nvGrpSpPr>
+          <p:cNvPr id="10" name="Gruppieren 9"/>
+          <p:cNvGrpSpPr/>
+          <p:nvPr/>
+        </p:nvGrpSpPr>
+        <p:grpSpPr>
+          <a:xfrm>
+            <a:off x="6096000" y="1196752"/>
+            <a:ext cx="5271077" cy="5328592"/>
+            <a:chOff x="6096000" y="1196752"/>
+            <a:chExt cx="5271077" cy="5328592"/>
+          </a:xfrm>
+        </p:grpSpPr>
+        <p:pic>
+          <p:nvPicPr>
+            <p:cNvPr id="7170" name="Picture 2"/>
+            <p:cNvPicPr>
+              <a:picLocks noChangeAspect="1" noChangeArrowheads="1"/>
+            </p:cNvPicPr>
+            <p:nvPr/>
+          </p:nvPicPr>
+          <p:blipFill rotWithShape="1">
+            <a:blip r:embed="rId2" cstate="print">
+              <a:extLst>
+                <a:ext uri="{28A0092B-C50C-407E-A947-70E740481C1C}">
+                  <a14:useLocalDpi xmlns:a14="http://schemas.microsoft.com/office/drawing/2010/main" val="0"/>
+                </a:ext>
+              </a:extLst>
+            </a:blip>
+            <a:srcRect l="-722" t="-961" r="722" b="961"/>
+            <a:stretch/>
+          </p:blipFill>
+          <p:spPr bwMode="auto">
+            <a:xfrm>
+              <a:off x="6384032" y="2564904"/>
+              <a:ext cx="4983045" cy="3744416"/>
+            </a:xfrm>
+            <a:prstGeom prst="rect">
+              <a:avLst/>
+            </a:prstGeom>
+            <a:noFill/>
+            <a:extLst>
+              <a:ext uri="{909E8E84-426E-40DD-AFC4-6F175D3DCCD1}">
+                <a14:hiddenFill xmlns:a14="http://schemas.microsoft.com/office/drawing/2010/main">
+                  <a:solidFill>
+                    <a:srgbClr val="FFFFFF"/>
+                  </a:solidFill>
+                </a14:hiddenFill>
+              </a:ext>
+            </a:extLst>
+          </p:spPr>
+        </p:pic>
+        <p:sp>
+          <p:nvSpPr>
+            <p:cNvPr id="9" name="Rechteck 8"/>
+            <p:cNvSpPr/>
+            <p:nvPr/>
+          </p:nvSpPr>
+          <p:spPr>
+            <a:xfrm>
+              <a:off x="6528048" y="1196752"/>
+              <a:ext cx="4824536" cy="1384995"/>
+            </a:xfrm>
+            <a:prstGeom prst="rect">
+              <a:avLst/>
+            </a:prstGeom>
+          </p:spPr>
+          <p:txBody>
+            <a:bodyPr wrap="square">
+              <a:spAutoFit/>
+            </a:bodyPr>
+            <a:lstStyle/>
+            <a:p>
+              <a:pPr marL="0" lvl="0" indent="0" algn="ctr">
+                <a:lnSpc>
+                  <a:spcPct val="150000"/>
+                </a:lnSpc>
+                <a:buNone/>
+              </a:pPr>
+              <a:r>
+                <a:rPr lang="en-US" sz="2400" dirty="0">
+                  <a:solidFill>
+                    <a:srgbClr val="00205B"/>
+                  </a:solidFill>
+                  <a:latin typeface="Roboto Light" panose="02000000000000000000" pitchFamily="2" charset="0"/>
+                  <a:ea typeface="Roboto Light" panose="02000000000000000000" pitchFamily="2" charset="0"/>
+                </a:rPr>
+                <a:t>11.06.2017: </a:t>
+              </a:r>
+              <a:r>
+                <a:rPr lang="en-US" sz="2800" i="1" dirty="0" smtClean="0">
+                  <a:solidFill>
+                    <a:srgbClr val="00205B"/>
+                  </a:solidFill>
+                  <a:latin typeface="Roboto Light" panose="02000000000000000000" pitchFamily="2" charset="0"/>
+                  <a:ea typeface="Roboto Light" panose="02000000000000000000" pitchFamily="2" charset="0"/>
+                </a:rPr>
+                <a:t>“</a:t>
+              </a:r>
+              <a:r>
+                <a:rPr lang="en-US" sz="2800" i="1" dirty="0">
+                  <a:solidFill>
+                    <a:srgbClr val="00205B"/>
+                  </a:solidFill>
+                  <a:latin typeface="Roboto Light" panose="02000000000000000000" pitchFamily="2" charset="0"/>
+                  <a:ea typeface="Roboto Light" panose="02000000000000000000" pitchFamily="2" charset="0"/>
+                </a:rPr>
+                <a:t>I think I saw you in the red tent today.”</a:t>
+              </a:r>
+              <a:endParaRPr lang="en-US" sz="2400" dirty="0">
+                <a:latin typeface="Roboto Light" panose="02000000000000000000" pitchFamily="2" charset="0"/>
+                <a:ea typeface="Roboto Light" panose="02000000000000000000" pitchFamily="2" charset="0"/>
+              </a:endParaRPr>
+            </a:p>
+          </p:txBody>
+        </p:sp>
+        <p:cxnSp>
+          <p:nvCxnSpPr>
+            <p:cNvPr id="8" name="Gerade Verbindung 7"/>
+            <p:cNvCxnSpPr/>
+            <p:nvPr/>
+          </p:nvCxnSpPr>
+          <p:spPr>
+            <a:xfrm>
+              <a:off x="6096000" y="1196752"/>
+              <a:ext cx="0" cy="5328592"/>
+            </a:xfrm>
+            <a:prstGeom prst="line">
+              <a:avLst/>
+            </a:prstGeom>
+            <a:ln>
+              <a:solidFill>
+                <a:schemeClr val="bg2">
+                  <a:lumMod val="75000"/>
+                </a:schemeClr>
+              </a:solidFill>
+            </a:ln>
+          </p:spPr>
+          <p:style>
+            <a:lnRef idx="1">
+              <a:schemeClr val="accent1"/>
+            </a:lnRef>
+            <a:fillRef idx="0">
+              <a:schemeClr val="accent1"/>
+            </a:fillRef>
+            <a:effectRef idx="0">
+              <a:schemeClr val="accent1"/>
+            </a:effectRef>
+            <a:fontRef idx="minor">
+              <a:schemeClr val="tx1"/>
+            </a:fontRef>
+          </p:style>
+        </p:cxnSp>
+      </p:grpSp>
+    </p:spTree>
+    <p:extLst>
+      <p:ext uri="{BB962C8B-B14F-4D97-AF65-F5344CB8AC3E}">
+        <p14:creationId xmlns:p14="http://schemas.microsoft.com/office/powerpoint/2010/main" val="3593094633"/>
+      </p:ext>
+    </p:extLst>
+  </p:cSld>
+  <p:clrMapOvr>
+    <a:masterClrMapping/>
+  </p:clrMapOvr>
+  <p:timing>
+    <p:tnLst>
+      <p:par>
+        <p:cTn id="1" dur="indefinite" restart="never" nodeType="tmRoot">
+          <p:childTnLst>
+            <p:seq concurrent="1" nextAc="seek">
+              <p:cTn id="2" dur="indefinite" nodeType="mainSeq">
+                <p:childTnLst>
+                  <p:par>
+                    <p:cTn id="3" fill="hold">
+                      <p:stCondLst>
+                        <p:cond delay="indefinite"/>
+                      </p:stCondLst>
+                      <p:childTnLst>
+                        <p:par>
+                          <p:cTn id="4" fill="hold">
+                            <p:stCondLst>
+                              <p:cond delay="0"/>
+                            </p:stCondLst>
+                            <p:childTnLst>
+                              <p:par>
+                                <p:cTn id="5" presetID="1" presetClass="entr" presetSubtype="0" fill="hold" nodeType="clickEffect">
+                                  <p:stCondLst>
+                                    <p:cond delay="0"/>
+                                  </p:stCondLst>
+                                  <p:childTnLst>
+                                    <p:set>
+                                      <p:cBhvr>
+                                        <p:cTn id="6" dur="1" fill="hold">
+                                          <p:stCondLst>
+                                            <p:cond delay="0"/>
+                                          </p:stCondLst>
+                                        </p:cTn>
+                                        <p:tgtEl>
+                                          <p:spTgt spid="10"/>
+                                        </p:tgtEl>
+                                        <p:attrNameLst>
+                                          <p:attrName>style.visibility</p:attrName>
+                                        </p:attrNameLst>
+                                      </p:cBhvr>
+                                      <p:to>
+                                        <p:strVal val="visible"/>
+                                      </p:to>
+                                    </p:set>
+                                  </p:childTnLst>
+                                </p:cTn>
+                              </p:par>
+                            </p:childTnLst>
+                          </p:cTn>
+                        </p:par>
+                      </p:childTnLst>
+                    </p:cTn>
+                  </p:par>
+                </p:childTnLst>
+              </p:cTn>
+              <p:prevCondLst>
+                <p:cond evt="onPrev" delay="0">
+                  <p:tgtEl>
+                    <p:sldTgt/>
+                  </p:tgtEl>
+                </p:cond>
+              </p:prevCondLst>
+              <p:nextCondLst>
+                <p:cond evt="onNext" delay="0">
+                  <p:tgtEl>
+                    <p:sldTgt/>
+                  </p:tgtEl>
+                </p:cond>
+              </p:nextCondLst>
+            </p:seq>
+          </p:childTnLst>
+        </p:cTn>
+      </p:par>
+    </p:tnLst>
+  </p:timing>
+</p:sld>
+</file>
+
+<file path=ppt/slides/slide19.xml><?xml version="1.0" encoding="utf-8"?>
+<p:sld xmlns:a="http://schemas.openxmlformats.org/drawingml/2006/main" xmlns:r="http://schemas.openxmlformats.org/officeDocument/2006/relationships" xmlns:p="http://schemas.openxmlformats.org/presentationml/2006/main">
+  <p:cSld>
+    <p:spTree>
+      <p:nvGrpSpPr>
+        <p:cNvPr id="1" name=""/>
+        <p:cNvGrpSpPr/>
+        <p:nvPr/>
+      </p:nvGrpSpPr>
+      <p:grpSpPr>
+        <a:xfrm>
+          <a:off x="0" y="0"/>
+          <a:ext cx="0" cy="0"/>
+          <a:chOff x="0" y="0"/>
+          <a:chExt cx="0" cy="0"/>
+        </a:xfrm>
+      </p:grpSpPr>
+      <p:sp>
+        <p:nvSpPr>
+          <p:cNvPr id="6" name="Inhaltsplatzhalter 5"/>
+          <p:cNvSpPr>
+            <a:spLocks noGrp="1"/>
+          </p:cNvSpPr>
+          <p:nvPr>
+            <p:ph idx="1"/>
+          </p:nvPr>
+        </p:nvSpPr>
+        <p:spPr>
+          <a:xfrm>
+            <a:off x="1630288" y="1124744"/>
+            <a:ext cx="9074224" cy="5052219"/>
+          </a:xfrm>
+        </p:spPr>
+        <p:txBody>
+          <a:bodyPr anchor="ctr">
+            <a:normAutofit/>
+          </a:bodyPr>
+          <a:lstStyle/>
+          <a:p>
+            <a:pPr marL="0" indent="0" algn="ctr">
+              <a:lnSpc>
+                <a:spcPct val="200000"/>
+              </a:lnSpc>
+              <a:buNone/>
+            </a:pPr>
+            <a:r>
+              <a:rPr lang="de-DE" dirty="0" smtClean="0"/>
+              <a:t>Konzeptgraph, der den Inhalt einer Nachricht repräsentiert.</a:t>
+            </a:r>
+          </a:p>
+          <a:p>
+            <a:pPr marL="0" indent="0" algn="ctr">
+              <a:lnSpc>
+                <a:spcPct val="200000"/>
+              </a:lnSpc>
+              <a:buNone/>
+            </a:pPr>
+            <a:endParaRPr lang="de-DE" dirty="0" smtClean="0"/>
+          </a:p>
+          <a:p>
+            <a:pPr marL="0" indent="0" algn="ctr">
+              <a:lnSpc>
+                <a:spcPct val="200000"/>
+              </a:lnSpc>
+              <a:buNone/>
+            </a:pPr>
+            <a:r>
+              <a:rPr lang="de-DE" dirty="0" smtClean="0"/>
+              <a:t>Mittels </a:t>
+            </a:r>
+            <a:r>
+              <a:rPr lang="de-DE" dirty="0"/>
+              <a:t>Transformationsregeln </a:t>
+            </a:r>
+            <a:r>
+              <a:rPr lang="de-DE" dirty="0" smtClean="0"/>
+              <a:t>Annotationsgraph aufgebaut, ohne Wissen über Wortbedeutungen.</a:t>
+            </a:r>
+            <a:endParaRPr lang="de-DE" i="1" dirty="0"/>
+          </a:p>
+        </p:txBody>
+      </p:sp>
+      <p:sp>
+        <p:nvSpPr>
+          <p:cNvPr id="2" name="Foliennummernplatzhalter 1"/>
+          <p:cNvSpPr>
+            <a:spLocks noGrp="1"/>
+          </p:cNvSpPr>
+          <p:nvPr>
+            <p:ph type="sldNum" sz="quarter" idx="12"/>
+          </p:nvPr>
+        </p:nvSpPr>
+        <p:spPr/>
+        <p:txBody>
+          <a:bodyPr/>
+          <a:lstStyle/>
+          <a:p>
+            <a:fld id="{F4DAF760-8A09-427D-9634-9AF01F07ABD5}" type="slidenum">
+              <a:rPr lang="de-DE" smtClean="0"/>
+              <a:t>19</a:t>
+            </a:fld>
+            <a:endParaRPr lang="de-DE" dirty="0"/>
+          </a:p>
+        </p:txBody>
+      </p:sp>
+      <p:sp>
+        <p:nvSpPr>
+          <p:cNvPr id="3" name="Titel 2"/>
+          <p:cNvSpPr>
+            <a:spLocks noGrp="1"/>
+          </p:cNvSpPr>
+          <p:nvPr>
+            <p:ph type="title"/>
+          </p:nvPr>
+        </p:nvSpPr>
+        <p:spPr/>
+        <p:txBody>
+          <a:bodyPr/>
+          <a:lstStyle/>
+          <a:p>
+            <a:r>
+              <a:rPr lang="de-DE" sz="2400" b="1" dirty="0" smtClean="0"/>
+              <a:t>NLP-Phase:</a:t>
+            </a:r>
+            <a:r>
+              <a:rPr lang="de-DE" sz="2400" dirty="0" smtClean="0"/>
+              <a:t>	</a:t>
+            </a:r>
+            <a:r>
+              <a:rPr lang="de-DE" dirty="0" smtClean="0"/>
+              <a:t>Extraktionsgraph</a:t>
+            </a:r>
+            <a:endParaRPr lang="de-DE" dirty="0"/>
+          </a:p>
+        </p:txBody>
+      </p:sp>
+    </p:spTree>
+    <p:extLst>
+      <p:ext uri="{BB962C8B-B14F-4D97-AF65-F5344CB8AC3E}">
+        <p14:creationId xmlns:p14="http://schemas.microsoft.com/office/powerpoint/2010/main" val="1983266523"/>
+      </p:ext>
+    </p:extLst>
+  </p:cSld>
+  <p:clrMapOvr>
+    <a:masterClrMapping/>
+  </p:clrMapOvr>
+  <p:timing>
+    <p:tnLst>
+      <p:par>
+        <p:cTn id="1" dur="indefinite" restart="never" nodeType="tmRoot"/>
+      </p:par>
+    </p:tnLst>
+  </p:timing>
+</p:sld>
+</file>
+
 <file path=ppt/slides/slide2.xml><?xml version="1.0" encoding="utf-8"?>
 <p:sld xmlns:a="http://schemas.openxmlformats.org/drawingml/2006/main" xmlns:r="http://schemas.openxmlformats.org/officeDocument/2006/relationships" xmlns:p="http://schemas.openxmlformats.org/presentationml/2006/main">
   <p:cSld>
@@ -3423,7 +7895,12 @@
             <p:ph type="sldNum" sz="quarter" idx="12"/>
           </p:nvPr>
         </p:nvSpPr>
-        <p:spPr/>
+        <p:spPr>
+          <a:xfrm>
+            <a:off x="8610600" y="6356351"/>
+            <a:ext cx="2743200" cy="365125"/>
+          </a:xfrm>
+        </p:spPr>
         <p:txBody>
           <a:bodyPr/>
           <a:lstStyle/>
@@ -3446,7 +7923,12 @@
             <p:ph type="title"/>
           </p:nvPr>
         </p:nvSpPr>
-        <p:spPr/>
+        <p:spPr>
+          <a:xfrm>
+            <a:off x="767408" y="191766"/>
+            <a:ext cx="10586392" cy="662782"/>
+          </a:xfrm>
+        </p:spPr>
         <p:txBody>
           <a:bodyPr/>
           <a:lstStyle/>
@@ -4161,6 +8643,531 @@
 </p:sld>
 </file>
 
+<file path=ppt/slides/slide20.xml><?xml version="1.0" encoding="utf-8"?>
+<p:sld xmlns:a="http://schemas.openxmlformats.org/drawingml/2006/main" xmlns:r="http://schemas.openxmlformats.org/officeDocument/2006/relationships" xmlns:p="http://schemas.openxmlformats.org/presentationml/2006/main">
+  <p:cSld>
+    <p:spTree>
+      <p:nvGrpSpPr>
+        <p:cNvPr id="1" name=""/>
+        <p:cNvGrpSpPr/>
+        <p:nvPr/>
+      </p:nvGrpSpPr>
+      <p:grpSpPr>
+        <a:xfrm>
+          <a:off x="0" y="0"/>
+          <a:ext cx="0" cy="0"/>
+          <a:chOff x="0" y="0"/>
+          <a:chExt cx="0" cy="0"/>
+        </a:xfrm>
+      </p:grpSpPr>
+      <p:sp>
+        <p:nvSpPr>
+          <p:cNvPr id="3" name="Titel 2"/>
+          <p:cNvSpPr>
+            <a:spLocks noGrp="1"/>
+          </p:cNvSpPr>
+          <p:nvPr>
+            <p:ph type="title"/>
+          </p:nvPr>
+        </p:nvSpPr>
+        <p:spPr/>
+        <p:txBody>
+          <a:bodyPr/>
+          <a:lstStyle/>
+          <a:p>
+            <a:r>
+              <a:rPr lang="de-DE" sz="2400" b="1" dirty="0" smtClean="0"/>
+              <a:t>NLP-Phase:</a:t>
+            </a:r>
+            <a:r>
+              <a:rPr lang="de-DE" sz="2400" dirty="0" smtClean="0"/>
+              <a:t>	</a:t>
+            </a:r>
+            <a:r>
+              <a:rPr lang="de-DE" dirty="0" smtClean="0"/>
+              <a:t>Extraktionsgraph</a:t>
+            </a:r>
+            <a:endParaRPr lang="de-DE" dirty="0"/>
+          </a:p>
+        </p:txBody>
+      </p:sp>
+      <p:sp>
+        <p:nvSpPr>
+          <p:cNvPr id="2" name="Foliennummernplatzhalter 1"/>
+          <p:cNvSpPr>
+            <a:spLocks noGrp="1"/>
+          </p:cNvSpPr>
+          <p:nvPr>
+            <p:ph type="sldNum" sz="quarter" idx="12"/>
+          </p:nvPr>
+        </p:nvSpPr>
+        <p:spPr/>
+        <p:txBody>
+          <a:bodyPr/>
+          <a:lstStyle/>
+          <a:p>
+            <a:fld id="{F4DAF760-8A09-427D-9634-9AF01F07ABD5}" type="slidenum">
+              <a:rPr lang="de-DE" smtClean="0"/>
+              <a:t>20</a:t>
+            </a:fld>
+            <a:endParaRPr lang="de-DE" dirty="0"/>
+          </a:p>
+        </p:txBody>
+      </p:sp>
+      <p:pic>
+        <p:nvPicPr>
+          <p:cNvPr id="7170" name="Picture 2"/>
+          <p:cNvPicPr>
+            <a:picLocks noChangeAspect="1" noChangeArrowheads="1"/>
+          </p:cNvPicPr>
+          <p:nvPr/>
+        </p:nvPicPr>
+        <p:blipFill rotWithShape="1">
+          <a:blip r:embed="rId2" cstate="print">
+            <a:extLst>
+              <a:ext uri="{28A0092B-C50C-407E-A947-70E740481C1C}">
+                <a14:useLocalDpi xmlns:a14="http://schemas.microsoft.com/office/drawing/2010/main" val="0"/>
+              </a:ext>
+            </a:extLst>
+          </a:blip>
+          <a:srcRect l="-722" t="-961" r="722" b="961"/>
+          <a:stretch/>
+        </p:blipFill>
+        <p:spPr bwMode="auto">
+          <a:xfrm>
+            <a:off x="335360" y="2564904"/>
+            <a:ext cx="4983045" cy="3744416"/>
+          </a:xfrm>
+          <a:prstGeom prst="rect">
+            <a:avLst/>
+          </a:prstGeom>
+          <a:noFill/>
+          <a:extLst>
+            <a:ext uri="{909E8E84-426E-40DD-AFC4-6F175D3DCCD1}">
+              <a14:hiddenFill xmlns:a14="http://schemas.microsoft.com/office/drawing/2010/main">
+                <a:solidFill>
+                  <a:srgbClr val="FFFFFF"/>
+                </a:solidFill>
+              </a14:hiddenFill>
+            </a:ext>
+          </a:extLst>
+        </p:spPr>
+      </p:pic>
+      <p:sp>
+        <p:nvSpPr>
+          <p:cNvPr id="9" name="Rechteck 8"/>
+          <p:cNvSpPr/>
+          <p:nvPr/>
+        </p:nvSpPr>
+        <p:spPr>
+          <a:xfrm>
+            <a:off x="767408" y="1394192"/>
+            <a:ext cx="10585176" cy="738664"/>
+          </a:xfrm>
+          <a:prstGeom prst="rect">
+            <a:avLst/>
+          </a:prstGeom>
+        </p:spPr>
+        <p:txBody>
+          <a:bodyPr wrap="square">
+            <a:spAutoFit/>
+          </a:bodyPr>
+          <a:lstStyle/>
+          <a:p>
+            <a:pPr marL="0" lvl="0" indent="0" algn="ctr">
+              <a:lnSpc>
+                <a:spcPct val="150000"/>
+              </a:lnSpc>
+              <a:buNone/>
+            </a:pPr>
+            <a:r>
+              <a:rPr lang="en-US" sz="2400" dirty="0">
+                <a:solidFill>
+                  <a:srgbClr val="00205B"/>
+                </a:solidFill>
+                <a:latin typeface="Roboto Light" panose="02000000000000000000" pitchFamily="2" charset="0"/>
+                <a:ea typeface="Roboto Light" panose="02000000000000000000" pitchFamily="2" charset="0"/>
+              </a:rPr>
+              <a:t>11.06.2017: </a:t>
+            </a:r>
+            <a:r>
+              <a:rPr lang="en-US" sz="2800" i="1" dirty="0" smtClean="0">
+                <a:solidFill>
+                  <a:srgbClr val="00205B"/>
+                </a:solidFill>
+                <a:latin typeface="Roboto Light" panose="02000000000000000000" pitchFamily="2" charset="0"/>
+                <a:ea typeface="Roboto Light" panose="02000000000000000000" pitchFamily="2" charset="0"/>
+              </a:rPr>
+              <a:t>“</a:t>
+            </a:r>
+            <a:r>
+              <a:rPr lang="en-US" sz="2800" i="1" dirty="0">
+                <a:solidFill>
+                  <a:srgbClr val="00205B"/>
+                </a:solidFill>
+                <a:latin typeface="Roboto Light" panose="02000000000000000000" pitchFamily="2" charset="0"/>
+                <a:ea typeface="Roboto Light" panose="02000000000000000000" pitchFamily="2" charset="0"/>
+              </a:rPr>
+              <a:t>I think I saw you in the red tent today.”</a:t>
+            </a:r>
+            <a:endParaRPr lang="en-US" sz="2400" dirty="0">
+              <a:latin typeface="Roboto Light" panose="02000000000000000000" pitchFamily="2" charset="0"/>
+              <a:ea typeface="Roboto Light" panose="02000000000000000000" pitchFamily="2" charset="0"/>
+            </a:endParaRPr>
+          </a:p>
+        </p:txBody>
+      </p:sp>
+      <p:pic>
+        <p:nvPicPr>
+          <p:cNvPr id="8194" name="Picture 2" descr="C:\Users\a587002\Documents\bachelor-thesis\presentation\extractionGraph1.emf"/>
+          <p:cNvPicPr>
+            <a:picLocks noChangeAspect="1" noChangeArrowheads="1"/>
+          </p:cNvPicPr>
+          <p:nvPr/>
+        </p:nvPicPr>
+        <p:blipFill>
+          <a:blip r:embed="rId3" cstate="print">
+            <a:extLst>
+              <a:ext uri="{28A0092B-C50C-407E-A947-70E740481C1C}">
+                <a14:useLocalDpi xmlns:a14="http://schemas.microsoft.com/office/drawing/2010/main" val="0"/>
+              </a:ext>
+            </a:extLst>
+          </a:blip>
+          <a:srcRect/>
+          <a:stretch>
+            <a:fillRect/>
+          </a:stretch>
+        </p:blipFill>
+        <p:spPr bwMode="auto">
+          <a:xfrm>
+            <a:off x="6168008" y="2924944"/>
+            <a:ext cx="5507980" cy="3064453"/>
+          </a:xfrm>
+          <a:prstGeom prst="rect">
+            <a:avLst/>
+          </a:prstGeom>
+          <a:noFill/>
+          <a:extLst>
+            <a:ext uri="{909E8E84-426E-40DD-AFC4-6F175D3DCCD1}">
+              <a14:hiddenFill xmlns:a14="http://schemas.microsoft.com/office/drawing/2010/main">
+                <a:solidFill>
+                  <a:srgbClr val="FFFFFF"/>
+                </a:solidFill>
+              </a14:hiddenFill>
+            </a:ext>
+          </a:extLst>
+        </p:spPr>
+      </p:pic>
+      <p:sp>
+        <p:nvSpPr>
+          <p:cNvPr id="10" name="Pfeil nach rechts 9"/>
+          <p:cNvSpPr/>
+          <p:nvPr/>
+        </p:nvSpPr>
+        <p:spPr>
+          <a:xfrm>
+            <a:off x="5519936" y="4221088"/>
+            <a:ext cx="541430" cy="288032"/>
+          </a:xfrm>
+          <a:prstGeom prst="rightArrow">
+            <a:avLst>
+              <a:gd name="adj1" fmla="val 31830"/>
+              <a:gd name="adj2" fmla="val 54735"/>
+            </a:avLst>
+          </a:prstGeom>
+          <a:solidFill>
+            <a:schemeClr val="tx1"/>
+          </a:solidFill>
+          <a:ln>
+            <a:noFill/>
+          </a:ln>
+        </p:spPr>
+        <p:style>
+          <a:lnRef idx="2">
+            <a:schemeClr val="accent1">
+              <a:shade val="50000"/>
+            </a:schemeClr>
+          </a:lnRef>
+          <a:fillRef idx="1">
+            <a:schemeClr val="accent1"/>
+          </a:fillRef>
+          <a:effectRef idx="0">
+            <a:schemeClr val="accent1"/>
+          </a:effectRef>
+          <a:fontRef idx="minor">
+            <a:schemeClr val="lt1"/>
+          </a:fontRef>
+        </p:style>
+        <p:txBody>
+          <a:bodyPr rtlCol="0" anchor="ctr"/>
+          <a:lstStyle/>
+          <a:p>
+            <a:pPr algn="ctr"/>
+            <a:endParaRPr lang="de-DE"/>
+          </a:p>
+        </p:txBody>
+      </p:sp>
+    </p:spTree>
+    <p:extLst>
+      <p:ext uri="{BB962C8B-B14F-4D97-AF65-F5344CB8AC3E}">
+        <p14:creationId xmlns:p14="http://schemas.microsoft.com/office/powerpoint/2010/main" val="3501223978"/>
+      </p:ext>
+    </p:extLst>
+  </p:cSld>
+  <p:clrMapOvr>
+    <a:masterClrMapping/>
+  </p:clrMapOvr>
+  <p:timing>
+    <p:tnLst>
+      <p:par>
+        <p:cTn id="1" dur="indefinite" restart="never" nodeType="tmRoot"/>
+      </p:par>
+    </p:tnLst>
+  </p:timing>
+</p:sld>
+</file>
+
+<file path=ppt/slides/slide21.xml><?xml version="1.0" encoding="utf-8"?>
+<p:sld xmlns:a="http://schemas.openxmlformats.org/drawingml/2006/main" xmlns:r="http://schemas.openxmlformats.org/officeDocument/2006/relationships" xmlns:p="http://schemas.openxmlformats.org/presentationml/2006/main">
+  <p:cSld>
+    <p:spTree>
+      <p:nvGrpSpPr>
+        <p:cNvPr id="1" name=""/>
+        <p:cNvGrpSpPr/>
+        <p:nvPr/>
+      </p:nvGrpSpPr>
+      <p:grpSpPr>
+        <a:xfrm>
+          <a:off x="0" y="0"/>
+          <a:ext cx="0" cy="0"/>
+          <a:chOff x="0" y="0"/>
+          <a:chExt cx="0" cy="0"/>
+        </a:xfrm>
+      </p:grpSpPr>
+      <p:sp>
+        <p:nvSpPr>
+          <p:cNvPr id="2" name="Titel 1"/>
+          <p:cNvSpPr>
+            <a:spLocks noGrp="1"/>
+          </p:cNvSpPr>
+          <p:nvPr>
+            <p:ph type="title"/>
+          </p:nvPr>
+        </p:nvSpPr>
+        <p:spPr>
+          <a:xfrm>
+            <a:off x="831851" y="2736503"/>
+            <a:ext cx="10515600" cy="2852737"/>
+          </a:xfrm>
+        </p:spPr>
+        <p:txBody>
+          <a:bodyPr/>
+          <a:lstStyle/>
+          <a:p>
+            <a:pPr algn="ctr">
+              <a:lnSpc>
+                <a:spcPct val="150000"/>
+              </a:lnSpc>
+            </a:pPr>
+            <a:r>
+              <a:rPr lang="de-DE" dirty="0" smtClean="0"/>
+              <a:t>3. Wissensgraph-Konstruktionsphase</a:t>
+            </a:r>
+            <a:endParaRPr lang="de-DE" dirty="0"/>
+          </a:p>
+        </p:txBody>
+      </p:sp>
+      <p:sp>
+        <p:nvSpPr>
+          <p:cNvPr id="4" name="Foliennummernplatzhalter 3"/>
+          <p:cNvSpPr>
+            <a:spLocks noGrp="1"/>
+          </p:cNvSpPr>
+          <p:nvPr>
+            <p:ph type="sldNum" sz="quarter" idx="12"/>
+          </p:nvPr>
+        </p:nvSpPr>
+        <p:spPr/>
+        <p:txBody>
+          <a:bodyPr/>
+          <a:lstStyle/>
+          <a:p>
+            <a:fld id="{F4DAF760-8A09-427D-9634-9AF01F07ABD5}" type="slidenum">
+              <a:rPr lang="de-DE" smtClean="0"/>
+              <a:t>21</a:t>
+            </a:fld>
+            <a:endParaRPr lang="de-DE" dirty="0"/>
+          </a:p>
+        </p:txBody>
+      </p:sp>
+      <p:pic>
+        <p:nvPicPr>
+          <p:cNvPr id="5" name="Picture 2" descr="C:\Users\a587002\Documents\bachelor-thesis\presentation\overviewGeneral.emf"/>
+          <p:cNvPicPr>
+            <a:picLocks noChangeAspect="1" noChangeArrowheads="1"/>
+          </p:cNvPicPr>
+          <p:nvPr/>
+        </p:nvPicPr>
+        <p:blipFill>
+          <a:blip r:embed="rId2" cstate="print">
+            <a:extLst>
+              <a:ext uri="{28A0092B-C50C-407E-A947-70E740481C1C}">
+                <a14:useLocalDpi xmlns:a14="http://schemas.microsoft.com/office/drawing/2010/main" val="0"/>
+              </a:ext>
+            </a:extLst>
+          </a:blip>
+          <a:srcRect/>
+          <a:stretch>
+            <a:fillRect/>
+          </a:stretch>
+        </p:blipFill>
+        <p:spPr bwMode="auto">
+          <a:xfrm>
+            <a:off x="2662112" y="1412776"/>
+            <a:ext cx="8595968" cy="864939"/>
+          </a:xfrm>
+          <a:prstGeom prst="rect">
+            <a:avLst/>
+          </a:prstGeom>
+          <a:noFill/>
+          <a:extLst>
+            <a:ext uri="{909E8E84-426E-40DD-AFC4-6F175D3DCCD1}">
+              <a14:hiddenFill xmlns:a14="http://schemas.microsoft.com/office/drawing/2010/main">
+                <a:solidFill>
+                  <a:srgbClr val="FFFFFF"/>
+                </a:solidFill>
+              </a14:hiddenFill>
+            </a:ext>
+          </a:extLst>
+        </p:spPr>
+      </p:pic>
+      <p:sp>
+        <p:nvSpPr>
+          <p:cNvPr id="6" name="Rechteck 5"/>
+          <p:cNvSpPr/>
+          <p:nvPr/>
+        </p:nvSpPr>
+        <p:spPr>
+          <a:xfrm>
+            <a:off x="9376564" y="1267862"/>
+            <a:ext cx="1904012" cy="1008112"/>
+          </a:xfrm>
+          <a:prstGeom prst="rect">
+            <a:avLst/>
+          </a:prstGeom>
+          <a:solidFill>
+            <a:schemeClr val="bg1"/>
+          </a:solidFill>
+          <a:ln>
+            <a:noFill/>
+          </a:ln>
+        </p:spPr>
+        <p:style>
+          <a:lnRef idx="2">
+            <a:schemeClr val="accent1">
+              <a:shade val="50000"/>
+            </a:schemeClr>
+          </a:lnRef>
+          <a:fillRef idx="1">
+            <a:schemeClr val="accent1"/>
+          </a:fillRef>
+          <a:effectRef idx="0">
+            <a:schemeClr val="accent1"/>
+          </a:effectRef>
+          <a:fontRef idx="minor">
+            <a:schemeClr val="lt1"/>
+          </a:fontRef>
+        </p:style>
+        <p:txBody>
+          <a:bodyPr rtlCol="0" anchor="ctr"/>
+          <a:lstStyle/>
+          <a:p>
+            <a:pPr algn="ctr"/>
+            <a:endParaRPr lang="de-DE"/>
+          </a:p>
+        </p:txBody>
+      </p:sp>
+      <p:sp>
+        <p:nvSpPr>
+          <p:cNvPr id="7" name="Pfeil nach unten 6"/>
+          <p:cNvSpPr/>
+          <p:nvPr/>
+        </p:nvSpPr>
+        <p:spPr>
+          <a:xfrm flipV="1">
+            <a:off x="6727721" y="2101416"/>
+            <a:ext cx="288032" cy="175456"/>
+          </a:xfrm>
+          <a:prstGeom prst="downArrow">
+            <a:avLst>
+              <a:gd name="adj1" fmla="val 50000"/>
+              <a:gd name="adj2" fmla="val 100000"/>
+            </a:avLst>
+          </a:prstGeom>
+          <a:solidFill>
+            <a:schemeClr val="tx1"/>
+          </a:solidFill>
+          <a:ln>
+            <a:noFill/>
+          </a:ln>
+        </p:spPr>
+        <p:style>
+          <a:lnRef idx="2">
+            <a:schemeClr val="accent1">
+              <a:shade val="50000"/>
+            </a:schemeClr>
+          </a:lnRef>
+          <a:fillRef idx="1">
+            <a:schemeClr val="accent1"/>
+          </a:fillRef>
+          <a:effectRef idx="0">
+            <a:schemeClr val="accent1"/>
+          </a:effectRef>
+          <a:fontRef idx="minor">
+            <a:schemeClr val="lt1"/>
+          </a:fontRef>
+        </p:style>
+        <p:txBody>
+          <a:bodyPr rtlCol="0" anchor="ctr"/>
+          <a:lstStyle/>
+          <a:p>
+            <a:pPr algn="ctr"/>
+            <a:endParaRPr lang="en-US" baseline="-25000" dirty="0" smtClean="0">
+              <a:solidFill>
+                <a:schemeClr val="tx1"/>
+              </a:solidFill>
+            </a:endParaRPr>
+          </a:p>
+          <a:p>
+            <a:pPr algn="ctr"/>
+            <a:endParaRPr lang="en-US" baseline="-25000" dirty="0">
+              <a:solidFill>
+                <a:schemeClr val="tx1"/>
+              </a:solidFill>
+            </a:endParaRPr>
+          </a:p>
+        </p:txBody>
+      </p:sp>
+    </p:spTree>
+    <p:extLst>
+      <p:ext uri="{BB962C8B-B14F-4D97-AF65-F5344CB8AC3E}">
+        <p14:creationId xmlns:p14="http://schemas.microsoft.com/office/powerpoint/2010/main" val="2644464530"/>
+      </p:ext>
+    </p:extLst>
+  </p:cSld>
+  <p:clrMapOvr>
+    <a:masterClrMapping/>
+  </p:clrMapOvr>
+  <p:timing>
+    <p:tnLst>
+      <p:par>
+        <p:cTn id="1" dur="indefinite" restart="never" nodeType="tmRoot"/>
+      </p:par>
+    </p:tnLst>
+  </p:timing>
+</p:sld>
+</file>
+
 <file path=ppt/slides/slide3.xml><?xml version="1.0" encoding="utf-8"?>
 <p:sld xmlns:a="http://schemas.openxmlformats.org/drawingml/2006/main" xmlns:r="http://schemas.openxmlformats.org/officeDocument/2006/relationships" xmlns:p="http://schemas.openxmlformats.org/presentationml/2006/main">
   <p:cSld>
@@ -4188,7 +9195,12 @@
             <p:ph type="sldNum" sz="quarter" idx="12"/>
           </p:nvPr>
         </p:nvSpPr>
-        <p:spPr/>
+        <p:spPr>
+          <a:xfrm>
+            <a:off x="8610600" y="6356351"/>
+            <a:ext cx="2743200" cy="365125"/>
+          </a:xfrm>
+        </p:spPr>
         <p:txBody>
           <a:bodyPr/>
           <a:lstStyle/>
@@ -4211,7 +9223,12 @@
             <p:ph type="title"/>
           </p:nvPr>
         </p:nvSpPr>
-        <p:spPr/>
+        <p:spPr>
+          <a:xfrm>
+            <a:off x="767408" y="191766"/>
+            <a:ext cx="10586392" cy="662782"/>
+          </a:xfrm>
+        </p:spPr>
         <p:txBody>
           <a:bodyPr/>
           <a:lstStyle/>
@@ -4716,7 +9733,12 @@
             <p:ph type="sldNum" sz="quarter" idx="12"/>
           </p:nvPr>
         </p:nvSpPr>
-        <p:spPr/>
+        <p:spPr>
+          <a:xfrm>
+            <a:off x="8610600" y="6356351"/>
+            <a:ext cx="2743200" cy="365125"/>
+          </a:xfrm>
+        </p:spPr>
         <p:txBody>
           <a:bodyPr/>
           <a:lstStyle/>
@@ -4739,7 +9761,12 @@
             <p:ph type="title"/>
           </p:nvPr>
         </p:nvSpPr>
-        <p:spPr/>
+        <p:spPr>
+          <a:xfrm>
+            <a:off x="767408" y="191766"/>
+            <a:ext cx="10586392" cy="662782"/>
+          </a:xfrm>
+        </p:spPr>
         <p:txBody>
           <a:bodyPr/>
           <a:lstStyle/>
@@ -5898,7 +10925,12 @@
             <p:ph type="sldNum" sz="quarter" idx="12"/>
           </p:nvPr>
         </p:nvSpPr>
-        <p:spPr/>
+        <p:spPr>
+          <a:xfrm>
+            <a:off x="8610600" y="6356351"/>
+            <a:ext cx="2743200" cy="365125"/>
+          </a:xfrm>
+        </p:spPr>
         <p:txBody>
           <a:bodyPr/>
           <a:lstStyle/>
@@ -5921,7 +10953,12 @@
             <p:ph type="title"/>
           </p:nvPr>
         </p:nvSpPr>
-        <p:spPr/>
+        <p:spPr>
+          <a:xfrm>
+            <a:off x="767408" y="191766"/>
+            <a:ext cx="10586392" cy="662782"/>
+          </a:xfrm>
+        </p:spPr>
         <p:txBody>
           <a:bodyPr/>
           <a:lstStyle/>
@@ -6841,7 +11878,12 @@
             <p:ph type="sldNum" sz="quarter" idx="12"/>
           </p:nvPr>
         </p:nvSpPr>
-        <p:spPr/>
+        <p:spPr>
+          <a:xfrm>
+            <a:off x="8610600" y="6356351"/>
+            <a:ext cx="2743200" cy="365125"/>
+          </a:xfrm>
+        </p:spPr>
         <p:txBody>
           <a:bodyPr/>
           <a:lstStyle/>
@@ -6864,7 +11906,12 @@
             <p:ph type="title"/>
           </p:nvPr>
         </p:nvSpPr>
-        <p:spPr/>
+        <p:spPr>
+          <a:xfrm>
+            <a:off x="767408" y="191766"/>
+            <a:ext cx="10586392" cy="662782"/>
+          </a:xfrm>
+        </p:spPr>
         <p:txBody>
           <a:bodyPr/>
           <a:lstStyle/>
@@ -7584,6 +12631,1140 @@
 </p:sld>
 </file>
 
+<file path=ppt/slides/slide7.xml><?xml version="1.0" encoding="utf-8"?>
+<p:sld xmlns:a="http://schemas.openxmlformats.org/drawingml/2006/main" xmlns:r="http://schemas.openxmlformats.org/officeDocument/2006/relationships" xmlns:p="http://schemas.openxmlformats.org/presentationml/2006/main">
+  <p:cSld>
+    <p:spTree>
+      <p:nvGrpSpPr>
+        <p:cNvPr id="1" name=""/>
+        <p:cNvGrpSpPr/>
+        <p:nvPr/>
+      </p:nvGrpSpPr>
+      <p:grpSpPr>
+        <a:xfrm>
+          <a:off x="0" y="0"/>
+          <a:ext cx="0" cy="0"/>
+          <a:chOff x="0" y="0"/>
+          <a:chExt cx="0" cy="0"/>
+        </a:xfrm>
+      </p:grpSpPr>
+      <p:sp>
+        <p:nvSpPr>
+          <p:cNvPr id="2" name="Titel 1"/>
+          <p:cNvSpPr>
+            <a:spLocks noGrp="1"/>
+          </p:cNvSpPr>
+          <p:nvPr>
+            <p:ph type="title"/>
+          </p:nvPr>
+        </p:nvSpPr>
+        <p:spPr/>
+        <p:txBody>
+          <a:bodyPr/>
+          <a:lstStyle/>
+          <a:p>
+            <a:pPr algn="ctr"/>
+            <a:r>
+              <a:rPr lang="de-DE" dirty="0" smtClean="0"/>
+              <a:t>1. Ontologie</a:t>
+            </a:r>
+            <a:endParaRPr lang="de-DE" dirty="0"/>
+          </a:p>
+        </p:txBody>
+      </p:sp>
+      <p:sp>
+        <p:nvSpPr>
+          <p:cNvPr id="4" name="Foliennummernplatzhalter 3"/>
+          <p:cNvSpPr>
+            <a:spLocks noGrp="1"/>
+          </p:cNvSpPr>
+          <p:nvPr>
+            <p:ph type="sldNum" sz="quarter" idx="12"/>
+          </p:nvPr>
+        </p:nvSpPr>
+        <p:spPr/>
+        <p:txBody>
+          <a:bodyPr/>
+          <a:lstStyle/>
+          <a:p>
+            <a:fld id="{F4DAF760-8A09-427D-9634-9AF01F07ABD5}" type="slidenum">
+              <a:rPr lang="de-DE" smtClean="0"/>
+              <a:t>7</a:t>
+            </a:fld>
+            <a:endParaRPr lang="de-DE" dirty="0"/>
+          </a:p>
+        </p:txBody>
+      </p:sp>
+      <p:pic>
+        <p:nvPicPr>
+          <p:cNvPr id="5" name="Picture 2" descr="C:\Users\a587002\Documents\bachelor-thesis\presentation\overviewGeneral.emf"/>
+          <p:cNvPicPr>
+            <a:picLocks noChangeAspect="1" noChangeArrowheads="1"/>
+          </p:cNvPicPr>
+          <p:nvPr/>
+        </p:nvPicPr>
+        <p:blipFill>
+          <a:blip r:embed="rId2" cstate="print">
+            <a:extLst>
+              <a:ext uri="{28A0092B-C50C-407E-A947-70E740481C1C}">
+                <a14:useLocalDpi xmlns:a14="http://schemas.microsoft.com/office/drawing/2010/main" val="0"/>
+              </a:ext>
+            </a:extLst>
+          </a:blip>
+          <a:srcRect/>
+          <a:stretch>
+            <a:fillRect/>
+          </a:stretch>
+        </p:blipFill>
+        <p:spPr bwMode="auto">
+          <a:xfrm>
+            <a:off x="2662112" y="1412776"/>
+            <a:ext cx="8595968" cy="864939"/>
+          </a:xfrm>
+          <a:prstGeom prst="rect">
+            <a:avLst/>
+          </a:prstGeom>
+          <a:noFill/>
+          <a:extLst>
+            <a:ext uri="{909E8E84-426E-40DD-AFC4-6F175D3DCCD1}">
+              <a14:hiddenFill xmlns:a14="http://schemas.microsoft.com/office/drawing/2010/main">
+                <a:solidFill>
+                  <a:srgbClr val="FFFFFF"/>
+                </a:solidFill>
+              </a14:hiddenFill>
+            </a:ext>
+          </a:extLst>
+        </p:spPr>
+      </p:pic>
+      <p:sp>
+        <p:nvSpPr>
+          <p:cNvPr id="6" name="Rechteck 5"/>
+          <p:cNvSpPr/>
+          <p:nvPr/>
+        </p:nvSpPr>
+        <p:spPr>
+          <a:xfrm>
+            <a:off x="9376564" y="1267862"/>
+            <a:ext cx="1904012" cy="1008112"/>
+          </a:xfrm>
+          <a:prstGeom prst="rect">
+            <a:avLst/>
+          </a:prstGeom>
+          <a:solidFill>
+            <a:schemeClr val="bg1"/>
+          </a:solidFill>
+          <a:ln>
+            <a:noFill/>
+          </a:ln>
+        </p:spPr>
+        <p:style>
+          <a:lnRef idx="2">
+            <a:schemeClr val="accent1">
+              <a:shade val="50000"/>
+            </a:schemeClr>
+          </a:lnRef>
+          <a:fillRef idx="1">
+            <a:schemeClr val="accent1"/>
+          </a:fillRef>
+          <a:effectRef idx="0">
+            <a:schemeClr val="accent1"/>
+          </a:effectRef>
+          <a:fontRef idx="minor">
+            <a:schemeClr val="lt1"/>
+          </a:fontRef>
+        </p:style>
+        <p:txBody>
+          <a:bodyPr rtlCol="0" anchor="ctr"/>
+          <a:lstStyle/>
+          <a:p>
+            <a:pPr algn="ctr"/>
+            <a:endParaRPr lang="de-DE"/>
+          </a:p>
+        </p:txBody>
+      </p:sp>
+      <p:sp>
+        <p:nvSpPr>
+          <p:cNvPr id="7" name="Pfeil nach unten 6"/>
+          <p:cNvSpPr/>
+          <p:nvPr/>
+        </p:nvSpPr>
+        <p:spPr>
+          <a:xfrm flipV="1">
+            <a:off x="8549605" y="2101416"/>
+            <a:ext cx="288032" cy="175456"/>
+          </a:xfrm>
+          <a:prstGeom prst="downArrow">
+            <a:avLst>
+              <a:gd name="adj1" fmla="val 50000"/>
+              <a:gd name="adj2" fmla="val 100000"/>
+            </a:avLst>
+          </a:prstGeom>
+          <a:solidFill>
+            <a:schemeClr val="tx1"/>
+          </a:solidFill>
+          <a:ln>
+            <a:noFill/>
+          </a:ln>
+        </p:spPr>
+        <p:style>
+          <a:lnRef idx="2">
+            <a:schemeClr val="accent1">
+              <a:shade val="50000"/>
+            </a:schemeClr>
+          </a:lnRef>
+          <a:fillRef idx="1">
+            <a:schemeClr val="accent1"/>
+          </a:fillRef>
+          <a:effectRef idx="0">
+            <a:schemeClr val="accent1"/>
+          </a:effectRef>
+          <a:fontRef idx="minor">
+            <a:schemeClr val="lt1"/>
+          </a:fontRef>
+        </p:style>
+        <p:txBody>
+          <a:bodyPr rtlCol="0" anchor="ctr"/>
+          <a:lstStyle/>
+          <a:p>
+            <a:pPr algn="ctr"/>
+            <a:endParaRPr lang="en-US" baseline="-25000" dirty="0" smtClean="0">
+              <a:solidFill>
+                <a:schemeClr val="tx1"/>
+              </a:solidFill>
+            </a:endParaRPr>
+          </a:p>
+          <a:p>
+            <a:pPr algn="ctr"/>
+            <a:endParaRPr lang="en-US" baseline="-25000" dirty="0">
+              <a:solidFill>
+                <a:schemeClr val="tx1"/>
+              </a:solidFill>
+            </a:endParaRPr>
+          </a:p>
+        </p:txBody>
+      </p:sp>
+    </p:spTree>
+    <p:extLst>
+      <p:ext uri="{BB962C8B-B14F-4D97-AF65-F5344CB8AC3E}">
+        <p14:creationId xmlns:p14="http://schemas.microsoft.com/office/powerpoint/2010/main" val="1764388542"/>
+      </p:ext>
+    </p:extLst>
+  </p:cSld>
+  <p:clrMapOvr>
+    <a:masterClrMapping/>
+  </p:clrMapOvr>
+  <p:timing>
+    <p:tnLst>
+      <p:par>
+        <p:cTn id="1" dur="indefinite" restart="never" nodeType="tmRoot"/>
+      </p:par>
+    </p:tnLst>
+  </p:timing>
+</p:sld>
+</file>
+
+<file path=ppt/slides/slide8.xml><?xml version="1.0" encoding="utf-8"?>
+<p:sld xmlns:a="http://schemas.openxmlformats.org/drawingml/2006/main" xmlns:r="http://schemas.openxmlformats.org/officeDocument/2006/relationships" xmlns:p="http://schemas.openxmlformats.org/presentationml/2006/main">
+  <p:cSld>
+    <p:spTree>
+      <p:nvGrpSpPr>
+        <p:cNvPr id="1" name=""/>
+        <p:cNvGrpSpPr/>
+        <p:nvPr/>
+      </p:nvGrpSpPr>
+      <p:grpSpPr>
+        <a:xfrm>
+          <a:off x="0" y="0"/>
+          <a:ext cx="0" cy="0"/>
+          <a:chOff x="0" y="0"/>
+          <a:chExt cx="0" cy="0"/>
+        </a:xfrm>
+      </p:grpSpPr>
+      <p:sp>
+        <p:nvSpPr>
+          <p:cNvPr id="2" name="Foliennummernplatzhalter 1"/>
+          <p:cNvSpPr>
+            <a:spLocks noGrp="1"/>
+          </p:cNvSpPr>
+          <p:nvPr>
+            <p:ph type="sldNum" sz="quarter" idx="12"/>
+          </p:nvPr>
+        </p:nvSpPr>
+        <p:spPr>
+          <a:xfrm>
+            <a:off x="8610600" y="6356351"/>
+            <a:ext cx="2743200" cy="365125"/>
+          </a:xfrm>
+        </p:spPr>
+        <p:txBody>
+          <a:bodyPr/>
+          <a:lstStyle/>
+          <a:p>
+            <a:fld id="{F4DAF760-8A09-427D-9634-9AF01F07ABD5}" type="slidenum">
+              <a:rPr lang="de-DE" smtClean="0"/>
+              <a:t>8</a:t>
+            </a:fld>
+            <a:endParaRPr lang="de-DE" dirty="0"/>
+          </a:p>
+        </p:txBody>
+      </p:sp>
+      <p:sp>
+        <p:nvSpPr>
+          <p:cNvPr id="3" name="Titel 2"/>
+          <p:cNvSpPr>
+            <a:spLocks noGrp="1"/>
+          </p:cNvSpPr>
+          <p:nvPr>
+            <p:ph type="title"/>
+          </p:nvPr>
+        </p:nvSpPr>
+        <p:spPr>
+          <a:xfrm>
+            <a:off x="767408" y="191766"/>
+            <a:ext cx="10586392" cy="662782"/>
+          </a:xfrm>
+        </p:spPr>
+        <p:txBody>
+          <a:bodyPr/>
+          <a:lstStyle/>
+          <a:p>
+            <a:r>
+              <a:rPr lang="de-DE" sz="2400" b="1" dirty="0" smtClean="0"/>
+              <a:t>Ontologie:</a:t>
+            </a:r>
+            <a:r>
+              <a:rPr lang="de-DE" sz="2400" dirty="0" smtClean="0"/>
+              <a:t>	</a:t>
+            </a:r>
+            <a:r>
+              <a:rPr lang="de-DE" dirty="0" smtClean="0"/>
+              <a:t>Ansatz</a:t>
+            </a:r>
+            <a:endParaRPr lang="de-DE" dirty="0"/>
+          </a:p>
+        </p:txBody>
+      </p:sp>
+      <p:sp>
+        <p:nvSpPr>
+          <p:cNvPr id="9" name="Inhaltsplatzhalter 1"/>
+          <p:cNvSpPr txBox="1">
+            <a:spLocks/>
+          </p:cNvSpPr>
+          <p:nvPr/>
+        </p:nvSpPr>
+        <p:spPr>
+          <a:xfrm>
+            <a:off x="263352" y="2276872"/>
+            <a:ext cx="11665296" cy="2952328"/>
+          </a:xfrm>
+          <a:prstGeom prst="rect">
+            <a:avLst/>
+          </a:prstGeom>
+        </p:spPr>
+        <p:txBody>
+          <a:bodyPr anchor="ctr"/>
+          <a:lstStyle>
+            <a:lvl1pPr marL="228600" indent="-228600" algn="l" defTabSz="914400" rtl="0" eaLnBrk="1" latinLnBrk="0" hangingPunct="1">
+              <a:lnSpc>
+                <a:spcPct val="90000"/>
+              </a:lnSpc>
+              <a:spcBef>
+                <a:spcPts val="1000"/>
+              </a:spcBef>
+              <a:buFont typeface="Arial" panose="020B0604020202020204" pitchFamily="34" charset="0"/>
+              <a:buChar char="•"/>
+              <a:defRPr sz="2800" kern="1200">
+                <a:solidFill>
+                  <a:schemeClr val="tx1"/>
+                </a:solidFill>
+                <a:latin typeface="Roboto Light" panose="02000000000000000000" pitchFamily="2" charset="0"/>
+                <a:ea typeface="Roboto Light" panose="02000000000000000000" pitchFamily="2" charset="0"/>
+                <a:cs typeface="+mn-cs"/>
+              </a:defRPr>
+            </a:lvl1pPr>
+            <a:lvl2pPr marL="685800" indent="-228600" algn="l" defTabSz="914400" rtl="0" eaLnBrk="1" latinLnBrk="0" hangingPunct="1">
+              <a:lnSpc>
+                <a:spcPct val="90000"/>
+              </a:lnSpc>
+              <a:spcBef>
+                <a:spcPts val="500"/>
+              </a:spcBef>
+              <a:buFont typeface="Arial" panose="020B0604020202020204" pitchFamily="34" charset="0"/>
+              <a:buChar char="•"/>
+              <a:defRPr sz="2400" kern="1200">
+                <a:solidFill>
+                  <a:schemeClr val="tx1"/>
+                </a:solidFill>
+                <a:latin typeface="Roboto Light" panose="02000000000000000000" pitchFamily="2" charset="0"/>
+                <a:ea typeface="Roboto Light" panose="02000000000000000000" pitchFamily="2" charset="0"/>
+                <a:cs typeface="+mn-cs"/>
+              </a:defRPr>
+            </a:lvl2pPr>
+            <a:lvl3pPr marL="1143000" indent="-228600" algn="l" defTabSz="914400" rtl="0" eaLnBrk="1" latinLnBrk="0" hangingPunct="1">
+              <a:lnSpc>
+                <a:spcPct val="90000"/>
+              </a:lnSpc>
+              <a:spcBef>
+                <a:spcPts val="500"/>
+              </a:spcBef>
+              <a:buFont typeface="Arial" panose="020B0604020202020204" pitchFamily="34" charset="0"/>
+              <a:buChar char="•"/>
+              <a:defRPr sz="2000" kern="1200">
+                <a:solidFill>
+                  <a:schemeClr val="tx1"/>
+                </a:solidFill>
+                <a:latin typeface="Roboto Light" panose="02000000000000000000" pitchFamily="2" charset="0"/>
+                <a:ea typeface="Roboto Light" panose="02000000000000000000" pitchFamily="2" charset="0"/>
+                <a:cs typeface="+mn-cs"/>
+              </a:defRPr>
+            </a:lvl3pPr>
+            <a:lvl4pPr marL="1600200" indent="-228600" algn="l" defTabSz="914400" rtl="0" eaLnBrk="1" latinLnBrk="0" hangingPunct="1">
+              <a:lnSpc>
+                <a:spcPct val="90000"/>
+              </a:lnSpc>
+              <a:spcBef>
+                <a:spcPts val="500"/>
+              </a:spcBef>
+              <a:buFont typeface="Arial" panose="020B0604020202020204" pitchFamily="34" charset="0"/>
+              <a:buChar char="•"/>
+              <a:defRPr sz="1800" kern="1200">
+                <a:solidFill>
+                  <a:schemeClr val="tx1"/>
+                </a:solidFill>
+                <a:latin typeface="Roboto Light" panose="02000000000000000000" pitchFamily="2" charset="0"/>
+                <a:ea typeface="Roboto Light" panose="02000000000000000000" pitchFamily="2" charset="0"/>
+                <a:cs typeface="+mn-cs"/>
+              </a:defRPr>
+            </a:lvl4pPr>
+            <a:lvl5pPr marL="2057400" indent="-228600" algn="l" defTabSz="914400" rtl="0" eaLnBrk="1" latinLnBrk="0" hangingPunct="1">
+              <a:lnSpc>
+                <a:spcPct val="90000"/>
+              </a:lnSpc>
+              <a:spcBef>
+                <a:spcPts val="500"/>
+              </a:spcBef>
+              <a:buFont typeface="Arial" panose="020B0604020202020204" pitchFamily="34" charset="0"/>
+              <a:buChar char="•"/>
+              <a:defRPr sz="1800" kern="1200">
+                <a:solidFill>
+                  <a:schemeClr val="tx1"/>
+                </a:solidFill>
+                <a:latin typeface="Roboto Light" panose="02000000000000000000" pitchFamily="2" charset="0"/>
+                <a:ea typeface="Roboto Light" panose="02000000000000000000" pitchFamily="2" charset="0"/>
+                <a:cs typeface="+mn-cs"/>
+              </a:defRPr>
+            </a:lvl5pPr>
+            <a:lvl6pPr marL="2514600" indent="-228600" algn="l" defTabSz="914400" rtl="0" eaLnBrk="1" latinLnBrk="0" hangingPunct="1">
+              <a:lnSpc>
+                <a:spcPct val="90000"/>
+              </a:lnSpc>
+              <a:spcBef>
+                <a:spcPts val="500"/>
+              </a:spcBef>
+              <a:buFont typeface="Arial" panose="020B0604020202020204" pitchFamily="34" charset="0"/>
+              <a:buChar char="•"/>
+              <a:defRPr sz="1800" kern="1200">
+                <a:solidFill>
+                  <a:schemeClr val="tx1"/>
+                </a:solidFill>
+                <a:latin typeface="+mn-lt"/>
+                <a:ea typeface="+mn-ea"/>
+                <a:cs typeface="+mn-cs"/>
+              </a:defRPr>
+            </a:lvl6pPr>
+            <a:lvl7pPr marL="2971800" indent="-228600" algn="l" defTabSz="914400" rtl="0" eaLnBrk="1" latinLnBrk="0" hangingPunct="1">
+              <a:lnSpc>
+                <a:spcPct val="90000"/>
+              </a:lnSpc>
+              <a:spcBef>
+                <a:spcPts val="500"/>
+              </a:spcBef>
+              <a:buFont typeface="Arial" panose="020B0604020202020204" pitchFamily="34" charset="0"/>
+              <a:buChar char="•"/>
+              <a:defRPr sz="1800" kern="1200">
+                <a:solidFill>
+                  <a:schemeClr val="tx1"/>
+                </a:solidFill>
+                <a:latin typeface="+mn-lt"/>
+                <a:ea typeface="+mn-ea"/>
+                <a:cs typeface="+mn-cs"/>
+              </a:defRPr>
+            </a:lvl7pPr>
+            <a:lvl8pPr marL="3429000" indent="-228600" algn="l" defTabSz="914400" rtl="0" eaLnBrk="1" latinLnBrk="0" hangingPunct="1">
+              <a:lnSpc>
+                <a:spcPct val="90000"/>
+              </a:lnSpc>
+              <a:spcBef>
+                <a:spcPts val="500"/>
+              </a:spcBef>
+              <a:buFont typeface="Arial" panose="020B0604020202020204" pitchFamily="34" charset="0"/>
+              <a:buChar char="•"/>
+              <a:defRPr sz="1800" kern="1200">
+                <a:solidFill>
+                  <a:schemeClr val="tx1"/>
+                </a:solidFill>
+                <a:latin typeface="+mn-lt"/>
+                <a:ea typeface="+mn-ea"/>
+                <a:cs typeface="+mn-cs"/>
+              </a:defRPr>
+            </a:lvl8pPr>
+            <a:lvl9pPr marL="3886200" indent="-228600" algn="l" defTabSz="914400" rtl="0" eaLnBrk="1" latinLnBrk="0" hangingPunct="1">
+              <a:lnSpc>
+                <a:spcPct val="90000"/>
+              </a:lnSpc>
+              <a:spcBef>
+                <a:spcPts val="500"/>
+              </a:spcBef>
+              <a:buFont typeface="Arial" panose="020B0604020202020204" pitchFamily="34" charset="0"/>
+              <a:buChar char="•"/>
+              <a:defRPr sz="1800" kern="1200">
+                <a:solidFill>
+                  <a:schemeClr val="tx1"/>
+                </a:solidFill>
+                <a:latin typeface="+mn-lt"/>
+                <a:ea typeface="+mn-ea"/>
+                <a:cs typeface="+mn-cs"/>
+              </a:defRPr>
+            </a:lvl9pPr>
+          </a:lstStyle>
+          <a:p>
+            <a:pPr marL="0" indent="0" algn="ctr">
+              <a:lnSpc>
+                <a:spcPct val="150000"/>
+              </a:lnSpc>
+              <a:buNone/>
+            </a:pPr>
+            <a:r>
+              <a:rPr lang="de-DE" i="1" dirty="0" smtClean="0"/>
+              <a:t>Welche Semantik haben Knoten und Kanten?</a:t>
+            </a:r>
+          </a:p>
+          <a:p>
+            <a:pPr marL="0" indent="0" algn="ctr">
+              <a:lnSpc>
+                <a:spcPct val="150000"/>
+              </a:lnSpc>
+              <a:buNone/>
+            </a:pPr>
+            <a:r>
+              <a:rPr lang="de-DE" b="1" dirty="0" smtClean="0"/>
+              <a:t>Idee: </a:t>
+            </a:r>
+            <a:r>
+              <a:rPr lang="de-DE" dirty="0" smtClean="0"/>
+              <a:t>Der Wissensgraph repräsentiert einen FOL-Ausdruck.</a:t>
+            </a:r>
+            <a:endParaRPr lang="de-DE" dirty="0" smtClean="0"/>
+          </a:p>
+        </p:txBody>
+      </p:sp>
+    </p:spTree>
+    <p:extLst>
+      <p:ext uri="{BB962C8B-B14F-4D97-AF65-F5344CB8AC3E}">
+        <p14:creationId xmlns:p14="http://schemas.microsoft.com/office/powerpoint/2010/main" val="1990578860"/>
+      </p:ext>
+    </p:extLst>
+  </p:cSld>
+  <p:clrMapOvr>
+    <a:masterClrMapping/>
+  </p:clrMapOvr>
+  <p:timing>
+    <p:tnLst>
+      <p:par>
+        <p:cTn id="1" dur="indefinite" restart="never" nodeType="tmRoot">
+          <p:childTnLst>
+            <p:seq concurrent="1" nextAc="seek">
+              <p:cTn id="2" dur="indefinite" nodeType="mainSeq">
+                <p:childTnLst>
+                  <p:par>
+                    <p:cTn id="3" fill="hold">
+                      <p:stCondLst>
+                        <p:cond delay="indefinite"/>
+                        <p:cond evt="onBegin" delay="0">
+                          <p:tn val="2"/>
+                        </p:cond>
+                      </p:stCondLst>
+                      <p:childTnLst>
+                        <p:par>
+                          <p:cTn id="4" fill="hold">
+                            <p:stCondLst>
+                              <p:cond delay="0"/>
+                            </p:stCondLst>
+                            <p:childTnLst>
+                              <p:par>
+                                <p:cTn id="5" presetID="1" presetClass="entr" presetSubtype="0" fill="hold" grpId="0" nodeType="withEffect">
+                                  <p:stCondLst>
+                                    <p:cond delay="0"/>
+                                  </p:stCondLst>
+                                  <p:childTnLst>
+                                    <p:set>
+                                      <p:cBhvr>
+                                        <p:cTn id="6" dur="1" fill="hold">
+                                          <p:stCondLst>
+                                            <p:cond delay="0"/>
+                                          </p:stCondLst>
+                                        </p:cTn>
+                                        <p:tgtEl>
+                                          <p:spTgt spid="9">
+                                            <p:txEl>
+                                              <p:pRg st="0" end="0"/>
+                                            </p:txEl>
+                                          </p:spTgt>
+                                        </p:tgtEl>
+                                        <p:attrNameLst>
+                                          <p:attrName>style.visibility</p:attrName>
+                                        </p:attrNameLst>
+                                      </p:cBhvr>
+                                      <p:to>
+                                        <p:strVal val="visible"/>
+                                      </p:to>
+                                    </p:set>
+                                  </p:childTnLst>
+                                </p:cTn>
+                              </p:par>
+                            </p:childTnLst>
+                          </p:cTn>
+                        </p:par>
+                      </p:childTnLst>
+                    </p:cTn>
+                  </p:par>
+                  <p:par>
+                    <p:cTn id="7" fill="hold">
+                      <p:stCondLst>
+                        <p:cond delay="indefinite"/>
+                      </p:stCondLst>
+                      <p:childTnLst>
+                        <p:par>
+                          <p:cTn id="8" fill="hold">
+                            <p:stCondLst>
+                              <p:cond delay="0"/>
+                            </p:stCondLst>
+                            <p:childTnLst>
+                              <p:par>
+                                <p:cTn id="9" presetID="1" presetClass="entr" presetSubtype="0" fill="hold" grpId="0" nodeType="clickEffect">
+                                  <p:stCondLst>
+                                    <p:cond delay="0"/>
+                                  </p:stCondLst>
+                                  <p:childTnLst>
+                                    <p:set>
+                                      <p:cBhvr>
+                                        <p:cTn id="10" dur="1" fill="hold">
+                                          <p:stCondLst>
+                                            <p:cond delay="0"/>
+                                          </p:stCondLst>
+                                        </p:cTn>
+                                        <p:tgtEl>
+                                          <p:spTgt spid="9">
+                                            <p:txEl>
+                                              <p:pRg st="1" end="1"/>
+                                            </p:txEl>
+                                          </p:spTgt>
+                                        </p:tgtEl>
+                                        <p:attrNameLst>
+                                          <p:attrName>style.visibility</p:attrName>
+                                        </p:attrNameLst>
+                                      </p:cBhvr>
+                                      <p:to>
+                                        <p:strVal val="visible"/>
+                                      </p:to>
+                                    </p:set>
+                                  </p:childTnLst>
+                                </p:cTn>
+                              </p:par>
+                            </p:childTnLst>
+                          </p:cTn>
+                        </p:par>
+                      </p:childTnLst>
+                    </p:cTn>
+                  </p:par>
+                </p:childTnLst>
+              </p:cTn>
+              <p:prevCondLst>
+                <p:cond evt="onPrev" delay="0">
+                  <p:tgtEl>
+                    <p:sldTgt/>
+                  </p:tgtEl>
+                </p:cond>
+              </p:prevCondLst>
+              <p:nextCondLst>
+                <p:cond evt="onNext" delay="0">
+                  <p:tgtEl>
+                    <p:sldTgt/>
+                  </p:tgtEl>
+                </p:cond>
+              </p:nextCondLst>
+            </p:seq>
+          </p:childTnLst>
+        </p:cTn>
+      </p:par>
+    </p:tnLst>
+    <p:bldLst>
+      <p:bldP spid="9" grpId="0" uiExpand="1" build="p"/>
+    </p:bldLst>
+  </p:timing>
+</p:sld>
+</file>
+
+<file path=ppt/slides/slide9.xml><?xml version="1.0" encoding="utf-8"?>
+<p:sld xmlns:a="http://schemas.openxmlformats.org/drawingml/2006/main" xmlns:r="http://schemas.openxmlformats.org/officeDocument/2006/relationships" xmlns:p="http://schemas.openxmlformats.org/presentationml/2006/main">
+  <p:cSld>
+    <p:spTree>
+      <p:nvGrpSpPr>
+        <p:cNvPr id="1" name=""/>
+        <p:cNvGrpSpPr/>
+        <p:nvPr/>
+      </p:nvGrpSpPr>
+      <p:grpSpPr>
+        <a:xfrm>
+          <a:off x="0" y="0"/>
+          <a:ext cx="0" cy="0"/>
+          <a:chOff x="0" y="0"/>
+          <a:chExt cx="0" cy="0"/>
+        </a:xfrm>
+      </p:grpSpPr>
+      <p:sp>
+        <p:nvSpPr>
+          <p:cNvPr id="2" name="Foliennummernplatzhalter 1"/>
+          <p:cNvSpPr>
+            <a:spLocks noGrp="1"/>
+          </p:cNvSpPr>
+          <p:nvPr>
+            <p:ph type="sldNum" sz="quarter" idx="12"/>
+          </p:nvPr>
+        </p:nvSpPr>
+        <p:spPr>
+          <a:xfrm>
+            <a:off x="8610600" y="6356351"/>
+            <a:ext cx="2743200" cy="365125"/>
+          </a:xfrm>
+        </p:spPr>
+        <p:txBody>
+          <a:bodyPr/>
+          <a:lstStyle/>
+          <a:p>
+            <a:fld id="{F4DAF760-8A09-427D-9634-9AF01F07ABD5}" type="slidenum">
+              <a:rPr lang="de-DE" smtClean="0"/>
+              <a:t>9</a:t>
+            </a:fld>
+            <a:endParaRPr lang="de-DE" dirty="0"/>
+          </a:p>
+        </p:txBody>
+      </p:sp>
+      <p:sp>
+        <p:nvSpPr>
+          <p:cNvPr id="3" name="Titel 2"/>
+          <p:cNvSpPr>
+            <a:spLocks noGrp="1"/>
+          </p:cNvSpPr>
+          <p:nvPr>
+            <p:ph type="title"/>
+          </p:nvPr>
+        </p:nvSpPr>
+        <p:spPr>
+          <a:xfrm>
+            <a:off x="767408" y="191766"/>
+            <a:ext cx="10586392" cy="662782"/>
+          </a:xfrm>
+        </p:spPr>
+        <p:txBody>
+          <a:bodyPr/>
+          <a:lstStyle/>
+          <a:p>
+            <a:r>
+              <a:rPr lang="de-DE" sz="2400" b="1" dirty="0" smtClean="0"/>
+              <a:t>Ontologie:</a:t>
+            </a:r>
+            <a:r>
+              <a:rPr lang="de-DE" sz="2400" dirty="0" smtClean="0"/>
+              <a:t>	</a:t>
+            </a:r>
+            <a:r>
+              <a:rPr lang="de-DE" dirty="0" smtClean="0"/>
+              <a:t>J. F. Sowas Konzeptgraphen</a:t>
+            </a:r>
+            <a:endParaRPr lang="de-DE" dirty="0"/>
+          </a:p>
+        </p:txBody>
+      </p:sp>
+      <p:pic>
+        <p:nvPicPr>
+          <p:cNvPr id="1026" name="Picture 2"/>
+          <p:cNvPicPr>
+            <a:picLocks noChangeAspect="1" noChangeArrowheads="1"/>
+          </p:cNvPicPr>
+          <p:nvPr/>
+        </p:nvPicPr>
+        <p:blipFill>
+          <a:blip r:embed="rId3" cstate="print">
+            <a:extLst>
+              <a:ext uri="{28A0092B-C50C-407E-A947-70E740481C1C}">
+                <a14:useLocalDpi xmlns:a14="http://schemas.microsoft.com/office/drawing/2010/main" val="0"/>
+              </a:ext>
+            </a:extLst>
+          </a:blip>
+          <a:stretch>
+            <a:fillRect/>
+          </a:stretch>
+        </p:blipFill>
+        <p:spPr bwMode="auto">
+          <a:xfrm>
+            <a:off x="911424" y="3357099"/>
+            <a:ext cx="3558621" cy="790832"/>
+          </a:xfrm>
+          <a:prstGeom prst="rect">
+            <a:avLst/>
+          </a:prstGeom>
+          <a:noFill/>
+          <a:extLst>
+            <a:ext uri="{909E8E84-426E-40DD-AFC4-6F175D3DCCD1}">
+              <a14:hiddenFill xmlns:a14="http://schemas.microsoft.com/office/drawing/2010/main">
+                <a:solidFill>
+                  <a:srgbClr val="FFFFFF"/>
+                </a:solidFill>
+              </a14:hiddenFill>
+            </a:ext>
+          </a:extLst>
+        </p:spPr>
+      </p:pic>
+      <mc:AlternateContent xmlns:mc="http://schemas.openxmlformats.org/markup-compatibility/2006">
+        <mc:Choice xmlns:a14="http://schemas.microsoft.com/office/drawing/2010/main" Requires="a14">
+          <p:sp>
+            <p:nvSpPr>
+              <p:cNvPr id="9" name="Rechteck 8"/>
+              <p:cNvSpPr/>
+              <p:nvPr/>
+            </p:nvSpPr>
+            <p:spPr>
+              <a:xfrm>
+                <a:off x="5303912" y="3356992"/>
+                <a:ext cx="5616624" cy="646331"/>
+              </a:xfrm>
+              <a:prstGeom prst="rect">
+                <a:avLst/>
+              </a:prstGeom>
+            </p:spPr>
+            <p:txBody>
+              <a:bodyPr wrap="square">
+                <a:spAutoFit/>
+              </a:bodyPr>
+              <a:lstStyle/>
+              <a:p>
+                <a:pPr/>
+                <a14:m>
+                  <m:oMathPara xmlns:m="http://schemas.openxmlformats.org/officeDocument/2006/math">
+                    <m:oMathParaPr>
+                      <m:jc m:val="left"/>
+                    </m:oMathParaPr>
+                    <m:oMath xmlns:m="http://schemas.openxmlformats.org/officeDocument/2006/math">
+                      <m:r>
+                        <a:rPr lang="de-DE" sz="3600" i="1" smtClean="0">
+                          <a:solidFill>
+                            <a:schemeClr val="accent3"/>
+                          </a:solidFill>
+                          <a:latin typeface="Cambria Math"/>
+                          <a:ea typeface="Cambria Math"/>
+                        </a:rPr>
+                        <m:t>∃</m:t>
+                      </m:r>
+                      <m:r>
+                        <a:rPr lang="de-DE" sz="3600" i="1" smtClean="0">
+                          <a:solidFill>
+                            <a:schemeClr val="accent3"/>
+                          </a:solidFill>
+                          <a:latin typeface="Cambria Math"/>
+                          <a:ea typeface="Cambria Math"/>
+                        </a:rPr>
+                        <m:t>𝑥</m:t>
+                      </m:r>
+                      <m:r>
+                        <a:rPr lang="de-DE" sz="3600" i="1" smtClean="0">
+                          <a:solidFill>
+                            <a:schemeClr val="accent3"/>
+                          </a:solidFill>
+                          <a:latin typeface="Cambria Math"/>
+                          <a:ea typeface="Cambria Math"/>
+                        </a:rPr>
+                        <m:t>,</m:t>
+                      </m:r>
+                      <m:r>
+                        <a:rPr lang="de-DE" sz="3600" i="1" smtClean="0">
+                          <a:solidFill>
+                            <a:schemeClr val="accent3"/>
+                          </a:solidFill>
+                          <a:latin typeface="Cambria Math"/>
+                          <a:ea typeface="Cambria Math"/>
+                        </a:rPr>
+                        <m:t>𝑦</m:t>
+                      </m:r>
+                    </m:oMath>
+                  </m:oMathPara>
+                </a14:m>
+                <a:endParaRPr lang="de-DE" sz="3600" dirty="0">
+                  <a:solidFill>
+                    <a:schemeClr val="accent3"/>
+                  </a:solidFill>
+                </a:endParaRPr>
+              </a:p>
+            </p:txBody>
+          </p:sp>
+        </mc:Choice>
+        <mc:Fallback>
+          <p:sp>
+            <p:nvSpPr>
+              <p:cNvPr id="9" name="Rechteck 8"/>
+              <p:cNvSpPr>
+                <a:spLocks noRot="1" noChangeAspect="1" noMove="1" noResize="1" noEditPoints="1" noAdjustHandles="1" noChangeArrowheads="1" noChangeShapeType="1" noTextEdit="1"/>
+              </p:cNvSpPr>
+              <p:nvPr/>
+            </p:nvSpPr>
+            <p:spPr>
+              <a:xfrm>
+                <a:off x="5303912" y="3356992"/>
+                <a:ext cx="5616624" cy="646331"/>
+              </a:xfrm>
+              <a:prstGeom prst="rect">
+                <a:avLst/>
+              </a:prstGeom>
+              <a:blipFill rotWithShape="1">
+                <a:blip r:embed="rId4"/>
+                <a:stretch>
+                  <a:fillRect/>
+                </a:stretch>
+              </a:blipFill>
+            </p:spPr>
+            <p:txBody>
+              <a:bodyPr/>
+              <a:lstStyle/>
+              <a:p>
+                <a:r>
+                  <a:rPr lang="de-DE">
+                    <a:noFill/>
+                  </a:rPr>
+                  <a:t> </a:t>
+                </a:r>
+              </a:p>
+            </p:txBody>
+          </p:sp>
+        </mc:Fallback>
+      </mc:AlternateContent>
+      <p:sp>
+        <p:nvSpPr>
+          <p:cNvPr id="10" name="Inhaltsplatzhalter 1"/>
+          <p:cNvSpPr txBox="1">
+            <a:spLocks/>
+          </p:cNvSpPr>
+          <p:nvPr/>
+        </p:nvSpPr>
+        <p:spPr>
+          <a:xfrm>
+            <a:off x="263352" y="1556792"/>
+            <a:ext cx="11665296" cy="1008112"/>
+          </a:xfrm>
+          <a:prstGeom prst="rect">
+            <a:avLst/>
+          </a:prstGeom>
+        </p:spPr>
+        <p:txBody>
+          <a:bodyPr anchor="ctr"/>
+          <a:lstStyle>
+            <a:lvl1pPr marL="228600" indent="-228600" algn="l" defTabSz="914400" rtl="0" eaLnBrk="1" latinLnBrk="0" hangingPunct="1">
+              <a:lnSpc>
+                <a:spcPct val="90000"/>
+              </a:lnSpc>
+              <a:spcBef>
+                <a:spcPts val="1000"/>
+              </a:spcBef>
+              <a:buFont typeface="Arial" panose="020B0604020202020204" pitchFamily="34" charset="0"/>
+              <a:buChar char="•"/>
+              <a:defRPr sz="2800" kern="1200">
+                <a:solidFill>
+                  <a:schemeClr val="tx1"/>
+                </a:solidFill>
+                <a:latin typeface="Roboto Light" panose="02000000000000000000" pitchFamily="2" charset="0"/>
+                <a:ea typeface="Roboto Light" panose="02000000000000000000" pitchFamily="2" charset="0"/>
+                <a:cs typeface="+mn-cs"/>
+              </a:defRPr>
+            </a:lvl1pPr>
+            <a:lvl2pPr marL="685800" indent="-228600" algn="l" defTabSz="914400" rtl="0" eaLnBrk="1" latinLnBrk="0" hangingPunct="1">
+              <a:lnSpc>
+                <a:spcPct val="90000"/>
+              </a:lnSpc>
+              <a:spcBef>
+                <a:spcPts val="500"/>
+              </a:spcBef>
+              <a:buFont typeface="Arial" panose="020B0604020202020204" pitchFamily="34" charset="0"/>
+              <a:buChar char="•"/>
+              <a:defRPr sz="2400" kern="1200">
+                <a:solidFill>
+                  <a:schemeClr val="tx1"/>
+                </a:solidFill>
+                <a:latin typeface="Roboto Light" panose="02000000000000000000" pitchFamily="2" charset="0"/>
+                <a:ea typeface="Roboto Light" panose="02000000000000000000" pitchFamily="2" charset="0"/>
+                <a:cs typeface="+mn-cs"/>
+              </a:defRPr>
+            </a:lvl2pPr>
+            <a:lvl3pPr marL="1143000" indent="-228600" algn="l" defTabSz="914400" rtl="0" eaLnBrk="1" latinLnBrk="0" hangingPunct="1">
+              <a:lnSpc>
+                <a:spcPct val="90000"/>
+              </a:lnSpc>
+              <a:spcBef>
+                <a:spcPts val="500"/>
+              </a:spcBef>
+              <a:buFont typeface="Arial" panose="020B0604020202020204" pitchFamily="34" charset="0"/>
+              <a:buChar char="•"/>
+              <a:defRPr sz="2000" kern="1200">
+                <a:solidFill>
+                  <a:schemeClr val="tx1"/>
+                </a:solidFill>
+                <a:latin typeface="Roboto Light" panose="02000000000000000000" pitchFamily="2" charset="0"/>
+                <a:ea typeface="Roboto Light" panose="02000000000000000000" pitchFamily="2" charset="0"/>
+                <a:cs typeface="+mn-cs"/>
+              </a:defRPr>
+            </a:lvl3pPr>
+            <a:lvl4pPr marL="1600200" indent="-228600" algn="l" defTabSz="914400" rtl="0" eaLnBrk="1" latinLnBrk="0" hangingPunct="1">
+              <a:lnSpc>
+                <a:spcPct val="90000"/>
+              </a:lnSpc>
+              <a:spcBef>
+                <a:spcPts val="500"/>
+              </a:spcBef>
+              <a:buFont typeface="Arial" panose="020B0604020202020204" pitchFamily="34" charset="0"/>
+              <a:buChar char="•"/>
+              <a:defRPr sz="1800" kern="1200">
+                <a:solidFill>
+                  <a:schemeClr val="tx1"/>
+                </a:solidFill>
+                <a:latin typeface="Roboto Light" panose="02000000000000000000" pitchFamily="2" charset="0"/>
+                <a:ea typeface="Roboto Light" panose="02000000000000000000" pitchFamily="2" charset="0"/>
+                <a:cs typeface="+mn-cs"/>
+              </a:defRPr>
+            </a:lvl4pPr>
+            <a:lvl5pPr marL="2057400" indent="-228600" algn="l" defTabSz="914400" rtl="0" eaLnBrk="1" latinLnBrk="0" hangingPunct="1">
+              <a:lnSpc>
+                <a:spcPct val="90000"/>
+              </a:lnSpc>
+              <a:spcBef>
+                <a:spcPts val="500"/>
+              </a:spcBef>
+              <a:buFont typeface="Arial" panose="020B0604020202020204" pitchFamily="34" charset="0"/>
+              <a:buChar char="•"/>
+              <a:defRPr sz="1800" kern="1200">
+                <a:solidFill>
+                  <a:schemeClr val="tx1"/>
+                </a:solidFill>
+                <a:latin typeface="Roboto Light" panose="02000000000000000000" pitchFamily="2" charset="0"/>
+                <a:ea typeface="Roboto Light" panose="02000000000000000000" pitchFamily="2" charset="0"/>
+                <a:cs typeface="+mn-cs"/>
+              </a:defRPr>
+            </a:lvl5pPr>
+            <a:lvl6pPr marL="2514600" indent="-228600" algn="l" defTabSz="914400" rtl="0" eaLnBrk="1" latinLnBrk="0" hangingPunct="1">
+              <a:lnSpc>
+                <a:spcPct val="90000"/>
+              </a:lnSpc>
+              <a:spcBef>
+                <a:spcPts val="500"/>
+              </a:spcBef>
+              <a:buFont typeface="Arial" panose="020B0604020202020204" pitchFamily="34" charset="0"/>
+              <a:buChar char="•"/>
+              <a:defRPr sz="1800" kern="1200">
+                <a:solidFill>
+                  <a:schemeClr val="tx1"/>
+                </a:solidFill>
+                <a:latin typeface="+mn-lt"/>
+                <a:ea typeface="+mn-ea"/>
+                <a:cs typeface="+mn-cs"/>
+              </a:defRPr>
+            </a:lvl6pPr>
+            <a:lvl7pPr marL="2971800" indent="-228600" algn="l" defTabSz="914400" rtl="0" eaLnBrk="1" latinLnBrk="0" hangingPunct="1">
+              <a:lnSpc>
+                <a:spcPct val="90000"/>
+              </a:lnSpc>
+              <a:spcBef>
+                <a:spcPts val="500"/>
+              </a:spcBef>
+              <a:buFont typeface="Arial" panose="020B0604020202020204" pitchFamily="34" charset="0"/>
+              <a:buChar char="•"/>
+              <a:defRPr sz="1800" kern="1200">
+                <a:solidFill>
+                  <a:schemeClr val="tx1"/>
+                </a:solidFill>
+                <a:latin typeface="+mn-lt"/>
+                <a:ea typeface="+mn-ea"/>
+                <a:cs typeface="+mn-cs"/>
+              </a:defRPr>
+            </a:lvl7pPr>
+            <a:lvl8pPr marL="3429000" indent="-228600" algn="l" defTabSz="914400" rtl="0" eaLnBrk="1" latinLnBrk="0" hangingPunct="1">
+              <a:lnSpc>
+                <a:spcPct val="90000"/>
+              </a:lnSpc>
+              <a:spcBef>
+                <a:spcPts val="500"/>
+              </a:spcBef>
+              <a:buFont typeface="Arial" panose="020B0604020202020204" pitchFamily="34" charset="0"/>
+              <a:buChar char="•"/>
+              <a:defRPr sz="1800" kern="1200">
+                <a:solidFill>
+                  <a:schemeClr val="tx1"/>
+                </a:solidFill>
+                <a:latin typeface="+mn-lt"/>
+                <a:ea typeface="+mn-ea"/>
+                <a:cs typeface="+mn-cs"/>
+              </a:defRPr>
+            </a:lvl8pPr>
+            <a:lvl9pPr marL="3886200" indent="-228600" algn="l" defTabSz="914400" rtl="0" eaLnBrk="1" latinLnBrk="0" hangingPunct="1">
+              <a:lnSpc>
+                <a:spcPct val="90000"/>
+              </a:lnSpc>
+              <a:spcBef>
+                <a:spcPts val="500"/>
+              </a:spcBef>
+              <a:buFont typeface="Arial" panose="020B0604020202020204" pitchFamily="34" charset="0"/>
+              <a:buChar char="•"/>
+              <a:defRPr sz="1800" kern="1200">
+                <a:solidFill>
+                  <a:schemeClr val="tx1"/>
+                </a:solidFill>
+                <a:latin typeface="+mn-lt"/>
+                <a:ea typeface="+mn-ea"/>
+                <a:cs typeface="+mn-cs"/>
+              </a:defRPr>
+            </a:lvl9pPr>
+          </a:lstStyle>
+          <a:p>
+            <a:pPr marL="0" indent="0" algn="ctr">
+              <a:lnSpc>
+                <a:spcPct val="150000"/>
+              </a:lnSpc>
+              <a:buNone/>
+            </a:pPr>
+            <a:r>
+              <a:rPr lang="de-DE" dirty="0" smtClean="0"/>
+              <a:t>Konzeptknoten:</a:t>
+            </a:r>
+            <a:endParaRPr lang="de-DE" dirty="0" smtClean="0"/>
+          </a:p>
+        </p:txBody>
+      </p:sp>
+    </p:spTree>
+    <p:extLst>
+      <p:ext uri="{BB962C8B-B14F-4D97-AF65-F5344CB8AC3E}">
+        <p14:creationId xmlns:p14="http://schemas.microsoft.com/office/powerpoint/2010/main" val="3639018332"/>
+      </p:ext>
+    </p:extLst>
+  </p:cSld>
+  <p:clrMapOvr>
+    <a:masterClrMapping/>
+  </p:clrMapOvr>
+  <p:timing>
+    <p:tnLst>
+      <p:par>
+        <p:cTn id="1" dur="indefinite" restart="never" nodeType="tmRoot"/>
+      </p:par>
+    </p:tnLst>
+  </p:timing>
+</p:sld>
+</file>
+
 <file path=ppt/tags/tag1.xml><?xml version="1.0" encoding="utf-8"?>
 <p:tagLst xmlns:a="http://schemas.openxmlformats.org/drawingml/2006/main" xmlns:r="http://schemas.openxmlformats.org/officeDocument/2006/relationships" xmlns:p="http://schemas.openxmlformats.org/presentationml/2006/main">
   <p:tag name="DEFAULTDISPLAYSOURCE" val="\documentclass{article}\pagestyle{empty}&#10;\begin{document}&#10;&#10;\end{document}&#10;"/>
@@ -7848,7 +14029,7 @@
   <a:extraClrSchemeLst/>
   <a:extLst>
     <a:ext uri="{05A4C25C-085E-4340-85A3-A5531E510DB2}">
-      <thm15:themeFamily xmlns="" xmlns:thm15="http://schemas.microsoft.com/office/thememl/2012/main" name="Office Theme" id="{62F939B6-93AF-4DB8-9C6B-D6C7DFDC589F}" vid="{4A3C46E8-61CC-4603-A589-7422A47A8E4A}"/>
+      <thm15:themeFamily xmlns:thm15="http://schemas.microsoft.com/office/thememl/2012/main" xmlns="" name="Office Theme" id="{62F939B6-93AF-4DB8-9C6B-D6C7DFDC589F}" vid="{4A3C46E8-61CC-4603-A589-7422A47A8E4A}"/>
     </a:ext>
   </a:extLst>
 </a:theme>

--- a/presentation/presentation.pptx
+++ b/presentation/presentation.pptx
@@ -5,7 +5,7 @@
     <p:sldMasterId id="2147483777" r:id="rId1"/>
   </p:sldMasterIdLst>
   <p:notesMasterIdLst>
-    <p:notesMasterId r:id="rId23"/>
+    <p:notesMasterId r:id="rId39"/>
   </p:notesMasterIdLst>
   <p:sldIdLst>
     <p:sldId id="256" r:id="rId2"/>
@@ -29,40 +29,56 @@
     <p:sldId id="279" r:id="rId20"/>
     <p:sldId id="280" r:id="rId21"/>
     <p:sldId id="278" r:id="rId22"/>
+    <p:sldId id="281" r:id="rId23"/>
+    <p:sldId id="284" r:id="rId24"/>
+    <p:sldId id="287" r:id="rId25"/>
+    <p:sldId id="288" r:id="rId26"/>
+    <p:sldId id="286" r:id="rId27"/>
+    <p:sldId id="283" r:id="rId28"/>
+    <p:sldId id="289" r:id="rId29"/>
+    <p:sldId id="290" r:id="rId30"/>
+    <p:sldId id="291" r:id="rId31"/>
+    <p:sldId id="292" r:id="rId32"/>
+    <p:sldId id="293" r:id="rId33"/>
+    <p:sldId id="294" r:id="rId34"/>
+    <p:sldId id="296" r:id="rId35"/>
+    <p:sldId id="297" r:id="rId36"/>
+    <p:sldId id="295" r:id="rId37"/>
+    <p:sldId id="298" r:id="rId38"/>
   </p:sldIdLst>
   <p:sldSz cx="12192000" cy="6858000"/>
   <p:notesSz cx="6858000" cy="9144000"/>
   <p:embeddedFontLst>
     <p:embeddedFont>
-      <p:font typeface="Roboto Light" panose="02000000000000000000" pitchFamily="2" charset="0"/>
-      <p:regular r:id="rId24"/>
-      <p:italic r:id="rId25"/>
+      <p:font typeface="Calibri" panose="020F0502020204030204" pitchFamily="34" charset="0"/>
+      <p:regular r:id="rId40"/>
+      <p:bold r:id="rId41"/>
+      <p:italic r:id="rId42"/>
+      <p:boldItalic r:id="rId43"/>
     </p:embeddedFont>
     <p:embeddedFont>
       <p:font typeface="Century Gothic" panose="020B0502020202020204" pitchFamily="34" charset="0"/>
-      <p:regular r:id="rId26"/>
-      <p:bold r:id="rId27"/>
-      <p:italic r:id="rId28"/>
-      <p:boldItalic r:id="rId29"/>
+      <p:regular r:id="rId44"/>
+      <p:bold r:id="rId45"/>
+      <p:italic r:id="rId46"/>
+      <p:boldItalic r:id="rId47"/>
+    </p:embeddedFont>
+    <p:embeddedFont>
+      <p:font typeface="Roboto Light" panose="02000000000000000000" pitchFamily="2" charset="0"/>
+      <p:regular r:id="rId48"/>
+      <p:italic r:id="rId49"/>
+    </p:embeddedFont>
+    <p:embeddedFont>
+      <p:font typeface="Cambria Math" panose="02040503050406030204" pitchFamily="18" charset="0"/>
+      <p:regular r:id="rId50"/>
     </p:embeddedFont>
     <p:embeddedFont>
       <p:font typeface="Wingdings 2" panose="05020102010507070707" pitchFamily="18" charset="2"/>
-      <p:regular r:id="rId30"/>
-    </p:embeddedFont>
-    <p:embeddedFont>
-      <p:font typeface="Cambria Math" panose="02040503050406030204" pitchFamily="18" charset="0"/>
-      <p:regular r:id="rId31"/>
-    </p:embeddedFont>
-    <p:embeddedFont>
-      <p:font typeface="Calibri" panose="020F0502020204030204" pitchFamily="34" charset="0"/>
-      <p:regular r:id="rId32"/>
-      <p:bold r:id="rId33"/>
-      <p:italic r:id="rId34"/>
-      <p:boldItalic r:id="rId35"/>
+      <p:regular r:id="rId51"/>
     </p:embeddedFont>
   </p:embeddedFontLst>
   <p:custDataLst>
-    <p:tags r:id="rId36"/>
+    <p:tags r:id="rId52"/>
   </p:custDataLst>
   <p:defaultTextStyle>
     <a:defPPr>
@@ -231,18 +247,36 @@
         <p14:section name="PSL" id="{B54AC5D6-6245-4814-91FB-FA87A2EBDD51}">
           <p14:sldIdLst>
             <p14:sldId id="278"/>
+            <p14:sldId id="281"/>
+            <p14:sldId id="284"/>
+            <p14:sldId id="287"/>
+            <p14:sldId id="288"/>
+            <p14:sldId id="286"/>
+            <p14:sldId id="283"/>
+            <p14:sldId id="289"/>
+            <p14:sldId id="290"/>
+            <p14:sldId id="291"/>
           </p14:sldIdLst>
         </p14:section>
         <p14:section name="Bewertung" id="{52C4CFEC-31BB-4909-8B63-EFB3F256EBD9}">
-          <p14:sldIdLst/>
+          <p14:sldIdLst>
+            <p14:sldId id="292"/>
+            <p14:sldId id="293"/>
+            <p14:sldId id="294"/>
+            <p14:sldId id="296"/>
+            <p14:sldId id="297"/>
+          </p14:sldIdLst>
         </p14:section>
         <p14:section name="Ausblick" id="{58EDE193-070D-47FB-9F3A-90C760D1E494}">
-          <p14:sldIdLst/>
+          <p14:sldIdLst>
+            <p14:sldId id="295"/>
+            <p14:sldId id="298"/>
+          </p14:sldIdLst>
         </p14:section>
       </p14:sectionLst>
     </p:ext>
     <p:ext uri="{EFAFB233-063F-42B5-8137-9DF3F51BA10A}">
-      <p15:sldGuideLst xmlns:p15="http://schemas.microsoft.com/office/powerpoint/2012/main" xmlns="">
+      <p15:sldGuideLst xmlns="" xmlns:p15="http://schemas.microsoft.com/office/powerpoint/2012/main">
         <p15:guide id="1" orient="horz" pos="2160" userDrawn="1">
           <p15:clr>
             <a:srgbClr val="A4A3A4"/>
@@ -257,6 +291,957 @@
     </p:ext>
   </p:extLst>
 </p:presentation>
+</file>
+
+<file path=ppt/charts/chart1.xml><?xml version="1.0" encoding="utf-8"?>
+<c:chartSpace xmlns:c="http://schemas.openxmlformats.org/drawingml/2006/chart" xmlns:a="http://schemas.openxmlformats.org/drawingml/2006/main" xmlns:r="http://schemas.openxmlformats.org/officeDocument/2006/relationships">
+  <c:date1904 val="0"/>
+  <c:lang val="de-DE"/>
+  <c:roundedCorners val="0"/>
+  <mc:AlternateContent xmlns:mc="http://schemas.openxmlformats.org/markup-compatibility/2006">
+    <mc:Choice xmlns:c14="http://schemas.microsoft.com/office/drawing/2007/8/2/chart" Requires="c14">
+      <c14:style val="110"/>
+    </mc:Choice>
+    <mc:Fallback>
+      <c:style val="10"/>
+    </mc:Fallback>
+  </mc:AlternateContent>
+  <c:chart>
+    <c:autoTitleDeleted val="0"/>
+    <c:plotArea>
+      <c:layout/>
+      <c:lineChart>
+        <c:grouping val="standard"/>
+        <c:varyColors val="0"/>
+        <c:ser>
+          <c:idx val="0"/>
+          <c:order val="0"/>
+          <c:tx>
+            <c:strRef>
+              <c:f>Tabelle1!$B$1</c:f>
+              <c:strCache>
+                <c:ptCount val="1"/>
+                <c:pt idx="0">
+                  <c:v>Thread 1</c:v>
+                </c:pt>
+              </c:strCache>
+            </c:strRef>
+          </c:tx>
+          <c:spPr>
+            <a:ln w="31750">
+              <a:noFill/>
+            </a:ln>
+          </c:spPr>
+          <c:cat>
+            <c:numRef>
+              <c:f>Tabelle1!$A$2:$A$58</c:f>
+              <c:numCache>
+                <c:formatCode>General</c:formatCode>
+                <c:ptCount val="57"/>
+                <c:pt idx="0">
+                  <c:v>1</c:v>
+                </c:pt>
+                <c:pt idx="1">
+                  <c:v>2</c:v>
+                </c:pt>
+                <c:pt idx="2">
+                  <c:v>3</c:v>
+                </c:pt>
+                <c:pt idx="3">
+                  <c:v>4</c:v>
+                </c:pt>
+                <c:pt idx="4">
+                  <c:v>5</c:v>
+                </c:pt>
+                <c:pt idx="5">
+                  <c:v>6</c:v>
+                </c:pt>
+                <c:pt idx="6">
+                  <c:v>7</c:v>
+                </c:pt>
+                <c:pt idx="7">
+                  <c:v>8</c:v>
+                </c:pt>
+                <c:pt idx="8">
+                  <c:v>9</c:v>
+                </c:pt>
+                <c:pt idx="9">
+                  <c:v>10</c:v>
+                </c:pt>
+                <c:pt idx="10">
+                  <c:v>11</c:v>
+                </c:pt>
+                <c:pt idx="11">
+                  <c:v>12</c:v>
+                </c:pt>
+                <c:pt idx="12">
+                  <c:v>13</c:v>
+                </c:pt>
+                <c:pt idx="13">
+                  <c:v>14</c:v>
+                </c:pt>
+                <c:pt idx="14">
+                  <c:v>15</c:v>
+                </c:pt>
+                <c:pt idx="15">
+                  <c:v>16</c:v>
+                </c:pt>
+                <c:pt idx="16">
+                  <c:v>17</c:v>
+                </c:pt>
+                <c:pt idx="17">
+                  <c:v>18</c:v>
+                </c:pt>
+                <c:pt idx="18">
+                  <c:v>19</c:v>
+                </c:pt>
+                <c:pt idx="19">
+                  <c:v>20</c:v>
+                </c:pt>
+                <c:pt idx="20">
+                  <c:v>21</c:v>
+                </c:pt>
+                <c:pt idx="21">
+                  <c:v>22</c:v>
+                </c:pt>
+                <c:pt idx="22">
+                  <c:v>23</c:v>
+                </c:pt>
+                <c:pt idx="23">
+                  <c:v>24</c:v>
+                </c:pt>
+                <c:pt idx="24">
+                  <c:v>25</c:v>
+                </c:pt>
+                <c:pt idx="25">
+                  <c:v>26</c:v>
+                </c:pt>
+                <c:pt idx="26">
+                  <c:v>27</c:v>
+                </c:pt>
+                <c:pt idx="27">
+                  <c:v>28</c:v>
+                </c:pt>
+                <c:pt idx="28">
+                  <c:v>29</c:v>
+                </c:pt>
+                <c:pt idx="29">
+                  <c:v>30</c:v>
+                </c:pt>
+                <c:pt idx="30">
+                  <c:v>31</c:v>
+                </c:pt>
+                <c:pt idx="31">
+                  <c:v>32</c:v>
+                </c:pt>
+                <c:pt idx="32">
+                  <c:v>33</c:v>
+                </c:pt>
+                <c:pt idx="33">
+                  <c:v>34</c:v>
+                </c:pt>
+                <c:pt idx="34">
+                  <c:v>35</c:v>
+                </c:pt>
+                <c:pt idx="35">
+                  <c:v>36</c:v>
+                </c:pt>
+                <c:pt idx="36">
+                  <c:v>37</c:v>
+                </c:pt>
+                <c:pt idx="37">
+                  <c:v>38</c:v>
+                </c:pt>
+                <c:pt idx="38">
+                  <c:v>39</c:v>
+                </c:pt>
+                <c:pt idx="39">
+                  <c:v>40</c:v>
+                </c:pt>
+                <c:pt idx="40">
+                  <c:v>41</c:v>
+                </c:pt>
+                <c:pt idx="41">
+                  <c:v>42</c:v>
+                </c:pt>
+                <c:pt idx="42">
+                  <c:v>43</c:v>
+                </c:pt>
+                <c:pt idx="43">
+                  <c:v>44</c:v>
+                </c:pt>
+                <c:pt idx="44">
+                  <c:v>45</c:v>
+                </c:pt>
+                <c:pt idx="45">
+                  <c:v>46</c:v>
+                </c:pt>
+                <c:pt idx="46">
+                  <c:v>47</c:v>
+                </c:pt>
+                <c:pt idx="47">
+                  <c:v>48</c:v>
+                </c:pt>
+                <c:pt idx="48">
+                  <c:v>49</c:v>
+                </c:pt>
+                <c:pt idx="49">
+                  <c:v>50</c:v>
+                </c:pt>
+                <c:pt idx="50">
+                  <c:v>51</c:v>
+                </c:pt>
+                <c:pt idx="51">
+                  <c:v>52</c:v>
+                </c:pt>
+                <c:pt idx="52">
+                  <c:v>53</c:v>
+                </c:pt>
+                <c:pt idx="53">
+                  <c:v>54</c:v>
+                </c:pt>
+                <c:pt idx="54">
+                  <c:v>55</c:v>
+                </c:pt>
+                <c:pt idx="55">
+                  <c:v>56</c:v>
+                </c:pt>
+                <c:pt idx="56">
+                  <c:v>57</c:v>
+                </c:pt>
+              </c:numCache>
+            </c:numRef>
+          </c:cat>
+          <c:val>
+            <c:numRef>
+              <c:f>Tabelle1!$B$2:$B$58</c:f>
+              <c:numCache>
+                <c:formatCode>General</c:formatCode>
+                <c:ptCount val="57"/>
+                <c:pt idx="0">
+                  <c:v>8</c:v>
+                </c:pt>
+                <c:pt idx="1">
+                  <c:v>4</c:v>
+                </c:pt>
+                <c:pt idx="2">
+                  <c:v>6</c:v>
+                </c:pt>
+                <c:pt idx="3">
+                  <c:v>21</c:v>
+                </c:pt>
+                <c:pt idx="4">
+                  <c:v>29</c:v>
+                </c:pt>
+                <c:pt idx="5">
+                  <c:v>29</c:v>
+                </c:pt>
+                <c:pt idx="6">
+                  <c:v>39</c:v>
+                </c:pt>
+                <c:pt idx="7">
+                  <c:v>34</c:v>
+                </c:pt>
+                <c:pt idx="8">
+                  <c:v>38</c:v>
+                </c:pt>
+                <c:pt idx="9">
+                  <c:v>47</c:v>
+                </c:pt>
+                <c:pt idx="10">
+                  <c:v>48</c:v>
+                </c:pt>
+                <c:pt idx="11">
+                  <c:v>49</c:v>
+                </c:pt>
+                <c:pt idx="12">
+                  <c:v>51</c:v>
+                </c:pt>
+                <c:pt idx="13">
+                  <c:v>63</c:v>
+                </c:pt>
+                <c:pt idx="14">
+                  <c:v>63</c:v>
+                </c:pt>
+                <c:pt idx="15">
+                  <c:v>67</c:v>
+                </c:pt>
+                <c:pt idx="16">
+                  <c:v>80</c:v>
+                </c:pt>
+                <c:pt idx="17">
+                  <c:v>79</c:v>
+                </c:pt>
+                <c:pt idx="18">
+                  <c:v>80</c:v>
+                </c:pt>
+                <c:pt idx="19">
+                  <c:v>84</c:v>
+                </c:pt>
+                <c:pt idx="20">
+                  <c:v>98</c:v>
+                </c:pt>
+                <c:pt idx="21">
+                  <c:v>99</c:v>
+                </c:pt>
+                <c:pt idx="22">
+                  <c:v>101</c:v>
+                </c:pt>
+                <c:pt idx="23">
+                  <c:v>218</c:v>
+                </c:pt>
+              </c:numCache>
+            </c:numRef>
+          </c:val>
+          <c:smooth val="0"/>
+        </c:ser>
+        <c:ser>
+          <c:idx val="1"/>
+          <c:order val="1"/>
+          <c:tx>
+            <c:strRef>
+              <c:f>Tabelle1!$C$1</c:f>
+              <c:strCache>
+                <c:ptCount val="1"/>
+                <c:pt idx="0">
+                  <c:v>Thread 2</c:v>
+                </c:pt>
+              </c:strCache>
+            </c:strRef>
+          </c:tx>
+          <c:spPr>
+            <a:ln w="31750">
+              <a:noFill/>
+            </a:ln>
+          </c:spPr>
+          <c:cat>
+            <c:numRef>
+              <c:f>Tabelle1!$A$2:$A$58</c:f>
+              <c:numCache>
+                <c:formatCode>General</c:formatCode>
+                <c:ptCount val="57"/>
+                <c:pt idx="0">
+                  <c:v>1</c:v>
+                </c:pt>
+                <c:pt idx="1">
+                  <c:v>2</c:v>
+                </c:pt>
+                <c:pt idx="2">
+                  <c:v>3</c:v>
+                </c:pt>
+                <c:pt idx="3">
+                  <c:v>4</c:v>
+                </c:pt>
+                <c:pt idx="4">
+                  <c:v>5</c:v>
+                </c:pt>
+                <c:pt idx="5">
+                  <c:v>6</c:v>
+                </c:pt>
+                <c:pt idx="6">
+                  <c:v>7</c:v>
+                </c:pt>
+                <c:pt idx="7">
+                  <c:v>8</c:v>
+                </c:pt>
+                <c:pt idx="8">
+                  <c:v>9</c:v>
+                </c:pt>
+                <c:pt idx="9">
+                  <c:v>10</c:v>
+                </c:pt>
+                <c:pt idx="10">
+                  <c:v>11</c:v>
+                </c:pt>
+                <c:pt idx="11">
+                  <c:v>12</c:v>
+                </c:pt>
+                <c:pt idx="12">
+                  <c:v>13</c:v>
+                </c:pt>
+                <c:pt idx="13">
+                  <c:v>14</c:v>
+                </c:pt>
+                <c:pt idx="14">
+                  <c:v>15</c:v>
+                </c:pt>
+                <c:pt idx="15">
+                  <c:v>16</c:v>
+                </c:pt>
+                <c:pt idx="16">
+                  <c:v>17</c:v>
+                </c:pt>
+                <c:pt idx="17">
+                  <c:v>18</c:v>
+                </c:pt>
+                <c:pt idx="18">
+                  <c:v>19</c:v>
+                </c:pt>
+                <c:pt idx="19">
+                  <c:v>20</c:v>
+                </c:pt>
+                <c:pt idx="20">
+                  <c:v>21</c:v>
+                </c:pt>
+                <c:pt idx="21">
+                  <c:v>22</c:v>
+                </c:pt>
+                <c:pt idx="22">
+                  <c:v>23</c:v>
+                </c:pt>
+                <c:pt idx="23">
+                  <c:v>24</c:v>
+                </c:pt>
+                <c:pt idx="24">
+                  <c:v>25</c:v>
+                </c:pt>
+                <c:pt idx="25">
+                  <c:v>26</c:v>
+                </c:pt>
+                <c:pt idx="26">
+                  <c:v>27</c:v>
+                </c:pt>
+                <c:pt idx="27">
+                  <c:v>28</c:v>
+                </c:pt>
+                <c:pt idx="28">
+                  <c:v>29</c:v>
+                </c:pt>
+                <c:pt idx="29">
+                  <c:v>30</c:v>
+                </c:pt>
+                <c:pt idx="30">
+                  <c:v>31</c:v>
+                </c:pt>
+                <c:pt idx="31">
+                  <c:v>32</c:v>
+                </c:pt>
+                <c:pt idx="32">
+                  <c:v>33</c:v>
+                </c:pt>
+                <c:pt idx="33">
+                  <c:v>34</c:v>
+                </c:pt>
+                <c:pt idx="34">
+                  <c:v>35</c:v>
+                </c:pt>
+                <c:pt idx="35">
+                  <c:v>36</c:v>
+                </c:pt>
+                <c:pt idx="36">
+                  <c:v>37</c:v>
+                </c:pt>
+                <c:pt idx="37">
+                  <c:v>38</c:v>
+                </c:pt>
+                <c:pt idx="38">
+                  <c:v>39</c:v>
+                </c:pt>
+                <c:pt idx="39">
+                  <c:v>40</c:v>
+                </c:pt>
+                <c:pt idx="40">
+                  <c:v>41</c:v>
+                </c:pt>
+                <c:pt idx="41">
+                  <c:v>42</c:v>
+                </c:pt>
+                <c:pt idx="42">
+                  <c:v>43</c:v>
+                </c:pt>
+                <c:pt idx="43">
+                  <c:v>44</c:v>
+                </c:pt>
+                <c:pt idx="44">
+                  <c:v>45</c:v>
+                </c:pt>
+                <c:pt idx="45">
+                  <c:v>46</c:v>
+                </c:pt>
+                <c:pt idx="46">
+                  <c:v>47</c:v>
+                </c:pt>
+                <c:pt idx="47">
+                  <c:v>48</c:v>
+                </c:pt>
+                <c:pt idx="48">
+                  <c:v>49</c:v>
+                </c:pt>
+                <c:pt idx="49">
+                  <c:v>50</c:v>
+                </c:pt>
+                <c:pt idx="50">
+                  <c:v>51</c:v>
+                </c:pt>
+                <c:pt idx="51">
+                  <c:v>52</c:v>
+                </c:pt>
+                <c:pt idx="52">
+                  <c:v>53</c:v>
+                </c:pt>
+                <c:pt idx="53">
+                  <c:v>54</c:v>
+                </c:pt>
+                <c:pt idx="54">
+                  <c:v>55</c:v>
+                </c:pt>
+                <c:pt idx="55">
+                  <c:v>56</c:v>
+                </c:pt>
+                <c:pt idx="56">
+                  <c:v>57</c:v>
+                </c:pt>
+              </c:numCache>
+            </c:numRef>
+          </c:cat>
+          <c:val>
+            <c:numRef>
+              <c:f>Tabelle1!$C$2:$C$58</c:f>
+              <c:numCache>
+                <c:formatCode>General</c:formatCode>
+                <c:ptCount val="57"/>
+                <c:pt idx="24">
+                  <c:v>1263</c:v>
+                </c:pt>
+                <c:pt idx="25">
+                  <c:v>935</c:v>
+                </c:pt>
+                <c:pt idx="26">
+                  <c:v>955</c:v>
+                </c:pt>
+                <c:pt idx="27">
+                  <c:v>842</c:v>
+                </c:pt>
+                <c:pt idx="28">
+                  <c:v>964</c:v>
+                </c:pt>
+                <c:pt idx="29">
+                  <c:v>1902</c:v>
+                </c:pt>
+                <c:pt idx="30">
+                  <c:v>1353</c:v>
+                </c:pt>
+                <c:pt idx="31">
+                  <c:v>1518</c:v>
+                </c:pt>
+              </c:numCache>
+            </c:numRef>
+          </c:val>
+          <c:smooth val="0"/>
+        </c:ser>
+        <c:ser>
+          <c:idx val="2"/>
+          <c:order val="2"/>
+          <c:tx>
+            <c:strRef>
+              <c:f>Tabelle1!$D$1</c:f>
+              <c:strCache>
+                <c:ptCount val="1"/>
+                <c:pt idx="0">
+                  <c:v>Thread 3</c:v>
+                </c:pt>
+              </c:strCache>
+            </c:strRef>
+          </c:tx>
+          <c:spPr>
+            <a:ln w="31750">
+              <a:noFill/>
+            </a:ln>
+          </c:spPr>
+          <c:cat>
+            <c:numRef>
+              <c:f>Tabelle1!$A$2:$A$58</c:f>
+              <c:numCache>
+                <c:formatCode>General</c:formatCode>
+                <c:ptCount val="57"/>
+                <c:pt idx="0">
+                  <c:v>1</c:v>
+                </c:pt>
+                <c:pt idx="1">
+                  <c:v>2</c:v>
+                </c:pt>
+                <c:pt idx="2">
+                  <c:v>3</c:v>
+                </c:pt>
+                <c:pt idx="3">
+                  <c:v>4</c:v>
+                </c:pt>
+                <c:pt idx="4">
+                  <c:v>5</c:v>
+                </c:pt>
+                <c:pt idx="5">
+                  <c:v>6</c:v>
+                </c:pt>
+                <c:pt idx="6">
+                  <c:v>7</c:v>
+                </c:pt>
+                <c:pt idx="7">
+                  <c:v>8</c:v>
+                </c:pt>
+                <c:pt idx="8">
+                  <c:v>9</c:v>
+                </c:pt>
+                <c:pt idx="9">
+                  <c:v>10</c:v>
+                </c:pt>
+                <c:pt idx="10">
+                  <c:v>11</c:v>
+                </c:pt>
+                <c:pt idx="11">
+                  <c:v>12</c:v>
+                </c:pt>
+                <c:pt idx="12">
+                  <c:v>13</c:v>
+                </c:pt>
+                <c:pt idx="13">
+                  <c:v>14</c:v>
+                </c:pt>
+                <c:pt idx="14">
+                  <c:v>15</c:v>
+                </c:pt>
+                <c:pt idx="15">
+                  <c:v>16</c:v>
+                </c:pt>
+                <c:pt idx="16">
+                  <c:v>17</c:v>
+                </c:pt>
+                <c:pt idx="17">
+                  <c:v>18</c:v>
+                </c:pt>
+                <c:pt idx="18">
+                  <c:v>19</c:v>
+                </c:pt>
+                <c:pt idx="19">
+                  <c:v>20</c:v>
+                </c:pt>
+                <c:pt idx="20">
+                  <c:v>21</c:v>
+                </c:pt>
+                <c:pt idx="21">
+                  <c:v>22</c:v>
+                </c:pt>
+                <c:pt idx="22">
+                  <c:v>23</c:v>
+                </c:pt>
+                <c:pt idx="23">
+                  <c:v>24</c:v>
+                </c:pt>
+                <c:pt idx="24">
+                  <c:v>25</c:v>
+                </c:pt>
+                <c:pt idx="25">
+                  <c:v>26</c:v>
+                </c:pt>
+                <c:pt idx="26">
+                  <c:v>27</c:v>
+                </c:pt>
+                <c:pt idx="27">
+                  <c:v>28</c:v>
+                </c:pt>
+                <c:pt idx="28">
+                  <c:v>29</c:v>
+                </c:pt>
+                <c:pt idx="29">
+                  <c:v>30</c:v>
+                </c:pt>
+                <c:pt idx="30">
+                  <c:v>31</c:v>
+                </c:pt>
+                <c:pt idx="31">
+                  <c:v>32</c:v>
+                </c:pt>
+                <c:pt idx="32">
+                  <c:v>33</c:v>
+                </c:pt>
+                <c:pt idx="33">
+                  <c:v>34</c:v>
+                </c:pt>
+                <c:pt idx="34">
+                  <c:v>35</c:v>
+                </c:pt>
+                <c:pt idx="35">
+                  <c:v>36</c:v>
+                </c:pt>
+                <c:pt idx="36">
+                  <c:v>37</c:v>
+                </c:pt>
+                <c:pt idx="37">
+                  <c:v>38</c:v>
+                </c:pt>
+                <c:pt idx="38">
+                  <c:v>39</c:v>
+                </c:pt>
+                <c:pt idx="39">
+                  <c:v>40</c:v>
+                </c:pt>
+                <c:pt idx="40">
+                  <c:v>41</c:v>
+                </c:pt>
+                <c:pt idx="41">
+                  <c:v>42</c:v>
+                </c:pt>
+                <c:pt idx="42">
+                  <c:v>43</c:v>
+                </c:pt>
+                <c:pt idx="43">
+                  <c:v>44</c:v>
+                </c:pt>
+                <c:pt idx="44">
+                  <c:v>45</c:v>
+                </c:pt>
+                <c:pt idx="45">
+                  <c:v>46</c:v>
+                </c:pt>
+                <c:pt idx="46">
+                  <c:v>47</c:v>
+                </c:pt>
+                <c:pt idx="47">
+                  <c:v>48</c:v>
+                </c:pt>
+                <c:pt idx="48">
+                  <c:v>49</c:v>
+                </c:pt>
+                <c:pt idx="49">
+                  <c:v>50</c:v>
+                </c:pt>
+                <c:pt idx="50">
+                  <c:v>51</c:v>
+                </c:pt>
+                <c:pt idx="51">
+                  <c:v>52</c:v>
+                </c:pt>
+                <c:pt idx="52">
+                  <c:v>53</c:v>
+                </c:pt>
+                <c:pt idx="53">
+                  <c:v>54</c:v>
+                </c:pt>
+                <c:pt idx="54">
+                  <c:v>55</c:v>
+                </c:pt>
+                <c:pt idx="55">
+                  <c:v>56</c:v>
+                </c:pt>
+                <c:pt idx="56">
+                  <c:v>57</c:v>
+                </c:pt>
+              </c:numCache>
+            </c:numRef>
+          </c:cat>
+          <c:val>
+            <c:numRef>
+              <c:f>Tabelle1!$D$2:$D$58</c:f>
+              <c:numCache>
+                <c:formatCode>General</c:formatCode>
+                <c:ptCount val="57"/>
+                <c:pt idx="32">
+                  <c:v>4735</c:v>
+                </c:pt>
+                <c:pt idx="33">
+                  <c:v>3361</c:v>
+                </c:pt>
+                <c:pt idx="34">
+                  <c:v>3394</c:v>
+                </c:pt>
+                <c:pt idx="35">
+                  <c:v>3742</c:v>
+                </c:pt>
+                <c:pt idx="36">
+                  <c:v>4256</c:v>
+                </c:pt>
+                <c:pt idx="37">
+                  <c:v>4087</c:v>
+                </c:pt>
+                <c:pt idx="38">
+                  <c:v>4592</c:v>
+                </c:pt>
+                <c:pt idx="39">
+                  <c:v>4494</c:v>
+                </c:pt>
+                <c:pt idx="40">
+                  <c:v>4743</c:v>
+                </c:pt>
+                <c:pt idx="41">
+                  <c:v>6503</c:v>
+                </c:pt>
+                <c:pt idx="42">
+                  <c:v>5741</c:v>
+                </c:pt>
+                <c:pt idx="43">
+                  <c:v>5846</c:v>
+                </c:pt>
+                <c:pt idx="44">
+                  <c:v>5754</c:v>
+                </c:pt>
+                <c:pt idx="45">
+                  <c:v>5805</c:v>
+                </c:pt>
+                <c:pt idx="46">
+                  <c:v>5865</c:v>
+                </c:pt>
+                <c:pt idx="47">
+                  <c:v>5975</c:v>
+                </c:pt>
+                <c:pt idx="48">
+                  <c:v>6023</c:v>
+                </c:pt>
+                <c:pt idx="49">
+                  <c:v>6271</c:v>
+                </c:pt>
+                <c:pt idx="50">
+                  <c:v>6173</c:v>
+                </c:pt>
+                <c:pt idx="51">
+                  <c:v>6433</c:v>
+                </c:pt>
+                <c:pt idx="52">
+                  <c:v>7344</c:v>
+                </c:pt>
+                <c:pt idx="53">
+                  <c:v>6824</c:v>
+                </c:pt>
+                <c:pt idx="54">
+                  <c:v>6952</c:v>
+                </c:pt>
+                <c:pt idx="55">
+                  <c:v>7020</c:v>
+                </c:pt>
+                <c:pt idx="56">
+                  <c:v>7043</c:v>
+                </c:pt>
+              </c:numCache>
+            </c:numRef>
+          </c:val>
+          <c:smooth val="0"/>
+        </c:ser>
+        <c:dLbls>
+          <c:showLegendKey val="0"/>
+          <c:showVal val="0"/>
+          <c:showCatName val="0"/>
+          <c:showSerName val="0"/>
+          <c:showPercent val="0"/>
+          <c:showBubbleSize val="0"/>
+        </c:dLbls>
+        <c:marker val="1"/>
+        <c:smooth val="0"/>
+        <c:axId val="167495552"/>
+        <c:axId val="95349376"/>
+      </c:lineChart>
+      <c:catAx>
+        <c:axId val="167495552"/>
+        <c:scaling>
+          <c:orientation val="minMax"/>
+        </c:scaling>
+        <c:delete val="0"/>
+        <c:axPos val="b"/>
+        <c:numFmt formatCode="General" sourceLinked="1"/>
+        <c:majorTickMark val="out"/>
+        <c:minorTickMark val="none"/>
+        <c:tickLblPos val="nextTo"/>
+        <c:txPr>
+          <a:bodyPr/>
+          <a:lstStyle/>
+          <a:p>
+            <a:pPr>
+              <a:defRPr sz="1200"/>
+            </a:pPr>
+            <a:endParaRPr lang="de-DE"/>
+          </a:p>
+        </c:txPr>
+        <c:crossAx val="95349376"/>
+        <c:crosses val="autoZero"/>
+        <c:auto val="1"/>
+        <c:lblAlgn val="ctr"/>
+        <c:lblOffset val="100"/>
+        <c:noMultiLvlLbl val="0"/>
+      </c:catAx>
+      <c:valAx>
+        <c:axId val="95349376"/>
+        <c:scaling>
+          <c:orientation val="minMax"/>
+        </c:scaling>
+        <c:delete val="0"/>
+        <c:axPos val="l"/>
+        <c:majorGridlines/>
+        <c:title>
+          <c:tx>
+            <c:rich>
+              <a:bodyPr rot="-5400000" vert="horz"/>
+              <a:lstStyle/>
+              <a:p>
+                <a:pPr>
+                  <a:defRPr sz="1200"/>
+                </a:pPr>
+                <a:r>
+                  <a:rPr lang="de-DE" sz="1200" dirty="0" err="1" smtClean="0"/>
+                  <a:t>Einfügedauer</a:t>
+                </a:r>
+                <a:r>
+                  <a:rPr lang="de-DE" sz="1200" dirty="0" smtClean="0"/>
+                  <a:t> in Sek.</a:t>
+                </a:r>
+                <a:endParaRPr lang="de-DE" sz="1200" dirty="0"/>
+              </a:p>
+            </c:rich>
+          </c:tx>
+          <c:layout/>
+          <c:overlay val="0"/>
+        </c:title>
+        <c:numFmt formatCode="General" sourceLinked="0"/>
+        <c:majorTickMark val="out"/>
+        <c:minorTickMark val="none"/>
+        <c:tickLblPos val="nextTo"/>
+        <c:txPr>
+          <a:bodyPr/>
+          <a:lstStyle/>
+          <a:p>
+            <a:pPr>
+              <a:defRPr sz="1400"/>
+            </a:pPr>
+            <a:endParaRPr lang="de-DE"/>
+          </a:p>
+        </c:txPr>
+        <c:crossAx val="167495552"/>
+        <c:crosses val="autoZero"/>
+        <c:crossBetween val="between"/>
+      </c:valAx>
+    </c:plotArea>
+    <c:legend>
+      <c:legendPos val="r"/>
+      <c:layout/>
+      <c:overlay val="0"/>
+      <c:txPr>
+        <a:bodyPr/>
+        <a:lstStyle/>
+        <a:p>
+          <a:pPr>
+            <a:defRPr sz="1400"/>
+          </a:pPr>
+          <a:endParaRPr lang="de-DE"/>
+        </a:p>
+      </c:txPr>
+    </c:legend>
+    <c:plotVisOnly val="1"/>
+    <c:dispBlanksAs val="gap"/>
+    <c:showDLblsOverMax val="0"/>
+  </c:chart>
+  <c:txPr>
+    <a:bodyPr/>
+    <a:lstStyle/>
+    <a:p>
+      <a:pPr>
+        <a:defRPr sz="1800">
+          <a:latin typeface="Roboto Light" panose="02000000000000000000" pitchFamily="2" charset="0"/>
+          <a:ea typeface="Roboto Light" panose="02000000000000000000" pitchFamily="2" charset="0"/>
+        </a:defRPr>
+      </a:pPr>
+      <a:endParaRPr lang="de-DE"/>
+    </a:p>
+  </c:txPr>
+  <c:externalData r:id="rId1">
+    <c:autoUpdate val="0"/>
+  </c:externalData>
+</c:chartSpace>
 </file>
 
 <file path=ppt/notesMasters/notesMaster1.xml><?xml version="1.0" encoding="utf-8"?>
@@ -342,7 +1327,7 @@
             <a:fld id="{070EEAC5-C180-4BB0-8CEB-D0349F56CA62}" type="datetimeFigureOut">
               <a:rPr lang="de-DE" smtClean="0"/>
               <a:pPr/>
-              <a:t>25.10.2017</a:t>
+              <a:t>26.10.2017</a:t>
             </a:fld>
             <a:endParaRPr lang="de-DE" dirty="0"/>
           </a:p>
@@ -1118,7 +2103,7 @@
           <a:p>
             <a:fld id="{BF21FDD1-FA09-4BA0-B88A-7ECBCAA800CC}" type="datetime1">
               <a:rPr lang="de-DE" smtClean="0"/>
-              <a:t>25.10.2017</a:t>
+              <a:t>26.10.2017</a:t>
             </a:fld>
             <a:endParaRPr lang="de-DE" dirty="0"/>
           </a:p>
@@ -1407,7 +2392,7 @@
           <a:p>
             <a:fld id="{036C97DE-B393-47A3-99A6-1B0C91AC8E51}" type="datetime1">
               <a:rPr lang="de-DE" smtClean="0"/>
-              <a:t>25.10.2017</a:t>
+              <a:t>26.10.2017</a:t>
             </a:fld>
             <a:endParaRPr lang="de-DE" dirty="0"/>
           </a:p>
@@ -1623,7 +2608,7 @@
           <a:p>
             <a:fld id="{93579388-70C9-498E-BC37-0CD0D4E909B8}" type="datetime1">
               <a:rPr lang="de-DE" smtClean="0"/>
-              <a:t>25.10.2017</a:t>
+              <a:t>26.10.2017</a:t>
             </a:fld>
             <a:endParaRPr lang="de-DE" dirty="0"/>
           </a:p>
@@ -2002,7 +2987,7 @@
           <a:p>
             <a:fld id="{1E2DA32B-7E9D-4942-B0A8-5FBBBE77D83D}" type="datetime1">
               <a:rPr lang="de-DE" smtClean="0"/>
-              <a:t>25.10.2017</a:t>
+              <a:t>26.10.2017</a:t>
             </a:fld>
             <a:endParaRPr lang="de-DE" dirty="0"/>
           </a:p>
@@ -2161,7 +3146,7 @@
             <a:fld id="{1217C929-59DE-4893-8992-D8FC7123675F}" type="datetime1">
               <a:rPr lang="de-DE" smtClean="0"/>
               <a:pPr/>
-              <a:t>25.10.2017</a:t>
+              <a:t>26.10.2017</a:t>
             </a:fld>
             <a:endParaRPr lang="de-DE" dirty="0"/>
           </a:p>
@@ -2264,7 +3249,7 @@
           <a:p>
             <a:fld id="{B8D6D5E1-500A-4D23-9381-FF82601E1329}" type="datetime1">
               <a:rPr lang="de-DE" smtClean="0"/>
-              <a:t>25.10.2017</a:t>
+              <a:t>26.10.2017</a:t>
             </a:fld>
             <a:endParaRPr lang="de-DE" dirty="0"/>
           </a:p>
@@ -2551,7 +3536,7 @@
           <a:p>
             <a:fld id="{9DEA69BE-655B-4CEC-8542-DBFADD7876E1}" type="datetime1">
               <a:rPr lang="de-DE" smtClean="0"/>
-              <a:t>25.10.2017</a:t>
+              <a:t>26.10.2017</a:t>
             </a:fld>
             <a:endParaRPr lang="de-DE" dirty="0"/>
           </a:p>
@@ -3512,8 +4497,8 @@
           </a:p>
         </p:txBody>
       </p:sp>
-      <mc:AlternateContent xmlns:mc="http://schemas.openxmlformats.org/markup-compatibility/2006">
-        <mc:Choice xmlns:a14="http://schemas.microsoft.com/office/drawing/2010/main" Requires="a14">
+      <mc:AlternateContent xmlns:mc="http://schemas.openxmlformats.org/markup-compatibility/2006" xmlns:a14="http://schemas.microsoft.com/office/drawing/2010/main">
+        <mc:Choice Requires="a14">
           <p:sp>
             <p:nvSpPr>
               <p:cNvPr id="9" name="Rechteck 8"/>
@@ -3861,7 +4846,7 @@
             </p:txBody>
           </p:sp>
         </mc:Choice>
-        <mc:Fallback>
+        <mc:Fallback xmlns="">
           <p:sp>
             <p:nvSpPr>
               <p:cNvPr id="9" name="Rechteck 8"/>
@@ -4134,7 +5119,6 @@
               <a:rPr lang="de-DE" dirty="0" smtClean="0"/>
               <a:t>Relationen:</a:t>
             </a:r>
-            <a:endParaRPr lang="de-DE" dirty="0" smtClean="0"/>
           </a:p>
         </p:txBody>
       </p:sp>
@@ -4239,8 +5223,8 @@
           </a:p>
         </p:txBody>
       </p:sp>
-      <mc:AlternateContent xmlns:mc="http://schemas.openxmlformats.org/markup-compatibility/2006">
-        <mc:Choice xmlns:a14="http://schemas.microsoft.com/office/drawing/2010/main" Requires="a14">
+      <mc:AlternateContent xmlns:mc="http://schemas.openxmlformats.org/markup-compatibility/2006" xmlns:a14="http://schemas.microsoft.com/office/drawing/2010/main">
+        <mc:Choice Requires="a14">
           <p:sp>
             <p:nvSpPr>
               <p:cNvPr id="9" name="Rechteck 8"/>
@@ -4548,7 +5532,7 @@
             </p:txBody>
           </p:sp>
         </mc:Choice>
-        <mc:Fallback>
+        <mc:Fallback xmlns="">
           <p:sp>
             <p:nvSpPr>
               <p:cNvPr id="9" name="Rechteck 8"/>
@@ -4821,7 +5805,6 @@
               <a:rPr lang="de-DE" dirty="0" smtClean="0"/>
               <a:t>Negationskontexte:</a:t>
             </a:r>
-            <a:endParaRPr lang="de-DE" dirty="0" smtClean="0"/>
           </a:p>
         </p:txBody>
       </p:sp>
@@ -4926,8 +5909,8 @@
           </a:p>
         </p:txBody>
       </p:sp>
-      <mc:AlternateContent xmlns:mc="http://schemas.openxmlformats.org/markup-compatibility/2006">
-        <mc:Choice xmlns:a14="http://schemas.microsoft.com/office/drawing/2010/main" Requires="a14">
+      <mc:AlternateContent xmlns:mc="http://schemas.openxmlformats.org/markup-compatibility/2006" xmlns:a14="http://schemas.microsoft.com/office/drawing/2010/main">
+        <mc:Choice Requires="a14">
           <p:sp>
             <p:nvSpPr>
               <p:cNvPr id="9" name="Rechteck 8"/>
@@ -5282,7 +6265,7 @@
             </p:txBody>
           </p:sp>
         </mc:Choice>
-        <mc:Fallback>
+        <mc:Fallback xmlns="">
           <p:sp>
             <p:nvSpPr>
               <p:cNvPr id="9" name="Rechteck 8"/>
@@ -5519,7 +6502,6 @@
               <a:rPr lang="de-DE" dirty="0" smtClean="0"/>
               <a:t>:</a:t>
             </a:r>
-            <a:endParaRPr lang="de-DE" dirty="0" smtClean="0"/>
           </a:p>
         </p:txBody>
       </p:sp>
@@ -5563,8 +6545,8 @@
           </a:extLst>
         </p:spPr>
       </p:pic>
-      <mc:AlternateContent xmlns:mc="http://schemas.openxmlformats.org/markup-compatibility/2006">
-        <mc:Choice xmlns:a14="http://schemas.microsoft.com/office/drawing/2010/main" Requires="a14">
+      <mc:AlternateContent xmlns:mc="http://schemas.openxmlformats.org/markup-compatibility/2006" xmlns:a14="http://schemas.microsoft.com/office/drawing/2010/main">
+        <mc:Choice Requires="a14">
           <p:sp>
             <p:nvSpPr>
               <p:cNvPr id="18" name="Rechteck 17"/>
@@ -5689,7 +6671,7 @@
             </p:txBody>
           </p:sp>
         </mc:Choice>
-        <mc:Fallback>
+        <mc:Fallback xmlns="">
           <p:sp>
             <p:nvSpPr>
               <p:cNvPr id="18" name="Rechteck 17"/>
@@ -5915,8 +6897,8 @@
             </p:nvSpPr>
             <p:spPr>
               <a:xfrm>
-                <a:off x="4727848" y="4581128"/>
-                <a:ext cx="6840760" cy="923330"/>
+                <a:off x="3791744" y="4581128"/>
+                <a:ext cx="8208912" cy="923330"/>
               </a:xfrm>
               <a:prstGeom prst="rect">
                 <a:avLst/>
@@ -5977,6 +6959,51 @@
                           <a:latin typeface="Cambria Math"/>
                           <a:ea typeface="Cambria Math"/>
                         </a:rPr>
+                        <m:t>𝑐𝑜𝑛𝑡𝑒𝑥𝑡</m:t>
+                      </m:r>
+                      <m:d>
+                        <m:dPr>
+                          <m:ctrlPr>
+                            <a:rPr lang="de-DE" sz="3600" b="0" i="1" smtClean="0">
+                              <a:solidFill>
+                                <a:schemeClr val="accent3"/>
+                              </a:solidFill>
+                              <a:latin typeface="Cambria Math"/>
+                              <a:ea typeface="Cambria Math"/>
+                            </a:rPr>
+                          </m:ctrlPr>
+                        </m:dPr>
+                        <m:e>
+                          <m:r>
+                            <a:rPr lang="de-DE" sz="3600" b="0" i="1" smtClean="0">
+                              <a:solidFill>
+                                <a:schemeClr val="accent3"/>
+                              </a:solidFill>
+                              <a:latin typeface="Cambria Math"/>
+                              <a:ea typeface="Cambria Math"/>
+                            </a:rPr>
+                            <m:t>𝑐</m:t>
+                          </m:r>
+                        </m:e>
+                      </m:d>
+                      <m:r>
+                        <a:rPr lang="de-DE" sz="3600" b="0" i="1" smtClean="0">
+                          <a:solidFill>
+                            <a:schemeClr val="accent3"/>
+                          </a:solidFill>
+                          <a:latin typeface="Cambria Math"/>
+                          <a:ea typeface="Cambria Math"/>
+                        </a:rPr>
+                        <m:t>∧(</m:t>
+                      </m:r>
+                      <m:r>
+                        <a:rPr lang="de-DE" sz="3600" b="0" i="1" smtClean="0">
+                          <a:solidFill>
+                            <a:schemeClr val="accent3"/>
+                          </a:solidFill>
+                          <a:latin typeface="Cambria Math"/>
+                          <a:ea typeface="Cambria Math"/>
+                        </a:rPr>
                         <m:t>𝑎𝑐𝑡𝑢𝑎𝑙</m:t>
                       </m:r>
                       <m:d>
@@ -6012,7 +7039,7 @@
                           <a:latin typeface="Cambria Math"/>
                           <a:ea typeface="Cambria Math"/>
                         </a:rPr>
-                        <m:t>↔(</m:t>
+                        <m:t>↔</m:t>
                       </m:r>
                       <m:r>
                         <a:rPr lang="de-DE" sz="3600" i="1">
@@ -6094,8 +7121,8 @@
             </p:nvSpPr>
             <p:spPr>
               <a:xfrm>
-                <a:off x="4727848" y="4581128"/>
-                <a:ext cx="6840760" cy="923330"/>
+                <a:off x="3791744" y="4581128"/>
+                <a:ext cx="8208912" cy="923330"/>
               </a:xfrm>
               <a:prstGeom prst="rect">
                 <a:avLst/>
@@ -6145,7 +7172,7 @@
         </p:blipFill>
         <p:spPr bwMode="auto">
           <a:xfrm>
-            <a:off x="695400" y="2780928"/>
+            <a:off x="479376" y="2780928"/>
             <a:ext cx="2292732" cy="1345305"/>
           </a:xfrm>
           <a:prstGeom prst="rect">
@@ -6165,7 +7192,7 @@
       </p:pic>
       <p:pic>
         <p:nvPicPr>
-          <p:cNvPr id="4099" name="Picture 3" descr="C:\Users\a587002\Documents\bachelor-thesis\presentation\possibExpansion.emf"/>
+          <p:cNvPr id="4099" name="Picture 3"/>
           <p:cNvPicPr>
             <a:picLocks noChangeAspect="1" noChangeArrowheads="1"/>
           </p:cNvPicPr>
@@ -6179,15 +7206,14 @@
               </a:ext>
             </a:extLst>
           </a:blip>
-          <a:srcRect/>
           <a:stretch>
             <a:fillRect/>
           </a:stretch>
         </p:blipFill>
         <p:spPr bwMode="auto">
           <a:xfrm>
-            <a:off x="4511824" y="2420888"/>
-            <a:ext cx="7128792" cy="1894857"/>
+            <a:off x="4295859" y="2420888"/>
+            <a:ext cx="7128674" cy="1894857"/>
           </a:xfrm>
           <a:prstGeom prst="rect">
             <a:avLst/>
@@ -6214,7 +7240,7 @@
             </p:nvSpPr>
             <p:spPr>
               <a:xfrm>
-                <a:off x="3043280" y="2852936"/>
+                <a:off x="2827256" y="2852936"/>
                 <a:ext cx="1396536" cy="1200329"/>
               </a:xfrm>
               <a:prstGeom prst="rect">
@@ -6261,7 +7287,7 @@
             </p:nvSpPr>
             <p:spPr>
               <a:xfrm>
-                <a:off x="3043280" y="2852936"/>
+                <a:off x="2827256" y="2852936"/>
                 <a:ext cx="1396536" cy="1200329"/>
               </a:xfrm>
               <a:prstGeom prst="rect">
@@ -6326,8 +7352,8 @@
           <a:chExt cx="0" cy="0"/>
         </a:xfrm>
       </p:grpSpPr>
-      <mc:AlternateContent xmlns:mc="http://schemas.openxmlformats.org/markup-compatibility/2006">
-        <mc:Choice xmlns:a14="http://schemas.microsoft.com/office/drawing/2010/main" Requires="a14">
+      <mc:AlternateContent xmlns:mc="http://schemas.openxmlformats.org/markup-compatibility/2006" xmlns:a14="http://schemas.microsoft.com/office/drawing/2010/main">
+        <mc:Choice Requires="a14">
           <p:sp>
             <p:nvSpPr>
               <p:cNvPr id="4" name="Inhaltsplatzhalter 3"/>
@@ -6502,7 +7528,7 @@
             </p:txBody>
           </p:sp>
         </mc:Choice>
-        <mc:Fallback>
+        <mc:Fallback xmlns="">
           <p:sp>
             <p:nvSpPr>
               <p:cNvPr id="4" name="Inhaltsplatzhalter 3"/>
@@ -7783,8 +8809,8 @@
               <a:t>Mittels </a:t>
             </a:r>
             <a:r>
-              <a:rPr lang="de-DE" dirty="0"/>
-              <a:t>Transformationsregeln </a:t>
+              <a:rPr lang="de-DE" dirty="0" smtClean="0"/>
+              <a:t>Transformationsregeln aus </a:t>
             </a:r>
             <a:r>
               <a:rPr lang="de-DE" dirty="0" smtClean="0"/>
@@ -9168,6 +10194,3731 @@
 </p:sld>
 </file>
 
+<file path=ppt/slides/slide22.xml><?xml version="1.0" encoding="utf-8"?>
+<p:sld xmlns:a="http://schemas.openxmlformats.org/drawingml/2006/main" xmlns:r="http://schemas.openxmlformats.org/officeDocument/2006/relationships" xmlns:p="http://schemas.openxmlformats.org/presentationml/2006/main">
+  <p:cSld>
+    <p:spTree>
+      <p:nvGrpSpPr>
+        <p:cNvPr id="1" name=""/>
+        <p:cNvGrpSpPr/>
+        <p:nvPr/>
+      </p:nvGrpSpPr>
+      <p:grpSpPr>
+        <a:xfrm>
+          <a:off x="0" y="0"/>
+          <a:ext cx="0" cy="0"/>
+          <a:chOff x="0" y="0"/>
+          <a:chExt cx="0" cy="0"/>
+        </a:xfrm>
+      </p:grpSpPr>
+      <p:sp>
+        <p:nvSpPr>
+          <p:cNvPr id="4" name="Inhaltsplatzhalter 3"/>
+          <p:cNvSpPr>
+            <a:spLocks noGrp="1"/>
+          </p:cNvSpPr>
+          <p:nvPr>
+            <p:ph idx="1"/>
+          </p:nvPr>
+        </p:nvSpPr>
+        <p:spPr>
+          <a:xfrm>
+            <a:off x="3359696" y="3789040"/>
+            <a:ext cx="5472608" cy="2387923"/>
+          </a:xfrm>
+        </p:spPr>
+        <p:txBody>
+          <a:bodyPr anchor="ctr">
+            <a:normAutofit/>
+          </a:bodyPr>
+          <a:lstStyle/>
+          <a:p>
+            <a:pPr marL="514350" indent="-514350">
+              <a:lnSpc>
+                <a:spcPct val="200000"/>
+              </a:lnSpc>
+              <a:buAutoNum type="arabicPeriod"/>
+            </a:pPr>
+            <a:r>
+              <a:rPr lang="de-DE" dirty="0" err="1" smtClean="0"/>
+              <a:t>Konjunktionsgraph</a:t>
+            </a:r>
+            <a:r>
+              <a:rPr lang="de-DE" dirty="0" smtClean="0"/>
+              <a:t> erstellen</a:t>
+            </a:r>
+          </a:p>
+          <a:p>
+            <a:pPr marL="514350" indent="-514350">
+              <a:lnSpc>
+                <a:spcPct val="200000"/>
+              </a:lnSpc>
+              <a:buAutoNum type="arabicPeriod"/>
+            </a:pPr>
+            <a:r>
+              <a:rPr lang="de-DE" dirty="0" smtClean="0"/>
+              <a:t>PSL-Inferenz durchführen</a:t>
+            </a:r>
+            <a:endParaRPr lang="de-DE" dirty="0"/>
+          </a:p>
+        </p:txBody>
+      </p:sp>
+      <p:sp>
+        <p:nvSpPr>
+          <p:cNvPr id="2" name="Foliennummernplatzhalter 1"/>
+          <p:cNvSpPr>
+            <a:spLocks noGrp="1"/>
+          </p:cNvSpPr>
+          <p:nvPr>
+            <p:ph type="sldNum" sz="quarter" idx="12"/>
+          </p:nvPr>
+        </p:nvSpPr>
+        <p:spPr/>
+        <p:txBody>
+          <a:bodyPr/>
+          <a:lstStyle/>
+          <a:p>
+            <a:fld id="{F4DAF760-8A09-427D-9634-9AF01F07ABD5}" type="slidenum">
+              <a:rPr lang="de-DE" smtClean="0"/>
+              <a:t>22</a:t>
+            </a:fld>
+            <a:endParaRPr lang="de-DE" dirty="0"/>
+          </a:p>
+        </p:txBody>
+      </p:sp>
+      <p:sp>
+        <p:nvSpPr>
+          <p:cNvPr id="3" name="Titel 2"/>
+          <p:cNvSpPr>
+            <a:spLocks noGrp="1"/>
+          </p:cNvSpPr>
+          <p:nvPr>
+            <p:ph type="title"/>
+          </p:nvPr>
+        </p:nvSpPr>
+        <p:spPr/>
+        <p:txBody>
+          <a:bodyPr/>
+          <a:lstStyle/>
+          <a:p>
+            <a:r>
+              <a:rPr lang="de-DE" sz="2400" b="1" dirty="0" smtClean="0"/>
+              <a:t>WG-Konstruktionsphase</a:t>
+            </a:r>
+            <a:r>
+              <a:rPr lang="de-DE" sz="2400" b="1" dirty="0" smtClean="0"/>
+              <a:t>:</a:t>
+            </a:r>
+            <a:r>
+              <a:rPr lang="de-DE" sz="2400" dirty="0" smtClean="0"/>
+              <a:t>	</a:t>
+            </a:r>
+            <a:r>
+              <a:rPr lang="de-DE" dirty="0" smtClean="0"/>
+              <a:t>Überblick</a:t>
+            </a:r>
+            <a:endParaRPr lang="de-DE" dirty="0"/>
+          </a:p>
+        </p:txBody>
+      </p:sp>
+      <p:pic>
+        <p:nvPicPr>
+          <p:cNvPr id="3074" name="Picture 2" descr="C:\Users\a587002\Documents\bachelor-thesis\presentation\pslPhase.emf"/>
+          <p:cNvPicPr>
+            <a:picLocks noChangeAspect="1" noChangeArrowheads="1"/>
+          </p:cNvPicPr>
+          <p:nvPr/>
+        </p:nvPicPr>
+        <p:blipFill>
+          <a:blip r:embed="rId2" cstate="print">
+            <a:extLst>
+              <a:ext uri="{28A0092B-C50C-407E-A947-70E740481C1C}">
+                <a14:useLocalDpi xmlns:a14="http://schemas.microsoft.com/office/drawing/2010/main" val="0"/>
+              </a:ext>
+            </a:extLst>
+          </a:blip>
+          <a:srcRect/>
+          <a:stretch>
+            <a:fillRect/>
+          </a:stretch>
+        </p:blipFill>
+        <p:spPr bwMode="auto">
+          <a:xfrm>
+            <a:off x="3581710" y="1052736"/>
+            <a:ext cx="5028580" cy="2742404"/>
+          </a:xfrm>
+          <a:prstGeom prst="rect">
+            <a:avLst/>
+          </a:prstGeom>
+          <a:noFill/>
+          <a:extLst>
+            <a:ext uri="{909E8E84-426E-40DD-AFC4-6F175D3DCCD1}">
+              <a14:hiddenFill xmlns:a14="http://schemas.microsoft.com/office/drawing/2010/main">
+                <a:solidFill>
+                  <a:srgbClr val="FFFFFF"/>
+                </a:solidFill>
+              </a14:hiddenFill>
+            </a:ext>
+          </a:extLst>
+        </p:spPr>
+      </p:pic>
+    </p:spTree>
+    <p:extLst>
+      <p:ext uri="{BB962C8B-B14F-4D97-AF65-F5344CB8AC3E}">
+        <p14:creationId xmlns:p14="http://schemas.microsoft.com/office/powerpoint/2010/main" val="3270026954"/>
+      </p:ext>
+    </p:extLst>
+  </p:cSld>
+  <p:clrMapOvr>
+    <a:masterClrMapping/>
+  </p:clrMapOvr>
+  <p:timing>
+    <p:tnLst>
+      <p:par>
+        <p:cTn id="1" dur="indefinite" restart="never" nodeType="tmRoot"/>
+      </p:par>
+    </p:tnLst>
+  </p:timing>
+</p:sld>
+</file>
+
+<file path=ppt/slides/slide23.xml><?xml version="1.0" encoding="utf-8"?>
+<p:sld xmlns:a="http://schemas.openxmlformats.org/drawingml/2006/main" xmlns:r="http://schemas.openxmlformats.org/officeDocument/2006/relationships" xmlns:p="http://schemas.openxmlformats.org/presentationml/2006/main">
+  <p:cSld>
+    <p:spTree>
+      <p:nvGrpSpPr>
+        <p:cNvPr id="1" name=""/>
+        <p:cNvGrpSpPr/>
+        <p:nvPr/>
+      </p:nvGrpSpPr>
+      <p:grpSpPr>
+        <a:xfrm>
+          <a:off x="0" y="0"/>
+          <a:ext cx="0" cy="0"/>
+          <a:chOff x="0" y="0"/>
+          <a:chExt cx="0" cy="0"/>
+        </a:xfrm>
+      </p:grpSpPr>
+      <p:sp>
+        <p:nvSpPr>
+          <p:cNvPr id="3" name="Titel 2"/>
+          <p:cNvSpPr>
+            <a:spLocks noGrp="1"/>
+          </p:cNvSpPr>
+          <p:nvPr>
+            <p:ph type="title"/>
+          </p:nvPr>
+        </p:nvSpPr>
+        <p:spPr/>
+        <p:txBody>
+          <a:bodyPr/>
+          <a:lstStyle/>
+          <a:p>
+            <a:r>
+              <a:rPr lang="de-DE" sz="2400" b="1" dirty="0" smtClean="0"/>
+              <a:t>WG-Konstruktionsphase</a:t>
+            </a:r>
+            <a:r>
+              <a:rPr lang="de-DE" sz="2400" b="1" dirty="0" smtClean="0"/>
+              <a:t>:</a:t>
+            </a:r>
+            <a:r>
+              <a:rPr lang="de-DE" sz="2400" dirty="0" smtClean="0"/>
+              <a:t>	</a:t>
+            </a:r>
+            <a:r>
+              <a:rPr lang="de-DE" dirty="0" err="1" smtClean="0"/>
+              <a:t>Konjunktionsgraph</a:t>
+            </a:r>
+            <a:endParaRPr lang="de-DE" dirty="0"/>
+          </a:p>
+        </p:txBody>
+      </p:sp>
+      <p:sp>
+        <p:nvSpPr>
+          <p:cNvPr id="2" name="Foliennummernplatzhalter 1"/>
+          <p:cNvSpPr>
+            <a:spLocks noGrp="1"/>
+          </p:cNvSpPr>
+          <p:nvPr>
+            <p:ph type="sldNum" sz="quarter" idx="12"/>
+          </p:nvPr>
+        </p:nvSpPr>
+        <p:spPr/>
+        <p:txBody>
+          <a:bodyPr/>
+          <a:lstStyle/>
+          <a:p>
+            <a:fld id="{F4DAF760-8A09-427D-9634-9AF01F07ABD5}" type="slidenum">
+              <a:rPr lang="de-DE" smtClean="0"/>
+              <a:t>23</a:t>
+            </a:fld>
+            <a:endParaRPr lang="de-DE" dirty="0"/>
+          </a:p>
+        </p:txBody>
+      </p:sp>
+      <p:pic>
+        <p:nvPicPr>
+          <p:cNvPr id="8" name="Picture 2" descr="C:\Users\a587002\Documents\bachelor-thesis\presentation\kg1.emf"/>
+          <p:cNvPicPr>
+            <a:picLocks noChangeAspect="1" noChangeArrowheads="1"/>
+          </p:cNvPicPr>
+          <p:nvPr/>
+        </p:nvPicPr>
+        <p:blipFill>
+          <a:blip r:embed="rId2" cstate="print">
+            <a:extLst>
+              <a:ext uri="{28A0092B-C50C-407E-A947-70E740481C1C}">
+                <a14:useLocalDpi xmlns:a14="http://schemas.microsoft.com/office/drawing/2010/main" val="0"/>
+              </a:ext>
+            </a:extLst>
+          </a:blip>
+          <a:srcRect/>
+          <a:stretch>
+            <a:fillRect/>
+          </a:stretch>
+        </p:blipFill>
+        <p:spPr bwMode="auto">
+          <a:xfrm>
+            <a:off x="5743911" y="3773138"/>
+            <a:ext cx="4345205" cy="2417525"/>
+          </a:xfrm>
+          <a:prstGeom prst="rect">
+            <a:avLst/>
+          </a:prstGeom>
+          <a:noFill/>
+          <a:extLst>
+            <a:ext uri="{909E8E84-426E-40DD-AFC4-6F175D3DCCD1}">
+              <a14:hiddenFill xmlns:a14="http://schemas.microsoft.com/office/drawing/2010/main">
+                <a:solidFill>
+                  <a:srgbClr val="FFFFFF"/>
+                </a:solidFill>
+              </a14:hiddenFill>
+            </a:ext>
+          </a:extLst>
+        </p:spPr>
+      </p:pic>
+      <p:sp>
+        <p:nvSpPr>
+          <p:cNvPr id="9" name="Rechteck 8"/>
+          <p:cNvSpPr/>
+          <p:nvPr/>
+        </p:nvSpPr>
+        <p:spPr>
+          <a:xfrm>
+            <a:off x="767408" y="1124744"/>
+            <a:ext cx="10585176" cy="738664"/>
+          </a:xfrm>
+          <a:prstGeom prst="rect">
+            <a:avLst/>
+          </a:prstGeom>
+        </p:spPr>
+        <p:txBody>
+          <a:bodyPr wrap="square">
+            <a:spAutoFit/>
+          </a:bodyPr>
+          <a:lstStyle/>
+          <a:p>
+            <a:pPr marL="0" lvl="0" indent="0" algn="ctr">
+              <a:lnSpc>
+                <a:spcPct val="150000"/>
+              </a:lnSpc>
+              <a:buNone/>
+            </a:pPr>
+            <a:r>
+              <a:rPr lang="en-US" sz="2800" dirty="0" err="1" smtClean="0">
+                <a:solidFill>
+                  <a:srgbClr val="00205B"/>
+                </a:solidFill>
+                <a:latin typeface="Roboto Light" panose="02000000000000000000" pitchFamily="2" charset="0"/>
+                <a:ea typeface="Roboto Light" panose="02000000000000000000" pitchFamily="2" charset="0"/>
+              </a:rPr>
+              <a:t>Vereinigung</a:t>
+            </a:r>
+            <a:r>
+              <a:rPr lang="en-US" sz="2800" dirty="0" smtClean="0">
+                <a:solidFill>
+                  <a:srgbClr val="00205B"/>
+                </a:solidFill>
+                <a:latin typeface="Roboto Light" panose="02000000000000000000" pitchFamily="2" charset="0"/>
+                <a:ea typeface="Roboto Light" panose="02000000000000000000" pitchFamily="2" charset="0"/>
+              </a:rPr>
+              <a:t> von </a:t>
+            </a:r>
+            <a:r>
+              <a:rPr lang="en-US" sz="2800" dirty="0" err="1" smtClean="0">
+                <a:solidFill>
+                  <a:srgbClr val="00205B"/>
+                </a:solidFill>
+                <a:latin typeface="Roboto Light" panose="02000000000000000000" pitchFamily="2" charset="0"/>
+                <a:ea typeface="Roboto Light" panose="02000000000000000000" pitchFamily="2" charset="0"/>
+              </a:rPr>
+              <a:t>Extraktionsgraph</a:t>
+            </a:r>
+            <a:r>
+              <a:rPr lang="en-US" sz="2800" dirty="0" smtClean="0">
+                <a:solidFill>
+                  <a:srgbClr val="00205B"/>
+                </a:solidFill>
+                <a:latin typeface="Roboto Light" panose="02000000000000000000" pitchFamily="2" charset="0"/>
+                <a:ea typeface="Roboto Light" panose="02000000000000000000" pitchFamily="2" charset="0"/>
+              </a:rPr>
+              <a:t> und </a:t>
+            </a:r>
+            <a:r>
+              <a:rPr lang="en-US" sz="2800" dirty="0" err="1" smtClean="0">
+                <a:solidFill>
+                  <a:srgbClr val="00205B"/>
+                </a:solidFill>
+                <a:latin typeface="Roboto Light" panose="02000000000000000000" pitchFamily="2" charset="0"/>
+                <a:ea typeface="Roboto Light" panose="02000000000000000000" pitchFamily="2" charset="0"/>
+              </a:rPr>
+              <a:t>bisherigem</a:t>
+            </a:r>
+            <a:r>
+              <a:rPr lang="en-US" sz="2800" dirty="0" smtClean="0">
+                <a:solidFill>
+                  <a:srgbClr val="00205B"/>
+                </a:solidFill>
+                <a:latin typeface="Roboto Light" panose="02000000000000000000" pitchFamily="2" charset="0"/>
+                <a:ea typeface="Roboto Light" panose="02000000000000000000" pitchFamily="2" charset="0"/>
+              </a:rPr>
+              <a:t> </a:t>
+            </a:r>
+            <a:r>
+              <a:rPr lang="en-US" sz="2800" dirty="0" err="1" smtClean="0">
+                <a:solidFill>
+                  <a:srgbClr val="00205B"/>
+                </a:solidFill>
+                <a:latin typeface="Roboto Light" panose="02000000000000000000" pitchFamily="2" charset="0"/>
+                <a:ea typeface="Roboto Light" panose="02000000000000000000" pitchFamily="2" charset="0"/>
+              </a:rPr>
+              <a:t>Wissensgraph</a:t>
+            </a:r>
+            <a:endParaRPr lang="en-US" sz="2400" dirty="0">
+              <a:latin typeface="Roboto Light" panose="02000000000000000000" pitchFamily="2" charset="0"/>
+              <a:ea typeface="Roboto Light" panose="02000000000000000000" pitchFamily="2" charset="0"/>
+            </a:endParaRPr>
+          </a:p>
+        </p:txBody>
+      </p:sp>
+    </p:spTree>
+    <p:extLst>
+      <p:ext uri="{BB962C8B-B14F-4D97-AF65-F5344CB8AC3E}">
+        <p14:creationId xmlns:p14="http://schemas.microsoft.com/office/powerpoint/2010/main" val="3878007780"/>
+      </p:ext>
+    </p:extLst>
+  </p:cSld>
+  <p:clrMapOvr>
+    <a:masterClrMapping/>
+  </p:clrMapOvr>
+  <p:timing>
+    <p:tnLst>
+      <p:par>
+        <p:cTn id="1" dur="indefinite" restart="never" nodeType="tmRoot"/>
+      </p:par>
+    </p:tnLst>
+  </p:timing>
+</p:sld>
+</file>
+
+<file path=ppt/slides/slide24.xml><?xml version="1.0" encoding="utf-8"?>
+<p:sld xmlns:a="http://schemas.openxmlformats.org/drawingml/2006/main" xmlns:r="http://schemas.openxmlformats.org/officeDocument/2006/relationships" xmlns:p="http://schemas.openxmlformats.org/presentationml/2006/main">
+  <p:cSld>
+    <p:spTree>
+      <p:nvGrpSpPr>
+        <p:cNvPr id="1" name=""/>
+        <p:cNvGrpSpPr/>
+        <p:nvPr/>
+      </p:nvGrpSpPr>
+      <p:grpSpPr>
+        <a:xfrm>
+          <a:off x="0" y="0"/>
+          <a:ext cx="0" cy="0"/>
+          <a:chOff x="0" y="0"/>
+          <a:chExt cx="0" cy="0"/>
+        </a:xfrm>
+      </p:grpSpPr>
+      <p:sp>
+        <p:nvSpPr>
+          <p:cNvPr id="3" name="Titel 2"/>
+          <p:cNvSpPr>
+            <a:spLocks noGrp="1"/>
+          </p:cNvSpPr>
+          <p:nvPr>
+            <p:ph type="title"/>
+          </p:nvPr>
+        </p:nvSpPr>
+        <p:spPr/>
+        <p:txBody>
+          <a:bodyPr/>
+          <a:lstStyle/>
+          <a:p>
+            <a:r>
+              <a:rPr lang="de-DE" sz="2400" b="1" dirty="0" smtClean="0"/>
+              <a:t>WG-Konstruktionsphase</a:t>
+            </a:r>
+            <a:r>
+              <a:rPr lang="de-DE" sz="2400" b="1" dirty="0" smtClean="0"/>
+              <a:t>:</a:t>
+            </a:r>
+            <a:r>
+              <a:rPr lang="de-DE" sz="2400" dirty="0" smtClean="0"/>
+              <a:t>	</a:t>
+            </a:r>
+            <a:r>
+              <a:rPr lang="de-DE" dirty="0" err="1" smtClean="0"/>
+              <a:t>Konjunktionsgraph</a:t>
+            </a:r>
+            <a:endParaRPr lang="de-DE" dirty="0"/>
+          </a:p>
+        </p:txBody>
+      </p:sp>
+      <p:sp>
+        <p:nvSpPr>
+          <p:cNvPr id="2" name="Foliennummernplatzhalter 1"/>
+          <p:cNvSpPr>
+            <a:spLocks noGrp="1"/>
+          </p:cNvSpPr>
+          <p:nvPr>
+            <p:ph type="sldNum" sz="quarter" idx="12"/>
+          </p:nvPr>
+        </p:nvSpPr>
+        <p:spPr/>
+        <p:txBody>
+          <a:bodyPr/>
+          <a:lstStyle/>
+          <a:p>
+            <a:fld id="{F4DAF760-8A09-427D-9634-9AF01F07ABD5}" type="slidenum">
+              <a:rPr lang="de-DE" smtClean="0"/>
+              <a:t>24</a:t>
+            </a:fld>
+            <a:endParaRPr lang="de-DE" dirty="0"/>
+          </a:p>
+        </p:txBody>
+      </p:sp>
+      <p:pic>
+        <p:nvPicPr>
+          <p:cNvPr id="6" name="Picture 3" descr="C:\Users\a587002\Documents\bachelor-thesis\presentation\kg2.emf"/>
+          <p:cNvPicPr>
+            <a:picLocks noChangeAspect="1" noChangeArrowheads="1"/>
+          </p:cNvPicPr>
+          <p:nvPr/>
+        </p:nvPicPr>
+        <p:blipFill>
+          <a:blip r:embed="rId2" cstate="print">
+            <a:extLst>
+              <a:ext uri="{28A0092B-C50C-407E-A947-70E740481C1C}">
+                <a14:useLocalDpi xmlns:a14="http://schemas.microsoft.com/office/drawing/2010/main" val="0"/>
+              </a:ext>
+            </a:extLst>
+          </a:blip>
+          <a:srcRect/>
+          <a:stretch>
+            <a:fillRect/>
+          </a:stretch>
+        </p:blipFill>
+        <p:spPr bwMode="auto">
+          <a:xfrm>
+            <a:off x="5391822" y="3292935"/>
+            <a:ext cx="5685073" cy="3299244"/>
+          </a:xfrm>
+          <a:prstGeom prst="rect">
+            <a:avLst/>
+          </a:prstGeom>
+          <a:noFill/>
+          <a:extLst>
+            <a:ext uri="{909E8E84-426E-40DD-AFC4-6F175D3DCCD1}">
+              <a14:hiddenFill xmlns:a14="http://schemas.microsoft.com/office/drawing/2010/main">
+                <a:solidFill>
+                  <a:srgbClr val="FFFFFF"/>
+                </a:solidFill>
+              </a14:hiddenFill>
+            </a:ext>
+          </a:extLst>
+        </p:spPr>
+      </p:pic>
+      <p:sp>
+        <p:nvSpPr>
+          <p:cNvPr id="7" name="Rechteck 6"/>
+          <p:cNvSpPr/>
+          <p:nvPr/>
+        </p:nvSpPr>
+        <p:spPr>
+          <a:xfrm>
+            <a:off x="767408" y="1124744"/>
+            <a:ext cx="10585176" cy="665631"/>
+          </a:xfrm>
+          <a:prstGeom prst="rect">
+            <a:avLst/>
+          </a:prstGeom>
+        </p:spPr>
+        <p:txBody>
+          <a:bodyPr wrap="square">
+            <a:spAutoFit/>
+          </a:bodyPr>
+          <a:lstStyle/>
+          <a:p>
+            <a:pPr marL="0" lvl="0" indent="0" algn="ctr">
+              <a:lnSpc>
+                <a:spcPct val="150000"/>
+              </a:lnSpc>
+              <a:buNone/>
+            </a:pPr>
+            <a:r>
+              <a:rPr lang="en-US" sz="2800" dirty="0" smtClean="0">
+                <a:solidFill>
+                  <a:srgbClr val="00205B"/>
+                </a:solidFill>
+                <a:latin typeface="Roboto Light" panose="02000000000000000000" pitchFamily="2" charset="0"/>
+                <a:ea typeface="Roboto Light" panose="02000000000000000000" pitchFamily="2" charset="0"/>
+              </a:rPr>
+              <a:t>+ </a:t>
+            </a:r>
+            <a:r>
+              <a:rPr lang="en-US" sz="2800" dirty="0" err="1" smtClean="0">
+                <a:solidFill>
+                  <a:srgbClr val="00205B"/>
+                </a:solidFill>
+                <a:latin typeface="Roboto Light" panose="02000000000000000000" pitchFamily="2" charset="0"/>
+                <a:ea typeface="Roboto Light" panose="02000000000000000000" pitchFamily="2" charset="0"/>
+              </a:rPr>
+              <a:t>Latente</a:t>
+            </a:r>
+            <a:r>
+              <a:rPr lang="en-US" sz="2800" dirty="0" smtClean="0">
+                <a:solidFill>
+                  <a:srgbClr val="00205B"/>
+                </a:solidFill>
+                <a:latin typeface="Roboto Light" panose="02000000000000000000" pitchFamily="2" charset="0"/>
+                <a:ea typeface="Roboto Light" panose="02000000000000000000" pitchFamily="2" charset="0"/>
+              </a:rPr>
+              <a:t> </a:t>
+            </a:r>
+            <a:r>
+              <a:rPr lang="en-US" sz="2800" dirty="0" err="1" smtClean="0">
+                <a:solidFill>
+                  <a:srgbClr val="00205B"/>
+                </a:solidFill>
+                <a:latin typeface="Roboto Light" panose="02000000000000000000" pitchFamily="2" charset="0"/>
+                <a:ea typeface="Roboto Light" panose="02000000000000000000" pitchFamily="2" charset="0"/>
+              </a:rPr>
+              <a:t>Konzepte</a:t>
+            </a:r>
+            <a:endParaRPr lang="en-US" sz="2400" dirty="0">
+              <a:latin typeface="Roboto Light" panose="02000000000000000000" pitchFamily="2" charset="0"/>
+              <a:ea typeface="Roboto Light" panose="02000000000000000000" pitchFamily="2" charset="0"/>
+            </a:endParaRPr>
+          </a:p>
+        </p:txBody>
+      </p:sp>
+    </p:spTree>
+    <p:extLst>
+      <p:ext uri="{BB962C8B-B14F-4D97-AF65-F5344CB8AC3E}">
+        <p14:creationId xmlns:p14="http://schemas.microsoft.com/office/powerpoint/2010/main" val="1484895586"/>
+      </p:ext>
+    </p:extLst>
+  </p:cSld>
+  <p:clrMapOvr>
+    <a:masterClrMapping/>
+  </p:clrMapOvr>
+  <p:timing>
+    <p:tnLst>
+      <p:par>
+        <p:cTn id="1" dur="indefinite" restart="never" nodeType="tmRoot"/>
+      </p:par>
+    </p:tnLst>
+  </p:timing>
+</p:sld>
+</file>
+
+<file path=ppt/slides/slide25.xml><?xml version="1.0" encoding="utf-8"?>
+<p:sld xmlns:a="http://schemas.openxmlformats.org/drawingml/2006/main" xmlns:r="http://schemas.openxmlformats.org/officeDocument/2006/relationships" xmlns:p="http://schemas.openxmlformats.org/presentationml/2006/main">
+  <p:cSld>
+    <p:spTree>
+      <p:nvGrpSpPr>
+        <p:cNvPr id="1" name=""/>
+        <p:cNvGrpSpPr/>
+        <p:nvPr/>
+      </p:nvGrpSpPr>
+      <p:grpSpPr>
+        <a:xfrm>
+          <a:off x="0" y="0"/>
+          <a:ext cx="0" cy="0"/>
+          <a:chOff x="0" y="0"/>
+          <a:chExt cx="0" cy="0"/>
+        </a:xfrm>
+      </p:grpSpPr>
+      <p:sp>
+        <p:nvSpPr>
+          <p:cNvPr id="3" name="Titel 2"/>
+          <p:cNvSpPr>
+            <a:spLocks noGrp="1"/>
+          </p:cNvSpPr>
+          <p:nvPr>
+            <p:ph type="title"/>
+          </p:nvPr>
+        </p:nvSpPr>
+        <p:spPr/>
+        <p:txBody>
+          <a:bodyPr/>
+          <a:lstStyle/>
+          <a:p>
+            <a:r>
+              <a:rPr lang="de-DE" sz="2400" b="1" dirty="0" smtClean="0"/>
+              <a:t>WG-Konstruktionsphase</a:t>
+            </a:r>
+            <a:r>
+              <a:rPr lang="de-DE" sz="2400" b="1" dirty="0" smtClean="0"/>
+              <a:t>:</a:t>
+            </a:r>
+            <a:r>
+              <a:rPr lang="de-DE" sz="2400" dirty="0" smtClean="0"/>
+              <a:t>	</a:t>
+            </a:r>
+            <a:r>
+              <a:rPr lang="de-DE" dirty="0" err="1" smtClean="0"/>
+              <a:t>Konjunktionsgraph</a:t>
+            </a:r>
+            <a:endParaRPr lang="de-DE" dirty="0"/>
+          </a:p>
+        </p:txBody>
+      </p:sp>
+      <p:sp>
+        <p:nvSpPr>
+          <p:cNvPr id="2" name="Foliennummernplatzhalter 1"/>
+          <p:cNvSpPr>
+            <a:spLocks noGrp="1"/>
+          </p:cNvSpPr>
+          <p:nvPr>
+            <p:ph type="sldNum" sz="quarter" idx="12"/>
+          </p:nvPr>
+        </p:nvSpPr>
+        <p:spPr/>
+        <p:txBody>
+          <a:bodyPr/>
+          <a:lstStyle/>
+          <a:p>
+            <a:fld id="{F4DAF760-8A09-427D-9634-9AF01F07ABD5}" type="slidenum">
+              <a:rPr lang="de-DE" smtClean="0"/>
+              <a:t>25</a:t>
+            </a:fld>
+            <a:endParaRPr lang="de-DE" dirty="0"/>
+          </a:p>
+        </p:txBody>
+      </p:sp>
+      <p:pic>
+        <p:nvPicPr>
+          <p:cNvPr id="7" name="Picture 4" descr="C:\Users\a587002\Documents\bachelor-thesis\presentation\kg3.emf"/>
+          <p:cNvPicPr>
+            <a:picLocks noChangeAspect="1" noChangeArrowheads="1"/>
+          </p:cNvPicPr>
+          <p:nvPr/>
+        </p:nvPicPr>
+        <p:blipFill>
+          <a:blip r:embed="rId2" cstate="print">
+            <a:extLst>
+              <a:ext uri="{28A0092B-C50C-407E-A947-70E740481C1C}">
+                <a14:useLocalDpi xmlns:a14="http://schemas.microsoft.com/office/drawing/2010/main" val="0"/>
+              </a:ext>
+            </a:extLst>
+          </a:blip>
+          <a:srcRect/>
+          <a:stretch>
+            <a:fillRect/>
+          </a:stretch>
+        </p:blipFill>
+        <p:spPr bwMode="auto">
+          <a:xfrm>
+            <a:off x="4905537" y="1980889"/>
+            <a:ext cx="6174917" cy="4605975"/>
+          </a:xfrm>
+          <a:prstGeom prst="rect">
+            <a:avLst/>
+          </a:prstGeom>
+          <a:noFill/>
+          <a:extLst>
+            <a:ext uri="{909E8E84-426E-40DD-AFC4-6F175D3DCCD1}">
+              <a14:hiddenFill xmlns:a14="http://schemas.microsoft.com/office/drawing/2010/main">
+                <a:solidFill>
+                  <a:srgbClr val="FFFFFF"/>
+                </a:solidFill>
+              </a14:hiddenFill>
+            </a:ext>
+          </a:extLst>
+        </p:spPr>
+      </p:pic>
+      <p:sp>
+        <p:nvSpPr>
+          <p:cNvPr id="8" name="Rechteck 7"/>
+          <p:cNvSpPr/>
+          <p:nvPr/>
+        </p:nvSpPr>
+        <p:spPr>
+          <a:xfrm>
+            <a:off x="767408" y="1124744"/>
+            <a:ext cx="10585176" cy="665631"/>
+          </a:xfrm>
+          <a:prstGeom prst="rect">
+            <a:avLst/>
+          </a:prstGeom>
+        </p:spPr>
+        <p:txBody>
+          <a:bodyPr wrap="square">
+            <a:spAutoFit/>
+          </a:bodyPr>
+          <a:lstStyle/>
+          <a:p>
+            <a:pPr marL="0" lvl="0" indent="0" algn="ctr">
+              <a:lnSpc>
+                <a:spcPct val="150000"/>
+              </a:lnSpc>
+              <a:buNone/>
+            </a:pPr>
+            <a:r>
+              <a:rPr lang="en-US" sz="2800" dirty="0" smtClean="0">
+                <a:solidFill>
+                  <a:srgbClr val="00205B"/>
+                </a:solidFill>
+                <a:latin typeface="Roboto Light" panose="02000000000000000000" pitchFamily="2" charset="0"/>
+                <a:ea typeface="Roboto Light" panose="02000000000000000000" pitchFamily="2" charset="0"/>
+              </a:rPr>
+              <a:t>+ </a:t>
+            </a:r>
+            <a:r>
+              <a:rPr lang="en-US" sz="2800" dirty="0" err="1" smtClean="0">
+                <a:solidFill>
+                  <a:srgbClr val="00205B"/>
+                </a:solidFill>
+                <a:latin typeface="Roboto Light" panose="02000000000000000000" pitchFamily="2" charset="0"/>
+                <a:ea typeface="Roboto Light" panose="02000000000000000000" pitchFamily="2" charset="0"/>
+              </a:rPr>
+              <a:t>Nachrichtenmetadaten</a:t>
+            </a:r>
+            <a:endParaRPr lang="en-US" sz="2400" dirty="0">
+              <a:latin typeface="Roboto Light" panose="02000000000000000000" pitchFamily="2" charset="0"/>
+              <a:ea typeface="Roboto Light" panose="02000000000000000000" pitchFamily="2" charset="0"/>
+            </a:endParaRPr>
+          </a:p>
+        </p:txBody>
+      </p:sp>
+    </p:spTree>
+    <p:extLst>
+      <p:ext uri="{BB962C8B-B14F-4D97-AF65-F5344CB8AC3E}">
+        <p14:creationId xmlns:p14="http://schemas.microsoft.com/office/powerpoint/2010/main" val="3110542060"/>
+      </p:ext>
+    </p:extLst>
+  </p:cSld>
+  <p:clrMapOvr>
+    <a:masterClrMapping/>
+  </p:clrMapOvr>
+  <p:timing>
+    <p:tnLst>
+      <p:par>
+        <p:cTn id="1" dur="indefinite" restart="never" nodeType="tmRoot"/>
+      </p:par>
+    </p:tnLst>
+  </p:timing>
+</p:sld>
+</file>
+
+<file path=ppt/slides/slide26.xml><?xml version="1.0" encoding="utf-8"?>
+<p:sld xmlns:a="http://schemas.openxmlformats.org/drawingml/2006/main" xmlns:r="http://schemas.openxmlformats.org/officeDocument/2006/relationships" xmlns:p="http://schemas.openxmlformats.org/presentationml/2006/main">
+  <p:cSld>
+    <p:spTree>
+      <p:nvGrpSpPr>
+        <p:cNvPr id="1" name=""/>
+        <p:cNvGrpSpPr/>
+        <p:nvPr/>
+      </p:nvGrpSpPr>
+      <p:grpSpPr>
+        <a:xfrm>
+          <a:off x="0" y="0"/>
+          <a:ext cx="0" cy="0"/>
+          <a:chOff x="0" y="0"/>
+          <a:chExt cx="0" cy="0"/>
+        </a:xfrm>
+      </p:grpSpPr>
+      <p:sp>
+        <p:nvSpPr>
+          <p:cNvPr id="3" name="Titel 2"/>
+          <p:cNvSpPr>
+            <a:spLocks noGrp="1"/>
+          </p:cNvSpPr>
+          <p:nvPr>
+            <p:ph type="title"/>
+          </p:nvPr>
+        </p:nvSpPr>
+        <p:spPr/>
+        <p:txBody>
+          <a:bodyPr/>
+          <a:lstStyle/>
+          <a:p>
+            <a:r>
+              <a:rPr lang="de-DE" sz="2400" b="1" dirty="0" smtClean="0"/>
+              <a:t>WG-Konstruktionsphase</a:t>
+            </a:r>
+            <a:r>
+              <a:rPr lang="de-DE" sz="2400" b="1" dirty="0" smtClean="0"/>
+              <a:t>:</a:t>
+            </a:r>
+            <a:r>
+              <a:rPr lang="de-DE" sz="2400" dirty="0" smtClean="0"/>
+              <a:t>	</a:t>
+            </a:r>
+            <a:r>
+              <a:rPr lang="de-DE" dirty="0" err="1" smtClean="0"/>
+              <a:t>Konjunktionsgraph</a:t>
+            </a:r>
+            <a:endParaRPr lang="de-DE" dirty="0"/>
+          </a:p>
+        </p:txBody>
+      </p:sp>
+      <p:sp>
+        <p:nvSpPr>
+          <p:cNvPr id="2" name="Foliennummernplatzhalter 1"/>
+          <p:cNvSpPr>
+            <a:spLocks noGrp="1"/>
+          </p:cNvSpPr>
+          <p:nvPr>
+            <p:ph type="sldNum" sz="quarter" idx="12"/>
+          </p:nvPr>
+        </p:nvSpPr>
+        <p:spPr/>
+        <p:txBody>
+          <a:bodyPr/>
+          <a:lstStyle/>
+          <a:p>
+            <a:fld id="{F4DAF760-8A09-427D-9634-9AF01F07ABD5}" type="slidenum">
+              <a:rPr lang="de-DE" smtClean="0"/>
+              <a:t>26</a:t>
+            </a:fld>
+            <a:endParaRPr lang="de-DE" dirty="0"/>
+          </a:p>
+        </p:txBody>
+      </p:sp>
+      <p:pic>
+        <p:nvPicPr>
+          <p:cNvPr id="4101" name="Picture 5" descr="C:\Users\a587002\Documents\bachelor-thesis\presentation\kg4.emf"/>
+          <p:cNvPicPr>
+            <a:picLocks noChangeAspect="1" noChangeArrowheads="1"/>
+          </p:cNvPicPr>
+          <p:nvPr/>
+        </p:nvPicPr>
+        <p:blipFill>
+          <a:blip r:embed="rId2" cstate="print">
+            <a:extLst>
+              <a:ext uri="{28A0092B-C50C-407E-A947-70E740481C1C}">
+                <a14:useLocalDpi xmlns:a14="http://schemas.microsoft.com/office/drawing/2010/main" val="0"/>
+              </a:ext>
+            </a:extLst>
+          </a:blip>
+          <a:srcRect/>
+          <a:stretch>
+            <a:fillRect/>
+          </a:stretch>
+        </p:blipFill>
+        <p:spPr bwMode="auto">
+          <a:xfrm>
+            <a:off x="1113998" y="1844824"/>
+            <a:ext cx="9964005" cy="4737081"/>
+          </a:xfrm>
+          <a:prstGeom prst="rect">
+            <a:avLst/>
+          </a:prstGeom>
+          <a:noFill/>
+          <a:extLst>
+            <a:ext uri="{909E8E84-426E-40DD-AFC4-6F175D3DCCD1}">
+              <a14:hiddenFill xmlns:a14="http://schemas.microsoft.com/office/drawing/2010/main">
+                <a:solidFill>
+                  <a:srgbClr val="FFFFFF"/>
+                </a:solidFill>
+              </a14:hiddenFill>
+            </a:ext>
+          </a:extLst>
+        </p:spPr>
+      </p:pic>
+      <p:sp>
+        <p:nvSpPr>
+          <p:cNvPr id="5" name="Rechteck 4"/>
+          <p:cNvSpPr/>
+          <p:nvPr/>
+        </p:nvSpPr>
+        <p:spPr>
+          <a:xfrm>
+            <a:off x="767408" y="1124744"/>
+            <a:ext cx="10585176" cy="665631"/>
+          </a:xfrm>
+          <a:prstGeom prst="rect">
+            <a:avLst/>
+          </a:prstGeom>
+        </p:spPr>
+        <p:txBody>
+          <a:bodyPr wrap="square">
+            <a:spAutoFit/>
+          </a:bodyPr>
+          <a:lstStyle/>
+          <a:p>
+            <a:pPr marL="0" lvl="0" indent="0" algn="ctr">
+              <a:lnSpc>
+                <a:spcPct val="150000"/>
+              </a:lnSpc>
+              <a:buNone/>
+            </a:pPr>
+            <a:r>
+              <a:rPr lang="en-US" sz="2800" dirty="0" smtClean="0">
+                <a:solidFill>
+                  <a:srgbClr val="00205B"/>
+                </a:solidFill>
+                <a:latin typeface="Roboto Light" panose="02000000000000000000" pitchFamily="2" charset="0"/>
+                <a:ea typeface="Roboto Light" panose="02000000000000000000" pitchFamily="2" charset="0"/>
+              </a:rPr>
+              <a:t>+ </a:t>
+            </a:r>
+            <a:r>
+              <a:rPr lang="en-US" sz="2800" dirty="0" err="1" smtClean="0">
+                <a:solidFill>
+                  <a:srgbClr val="00205B"/>
+                </a:solidFill>
+                <a:latin typeface="Roboto Light" panose="02000000000000000000" pitchFamily="2" charset="0"/>
+                <a:ea typeface="Roboto Light" panose="02000000000000000000" pitchFamily="2" charset="0"/>
+              </a:rPr>
+              <a:t>bisheriger</a:t>
+            </a:r>
+            <a:r>
+              <a:rPr lang="en-US" sz="2800" dirty="0" smtClean="0">
+                <a:solidFill>
+                  <a:srgbClr val="00205B"/>
+                </a:solidFill>
+                <a:latin typeface="Roboto Light" panose="02000000000000000000" pitchFamily="2" charset="0"/>
+                <a:ea typeface="Roboto Light" panose="02000000000000000000" pitchFamily="2" charset="0"/>
+              </a:rPr>
+              <a:t> </a:t>
+            </a:r>
+            <a:r>
+              <a:rPr lang="en-US" sz="2800" dirty="0" err="1" smtClean="0">
+                <a:solidFill>
+                  <a:srgbClr val="00205B"/>
+                </a:solidFill>
+                <a:latin typeface="Roboto Light" panose="02000000000000000000" pitchFamily="2" charset="0"/>
+                <a:ea typeface="Roboto Light" panose="02000000000000000000" pitchFamily="2" charset="0"/>
+              </a:rPr>
+              <a:t>Wissensgraph</a:t>
+            </a:r>
+            <a:endParaRPr lang="en-US" sz="2400" dirty="0">
+              <a:latin typeface="Roboto Light" panose="02000000000000000000" pitchFamily="2" charset="0"/>
+              <a:ea typeface="Roboto Light" panose="02000000000000000000" pitchFamily="2" charset="0"/>
+            </a:endParaRPr>
+          </a:p>
+        </p:txBody>
+      </p:sp>
+    </p:spTree>
+    <p:extLst>
+      <p:ext uri="{BB962C8B-B14F-4D97-AF65-F5344CB8AC3E}">
+        <p14:creationId xmlns:p14="http://schemas.microsoft.com/office/powerpoint/2010/main" val="199292065"/>
+      </p:ext>
+    </p:extLst>
+  </p:cSld>
+  <p:clrMapOvr>
+    <a:masterClrMapping/>
+  </p:clrMapOvr>
+  <p:timing>
+    <p:tnLst>
+      <p:par>
+        <p:cTn id="1" dur="indefinite" restart="never" nodeType="tmRoot"/>
+      </p:par>
+    </p:tnLst>
+  </p:timing>
+</p:sld>
+</file>
+
+<file path=ppt/slides/slide27.xml><?xml version="1.0" encoding="utf-8"?>
+<p:sld xmlns:a="http://schemas.openxmlformats.org/drawingml/2006/main" xmlns:r="http://schemas.openxmlformats.org/officeDocument/2006/relationships" xmlns:p="http://schemas.openxmlformats.org/presentationml/2006/main">
+  <p:cSld>
+    <p:spTree>
+      <p:nvGrpSpPr>
+        <p:cNvPr id="1" name=""/>
+        <p:cNvGrpSpPr/>
+        <p:nvPr/>
+      </p:nvGrpSpPr>
+      <p:grpSpPr>
+        <a:xfrm>
+          <a:off x="0" y="0"/>
+          <a:ext cx="0" cy="0"/>
+          <a:chOff x="0" y="0"/>
+          <a:chExt cx="0" cy="0"/>
+        </a:xfrm>
+      </p:grpSpPr>
+      <p:sp>
+        <p:nvSpPr>
+          <p:cNvPr id="3" name="Titel 2"/>
+          <p:cNvSpPr>
+            <a:spLocks noGrp="1"/>
+          </p:cNvSpPr>
+          <p:nvPr>
+            <p:ph type="title"/>
+          </p:nvPr>
+        </p:nvSpPr>
+        <p:spPr/>
+        <p:txBody>
+          <a:bodyPr/>
+          <a:lstStyle/>
+          <a:p>
+            <a:r>
+              <a:rPr lang="de-DE" sz="2400" b="1" dirty="0" smtClean="0"/>
+              <a:t>WG-Konstruktionsphase</a:t>
+            </a:r>
+            <a:r>
+              <a:rPr lang="de-DE" sz="2400" b="1" dirty="0" smtClean="0"/>
+              <a:t>:</a:t>
+            </a:r>
+            <a:r>
+              <a:rPr lang="de-DE" sz="2400" dirty="0" smtClean="0"/>
+              <a:t>	</a:t>
+            </a:r>
+            <a:r>
+              <a:rPr lang="de-DE" dirty="0" smtClean="0"/>
+              <a:t>Inferenz neuer Relationen</a:t>
+            </a:r>
+            <a:endParaRPr lang="de-DE" dirty="0"/>
+          </a:p>
+        </p:txBody>
+      </p:sp>
+      <p:sp>
+        <p:nvSpPr>
+          <p:cNvPr id="2" name="Foliennummernplatzhalter 1"/>
+          <p:cNvSpPr>
+            <a:spLocks noGrp="1"/>
+          </p:cNvSpPr>
+          <p:nvPr>
+            <p:ph type="sldNum" sz="quarter" idx="12"/>
+          </p:nvPr>
+        </p:nvSpPr>
+        <p:spPr/>
+        <p:txBody>
+          <a:bodyPr/>
+          <a:lstStyle/>
+          <a:p>
+            <a:fld id="{F4DAF760-8A09-427D-9634-9AF01F07ABD5}" type="slidenum">
+              <a:rPr lang="de-DE" smtClean="0"/>
+              <a:t>27</a:t>
+            </a:fld>
+            <a:endParaRPr lang="de-DE" dirty="0"/>
+          </a:p>
+        </p:txBody>
+      </p:sp>
+      <p:sp>
+        <p:nvSpPr>
+          <p:cNvPr id="5" name="Inhaltsplatzhalter 3"/>
+          <p:cNvSpPr txBox="1">
+            <a:spLocks/>
+          </p:cNvSpPr>
+          <p:nvPr/>
+        </p:nvSpPr>
+        <p:spPr>
+          <a:xfrm>
+            <a:off x="911424" y="1268760"/>
+            <a:ext cx="10369152" cy="4908203"/>
+          </a:xfrm>
+          <a:prstGeom prst="rect">
+            <a:avLst/>
+          </a:prstGeom>
+        </p:spPr>
+        <p:txBody>
+          <a:bodyPr anchor="ctr">
+            <a:normAutofit/>
+          </a:bodyPr>
+          <a:lstStyle>
+            <a:lvl1pPr marL="228600" indent="-228600" algn="l" defTabSz="914400" rtl="0" eaLnBrk="1" latinLnBrk="0" hangingPunct="1">
+              <a:lnSpc>
+                <a:spcPct val="90000"/>
+              </a:lnSpc>
+              <a:spcBef>
+                <a:spcPts val="1000"/>
+              </a:spcBef>
+              <a:buFont typeface="Arial" panose="020B0604020202020204" pitchFamily="34" charset="0"/>
+              <a:buChar char="•"/>
+              <a:defRPr sz="2800" kern="1200">
+                <a:solidFill>
+                  <a:schemeClr val="tx1"/>
+                </a:solidFill>
+                <a:latin typeface="Roboto Light" panose="02000000000000000000" pitchFamily="2" charset="0"/>
+                <a:ea typeface="Roboto Light" panose="02000000000000000000" pitchFamily="2" charset="0"/>
+                <a:cs typeface="+mn-cs"/>
+              </a:defRPr>
+            </a:lvl1pPr>
+            <a:lvl2pPr marL="685800" indent="-228600" algn="l" defTabSz="914400" rtl="0" eaLnBrk="1" latinLnBrk="0" hangingPunct="1">
+              <a:lnSpc>
+                <a:spcPct val="90000"/>
+              </a:lnSpc>
+              <a:spcBef>
+                <a:spcPts val="500"/>
+              </a:spcBef>
+              <a:buFont typeface="Arial" panose="020B0604020202020204" pitchFamily="34" charset="0"/>
+              <a:buChar char="•"/>
+              <a:defRPr sz="2400" kern="1200">
+                <a:solidFill>
+                  <a:schemeClr val="tx1"/>
+                </a:solidFill>
+                <a:latin typeface="Roboto Light" panose="02000000000000000000" pitchFamily="2" charset="0"/>
+                <a:ea typeface="Roboto Light" panose="02000000000000000000" pitchFamily="2" charset="0"/>
+                <a:cs typeface="+mn-cs"/>
+              </a:defRPr>
+            </a:lvl2pPr>
+            <a:lvl3pPr marL="1143000" indent="-228600" algn="l" defTabSz="914400" rtl="0" eaLnBrk="1" latinLnBrk="0" hangingPunct="1">
+              <a:lnSpc>
+                <a:spcPct val="90000"/>
+              </a:lnSpc>
+              <a:spcBef>
+                <a:spcPts val="500"/>
+              </a:spcBef>
+              <a:buFont typeface="Arial" panose="020B0604020202020204" pitchFamily="34" charset="0"/>
+              <a:buChar char="•"/>
+              <a:defRPr sz="2000" kern="1200">
+                <a:solidFill>
+                  <a:schemeClr val="tx1"/>
+                </a:solidFill>
+                <a:latin typeface="Roboto Light" panose="02000000000000000000" pitchFamily="2" charset="0"/>
+                <a:ea typeface="Roboto Light" panose="02000000000000000000" pitchFamily="2" charset="0"/>
+                <a:cs typeface="+mn-cs"/>
+              </a:defRPr>
+            </a:lvl3pPr>
+            <a:lvl4pPr marL="1600200" indent="-228600" algn="l" defTabSz="914400" rtl="0" eaLnBrk="1" latinLnBrk="0" hangingPunct="1">
+              <a:lnSpc>
+                <a:spcPct val="90000"/>
+              </a:lnSpc>
+              <a:spcBef>
+                <a:spcPts val="500"/>
+              </a:spcBef>
+              <a:buFont typeface="Arial" panose="020B0604020202020204" pitchFamily="34" charset="0"/>
+              <a:buChar char="•"/>
+              <a:defRPr sz="1800" kern="1200">
+                <a:solidFill>
+                  <a:schemeClr val="tx1"/>
+                </a:solidFill>
+                <a:latin typeface="Roboto Light" panose="02000000000000000000" pitchFamily="2" charset="0"/>
+                <a:ea typeface="Roboto Light" panose="02000000000000000000" pitchFamily="2" charset="0"/>
+                <a:cs typeface="+mn-cs"/>
+              </a:defRPr>
+            </a:lvl4pPr>
+            <a:lvl5pPr marL="2057400" indent="-228600" algn="l" defTabSz="914400" rtl="0" eaLnBrk="1" latinLnBrk="0" hangingPunct="1">
+              <a:lnSpc>
+                <a:spcPct val="90000"/>
+              </a:lnSpc>
+              <a:spcBef>
+                <a:spcPts val="500"/>
+              </a:spcBef>
+              <a:buFont typeface="Arial" panose="020B0604020202020204" pitchFamily="34" charset="0"/>
+              <a:buChar char="•"/>
+              <a:defRPr sz="1800" kern="1200">
+                <a:solidFill>
+                  <a:schemeClr val="tx1"/>
+                </a:solidFill>
+                <a:latin typeface="Roboto Light" panose="02000000000000000000" pitchFamily="2" charset="0"/>
+                <a:ea typeface="Roboto Light" panose="02000000000000000000" pitchFamily="2" charset="0"/>
+                <a:cs typeface="+mn-cs"/>
+              </a:defRPr>
+            </a:lvl5pPr>
+            <a:lvl6pPr marL="2514600" indent="-228600" algn="l" defTabSz="914400" rtl="0" eaLnBrk="1" latinLnBrk="0" hangingPunct="1">
+              <a:lnSpc>
+                <a:spcPct val="90000"/>
+              </a:lnSpc>
+              <a:spcBef>
+                <a:spcPts val="500"/>
+              </a:spcBef>
+              <a:buFont typeface="Arial" panose="020B0604020202020204" pitchFamily="34" charset="0"/>
+              <a:buChar char="•"/>
+              <a:defRPr sz="1800" kern="1200">
+                <a:solidFill>
+                  <a:schemeClr val="tx1"/>
+                </a:solidFill>
+                <a:latin typeface="+mn-lt"/>
+                <a:ea typeface="+mn-ea"/>
+                <a:cs typeface="+mn-cs"/>
+              </a:defRPr>
+            </a:lvl6pPr>
+            <a:lvl7pPr marL="2971800" indent="-228600" algn="l" defTabSz="914400" rtl="0" eaLnBrk="1" latinLnBrk="0" hangingPunct="1">
+              <a:lnSpc>
+                <a:spcPct val="90000"/>
+              </a:lnSpc>
+              <a:spcBef>
+                <a:spcPts val="500"/>
+              </a:spcBef>
+              <a:buFont typeface="Arial" panose="020B0604020202020204" pitchFamily="34" charset="0"/>
+              <a:buChar char="•"/>
+              <a:defRPr sz="1800" kern="1200">
+                <a:solidFill>
+                  <a:schemeClr val="tx1"/>
+                </a:solidFill>
+                <a:latin typeface="+mn-lt"/>
+                <a:ea typeface="+mn-ea"/>
+                <a:cs typeface="+mn-cs"/>
+              </a:defRPr>
+            </a:lvl7pPr>
+            <a:lvl8pPr marL="3429000" indent="-228600" algn="l" defTabSz="914400" rtl="0" eaLnBrk="1" latinLnBrk="0" hangingPunct="1">
+              <a:lnSpc>
+                <a:spcPct val="90000"/>
+              </a:lnSpc>
+              <a:spcBef>
+                <a:spcPts val="500"/>
+              </a:spcBef>
+              <a:buFont typeface="Arial" panose="020B0604020202020204" pitchFamily="34" charset="0"/>
+              <a:buChar char="•"/>
+              <a:defRPr sz="1800" kern="1200">
+                <a:solidFill>
+                  <a:schemeClr val="tx1"/>
+                </a:solidFill>
+                <a:latin typeface="+mn-lt"/>
+                <a:ea typeface="+mn-ea"/>
+                <a:cs typeface="+mn-cs"/>
+              </a:defRPr>
+            </a:lvl8pPr>
+            <a:lvl9pPr marL="3886200" indent="-228600" algn="l" defTabSz="914400" rtl="0" eaLnBrk="1" latinLnBrk="0" hangingPunct="1">
+              <a:lnSpc>
+                <a:spcPct val="90000"/>
+              </a:lnSpc>
+              <a:spcBef>
+                <a:spcPts val="500"/>
+              </a:spcBef>
+              <a:buFont typeface="Arial" panose="020B0604020202020204" pitchFamily="34" charset="0"/>
+              <a:buChar char="•"/>
+              <a:defRPr sz="1800" kern="1200">
+                <a:solidFill>
+                  <a:schemeClr val="tx1"/>
+                </a:solidFill>
+                <a:latin typeface="+mn-lt"/>
+                <a:ea typeface="+mn-ea"/>
+                <a:cs typeface="+mn-cs"/>
+              </a:defRPr>
+            </a:lvl9pPr>
+          </a:lstStyle>
+          <a:p>
+            <a:pPr marL="0" lvl="0" indent="0" algn="ctr" fontAlgn="auto">
+              <a:lnSpc>
+                <a:spcPct val="200000"/>
+              </a:lnSpc>
+              <a:spcAft>
+                <a:spcPts val="0"/>
+              </a:spcAft>
+              <a:buNone/>
+            </a:pPr>
+            <a:r>
+              <a:rPr lang="en-US" b="1" dirty="0" err="1">
+                <a:solidFill>
+                  <a:srgbClr val="00205B"/>
+                </a:solidFill>
+              </a:rPr>
+              <a:t>Ziel</a:t>
+            </a:r>
+            <a:r>
+              <a:rPr lang="en-US" b="1" dirty="0">
+                <a:solidFill>
+                  <a:srgbClr val="00205B"/>
+                </a:solidFill>
+              </a:rPr>
+              <a:t>: </a:t>
+            </a:r>
+            <a:r>
+              <a:rPr lang="en-US" dirty="0" err="1">
+                <a:solidFill>
+                  <a:srgbClr val="00205B"/>
+                </a:solidFill>
+              </a:rPr>
+              <a:t>Inferenz</a:t>
+            </a:r>
+            <a:r>
+              <a:rPr lang="en-US" dirty="0">
+                <a:solidFill>
+                  <a:srgbClr val="00205B"/>
+                </a:solidFill>
+              </a:rPr>
+              <a:t> </a:t>
+            </a:r>
+            <a:r>
+              <a:rPr lang="en-US" dirty="0" err="1">
+                <a:solidFill>
+                  <a:srgbClr val="00205B"/>
+                </a:solidFill>
+              </a:rPr>
+              <a:t>neuer</a:t>
+            </a:r>
+            <a:r>
+              <a:rPr lang="en-US" dirty="0">
+                <a:solidFill>
+                  <a:srgbClr val="00205B"/>
+                </a:solidFill>
+              </a:rPr>
+              <a:t> </a:t>
+            </a:r>
+            <a:r>
+              <a:rPr lang="en-US" dirty="0" err="1">
+                <a:solidFill>
+                  <a:srgbClr val="00205B"/>
+                </a:solidFill>
+              </a:rPr>
+              <a:t>Relationen</a:t>
+            </a:r>
+            <a:r>
+              <a:rPr lang="en-US" dirty="0">
+                <a:solidFill>
+                  <a:srgbClr val="00205B"/>
+                </a:solidFill>
+              </a:rPr>
+              <a:t> </a:t>
+            </a:r>
+            <a:r>
+              <a:rPr lang="en-US" dirty="0" err="1">
+                <a:solidFill>
+                  <a:srgbClr val="00205B"/>
+                </a:solidFill>
+              </a:rPr>
+              <a:t>aus</a:t>
+            </a:r>
+            <a:r>
+              <a:rPr lang="en-US" dirty="0">
+                <a:solidFill>
+                  <a:srgbClr val="00205B"/>
+                </a:solidFill>
+              </a:rPr>
+              <a:t> </a:t>
+            </a:r>
+            <a:r>
+              <a:rPr lang="en-US" dirty="0" err="1">
+                <a:solidFill>
+                  <a:srgbClr val="00205B"/>
+                </a:solidFill>
+              </a:rPr>
+              <a:t>dem</a:t>
+            </a:r>
+            <a:r>
+              <a:rPr lang="en-US" dirty="0">
+                <a:solidFill>
+                  <a:srgbClr val="00205B"/>
+                </a:solidFill>
+              </a:rPr>
+              <a:t> </a:t>
+            </a:r>
+            <a:r>
+              <a:rPr lang="en-US" dirty="0" err="1" smtClean="0">
+                <a:solidFill>
+                  <a:srgbClr val="00205B"/>
+                </a:solidFill>
+              </a:rPr>
+              <a:t>Konjunktionsgraph</a:t>
+            </a:r>
+            <a:endParaRPr lang="en-US" dirty="0" smtClean="0">
+              <a:solidFill>
+                <a:srgbClr val="00205B"/>
+              </a:solidFill>
+            </a:endParaRPr>
+          </a:p>
+          <a:p>
+            <a:pPr marL="0" lvl="0" indent="0" algn="ctr" fontAlgn="auto">
+              <a:lnSpc>
+                <a:spcPct val="200000"/>
+              </a:lnSpc>
+              <a:spcAft>
+                <a:spcPts val="0"/>
+              </a:spcAft>
+              <a:buNone/>
+            </a:pPr>
+            <a:r>
+              <a:rPr lang="en-US" b="1" dirty="0" err="1" smtClean="0">
+                <a:solidFill>
+                  <a:srgbClr val="00205B"/>
+                </a:solidFill>
+              </a:rPr>
+              <a:t>Lösungsidee</a:t>
+            </a:r>
+            <a:r>
+              <a:rPr lang="en-US" b="1" dirty="0" smtClean="0">
+                <a:solidFill>
+                  <a:srgbClr val="00205B"/>
+                </a:solidFill>
+              </a:rPr>
+              <a:t>: P</a:t>
+            </a:r>
+            <a:r>
+              <a:rPr lang="en-US" dirty="0" smtClean="0">
+                <a:solidFill>
+                  <a:srgbClr val="00205B"/>
+                </a:solidFill>
+              </a:rPr>
+              <a:t>robabilistic </a:t>
+            </a:r>
+            <a:r>
+              <a:rPr lang="en-US" b="1" dirty="0" smtClean="0">
+                <a:solidFill>
+                  <a:srgbClr val="00205B"/>
+                </a:solidFill>
+              </a:rPr>
+              <a:t>S</a:t>
+            </a:r>
+            <a:r>
+              <a:rPr lang="en-US" dirty="0" smtClean="0">
+                <a:solidFill>
+                  <a:srgbClr val="00205B"/>
+                </a:solidFill>
+              </a:rPr>
+              <a:t>oft </a:t>
+            </a:r>
+            <a:r>
+              <a:rPr lang="en-US" b="1" dirty="0" smtClean="0">
+                <a:solidFill>
+                  <a:srgbClr val="00205B"/>
+                </a:solidFill>
+              </a:rPr>
+              <a:t>L</a:t>
+            </a:r>
+            <a:r>
+              <a:rPr lang="en-US" dirty="0" smtClean="0">
+                <a:solidFill>
+                  <a:srgbClr val="00205B"/>
+                </a:solidFill>
+              </a:rPr>
+              <a:t>ogic (PSL)</a:t>
+            </a:r>
+          </a:p>
+        </p:txBody>
+      </p:sp>
+    </p:spTree>
+    <p:extLst>
+      <p:ext uri="{BB962C8B-B14F-4D97-AF65-F5344CB8AC3E}">
+        <p14:creationId xmlns:p14="http://schemas.microsoft.com/office/powerpoint/2010/main" val="700403273"/>
+      </p:ext>
+    </p:extLst>
+  </p:cSld>
+  <p:clrMapOvr>
+    <a:masterClrMapping/>
+  </p:clrMapOvr>
+  <p:timing>
+    <p:tnLst>
+      <p:par>
+        <p:cTn id="1" dur="indefinite" restart="never" nodeType="tmRoot"/>
+      </p:par>
+    </p:tnLst>
+  </p:timing>
+</p:sld>
+</file>
+
+<file path=ppt/slides/slide28.xml><?xml version="1.0" encoding="utf-8"?>
+<p:sld xmlns:a="http://schemas.openxmlformats.org/drawingml/2006/main" xmlns:r="http://schemas.openxmlformats.org/officeDocument/2006/relationships" xmlns:p="http://schemas.openxmlformats.org/presentationml/2006/main">
+  <p:cSld>
+    <p:spTree>
+      <p:nvGrpSpPr>
+        <p:cNvPr id="1" name=""/>
+        <p:cNvGrpSpPr/>
+        <p:nvPr/>
+      </p:nvGrpSpPr>
+      <p:grpSpPr>
+        <a:xfrm>
+          <a:off x="0" y="0"/>
+          <a:ext cx="0" cy="0"/>
+          <a:chOff x="0" y="0"/>
+          <a:chExt cx="0" cy="0"/>
+        </a:xfrm>
+      </p:grpSpPr>
+      <p:sp>
+        <p:nvSpPr>
+          <p:cNvPr id="3" name="Titel 2"/>
+          <p:cNvSpPr>
+            <a:spLocks noGrp="1"/>
+          </p:cNvSpPr>
+          <p:nvPr>
+            <p:ph type="title"/>
+          </p:nvPr>
+        </p:nvSpPr>
+        <p:spPr/>
+        <p:txBody>
+          <a:bodyPr/>
+          <a:lstStyle/>
+          <a:p>
+            <a:r>
+              <a:rPr lang="de-DE" sz="2400" b="1" dirty="0" smtClean="0"/>
+              <a:t>WG-Konstruktionsphase</a:t>
+            </a:r>
+            <a:r>
+              <a:rPr lang="de-DE" sz="2400" b="1" dirty="0" smtClean="0"/>
+              <a:t>:</a:t>
+            </a:r>
+            <a:r>
+              <a:rPr lang="de-DE" sz="2400" dirty="0" smtClean="0"/>
+              <a:t>	</a:t>
+            </a:r>
+            <a:r>
+              <a:rPr lang="de-DE" dirty="0" smtClean="0"/>
+              <a:t>PSL</a:t>
+            </a:r>
+            <a:endParaRPr lang="de-DE" dirty="0"/>
+          </a:p>
+        </p:txBody>
+      </p:sp>
+      <p:sp>
+        <p:nvSpPr>
+          <p:cNvPr id="2" name="Foliennummernplatzhalter 1"/>
+          <p:cNvSpPr>
+            <a:spLocks noGrp="1"/>
+          </p:cNvSpPr>
+          <p:nvPr>
+            <p:ph type="sldNum" sz="quarter" idx="12"/>
+          </p:nvPr>
+        </p:nvSpPr>
+        <p:spPr/>
+        <p:txBody>
+          <a:bodyPr/>
+          <a:lstStyle/>
+          <a:p>
+            <a:fld id="{F4DAF760-8A09-427D-9634-9AF01F07ABD5}" type="slidenum">
+              <a:rPr lang="de-DE" smtClean="0"/>
+              <a:t>28</a:t>
+            </a:fld>
+            <a:endParaRPr lang="de-DE" dirty="0"/>
+          </a:p>
+        </p:txBody>
+      </p:sp>
+      <mc:AlternateContent xmlns:mc="http://schemas.openxmlformats.org/markup-compatibility/2006">
+        <mc:Choice xmlns:a14="http://schemas.microsoft.com/office/drawing/2010/main" Requires="a14">
+          <p:sp>
+            <p:nvSpPr>
+              <p:cNvPr id="6" name="Inhaltsplatzhalter 1"/>
+              <p:cNvSpPr txBox="1">
+                <a:spLocks/>
+              </p:cNvSpPr>
+              <p:nvPr/>
+            </p:nvSpPr>
+            <p:spPr>
+              <a:xfrm>
+                <a:off x="1608936" y="1052736"/>
+                <a:ext cx="8974129" cy="2692611"/>
+              </a:xfrm>
+              <a:prstGeom prst="rect">
+                <a:avLst/>
+              </a:prstGeom>
+            </p:spPr>
+            <p:txBody>
+              <a:bodyPr anchor="ctr">
+                <a:normAutofit/>
+              </a:bodyPr>
+              <a:lstStyle>
+                <a:lvl1pPr marL="228600" indent="-228600" algn="l" defTabSz="914400" rtl="0" eaLnBrk="1" latinLnBrk="0" hangingPunct="1">
+                  <a:lnSpc>
+                    <a:spcPct val="90000"/>
+                  </a:lnSpc>
+                  <a:spcBef>
+                    <a:spcPts val="1000"/>
+                  </a:spcBef>
+                  <a:buFont typeface="Arial" panose="020B0604020202020204" pitchFamily="34" charset="0"/>
+                  <a:buChar char="•"/>
+                  <a:defRPr sz="2800" kern="1200">
+                    <a:solidFill>
+                      <a:schemeClr val="tx1"/>
+                    </a:solidFill>
+                    <a:latin typeface="Roboto Light" panose="02000000000000000000" pitchFamily="2" charset="0"/>
+                    <a:ea typeface="Roboto Light" panose="02000000000000000000" pitchFamily="2" charset="0"/>
+                    <a:cs typeface="+mn-cs"/>
+                  </a:defRPr>
+                </a:lvl1pPr>
+                <a:lvl2pPr marL="685800" indent="-228600" algn="l" defTabSz="914400" rtl="0" eaLnBrk="1" latinLnBrk="0" hangingPunct="1">
+                  <a:lnSpc>
+                    <a:spcPct val="90000"/>
+                  </a:lnSpc>
+                  <a:spcBef>
+                    <a:spcPts val="500"/>
+                  </a:spcBef>
+                  <a:buFont typeface="Arial" panose="020B0604020202020204" pitchFamily="34" charset="0"/>
+                  <a:buChar char="•"/>
+                  <a:defRPr sz="2400" kern="1200">
+                    <a:solidFill>
+                      <a:schemeClr val="tx1"/>
+                    </a:solidFill>
+                    <a:latin typeface="Roboto Light" panose="02000000000000000000" pitchFamily="2" charset="0"/>
+                    <a:ea typeface="Roboto Light" panose="02000000000000000000" pitchFamily="2" charset="0"/>
+                    <a:cs typeface="+mn-cs"/>
+                  </a:defRPr>
+                </a:lvl2pPr>
+                <a:lvl3pPr marL="1143000" indent="-228600" algn="l" defTabSz="914400" rtl="0" eaLnBrk="1" latinLnBrk="0" hangingPunct="1">
+                  <a:lnSpc>
+                    <a:spcPct val="90000"/>
+                  </a:lnSpc>
+                  <a:spcBef>
+                    <a:spcPts val="500"/>
+                  </a:spcBef>
+                  <a:buFont typeface="Arial" panose="020B0604020202020204" pitchFamily="34" charset="0"/>
+                  <a:buChar char="•"/>
+                  <a:defRPr sz="2000" kern="1200">
+                    <a:solidFill>
+                      <a:schemeClr val="tx1"/>
+                    </a:solidFill>
+                    <a:latin typeface="Roboto Light" panose="02000000000000000000" pitchFamily="2" charset="0"/>
+                    <a:ea typeface="Roboto Light" panose="02000000000000000000" pitchFamily="2" charset="0"/>
+                    <a:cs typeface="+mn-cs"/>
+                  </a:defRPr>
+                </a:lvl3pPr>
+                <a:lvl4pPr marL="1600200" indent="-228600" algn="l" defTabSz="914400" rtl="0" eaLnBrk="1" latinLnBrk="0" hangingPunct="1">
+                  <a:lnSpc>
+                    <a:spcPct val="90000"/>
+                  </a:lnSpc>
+                  <a:spcBef>
+                    <a:spcPts val="500"/>
+                  </a:spcBef>
+                  <a:buFont typeface="Arial" panose="020B0604020202020204" pitchFamily="34" charset="0"/>
+                  <a:buChar char="•"/>
+                  <a:defRPr sz="1800" kern="1200">
+                    <a:solidFill>
+                      <a:schemeClr val="tx1"/>
+                    </a:solidFill>
+                    <a:latin typeface="Roboto Light" panose="02000000000000000000" pitchFamily="2" charset="0"/>
+                    <a:ea typeface="Roboto Light" panose="02000000000000000000" pitchFamily="2" charset="0"/>
+                    <a:cs typeface="+mn-cs"/>
+                  </a:defRPr>
+                </a:lvl4pPr>
+                <a:lvl5pPr marL="2057400" indent="-228600" algn="l" defTabSz="914400" rtl="0" eaLnBrk="1" latinLnBrk="0" hangingPunct="1">
+                  <a:lnSpc>
+                    <a:spcPct val="90000"/>
+                  </a:lnSpc>
+                  <a:spcBef>
+                    <a:spcPts val="500"/>
+                  </a:spcBef>
+                  <a:buFont typeface="Arial" panose="020B0604020202020204" pitchFamily="34" charset="0"/>
+                  <a:buChar char="•"/>
+                  <a:defRPr sz="1800" kern="1200">
+                    <a:solidFill>
+                      <a:schemeClr val="tx1"/>
+                    </a:solidFill>
+                    <a:latin typeface="Roboto Light" panose="02000000000000000000" pitchFamily="2" charset="0"/>
+                    <a:ea typeface="Roboto Light" panose="02000000000000000000" pitchFamily="2" charset="0"/>
+                    <a:cs typeface="+mn-cs"/>
+                  </a:defRPr>
+                </a:lvl5pPr>
+                <a:lvl6pPr marL="2514600" indent="-228600" algn="l" defTabSz="914400" rtl="0" eaLnBrk="1" latinLnBrk="0" hangingPunct="1">
+                  <a:lnSpc>
+                    <a:spcPct val="90000"/>
+                  </a:lnSpc>
+                  <a:spcBef>
+                    <a:spcPts val="500"/>
+                  </a:spcBef>
+                  <a:buFont typeface="Arial" panose="020B0604020202020204" pitchFamily="34" charset="0"/>
+                  <a:buChar char="•"/>
+                  <a:defRPr sz="1800" kern="1200">
+                    <a:solidFill>
+                      <a:schemeClr val="tx1"/>
+                    </a:solidFill>
+                    <a:latin typeface="+mn-lt"/>
+                    <a:ea typeface="+mn-ea"/>
+                    <a:cs typeface="+mn-cs"/>
+                  </a:defRPr>
+                </a:lvl6pPr>
+                <a:lvl7pPr marL="2971800" indent="-228600" algn="l" defTabSz="914400" rtl="0" eaLnBrk="1" latinLnBrk="0" hangingPunct="1">
+                  <a:lnSpc>
+                    <a:spcPct val="90000"/>
+                  </a:lnSpc>
+                  <a:spcBef>
+                    <a:spcPts val="500"/>
+                  </a:spcBef>
+                  <a:buFont typeface="Arial" panose="020B0604020202020204" pitchFamily="34" charset="0"/>
+                  <a:buChar char="•"/>
+                  <a:defRPr sz="1800" kern="1200">
+                    <a:solidFill>
+                      <a:schemeClr val="tx1"/>
+                    </a:solidFill>
+                    <a:latin typeface="+mn-lt"/>
+                    <a:ea typeface="+mn-ea"/>
+                    <a:cs typeface="+mn-cs"/>
+                  </a:defRPr>
+                </a:lvl7pPr>
+                <a:lvl8pPr marL="3429000" indent="-228600" algn="l" defTabSz="914400" rtl="0" eaLnBrk="1" latinLnBrk="0" hangingPunct="1">
+                  <a:lnSpc>
+                    <a:spcPct val="90000"/>
+                  </a:lnSpc>
+                  <a:spcBef>
+                    <a:spcPts val="500"/>
+                  </a:spcBef>
+                  <a:buFont typeface="Arial" panose="020B0604020202020204" pitchFamily="34" charset="0"/>
+                  <a:buChar char="•"/>
+                  <a:defRPr sz="1800" kern="1200">
+                    <a:solidFill>
+                      <a:schemeClr val="tx1"/>
+                    </a:solidFill>
+                    <a:latin typeface="+mn-lt"/>
+                    <a:ea typeface="+mn-ea"/>
+                    <a:cs typeface="+mn-cs"/>
+                  </a:defRPr>
+                </a:lvl8pPr>
+                <a:lvl9pPr marL="3886200" indent="-228600" algn="l" defTabSz="914400" rtl="0" eaLnBrk="1" latinLnBrk="0" hangingPunct="1">
+                  <a:lnSpc>
+                    <a:spcPct val="90000"/>
+                  </a:lnSpc>
+                  <a:spcBef>
+                    <a:spcPts val="500"/>
+                  </a:spcBef>
+                  <a:buFont typeface="Arial" panose="020B0604020202020204" pitchFamily="34" charset="0"/>
+                  <a:buChar char="•"/>
+                  <a:defRPr sz="1800" kern="1200">
+                    <a:solidFill>
+                      <a:schemeClr val="tx1"/>
+                    </a:solidFill>
+                    <a:latin typeface="+mn-lt"/>
+                    <a:ea typeface="+mn-ea"/>
+                    <a:cs typeface="+mn-cs"/>
+                  </a:defRPr>
+                </a:lvl9pPr>
+              </a:lstStyle>
+              <a:p>
+                <a:pPr marL="0" indent="0" fontAlgn="auto">
+                  <a:lnSpc>
+                    <a:spcPct val="200000"/>
+                  </a:lnSpc>
+                  <a:spcAft>
+                    <a:spcPts val="0"/>
+                  </a:spcAft>
+                  <a:buNone/>
+                </a:pPr>
+                <a14:m>
+                  <m:oMathPara xmlns:m="http://schemas.openxmlformats.org/officeDocument/2006/math">
+                    <m:oMathParaPr>
+                      <m:jc m:val="centerGroup"/>
+                    </m:oMathParaPr>
+                    <m:oMath xmlns:m="http://schemas.openxmlformats.org/officeDocument/2006/math">
+                      <m:r>
+                        <a:rPr lang="de-DE" sz="2400" i="1" smtClean="0">
+                          <a:latin typeface="Cambria Math"/>
+                        </a:rPr>
+                        <m:t>0</m:t>
+                      </m:r>
+                      <m:r>
+                        <a:rPr lang="de-DE" sz="2400" b="0" i="1" smtClean="0">
+                          <a:latin typeface="Cambria Math"/>
+                        </a:rPr>
+                        <m:t>.5:</m:t>
+                      </m:r>
+                      <m:r>
+                        <a:rPr lang="de-DE" sz="2400" b="0" i="1" smtClean="0">
+                          <a:latin typeface="Cambria Math"/>
+                        </a:rPr>
+                        <m:t>𝑙𝑎𝑡𝑒𝑛𝑡</m:t>
+                      </m:r>
+                      <m:d>
+                        <m:dPr>
+                          <m:ctrlPr>
+                            <a:rPr lang="de-DE" sz="2400" b="0" i="1" smtClean="0">
+                              <a:latin typeface="Cambria Math"/>
+                            </a:rPr>
+                          </m:ctrlPr>
+                        </m:dPr>
+                        <m:e>
+                          <m:r>
+                            <a:rPr lang="de-DE" sz="2400" b="0" i="1" smtClean="0">
+                              <a:latin typeface="Cambria Math"/>
+                            </a:rPr>
+                            <m:t>𝐴</m:t>
+                          </m:r>
+                        </m:e>
+                      </m:d>
+                      <m:r>
+                        <a:rPr lang="de-DE" sz="2400" i="1">
+                          <a:latin typeface="Cambria Math"/>
+                          <a:ea typeface="Cambria Math"/>
+                        </a:rPr>
+                        <m:t>∧</m:t>
+                      </m:r>
+                      <m:r>
+                        <a:rPr lang="de-DE" sz="2400" b="0" i="1" smtClean="0">
+                          <a:latin typeface="Cambria Math"/>
+                          <a:ea typeface="Cambria Math"/>
+                        </a:rPr>
+                        <m:t>𝑖𝑛𝑠𝑡</m:t>
+                      </m:r>
+                      <m:d>
+                        <m:dPr>
+                          <m:ctrlPr>
+                            <a:rPr lang="de-DE" sz="2400" b="0" i="1" smtClean="0">
+                              <a:latin typeface="Cambria Math"/>
+                              <a:ea typeface="Cambria Math"/>
+                            </a:rPr>
+                          </m:ctrlPr>
+                        </m:dPr>
+                        <m:e>
+                          <m:r>
+                            <a:rPr lang="de-DE" sz="2400" b="0" i="1" smtClean="0">
+                              <a:latin typeface="Cambria Math"/>
+                              <a:ea typeface="Cambria Math"/>
+                            </a:rPr>
+                            <m:t>𝐴</m:t>
+                          </m:r>
+                          <m:r>
+                            <a:rPr lang="de-DE" sz="2400" b="0" i="1" smtClean="0">
+                              <a:latin typeface="Cambria Math"/>
+                              <a:ea typeface="Cambria Math"/>
+                            </a:rPr>
+                            <m:t>, </m:t>
+                          </m:r>
+                          <m:r>
+                            <a:rPr lang="de-DE" sz="2400" b="0" i="1" smtClean="0">
+                              <a:latin typeface="Cambria Math"/>
+                              <a:ea typeface="Cambria Math"/>
+                            </a:rPr>
+                            <m:t>𝐵</m:t>
+                          </m:r>
+                        </m:e>
+                      </m:d>
+                      <m:r>
+                        <a:rPr lang="de-DE" sz="2400" i="1">
+                          <a:latin typeface="Cambria Math"/>
+                        </a:rPr>
+                        <m:t>→</m:t>
+                      </m:r>
+                      <m:r>
+                        <a:rPr lang="de-DE" sz="2400" b="0" i="1" smtClean="0">
+                          <a:latin typeface="Cambria Math"/>
+                          <a:ea typeface="Cambria Math"/>
+                        </a:rPr>
+                        <m:t>𝑐𝑜𝑛𝑐𝑒𝑝𝑡</m:t>
+                      </m:r>
+                      <m:d>
+                        <m:dPr>
+                          <m:ctrlPr>
+                            <a:rPr lang="de-DE" sz="2400" b="0" i="1">
+                              <a:latin typeface="Cambria Math"/>
+                              <a:ea typeface="Cambria Math"/>
+                            </a:rPr>
+                          </m:ctrlPr>
+                        </m:dPr>
+                        <m:e>
+                          <m:r>
+                            <a:rPr lang="de-DE" sz="2400" i="1">
+                              <a:latin typeface="Cambria Math"/>
+                              <a:ea typeface="Cambria Math"/>
+                            </a:rPr>
+                            <m:t>𝐴</m:t>
+                          </m:r>
+                        </m:e>
+                      </m:d>
+                    </m:oMath>
+                  </m:oMathPara>
+                </a14:m>
+                <a:endParaRPr lang="de-DE" sz="2400" i="1" dirty="0" smtClean="0">
+                  <a:latin typeface="Cambria Math"/>
+                  <a:ea typeface="Cambria Math"/>
+                </a:endParaRPr>
+              </a:p>
+              <a:p>
+                <a:pPr marL="0" indent="0" fontAlgn="auto">
+                  <a:lnSpc>
+                    <a:spcPct val="200000"/>
+                  </a:lnSpc>
+                  <a:spcAft>
+                    <a:spcPts val="0"/>
+                  </a:spcAft>
+                  <a:buNone/>
+                </a:pPr>
+                <a14:m>
+                  <m:oMathPara xmlns:m="http://schemas.openxmlformats.org/officeDocument/2006/math">
+                    <m:oMathParaPr>
+                      <m:jc m:val="centerGroup"/>
+                    </m:oMathParaPr>
+                    <m:oMath xmlns:m="http://schemas.openxmlformats.org/officeDocument/2006/math">
+                      <m:r>
+                        <a:rPr lang="de-DE" sz="2400" i="1">
+                          <a:latin typeface="Cambria Math"/>
+                        </a:rPr>
+                        <m:t>1</m:t>
+                      </m:r>
+                      <m:r>
+                        <a:rPr lang="de-DE" sz="2400" b="0" i="1" smtClean="0">
+                          <a:latin typeface="Cambria Math"/>
+                        </a:rPr>
+                        <m:t>.0</m:t>
+                      </m:r>
+                      <m:r>
+                        <a:rPr lang="de-DE" sz="2400" i="1">
+                          <a:latin typeface="Cambria Math"/>
+                        </a:rPr>
+                        <m:t>:</m:t>
+                      </m:r>
+                      <m:r>
+                        <a:rPr lang="de-DE" sz="2400" i="1" smtClean="0">
+                          <a:latin typeface="Cambria Math"/>
+                          <a:ea typeface="Cambria Math"/>
+                        </a:rPr>
+                        <m:t>¬</m:t>
+                      </m:r>
+                      <m:r>
+                        <a:rPr lang="de-DE" sz="2400" i="1">
+                          <a:latin typeface="Cambria Math"/>
+                          <a:ea typeface="Cambria Math"/>
+                        </a:rPr>
+                        <m:t>𝑐𝑜𝑛𝑐𝑒𝑝𝑡</m:t>
+                      </m:r>
+                      <m:r>
+                        <a:rPr lang="de-DE" sz="2400" i="1">
+                          <a:latin typeface="Cambria Math"/>
+                          <a:ea typeface="Cambria Math"/>
+                        </a:rPr>
+                        <m:t>(</m:t>
+                      </m:r>
+                      <m:r>
+                        <a:rPr lang="de-DE" sz="2400" i="1">
+                          <a:latin typeface="Cambria Math"/>
+                          <a:ea typeface="Cambria Math"/>
+                        </a:rPr>
+                        <m:t>𝐴</m:t>
+                      </m:r>
+                      <m:r>
+                        <a:rPr lang="de-DE" sz="2400" i="1">
+                          <a:latin typeface="Cambria Math"/>
+                          <a:ea typeface="Cambria Math"/>
+                        </a:rPr>
+                        <m:t>)</m:t>
+                      </m:r>
+                    </m:oMath>
+                  </m:oMathPara>
+                </a14:m>
+                <a:endParaRPr lang="de-DE" sz="2400" i="1" dirty="0" smtClean="0">
+                  <a:latin typeface="Cambria Math"/>
+                  <a:ea typeface="Cambria Math"/>
+                </a:endParaRPr>
+              </a:p>
+              <a:p>
+                <a:pPr marL="0" indent="0" fontAlgn="auto">
+                  <a:lnSpc>
+                    <a:spcPct val="200000"/>
+                  </a:lnSpc>
+                  <a:spcAft>
+                    <a:spcPts val="0"/>
+                  </a:spcAft>
+                  <a:buNone/>
+                </a:pPr>
+                <a14:m>
+                  <m:oMathPara xmlns:m="http://schemas.openxmlformats.org/officeDocument/2006/math">
+                    <m:oMathParaPr>
+                      <m:jc m:val="centerGroup"/>
+                    </m:oMathParaPr>
+                    <m:oMath xmlns:m="http://schemas.openxmlformats.org/officeDocument/2006/math">
+                      <m:r>
+                        <a:rPr lang="de-DE" sz="2400" i="1" smtClean="0">
+                          <a:latin typeface="Cambria Math"/>
+                          <a:ea typeface="Cambria Math"/>
+                        </a:rPr>
+                        <m:t>∞</m:t>
+                      </m:r>
+                      <m:r>
+                        <a:rPr lang="de-DE" sz="2400" b="0" i="1" smtClean="0">
+                          <a:latin typeface="Cambria Math"/>
+                          <a:ea typeface="Cambria Math"/>
+                        </a:rPr>
+                        <m:t>:</m:t>
+                      </m:r>
+                      <m:r>
+                        <a:rPr lang="de-DE" sz="2400" i="1" smtClean="0">
+                          <a:latin typeface="Cambria Math"/>
+                        </a:rPr>
+                        <m:t>𝑖𝑛𝑠𝑡</m:t>
+                      </m:r>
+                      <m:d>
+                        <m:dPr>
+                          <m:ctrlPr>
+                            <a:rPr lang="de-DE" sz="2400" i="1" smtClean="0">
+                              <a:latin typeface="Cambria Math"/>
+                            </a:rPr>
+                          </m:ctrlPr>
+                        </m:dPr>
+                        <m:e>
+                          <m:r>
+                            <a:rPr lang="de-DE" sz="2400" i="1" smtClean="0">
+                              <a:latin typeface="Cambria Math"/>
+                            </a:rPr>
+                            <m:t>𝐴</m:t>
+                          </m:r>
+                          <m:r>
+                            <a:rPr lang="de-DE" sz="2400" i="1" smtClean="0">
+                              <a:latin typeface="Cambria Math"/>
+                            </a:rPr>
+                            <m:t>,</m:t>
+                          </m:r>
+                          <m:r>
+                            <a:rPr lang="de-DE" sz="2400" i="1" smtClean="0">
+                              <a:latin typeface="Cambria Math"/>
+                            </a:rPr>
+                            <m:t>𝐵</m:t>
+                          </m:r>
+                        </m:e>
+                      </m:d>
+                      <m:r>
+                        <a:rPr lang="de-DE" sz="2400" i="1">
+                          <a:latin typeface="Cambria Math"/>
+                          <a:ea typeface="Cambria Math"/>
+                        </a:rPr>
+                        <m:t>∧</m:t>
+                      </m:r>
+                      <m:r>
+                        <a:rPr lang="de-DE" sz="2400" i="1" smtClean="0">
+                          <a:latin typeface="Cambria Math"/>
+                        </a:rPr>
+                        <m:t>𝑖𝑛𝑠𝑡</m:t>
+                      </m:r>
+                      <m:r>
+                        <a:rPr lang="de-DE" sz="2400" i="1" smtClean="0">
+                          <a:latin typeface="Cambria Math"/>
+                        </a:rPr>
+                        <m:t>(</m:t>
+                      </m:r>
+                      <m:r>
+                        <a:rPr lang="de-DE" sz="2400" i="1" smtClean="0">
+                          <a:latin typeface="Cambria Math"/>
+                        </a:rPr>
+                        <m:t>𝐵</m:t>
+                      </m:r>
+                      <m:r>
+                        <a:rPr lang="de-DE" sz="2400" i="1" smtClean="0">
+                          <a:latin typeface="Cambria Math"/>
+                        </a:rPr>
+                        <m:t>,</m:t>
+                      </m:r>
+                      <m:r>
+                        <a:rPr lang="de-DE" sz="2400" i="1" smtClean="0">
+                          <a:latin typeface="Cambria Math"/>
+                        </a:rPr>
+                        <m:t>𝐶</m:t>
+                      </m:r>
+                      <m:r>
+                        <a:rPr lang="de-DE" sz="2400" i="1" smtClean="0">
+                          <a:latin typeface="Cambria Math"/>
+                        </a:rPr>
+                        <m:t>)→</m:t>
+                      </m:r>
+                      <m:r>
+                        <a:rPr lang="de-DE" sz="2400" i="1">
+                          <a:latin typeface="Cambria Math"/>
+                          <a:ea typeface="Cambria Math"/>
+                        </a:rPr>
+                        <m:t>𝑖𝑛𝑠𝑡</m:t>
+                      </m:r>
+                      <m:r>
+                        <a:rPr lang="de-DE" sz="2400" i="1">
+                          <a:latin typeface="Cambria Math"/>
+                          <a:ea typeface="Cambria Math"/>
+                        </a:rPr>
+                        <m:t>(</m:t>
+                      </m:r>
+                      <m:r>
+                        <a:rPr lang="de-DE" sz="2400" i="1">
+                          <a:latin typeface="Cambria Math"/>
+                          <a:ea typeface="Cambria Math"/>
+                        </a:rPr>
+                        <m:t>𝐴</m:t>
+                      </m:r>
+                      <m:r>
+                        <a:rPr lang="de-DE" sz="2400" i="1">
+                          <a:latin typeface="Cambria Math"/>
+                          <a:ea typeface="Cambria Math"/>
+                        </a:rPr>
+                        <m:t>,</m:t>
+                      </m:r>
+                      <m:r>
+                        <a:rPr lang="de-DE" sz="2400" i="1" smtClean="0">
+                          <a:latin typeface="Cambria Math"/>
+                          <a:ea typeface="Cambria Math"/>
+                        </a:rPr>
+                        <m:t>𝐶</m:t>
+                      </m:r>
+                      <m:r>
+                        <a:rPr lang="de-DE" sz="2400" i="1">
+                          <a:latin typeface="Cambria Math"/>
+                          <a:ea typeface="Cambria Math"/>
+                        </a:rPr>
+                        <m:t>)</m:t>
+                      </m:r>
+                    </m:oMath>
+                  </m:oMathPara>
+                </a14:m>
+                <a:endParaRPr lang="en-US" sz="2400" dirty="0"/>
+              </a:p>
+            </p:txBody>
+          </p:sp>
+        </mc:Choice>
+        <mc:Fallback>
+          <p:sp>
+            <p:nvSpPr>
+              <p:cNvPr id="6" name="Inhaltsplatzhalter 1"/>
+              <p:cNvSpPr txBox="1">
+                <a:spLocks noRot="1" noChangeAspect="1" noMove="1" noResize="1" noEditPoints="1" noAdjustHandles="1" noChangeArrowheads="1" noChangeShapeType="1" noTextEdit="1"/>
+              </p:cNvSpPr>
+              <p:nvPr/>
+            </p:nvSpPr>
+            <p:spPr>
+              <a:xfrm>
+                <a:off x="1608936" y="1052736"/>
+                <a:ext cx="8974129" cy="2692611"/>
+              </a:xfrm>
+              <a:prstGeom prst="rect">
+                <a:avLst/>
+              </a:prstGeom>
+              <a:blipFill rotWithShape="1">
+                <a:blip r:embed="rId2"/>
+                <a:stretch>
+                  <a:fillRect/>
+                </a:stretch>
+              </a:blipFill>
+            </p:spPr>
+            <p:txBody>
+              <a:bodyPr/>
+              <a:lstStyle/>
+              <a:p>
+                <a:r>
+                  <a:rPr lang="de-DE">
+                    <a:noFill/>
+                  </a:rPr>
+                  <a:t> </a:t>
+                </a:r>
+              </a:p>
+            </p:txBody>
+          </p:sp>
+        </mc:Fallback>
+      </mc:AlternateContent>
+      <p:grpSp>
+        <p:nvGrpSpPr>
+          <p:cNvPr id="4" name="Gruppieren 3"/>
+          <p:cNvGrpSpPr/>
+          <p:nvPr/>
+        </p:nvGrpSpPr>
+        <p:grpSpPr>
+          <a:xfrm>
+            <a:off x="8976320" y="1412776"/>
+            <a:ext cx="3096344" cy="2088232"/>
+            <a:chOff x="8688288" y="1412776"/>
+            <a:chExt cx="3096344" cy="2088232"/>
+          </a:xfrm>
+        </p:grpSpPr>
+        <p:sp>
+          <p:nvSpPr>
+            <p:cNvPr id="7" name="Geschweifte Klammer links 6"/>
+            <p:cNvSpPr/>
+            <p:nvPr/>
+          </p:nvSpPr>
+          <p:spPr>
+            <a:xfrm rot="10800000">
+              <a:off x="8688288" y="1412776"/>
+              <a:ext cx="353007" cy="2088232"/>
+            </a:xfrm>
+            <a:prstGeom prst="leftBrace">
+              <a:avLst>
+                <a:gd name="adj1" fmla="val 58983"/>
+                <a:gd name="adj2" fmla="val 50679"/>
+              </a:avLst>
+            </a:prstGeom>
+            <a:ln w="38100">
+              <a:solidFill>
+                <a:schemeClr val="tx1"/>
+              </a:solidFill>
+            </a:ln>
+          </p:spPr>
+          <p:style>
+            <a:lnRef idx="1">
+              <a:schemeClr val="accent1"/>
+            </a:lnRef>
+            <a:fillRef idx="0">
+              <a:schemeClr val="accent1"/>
+            </a:fillRef>
+            <a:effectRef idx="0">
+              <a:schemeClr val="accent1"/>
+            </a:effectRef>
+            <a:fontRef idx="minor">
+              <a:schemeClr val="tx1"/>
+            </a:fontRef>
+          </p:style>
+          <p:txBody>
+            <a:bodyPr rtlCol="0" anchor="ctr"/>
+            <a:lstStyle/>
+            <a:p>
+              <a:pPr algn="ctr"/>
+              <a:endParaRPr lang="de-DE"/>
+            </a:p>
+          </p:txBody>
+        </p:sp>
+        <p:sp>
+          <p:nvSpPr>
+            <p:cNvPr id="8" name="Rechteck 7"/>
+            <p:cNvSpPr/>
+            <p:nvPr/>
+          </p:nvSpPr>
+          <p:spPr>
+            <a:xfrm>
+              <a:off x="9192344" y="2100603"/>
+              <a:ext cx="2592288" cy="646331"/>
+            </a:xfrm>
+            <a:prstGeom prst="rect">
+              <a:avLst/>
+            </a:prstGeom>
+          </p:spPr>
+          <p:txBody>
+            <a:bodyPr wrap="square">
+              <a:spAutoFit/>
+            </a:bodyPr>
+            <a:lstStyle/>
+            <a:p>
+              <a:pPr marL="0" lvl="0" indent="0">
+                <a:lnSpc>
+                  <a:spcPct val="150000"/>
+                </a:lnSpc>
+                <a:buNone/>
+              </a:pPr>
+              <a:r>
+                <a:rPr lang="en-US" sz="2400" dirty="0" smtClean="0">
+                  <a:latin typeface="Roboto Light" panose="02000000000000000000" pitchFamily="2" charset="0"/>
+                  <a:ea typeface="Roboto Light" panose="02000000000000000000" pitchFamily="2" charset="0"/>
+                </a:rPr>
+                <a:t>PSL-</a:t>
+              </a:r>
+              <a:r>
+                <a:rPr lang="en-US" sz="2400" dirty="0" err="1" smtClean="0">
+                  <a:latin typeface="Roboto Light" panose="02000000000000000000" pitchFamily="2" charset="0"/>
+                  <a:ea typeface="Roboto Light" panose="02000000000000000000" pitchFamily="2" charset="0"/>
+                </a:rPr>
+                <a:t>Programm</a:t>
+              </a:r>
+              <a:endParaRPr lang="en-US" sz="2400" dirty="0">
+                <a:latin typeface="Roboto Light" panose="02000000000000000000" pitchFamily="2" charset="0"/>
+                <a:ea typeface="Roboto Light" panose="02000000000000000000" pitchFamily="2" charset="0"/>
+              </a:endParaRPr>
+            </a:p>
+          </p:txBody>
+        </p:sp>
+      </p:grpSp>
+      <p:grpSp>
+        <p:nvGrpSpPr>
+          <p:cNvPr id="13" name="Gruppieren 12"/>
+          <p:cNvGrpSpPr/>
+          <p:nvPr/>
+        </p:nvGrpSpPr>
+        <p:grpSpPr>
+          <a:xfrm>
+            <a:off x="2351584" y="3770456"/>
+            <a:ext cx="7488832" cy="2269416"/>
+            <a:chOff x="2351584" y="3770456"/>
+            <a:chExt cx="7488832" cy="2269416"/>
+          </a:xfrm>
+        </p:grpSpPr>
+        <p:sp>
+          <p:nvSpPr>
+            <p:cNvPr id="9" name="Rechteck 8"/>
+            <p:cNvSpPr/>
+            <p:nvPr/>
+          </p:nvSpPr>
+          <p:spPr>
+            <a:xfrm>
+              <a:off x="2351584" y="3770456"/>
+              <a:ext cx="7488832" cy="738664"/>
+            </a:xfrm>
+            <a:prstGeom prst="rect">
+              <a:avLst/>
+            </a:prstGeom>
+          </p:spPr>
+          <p:txBody>
+            <a:bodyPr wrap="square">
+              <a:spAutoFit/>
+            </a:bodyPr>
+            <a:lstStyle/>
+            <a:p>
+              <a:pPr marL="0" lvl="0" indent="0" algn="ctr">
+                <a:lnSpc>
+                  <a:spcPct val="150000"/>
+                </a:lnSpc>
+                <a:buNone/>
+              </a:pPr>
+              <a:r>
+                <a:rPr lang="en-US" sz="2800" dirty="0" smtClean="0">
+                  <a:latin typeface="Roboto Light" panose="02000000000000000000" pitchFamily="2" charset="0"/>
+                  <a:ea typeface="Roboto Light" panose="02000000000000000000" pitchFamily="2" charset="0"/>
+                </a:rPr>
+                <a:t>+ </a:t>
+              </a:r>
+              <a:r>
+                <a:rPr lang="en-US" sz="2800" b="1" dirty="0" err="1" smtClean="0">
+                  <a:latin typeface="Roboto Light" panose="02000000000000000000" pitchFamily="2" charset="0"/>
+                  <a:ea typeface="Roboto Light" panose="02000000000000000000" pitchFamily="2" charset="0"/>
+                </a:rPr>
+                <a:t>Eingabe</a:t>
+              </a:r>
+              <a:r>
+                <a:rPr lang="en-US" sz="2800" b="1" dirty="0" smtClean="0">
+                  <a:latin typeface="Roboto Light" panose="02000000000000000000" pitchFamily="2" charset="0"/>
+                  <a:ea typeface="Roboto Light" panose="02000000000000000000" pitchFamily="2" charset="0"/>
+                </a:rPr>
+                <a:t>: </a:t>
+              </a:r>
+              <a:r>
+                <a:rPr lang="en-US" sz="2800" dirty="0" err="1" smtClean="0">
+                  <a:latin typeface="Roboto Light" panose="02000000000000000000" pitchFamily="2" charset="0"/>
+                  <a:ea typeface="Roboto Light" panose="02000000000000000000" pitchFamily="2" charset="0"/>
+                </a:rPr>
+                <a:t>Relationen</a:t>
+              </a:r>
+              <a:r>
+                <a:rPr lang="en-US" sz="2800" dirty="0" smtClean="0">
+                  <a:latin typeface="Roboto Light" panose="02000000000000000000" pitchFamily="2" charset="0"/>
+                  <a:ea typeface="Roboto Light" panose="02000000000000000000" pitchFamily="2" charset="0"/>
+                </a:rPr>
+                <a:t> </a:t>
+              </a:r>
+              <a:r>
+                <a:rPr lang="en-US" sz="2800" dirty="0" err="1" smtClean="0">
+                  <a:latin typeface="Roboto Light" panose="02000000000000000000" pitchFamily="2" charset="0"/>
+                  <a:ea typeface="Roboto Light" panose="02000000000000000000" pitchFamily="2" charset="0"/>
+                </a:rPr>
+                <a:t>im</a:t>
+              </a:r>
+              <a:r>
+                <a:rPr lang="en-US" sz="2800" dirty="0" smtClean="0">
+                  <a:latin typeface="Roboto Light" panose="02000000000000000000" pitchFamily="2" charset="0"/>
+                  <a:ea typeface="Roboto Light" panose="02000000000000000000" pitchFamily="2" charset="0"/>
+                </a:rPr>
+                <a:t> </a:t>
+              </a:r>
+              <a:r>
+                <a:rPr lang="en-US" sz="2800" dirty="0" err="1" smtClean="0">
+                  <a:latin typeface="Roboto Light" panose="02000000000000000000" pitchFamily="2" charset="0"/>
+                  <a:ea typeface="Roboto Light" panose="02000000000000000000" pitchFamily="2" charset="0"/>
+                </a:rPr>
+                <a:t>Konjunktionsgraph</a:t>
+              </a:r>
+              <a:endParaRPr lang="en-US" sz="2800" dirty="0">
+                <a:latin typeface="Roboto Light" panose="02000000000000000000" pitchFamily="2" charset="0"/>
+                <a:ea typeface="Roboto Light" panose="02000000000000000000" pitchFamily="2" charset="0"/>
+              </a:endParaRPr>
+            </a:p>
+          </p:txBody>
+        </p:sp>
+        <p:sp>
+          <p:nvSpPr>
+            <p:cNvPr id="10" name="Pfeil nach rechts 9"/>
+            <p:cNvSpPr/>
+            <p:nvPr/>
+          </p:nvSpPr>
+          <p:spPr>
+            <a:xfrm rot="5400000">
+              <a:off x="5825285" y="4814469"/>
+              <a:ext cx="541430" cy="288032"/>
+            </a:xfrm>
+            <a:prstGeom prst="rightArrow">
+              <a:avLst>
+                <a:gd name="adj1" fmla="val 31830"/>
+                <a:gd name="adj2" fmla="val 54735"/>
+              </a:avLst>
+            </a:prstGeom>
+            <a:solidFill>
+              <a:schemeClr val="tx1"/>
+            </a:solidFill>
+            <a:ln>
+              <a:noFill/>
+            </a:ln>
+          </p:spPr>
+          <p:style>
+            <a:lnRef idx="2">
+              <a:schemeClr val="accent1">
+                <a:shade val="50000"/>
+              </a:schemeClr>
+            </a:lnRef>
+            <a:fillRef idx="1">
+              <a:schemeClr val="accent1"/>
+            </a:fillRef>
+            <a:effectRef idx="0">
+              <a:schemeClr val="accent1"/>
+            </a:effectRef>
+            <a:fontRef idx="minor">
+              <a:schemeClr val="lt1"/>
+            </a:fontRef>
+          </p:style>
+          <p:txBody>
+            <a:bodyPr rtlCol="0" anchor="ctr"/>
+            <a:lstStyle/>
+            <a:p>
+              <a:pPr algn="ctr"/>
+              <a:endParaRPr lang="de-DE"/>
+            </a:p>
+          </p:txBody>
+        </p:sp>
+        <p:sp>
+          <p:nvSpPr>
+            <p:cNvPr id="12" name="Rechteck 11"/>
+            <p:cNvSpPr/>
+            <p:nvPr/>
+          </p:nvSpPr>
+          <p:spPr>
+            <a:xfrm>
+              <a:off x="2351584" y="5301208"/>
+              <a:ext cx="7488832" cy="738664"/>
+            </a:xfrm>
+            <a:prstGeom prst="rect">
+              <a:avLst/>
+            </a:prstGeom>
+          </p:spPr>
+          <p:txBody>
+            <a:bodyPr wrap="square">
+              <a:spAutoFit/>
+            </a:bodyPr>
+            <a:lstStyle/>
+            <a:p>
+              <a:pPr marL="0" lvl="0" indent="0" algn="ctr">
+                <a:lnSpc>
+                  <a:spcPct val="150000"/>
+                </a:lnSpc>
+                <a:buNone/>
+              </a:pPr>
+              <a:r>
+                <a:rPr lang="en-US" sz="2800" b="1" dirty="0" smtClean="0">
+                  <a:latin typeface="Roboto Light" panose="02000000000000000000" pitchFamily="2" charset="0"/>
+                  <a:ea typeface="Roboto Light" panose="02000000000000000000" pitchFamily="2" charset="0"/>
+                </a:rPr>
+                <a:t>H</a:t>
+              </a:r>
+              <a:r>
+                <a:rPr lang="en-US" sz="2800" dirty="0" smtClean="0">
+                  <a:latin typeface="Roboto Light" panose="02000000000000000000" pitchFamily="2" charset="0"/>
+                  <a:ea typeface="Roboto Light" panose="02000000000000000000" pitchFamily="2" charset="0"/>
+                </a:rPr>
+                <a:t>inge-</a:t>
+              </a:r>
+              <a:r>
+                <a:rPr lang="en-US" sz="2800" b="1" dirty="0" smtClean="0">
+                  <a:latin typeface="Roboto Light" panose="02000000000000000000" pitchFamily="2" charset="0"/>
+                  <a:ea typeface="Roboto Light" panose="02000000000000000000" pitchFamily="2" charset="0"/>
+                </a:rPr>
+                <a:t>L</a:t>
+              </a:r>
+              <a:r>
+                <a:rPr lang="en-US" sz="2800" dirty="0" smtClean="0">
+                  <a:latin typeface="Roboto Light" panose="02000000000000000000" pitchFamily="2" charset="0"/>
+                  <a:ea typeface="Roboto Light" panose="02000000000000000000" pitchFamily="2" charset="0"/>
+                </a:rPr>
+                <a:t>oss </a:t>
+              </a:r>
+              <a:r>
+                <a:rPr lang="en-US" sz="2800" b="1" dirty="0" smtClean="0">
+                  <a:latin typeface="Roboto Light" panose="02000000000000000000" pitchFamily="2" charset="0"/>
+                  <a:ea typeface="Roboto Light" panose="02000000000000000000" pitchFamily="2" charset="0"/>
+                </a:rPr>
+                <a:t>M</a:t>
+              </a:r>
+              <a:r>
+                <a:rPr lang="en-US" sz="2800" dirty="0" smtClean="0">
+                  <a:latin typeface="Roboto Light" panose="02000000000000000000" pitchFamily="2" charset="0"/>
+                  <a:ea typeface="Roboto Light" panose="02000000000000000000" pitchFamily="2" charset="0"/>
+                </a:rPr>
+                <a:t>arkov-</a:t>
+              </a:r>
+              <a:r>
+                <a:rPr lang="en-US" sz="2800" b="1" dirty="0" smtClean="0">
+                  <a:latin typeface="Roboto Light" panose="02000000000000000000" pitchFamily="2" charset="0"/>
+                  <a:ea typeface="Roboto Light" panose="02000000000000000000" pitchFamily="2" charset="0"/>
+                </a:rPr>
+                <a:t>R</a:t>
+              </a:r>
+              <a:r>
+                <a:rPr lang="en-US" sz="2800" dirty="0" smtClean="0">
+                  <a:latin typeface="Roboto Light" panose="02000000000000000000" pitchFamily="2" charset="0"/>
+                  <a:ea typeface="Roboto Light" panose="02000000000000000000" pitchFamily="2" charset="0"/>
+                </a:rPr>
+                <a:t>andom-</a:t>
+              </a:r>
+              <a:r>
+                <a:rPr lang="en-US" sz="2800" b="1" dirty="0" smtClean="0">
+                  <a:latin typeface="Roboto Light" panose="02000000000000000000" pitchFamily="2" charset="0"/>
+                  <a:ea typeface="Roboto Light" panose="02000000000000000000" pitchFamily="2" charset="0"/>
+                </a:rPr>
+                <a:t>F</a:t>
+              </a:r>
+              <a:r>
+                <a:rPr lang="en-US" sz="2800" dirty="0" smtClean="0">
+                  <a:latin typeface="Roboto Light" panose="02000000000000000000" pitchFamily="2" charset="0"/>
+                  <a:ea typeface="Roboto Light" panose="02000000000000000000" pitchFamily="2" charset="0"/>
+                </a:rPr>
+                <a:t>ield (HL-MRF)</a:t>
+              </a:r>
+              <a:endParaRPr lang="en-US" sz="2800" dirty="0">
+                <a:latin typeface="Roboto Light" panose="02000000000000000000" pitchFamily="2" charset="0"/>
+                <a:ea typeface="Roboto Light" panose="02000000000000000000" pitchFamily="2" charset="0"/>
+              </a:endParaRPr>
+            </a:p>
+          </p:txBody>
+        </p:sp>
+      </p:grpSp>
+    </p:spTree>
+    <p:extLst>
+      <p:ext uri="{BB962C8B-B14F-4D97-AF65-F5344CB8AC3E}">
+        <p14:creationId xmlns:p14="http://schemas.microsoft.com/office/powerpoint/2010/main" val="2736479700"/>
+      </p:ext>
+    </p:extLst>
+  </p:cSld>
+  <p:clrMapOvr>
+    <a:masterClrMapping/>
+  </p:clrMapOvr>
+  <p:timing>
+    <p:tnLst>
+      <p:par>
+        <p:cTn id="1" dur="indefinite" restart="never" nodeType="tmRoot">
+          <p:childTnLst>
+            <p:seq concurrent="1" nextAc="seek">
+              <p:cTn id="2" dur="indefinite" nodeType="mainSeq">
+                <p:childTnLst>
+                  <p:par>
+                    <p:cTn id="3" fill="hold">
+                      <p:stCondLst>
+                        <p:cond delay="indefinite"/>
+                      </p:stCondLst>
+                      <p:childTnLst>
+                        <p:par>
+                          <p:cTn id="4" fill="hold">
+                            <p:stCondLst>
+                              <p:cond delay="0"/>
+                            </p:stCondLst>
+                            <p:childTnLst>
+                              <p:par>
+                                <p:cTn id="5" presetID="1" presetClass="entr" presetSubtype="0" fill="hold" nodeType="clickEffect">
+                                  <p:stCondLst>
+                                    <p:cond delay="0"/>
+                                  </p:stCondLst>
+                                  <p:childTnLst>
+                                    <p:set>
+                                      <p:cBhvr>
+                                        <p:cTn id="6" dur="1" fill="hold">
+                                          <p:stCondLst>
+                                            <p:cond delay="0"/>
+                                          </p:stCondLst>
+                                        </p:cTn>
+                                        <p:tgtEl>
+                                          <p:spTgt spid="4"/>
+                                        </p:tgtEl>
+                                        <p:attrNameLst>
+                                          <p:attrName>style.visibility</p:attrName>
+                                        </p:attrNameLst>
+                                      </p:cBhvr>
+                                      <p:to>
+                                        <p:strVal val="visible"/>
+                                      </p:to>
+                                    </p:set>
+                                  </p:childTnLst>
+                                </p:cTn>
+                              </p:par>
+                            </p:childTnLst>
+                          </p:cTn>
+                        </p:par>
+                      </p:childTnLst>
+                    </p:cTn>
+                  </p:par>
+                  <p:par>
+                    <p:cTn id="7" fill="hold">
+                      <p:stCondLst>
+                        <p:cond delay="indefinite"/>
+                      </p:stCondLst>
+                      <p:childTnLst>
+                        <p:par>
+                          <p:cTn id="8" fill="hold">
+                            <p:stCondLst>
+                              <p:cond delay="0"/>
+                            </p:stCondLst>
+                            <p:childTnLst>
+                              <p:par>
+                                <p:cTn id="9" presetID="1" presetClass="entr" presetSubtype="0" fill="hold" nodeType="clickEffect">
+                                  <p:stCondLst>
+                                    <p:cond delay="0"/>
+                                  </p:stCondLst>
+                                  <p:childTnLst>
+                                    <p:set>
+                                      <p:cBhvr>
+                                        <p:cTn id="10" dur="1" fill="hold">
+                                          <p:stCondLst>
+                                            <p:cond delay="0"/>
+                                          </p:stCondLst>
+                                        </p:cTn>
+                                        <p:tgtEl>
+                                          <p:spTgt spid="13"/>
+                                        </p:tgtEl>
+                                        <p:attrNameLst>
+                                          <p:attrName>style.visibility</p:attrName>
+                                        </p:attrNameLst>
+                                      </p:cBhvr>
+                                      <p:to>
+                                        <p:strVal val="visible"/>
+                                      </p:to>
+                                    </p:set>
+                                  </p:childTnLst>
+                                </p:cTn>
+                              </p:par>
+                            </p:childTnLst>
+                          </p:cTn>
+                        </p:par>
+                      </p:childTnLst>
+                    </p:cTn>
+                  </p:par>
+                </p:childTnLst>
+              </p:cTn>
+              <p:prevCondLst>
+                <p:cond evt="onPrev" delay="0">
+                  <p:tgtEl>
+                    <p:sldTgt/>
+                  </p:tgtEl>
+                </p:cond>
+              </p:prevCondLst>
+              <p:nextCondLst>
+                <p:cond evt="onNext" delay="0">
+                  <p:tgtEl>
+                    <p:sldTgt/>
+                  </p:tgtEl>
+                </p:cond>
+              </p:nextCondLst>
+            </p:seq>
+          </p:childTnLst>
+        </p:cTn>
+      </p:par>
+    </p:tnLst>
+  </p:timing>
+</p:sld>
+</file>
+
+<file path=ppt/slides/slide29.xml><?xml version="1.0" encoding="utf-8"?>
+<p:sld xmlns:a="http://schemas.openxmlformats.org/drawingml/2006/main" xmlns:r="http://schemas.openxmlformats.org/officeDocument/2006/relationships" xmlns:p="http://schemas.openxmlformats.org/presentationml/2006/main">
+  <p:cSld>
+    <p:spTree>
+      <p:nvGrpSpPr>
+        <p:cNvPr id="1" name=""/>
+        <p:cNvGrpSpPr/>
+        <p:nvPr/>
+      </p:nvGrpSpPr>
+      <p:grpSpPr>
+        <a:xfrm>
+          <a:off x="0" y="0"/>
+          <a:ext cx="0" cy="0"/>
+          <a:chOff x="0" y="0"/>
+          <a:chExt cx="0" cy="0"/>
+        </a:xfrm>
+      </p:grpSpPr>
+      <mc:AlternateContent xmlns:mc="http://schemas.openxmlformats.org/markup-compatibility/2006">
+        <mc:Choice xmlns:a14="http://schemas.microsoft.com/office/drawing/2010/main" Requires="a14">
+          <p:sp>
+            <p:nvSpPr>
+              <p:cNvPr id="5" name="Inhaltsplatzhalter 4"/>
+              <p:cNvSpPr>
+                <a:spLocks noGrp="1"/>
+              </p:cNvSpPr>
+              <p:nvPr>
+                <p:ph idx="1"/>
+              </p:nvPr>
+            </p:nvSpPr>
+            <p:spPr>
+              <a:xfrm>
+                <a:off x="623392" y="1124744"/>
+                <a:ext cx="10945216" cy="5052219"/>
+              </a:xfrm>
+            </p:spPr>
+            <p:txBody>
+              <a:bodyPr anchor="ctr">
+                <a:normAutofit/>
+              </a:bodyPr>
+              <a:lstStyle/>
+              <a:p>
+                <a:pPr>
+                  <a:lnSpc>
+                    <a:spcPct val="200000"/>
+                  </a:lnSpc>
+                </a:pPr>
+                <a:r>
+                  <a:rPr lang="de-DE" sz="2400" dirty="0" smtClean="0"/>
+                  <a:t>Repräsentieren die Verteilung eines Zufallsvektors </a:t>
+                </a:r>
+                <a14:m>
+                  <m:oMath xmlns:m="http://schemas.openxmlformats.org/officeDocument/2006/math">
+                    <m:r>
+                      <a:rPr lang="de-DE" sz="2400" b="0" i="1" smtClean="0">
+                        <a:latin typeface="Cambria Math"/>
+                      </a:rPr>
+                      <m:t>𝑋</m:t>
+                    </m:r>
+                    <m:r>
+                      <a:rPr lang="de-DE" sz="2400" b="0" i="1" smtClean="0">
+                        <a:latin typeface="Cambria Math"/>
+                      </a:rPr>
+                      <m:t>=(</m:t>
+                    </m:r>
+                    <m:sSub>
+                      <m:sSubPr>
+                        <m:ctrlPr>
+                          <a:rPr lang="de-DE" sz="2400" i="1">
+                            <a:latin typeface="Cambria Math"/>
+                          </a:rPr>
+                        </m:ctrlPr>
+                      </m:sSubPr>
+                      <m:e>
+                        <m:r>
+                          <a:rPr lang="de-DE" sz="2400" i="1">
+                            <a:latin typeface="Cambria Math"/>
+                          </a:rPr>
+                          <m:t>𝑋</m:t>
+                        </m:r>
+                      </m:e>
+                      <m:sub>
+                        <m:r>
+                          <a:rPr lang="de-DE" sz="2400" b="0" i="1" smtClean="0">
+                            <a:latin typeface="Cambria Math"/>
+                          </a:rPr>
+                          <m:t>1</m:t>
+                        </m:r>
+                      </m:sub>
+                    </m:sSub>
+                    <m:r>
+                      <a:rPr lang="de-DE" sz="2400" b="0" i="1" smtClean="0">
+                        <a:latin typeface="Cambria Math"/>
+                      </a:rPr>
+                      <m:t>,…,</m:t>
+                    </m:r>
+                    <m:sSub>
+                      <m:sSubPr>
+                        <m:ctrlPr>
+                          <a:rPr lang="de-DE" sz="2400" i="1">
+                            <a:latin typeface="Cambria Math"/>
+                          </a:rPr>
+                        </m:ctrlPr>
+                      </m:sSubPr>
+                      <m:e>
+                        <m:r>
+                          <a:rPr lang="de-DE" sz="2400" i="1">
+                            <a:latin typeface="Cambria Math"/>
+                          </a:rPr>
+                          <m:t>𝑋</m:t>
+                        </m:r>
+                      </m:e>
+                      <m:sub>
+                        <m:r>
+                          <a:rPr lang="de-DE" sz="2400" b="0" i="1" smtClean="0">
+                            <a:latin typeface="Cambria Math"/>
+                          </a:rPr>
+                          <m:t>𝑛</m:t>
+                        </m:r>
+                      </m:sub>
+                    </m:sSub>
+                    <m:r>
+                      <a:rPr lang="de-DE" sz="2400" b="0" i="1" smtClean="0">
+                        <a:latin typeface="Cambria Math"/>
+                      </a:rPr>
+                      <m:t>)</m:t>
+                    </m:r>
+                  </m:oMath>
+                </a14:m>
+                <a:endParaRPr lang="de-DE" sz="2400" dirty="0" smtClean="0"/>
+              </a:p>
+              <a:p>
+                <a:pPr>
+                  <a:lnSpc>
+                    <a:spcPct val="200000"/>
+                  </a:lnSpc>
+                </a:pPr>
+                <a14:m>
+                  <m:oMath xmlns:m="http://schemas.openxmlformats.org/officeDocument/2006/math">
+                    <m:sSub>
+                      <m:sSubPr>
+                        <m:ctrlPr>
+                          <a:rPr lang="de-DE" sz="2400" i="1" smtClean="0">
+                            <a:latin typeface="Cambria Math"/>
+                          </a:rPr>
+                        </m:ctrlPr>
+                      </m:sSubPr>
+                      <m:e>
+                        <m:r>
+                          <a:rPr lang="de-DE" sz="2400" b="0" i="1" smtClean="0">
+                            <a:latin typeface="Cambria Math"/>
+                          </a:rPr>
+                          <m:t>𝑋</m:t>
+                        </m:r>
+                      </m:e>
+                      <m:sub>
+                        <m:r>
+                          <a:rPr lang="de-DE" sz="2400" b="0" i="1" smtClean="0">
+                            <a:latin typeface="Cambria Math"/>
+                          </a:rPr>
+                          <m:t>𝑖</m:t>
+                        </m:r>
+                      </m:sub>
+                    </m:sSub>
+                    <m:r>
+                      <a:rPr lang="de-DE" sz="2400" b="0" i="1" smtClean="0">
+                        <a:latin typeface="Cambria Math"/>
+                      </a:rPr>
+                      <m:t> </m:t>
+                    </m:r>
+                  </m:oMath>
+                </a14:m>
+                <a:r>
+                  <a:rPr lang="de-DE" sz="2400" dirty="0" smtClean="0"/>
+                  <a:t>beschreibt die Wahrscheinlichkeit</a:t>
+                </a:r>
+                <a:r>
+                  <a:rPr lang="de-DE" sz="2400" dirty="0"/>
+                  <a:t> </a:t>
+                </a:r>
+                <a14:m>
+                  <m:oMath xmlns:m="http://schemas.openxmlformats.org/officeDocument/2006/math">
+                    <m:r>
+                      <a:rPr lang="de-DE" sz="2400" i="1" smtClean="0">
+                        <a:latin typeface="Cambria Math"/>
+                        <a:ea typeface="Cambria Math"/>
+                      </a:rPr>
+                      <m:t>∈</m:t>
+                    </m:r>
+                    <m:r>
+                      <a:rPr lang="de-DE" sz="2400" b="0" i="1" smtClean="0">
+                        <a:latin typeface="Cambria Math"/>
+                        <a:ea typeface="Cambria Math"/>
+                      </a:rPr>
+                      <m:t>[0,1]</m:t>
+                    </m:r>
+                  </m:oMath>
+                </a14:m>
+                <a:r>
+                  <a:rPr lang="de-DE" sz="2400" dirty="0" smtClean="0"/>
+                  <a:t>, dass die Relation </a:t>
+                </a:r>
+                <a14:m>
+                  <m:oMath xmlns:m="http://schemas.openxmlformats.org/officeDocument/2006/math">
+                    <m:sSub>
+                      <m:sSubPr>
+                        <m:ctrlPr>
+                          <a:rPr lang="de-DE" sz="2400" i="1">
+                            <a:latin typeface="Cambria Math"/>
+                          </a:rPr>
+                        </m:ctrlPr>
+                      </m:sSubPr>
+                      <m:e>
+                        <m:r>
+                          <a:rPr lang="de-DE" sz="2400" b="0" i="1" smtClean="0">
+                            <a:latin typeface="Cambria Math"/>
+                          </a:rPr>
+                          <m:t>𝑟</m:t>
+                        </m:r>
+                      </m:e>
+                      <m:sub>
+                        <m:r>
+                          <a:rPr lang="de-DE" sz="2400" i="1">
+                            <a:latin typeface="Cambria Math"/>
+                          </a:rPr>
+                          <m:t>𝑖</m:t>
+                        </m:r>
+                      </m:sub>
+                    </m:sSub>
+                  </m:oMath>
+                </a14:m>
+                <a:r>
+                  <a:rPr lang="de-DE" sz="2400" dirty="0" smtClean="0"/>
+                  <a:t> existiert</a:t>
+                </a:r>
+              </a:p>
+              <a:p>
+                <a:pPr>
+                  <a:lnSpc>
+                    <a:spcPct val="200000"/>
+                  </a:lnSpc>
+                </a:pPr>
+                <a14:m>
+                  <m:oMath xmlns:m="http://schemas.openxmlformats.org/officeDocument/2006/math">
+                    <m:r>
+                      <m:rPr>
+                        <m:sty m:val="p"/>
+                      </m:rPr>
+                      <a:rPr lang="de-DE" sz="2400" b="0" i="0" smtClean="0">
+                        <a:latin typeface="Cambria Math"/>
+                      </a:rPr>
+                      <m:t>log</m:t>
+                    </m:r>
+                    <m:r>
+                      <a:rPr lang="de-DE" sz="2400" b="0" i="1" smtClean="0">
+                        <a:latin typeface="Cambria Math"/>
+                      </a:rPr>
+                      <m:t>⁡(</m:t>
+                    </m:r>
+                    <m:r>
+                      <a:rPr lang="de-DE" sz="2400" i="1">
+                        <a:latin typeface="Cambria Math"/>
+                      </a:rPr>
+                      <m:t>𝑃</m:t>
+                    </m:r>
+                    <m:d>
+                      <m:dPr>
+                        <m:ctrlPr>
+                          <a:rPr lang="de-DE" sz="2400" b="0" i="1" smtClean="0">
+                            <a:latin typeface="Cambria Math"/>
+                          </a:rPr>
+                        </m:ctrlPr>
+                      </m:dPr>
+                      <m:e>
+                        <m:r>
+                          <a:rPr lang="de-DE" sz="2400" b="0" i="1" smtClean="0">
+                            <a:latin typeface="Cambria Math"/>
+                          </a:rPr>
+                          <m:t>𝑋</m:t>
+                        </m:r>
+                        <m:r>
+                          <a:rPr lang="de-DE" sz="2400" b="0" i="1" smtClean="0">
+                            <a:latin typeface="Cambria Math"/>
+                          </a:rPr>
+                          <m:t>=</m:t>
+                        </m:r>
+                        <m:r>
+                          <a:rPr lang="de-DE" sz="2400" b="0" i="1" smtClean="0">
+                            <a:latin typeface="Cambria Math"/>
+                          </a:rPr>
+                          <m:t>𝑥</m:t>
+                        </m:r>
+                      </m:e>
+                    </m:d>
+                    <m:r>
+                      <a:rPr lang="de-DE" sz="2400" b="0" i="1" smtClean="0">
+                        <a:latin typeface="Cambria Math"/>
+                      </a:rPr>
+                      <m:t>)</m:t>
+                    </m:r>
+                    <m:r>
+                      <a:rPr lang="de-DE" sz="2400" b="0" i="1" smtClean="0">
+                        <a:latin typeface="Cambria Math"/>
+                        <a:ea typeface="Cambria Math"/>
+                      </a:rPr>
+                      <m:t>∝</m:t>
+                    </m:r>
+                  </m:oMath>
+                </a14:m>
+                <a:r>
+                  <a:rPr lang="de-DE" sz="2400" dirty="0" smtClean="0"/>
+                  <a:t> Gewichtete Summe der durch </a:t>
+                </a:r>
+                <a14:m>
+                  <m:oMath xmlns:m="http://schemas.openxmlformats.org/officeDocument/2006/math">
+                    <m:r>
+                      <a:rPr lang="de-DE" sz="2400" i="1">
+                        <a:latin typeface="Cambria Math"/>
+                      </a:rPr>
+                      <m:t>𝑥</m:t>
+                    </m:r>
+                  </m:oMath>
+                </a14:m>
+                <a:r>
+                  <a:rPr lang="de-DE" sz="2400" dirty="0" smtClean="0"/>
+                  <a:t> eingehaltenen PSL-Regeln</a:t>
+                </a:r>
+              </a:p>
+              <a:p>
+                <a:pPr marL="0" indent="0">
+                  <a:lnSpc>
+                    <a:spcPct val="200000"/>
+                  </a:lnSpc>
+                  <a:buNone/>
+                </a:pPr>
+                <a14:m>
+                  <m:oMathPara xmlns:m="http://schemas.openxmlformats.org/officeDocument/2006/math">
+                    <m:oMathParaPr>
+                      <m:jc m:val="centerGroup"/>
+                    </m:oMathParaPr>
+                    <m:oMath xmlns:m="http://schemas.openxmlformats.org/officeDocument/2006/math">
+                      <m:func>
+                        <m:funcPr>
+                          <m:ctrlPr>
+                            <a:rPr lang="de-DE" sz="2400" b="0" i="1" smtClean="0">
+                              <a:latin typeface="Cambria Math"/>
+                            </a:rPr>
+                          </m:ctrlPr>
+                        </m:funcPr>
+                        <m:fName>
+                          <m:limLow>
+                            <m:limLowPr>
+                              <m:ctrlPr>
+                                <a:rPr lang="de-DE" sz="2400" b="0" i="1" smtClean="0">
+                                  <a:latin typeface="Cambria Math"/>
+                                </a:rPr>
+                              </m:ctrlPr>
+                            </m:limLowPr>
+                            <m:e>
+                              <m:r>
+                                <m:rPr>
+                                  <m:sty m:val="p"/>
+                                </m:rPr>
+                                <a:rPr lang="de-DE" sz="2400" b="0" i="0" smtClean="0">
+                                  <a:latin typeface="Cambria Math"/>
+                                </a:rPr>
+                                <m:t>arg</m:t>
+                              </m:r>
+                              <m:r>
+                                <m:rPr>
+                                  <m:sty m:val="p"/>
+                                </m:rPr>
+                                <a:rPr lang="de-DE" sz="2400" b="0" i="0" smtClean="0">
+                                  <a:latin typeface="Cambria Math"/>
+                                </a:rPr>
+                                <m:t>max</m:t>
+                              </m:r>
+                            </m:e>
+                            <m:lim>
+                              <m:r>
+                                <a:rPr lang="de-DE" sz="2400" b="0" i="1" smtClean="0">
+                                  <a:latin typeface="Cambria Math"/>
+                                </a:rPr>
+                                <m:t>𝑥</m:t>
+                              </m:r>
+                            </m:lim>
+                          </m:limLow>
+                        </m:fName>
+                        <m:e>
+                          <m:r>
+                            <a:rPr lang="de-DE" sz="2400" i="1">
+                              <a:latin typeface="Cambria Math"/>
+                            </a:rPr>
+                            <m:t>𝑃</m:t>
+                          </m:r>
+                          <m:r>
+                            <a:rPr lang="de-DE" sz="2400" i="1">
+                              <a:latin typeface="Cambria Math"/>
+                            </a:rPr>
+                            <m:t>(</m:t>
+                          </m:r>
+                          <m:r>
+                            <a:rPr lang="de-DE" sz="2400" i="1">
+                              <a:latin typeface="Cambria Math"/>
+                            </a:rPr>
+                            <m:t>𝑋</m:t>
+                          </m:r>
+                          <m:r>
+                            <a:rPr lang="de-DE" sz="2400" i="1">
+                              <a:latin typeface="Cambria Math"/>
+                            </a:rPr>
+                            <m:t>=</m:t>
+                          </m:r>
+                          <m:r>
+                            <a:rPr lang="de-DE" sz="2400" i="1">
+                              <a:latin typeface="Cambria Math"/>
+                            </a:rPr>
+                            <m:t>𝑥</m:t>
+                          </m:r>
+                          <m:r>
+                            <a:rPr lang="de-DE" sz="2400" i="1">
+                              <a:latin typeface="Cambria Math"/>
+                            </a:rPr>
+                            <m:t>)</m:t>
+                          </m:r>
+                          <m:r>
+                            <m:rPr>
+                              <m:nor/>
+                            </m:rPr>
+                            <a:rPr lang="de-DE" sz="2400" dirty="0"/>
+                            <m:t> </m:t>
+                          </m:r>
+                        </m:e>
+                      </m:func>
+                    </m:oMath>
+                  </m:oMathPara>
+                </a14:m>
+                <a:endParaRPr lang="de-DE" sz="2400" dirty="0"/>
+              </a:p>
+            </p:txBody>
+          </p:sp>
+        </mc:Choice>
+        <mc:Fallback>
+          <p:sp>
+            <p:nvSpPr>
+              <p:cNvPr id="5" name="Inhaltsplatzhalter 4"/>
+              <p:cNvSpPr>
+                <a:spLocks noGrp="1" noRot="1" noChangeAspect="1" noMove="1" noResize="1" noEditPoints="1" noAdjustHandles="1" noChangeArrowheads="1" noChangeShapeType="1" noTextEdit="1"/>
+              </p:cNvSpPr>
+              <p:nvPr>
+                <p:ph idx="1"/>
+              </p:nvPr>
+            </p:nvSpPr>
+            <p:spPr>
+              <a:xfrm>
+                <a:off x="623392" y="1124744"/>
+                <a:ext cx="10945216" cy="5052219"/>
+              </a:xfrm>
+              <a:blipFill rotWithShape="1">
+                <a:blip r:embed="rId2"/>
+                <a:stretch>
+                  <a:fillRect l="-724"/>
+                </a:stretch>
+              </a:blipFill>
+            </p:spPr>
+            <p:txBody>
+              <a:bodyPr/>
+              <a:lstStyle/>
+              <a:p>
+                <a:r>
+                  <a:rPr lang="de-DE">
+                    <a:noFill/>
+                  </a:rPr>
+                  <a:t> </a:t>
+                </a:r>
+              </a:p>
+            </p:txBody>
+          </p:sp>
+        </mc:Fallback>
+      </mc:AlternateContent>
+      <p:sp>
+        <p:nvSpPr>
+          <p:cNvPr id="2" name="Foliennummernplatzhalter 1"/>
+          <p:cNvSpPr>
+            <a:spLocks noGrp="1"/>
+          </p:cNvSpPr>
+          <p:nvPr>
+            <p:ph type="sldNum" sz="quarter" idx="12"/>
+          </p:nvPr>
+        </p:nvSpPr>
+        <p:spPr/>
+        <p:txBody>
+          <a:bodyPr/>
+          <a:lstStyle/>
+          <a:p>
+            <a:fld id="{F4DAF760-8A09-427D-9634-9AF01F07ABD5}" type="slidenum">
+              <a:rPr lang="de-DE" smtClean="0"/>
+              <a:t>29</a:t>
+            </a:fld>
+            <a:endParaRPr lang="de-DE" dirty="0"/>
+          </a:p>
+        </p:txBody>
+      </p:sp>
+      <p:sp>
+        <p:nvSpPr>
+          <p:cNvPr id="3" name="Titel 2"/>
+          <p:cNvSpPr>
+            <a:spLocks noGrp="1"/>
+          </p:cNvSpPr>
+          <p:nvPr>
+            <p:ph type="title"/>
+          </p:nvPr>
+        </p:nvSpPr>
+        <p:spPr/>
+        <p:txBody>
+          <a:bodyPr/>
+          <a:lstStyle/>
+          <a:p>
+            <a:r>
+              <a:rPr lang="de-DE" sz="2400" b="1" dirty="0" smtClean="0"/>
+              <a:t>WG-Konstruktionsphase</a:t>
+            </a:r>
+            <a:r>
+              <a:rPr lang="de-DE" sz="2400" b="1" dirty="0" smtClean="0"/>
+              <a:t>:</a:t>
+            </a:r>
+            <a:r>
+              <a:rPr lang="de-DE" sz="2400" dirty="0" smtClean="0"/>
+              <a:t>	</a:t>
+            </a:r>
+            <a:r>
+              <a:rPr lang="de-DE" dirty="0" smtClean="0"/>
+              <a:t>HL-MRFs</a:t>
+            </a:r>
+            <a:endParaRPr lang="de-DE" dirty="0"/>
+          </a:p>
+        </p:txBody>
+      </p:sp>
+      <p:grpSp>
+        <p:nvGrpSpPr>
+          <p:cNvPr id="16" name="Gruppieren 15"/>
+          <p:cNvGrpSpPr/>
+          <p:nvPr/>
+        </p:nvGrpSpPr>
+        <p:grpSpPr>
+          <a:xfrm>
+            <a:off x="263352" y="4509657"/>
+            <a:ext cx="7118085" cy="1457182"/>
+            <a:chOff x="263352" y="4509657"/>
+            <a:chExt cx="7118085" cy="1457182"/>
+          </a:xfrm>
+        </p:grpSpPr>
+        <p:sp>
+          <p:nvSpPr>
+            <p:cNvPr id="11" name="Ellipse 10"/>
+            <p:cNvSpPr/>
+            <p:nvPr/>
+          </p:nvSpPr>
+          <p:spPr>
+            <a:xfrm rot="21394444">
+              <a:off x="4717141" y="4509657"/>
+              <a:ext cx="2664296" cy="937900"/>
+            </a:xfrm>
+            <a:prstGeom prst="ellipse">
+              <a:avLst/>
+            </a:prstGeom>
+            <a:noFill/>
+            <a:ln w="57150">
+              <a:solidFill>
+                <a:schemeClr val="accent3"/>
+              </a:solidFill>
+            </a:ln>
+          </p:spPr>
+          <p:style>
+            <a:lnRef idx="2">
+              <a:schemeClr val="accent1">
+                <a:shade val="50000"/>
+              </a:schemeClr>
+            </a:lnRef>
+            <a:fillRef idx="1">
+              <a:schemeClr val="accent1"/>
+            </a:fillRef>
+            <a:effectRef idx="0">
+              <a:schemeClr val="accent1"/>
+            </a:effectRef>
+            <a:fontRef idx="minor">
+              <a:schemeClr val="lt1"/>
+            </a:fontRef>
+          </p:style>
+          <p:txBody>
+            <a:bodyPr rtlCol="0" anchor="ctr"/>
+            <a:lstStyle/>
+            <a:p>
+              <a:pPr algn="ctr"/>
+              <a:endParaRPr lang="de-DE"/>
+            </a:p>
+          </p:txBody>
+        </p:sp>
+        <p:sp>
+          <p:nvSpPr>
+            <p:cNvPr id="14" name="Rechteck 13"/>
+            <p:cNvSpPr/>
+            <p:nvPr/>
+          </p:nvSpPr>
+          <p:spPr>
+            <a:xfrm>
+              <a:off x="263352" y="5301208"/>
+              <a:ext cx="5184576" cy="665631"/>
+            </a:xfrm>
+            <a:prstGeom prst="rect">
+              <a:avLst/>
+            </a:prstGeom>
+          </p:spPr>
+          <p:txBody>
+            <a:bodyPr wrap="square">
+              <a:spAutoFit/>
+            </a:bodyPr>
+            <a:lstStyle/>
+            <a:p>
+              <a:pPr marL="0" lvl="0" indent="0" algn="ctr">
+                <a:lnSpc>
+                  <a:spcPct val="150000"/>
+                </a:lnSpc>
+                <a:buNone/>
+              </a:pPr>
+              <a:r>
+                <a:rPr lang="en-US" sz="2800" dirty="0" err="1" smtClean="0">
+                  <a:solidFill>
+                    <a:schemeClr val="accent3"/>
+                  </a:solidFill>
+                  <a:latin typeface="Roboto Light" panose="02000000000000000000" pitchFamily="2" charset="0"/>
+                  <a:ea typeface="Roboto Light" panose="02000000000000000000" pitchFamily="2" charset="0"/>
+                </a:rPr>
+                <a:t>konvexes</a:t>
+              </a:r>
+              <a:r>
+                <a:rPr lang="en-US" sz="2800" dirty="0" smtClean="0">
+                  <a:solidFill>
+                    <a:schemeClr val="accent3"/>
+                  </a:solidFill>
+                  <a:latin typeface="Roboto Light" panose="02000000000000000000" pitchFamily="2" charset="0"/>
+                  <a:ea typeface="Roboto Light" panose="02000000000000000000" pitchFamily="2" charset="0"/>
+                </a:rPr>
+                <a:t> </a:t>
+              </a:r>
+              <a:r>
+                <a:rPr lang="en-US" sz="2800" dirty="0" err="1" smtClean="0">
+                  <a:solidFill>
+                    <a:schemeClr val="accent3"/>
+                  </a:solidFill>
+                  <a:latin typeface="Roboto Light" panose="02000000000000000000" pitchFamily="2" charset="0"/>
+                  <a:ea typeface="Roboto Light" panose="02000000000000000000" pitchFamily="2" charset="0"/>
+                </a:rPr>
+                <a:t>Optimierungsproblem</a:t>
+              </a:r>
+              <a:endParaRPr lang="en-US" sz="2400" dirty="0">
+                <a:solidFill>
+                  <a:schemeClr val="accent3"/>
+                </a:solidFill>
+                <a:latin typeface="Roboto Light" panose="02000000000000000000" pitchFamily="2" charset="0"/>
+                <a:ea typeface="Roboto Light" panose="02000000000000000000" pitchFamily="2" charset="0"/>
+              </a:endParaRPr>
+            </a:p>
+          </p:txBody>
+        </p:sp>
+      </p:grpSp>
+      <p:sp>
+        <p:nvSpPr>
+          <p:cNvPr id="15" name="Rechteck 14"/>
+          <p:cNvSpPr/>
+          <p:nvPr/>
+        </p:nvSpPr>
+        <p:spPr>
+          <a:xfrm>
+            <a:off x="6384032" y="5301208"/>
+            <a:ext cx="5184576" cy="665631"/>
+          </a:xfrm>
+          <a:prstGeom prst="rect">
+            <a:avLst/>
+          </a:prstGeom>
+        </p:spPr>
+        <p:txBody>
+          <a:bodyPr wrap="square">
+            <a:spAutoFit/>
+          </a:bodyPr>
+          <a:lstStyle/>
+          <a:p>
+            <a:pPr marL="0" lvl="0" indent="0" algn="ctr">
+              <a:lnSpc>
+                <a:spcPct val="150000"/>
+              </a:lnSpc>
+              <a:buNone/>
+            </a:pPr>
+            <a:r>
+              <a:rPr lang="en-US" sz="2800" dirty="0" err="1" smtClean="0">
+                <a:solidFill>
+                  <a:schemeClr val="accent3"/>
+                </a:solidFill>
+                <a:latin typeface="Roboto Light" panose="02000000000000000000" pitchFamily="2" charset="0"/>
+                <a:ea typeface="Roboto Light" panose="02000000000000000000" pitchFamily="2" charset="0"/>
+              </a:rPr>
+              <a:t>effizient</a:t>
+            </a:r>
+            <a:r>
+              <a:rPr lang="en-US" sz="2800" dirty="0" smtClean="0">
+                <a:solidFill>
+                  <a:schemeClr val="accent3"/>
+                </a:solidFill>
+                <a:latin typeface="Roboto Light" panose="02000000000000000000" pitchFamily="2" charset="0"/>
+                <a:ea typeface="Roboto Light" panose="02000000000000000000" pitchFamily="2" charset="0"/>
+              </a:rPr>
+              <a:t> </a:t>
+            </a:r>
+            <a:r>
+              <a:rPr lang="en-US" sz="2800" dirty="0" err="1" smtClean="0">
+                <a:solidFill>
+                  <a:schemeClr val="accent3"/>
+                </a:solidFill>
+                <a:latin typeface="Roboto Light" panose="02000000000000000000" pitchFamily="2" charset="0"/>
+                <a:ea typeface="Roboto Light" panose="02000000000000000000" pitchFamily="2" charset="0"/>
+              </a:rPr>
+              <a:t>lösbar</a:t>
+            </a:r>
+            <a:r>
+              <a:rPr lang="en-US" sz="2800" dirty="0" smtClean="0">
+                <a:solidFill>
+                  <a:schemeClr val="accent3"/>
+                </a:solidFill>
+                <a:latin typeface="Roboto Light" panose="02000000000000000000" pitchFamily="2" charset="0"/>
+                <a:ea typeface="Roboto Light" panose="02000000000000000000" pitchFamily="2" charset="0"/>
+              </a:rPr>
+              <a:t> </a:t>
+            </a:r>
+            <a:r>
+              <a:rPr lang="en-US" sz="2800" dirty="0" err="1" smtClean="0">
+                <a:solidFill>
+                  <a:schemeClr val="accent3"/>
+                </a:solidFill>
+                <a:latin typeface="Roboto Light" panose="02000000000000000000" pitchFamily="2" charset="0"/>
+                <a:ea typeface="Roboto Light" panose="02000000000000000000" pitchFamily="2" charset="0"/>
+              </a:rPr>
+              <a:t>mittels</a:t>
+            </a:r>
+            <a:r>
+              <a:rPr lang="en-US" sz="2800" dirty="0" smtClean="0">
+                <a:solidFill>
+                  <a:schemeClr val="accent3"/>
+                </a:solidFill>
+                <a:latin typeface="Roboto Light" panose="02000000000000000000" pitchFamily="2" charset="0"/>
+                <a:ea typeface="Roboto Light" panose="02000000000000000000" pitchFamily="2" charset="0"/>
+              </a:rPr>
+              <a:t> ADMM</a:t>
+            </a:r>
+            <a:endParaRPr lang="en-US" sz="2400" dirty="0">
+              <a:solidFill>
+                <a:schemeClr val="accent3"/>
+              </a:solidFill>
+              <a:latin typeface="Roboto Light" panose="02000000000000000000" pitchFamily="2" charset="0"/>
+              <a:ea typeface="Roboto Light" panose="02000000000000000000" pitchFamily="2" charset="0"/>
+            </a:endParaRPr>
+          </a:p>
+        </p:txBody>
+      </p:sp>
+    </p:spTree>
+    <p:extLst>
+      <p:ext uri="{BB962C8B-B14F-4D97-AF65-F5344CB8AC3E}">
+        <p14:creationId xmlns:p14="http://schemas.microsoft.com/office/powerpoint/2010/main" val="60016435"/>
+      </p:ext>
+    </p:extLst>
+  </p:cSld>
+  <p:clrMapOvr>
+    <a:masterClrMapping/>
+  </p:clrMapOvr>
+  <p:timing>
+    <p:tnLst>
+      <p:par>
+        <p:cTn id="1" dur="indefinite" restart="never" nodeType="tmRoot">
+          <p:childTnLst>
+            <p:seq concurrent="1" nextAc="seek">
+              <p:cTn id="2" dur="indefinite" nodeType="mainSeq">
+                <p:childTnLst>
+                  <p:par>
+                    <p:cTn id="3" fill="hold">
+                      <p:stCondLst>
+                        <p:cond delay="indefinite"/>
+                        <p:cond evt="onBegin" delay="0">
+                          <p:tn val="2"/>
+                        </p:cond>
+                      </p:stCondLst>
+                      <p:childTnLst>
+                        <p:par>
+                          <p:cTn id="4" fill="hold">
+                            <p:stCondLst>
+                              <p:cond delay="0"/>
+                            </p:stCondLst>
+                            <p:childTnLst>
+                              <p:par>
+                                <p:cTn id="5" presetID="1" presetClass="entr" presetSubtype="0" fill="hold" grpId="0" nodeType="withEffect">
+                                  <p:stCondLst>
+                                    <p:cond delay="0"/>
+                                  </p:stCondLst>
+                                  <p:childTnLst>
+                                    <p:set>
+                                      <p:cBhvr>
+                                        <p:cTn id="6" dur="1" fill="hold">
+                                          <p:stCondLst>
+                                            <p:cond delay="0"/>
+                                          </p:stCondLst>
+                                        </p:cTn>
+                                        <p:tgtEl>
+                                          <p:spTgt spid="5">
+                                            <p:txEl>
+                                              <p:pRg st="0" end="0"/>
+                                            </p:txEl>
+                                          </p:spTgt>
+                                        </p:tgtEl>
+                                        <p:attrNameLst>
+                                          <p:attrName>style.visibility</p:attrName>
+                                        </p:attrNameLst>
+                                      </p:cBhvr>
+                                      <p:to>
+                                        <p:strVal val="visible"/>
+                                      </p:to>
+                                    </p:set>
+                                  </p:childTnLst>
+                                </p:cTn>
+                              </p:par>
+                              <p:par>
+                                <p:cTn id="7" presetID="1" presetClass="entr" presetSubtype="0" fill="hold" grpId="0" nodeType="withEffect">
+                                  <p:stCondLst>
+                                    <p:cond delay="0"/>
+                                  </p:stCondLst>
+                                  <p:childTnLst>
+                                    <p:set>
+                                      <p:cBhvr>
+                                        <p:cTn id="8" dur="1" fill="hold">
+                                          <p:stCondLst>
+                                            <p:cond delay="0"/>
+                                          </p:stCondLst>
+                                        </p:cTn>
+                                        <p:tgtEl>
+                                          <p:spTgt spid="5">
+                                            <p:txEl>
+                                              <p:pRg st="1" end="1"/>
+                                            </p:txEl>
+                                          </p:spTgt>
+                                        </p:tgtEl>
+                                        <p:attrNameLst>
+                                          <p:attrName>style.visibility</p:attrName>
+                                        </p:attrNameLst>
+                                      </p:cBhvr>
+                                      <p:to>
+                                        <p:strVal val="visible"/>
+                                      </p:to>
+                                    </p:set>
+                                  </p:childTnLst>
+                                </p:cTn>
+                              </p:par>
+                              <p:par>
+                                <p:cTn id="9" presetID="1" presetClass="entr" presetSubtype="0" fill="hold" grpId="0" nodeType="withEffect">
+                                  <p:stCondLst>
+                                    <p:cond delay="0"/>
+                                  </p:stCondLst>
+                                  <p:childTnLst>
+                                    <p:set>
+                                      <p:cBhvr>
+                                        <p:cTn id="10" dur="1" fill="hold">
+                                          <p:stCondLst>
+                                            <p:cond delay="0"/>
+                                          </p:stCondLst>
+                                        </p:cTn>
+                                        <p:tgtEl>
+                                          <p:spTgt spid="5">
+                                            <p:txEl>
+                                              <p:pRg st="2" end="2"/>
+                                            </p:txEl>
+                                          </p:spTgt>
+                                        </p:tgtEl>
+                                        <p:attrNameLst>
+                                          <p:attrName>style.visibility</p:attrName>
+                                        </p:attrNameLst>
+                                      </p:cBhvr>
+                                      <p:to>
+                                        <p:strVal val="visible"/>
+                                      </p:to>
+                                    </p:set>
+                                  </p:childTnLst>
+                                </p:cTn>
+                              </p:par>
+                              <p:par>
+                                <p:cTn id="11" presetID="1" presetClass="entr" presetSubtype="0" fill="hold" grpId="0" nodeType="withEffect">
+                                  <p:stCondLst>
+                                    <p:cond delay="0"/>
+                                  </p:stCondLst>
+                                  <p:childTnLst>
+                                    <p:set>
+                                      <p:cBhvr>
+                                        <p:cTn id="12" dur="1" fill="hold">
+                                          <p:stCondLst>
+                                            <p:cond delay="0"/>
+                                          </p:stCondLst>
+                                        </p:cTn>
+                                        <p:tgtEl>
+                                          <p:spTgt spid="5">
+                                            <p:txEl>
+                                              <p:pRg st="3" end="3"/>
+                                            </p:txEl>
+                                          </p:spTgt>
+                                        </p:tgtEl>
+                                        <p:attrNameLst>
+                                          <p:attrName>style.visibility</p:attrName>
+                                        </p:attrNameLst>
+                                      </p:cBhvr>
+                                      <p:to>
+                                        <p:strVal val="visible"/>
+                                      </p:to>
+                                    </p:set>
+                                  </p:childTnLst>
+                                </p:cTn>
+                              </p:par>
+                            </p:childTnLst>
+                          </p:cTn>
+                        </p:par>
+                      </p:childTnLst>
+                    </p:cTn>
+                  </p:par>
+                  <p:par>
+                    <p:cTn id="13" fill="hold">
+                      <p:stCondLst>
+                        <p:cond delay="indefinite"/>
+                      </p:stCondLst>
+                      <p:childTnLst>
+                        <p:par>
+                          <p:cTn id="14" fill="hold">
+                            <p:stCondLst>
+                              <p:cond delay="0"/>
+                            </p:stCondLst>
+                            <p:childTnLst>
+                              <p:par>
+                                <p:cTn id="15" presetID="1" presetClass="entr" presetSubtype="0" fill="hold" nodeType="clickEffect">
+                                  <p:stCondLst>
+                                    <p:cond delay="0"/>
+                                  </p:stCondLst>
+                                  <p:childTnLst>
+                                    <p:set>
+                                      <p:cBhvr>
+                                        <p:cTn id="16" dur="1" fill="hold">
+                                          <p:stCondLst>
+                                            <p:cond delay="0"/>
+                                          </p:stCondLst>
+                                        </p:cTn>
+                                        <p:tgtEl>
+                                          <p:spTgt spid="16"/>
+                                        </p:tgtEl>
+                                        <p:attrNameLst>
+                                          <p:attrName>style.visibility</p:attrName>
+                                        </p:attrNameLst>
+                                      </p:cBhvr>
+                                      <p:to>
+                                        <p:strVal val="visible"/>
+                                      </p:to>
+                                    </p:set>
+                                  </p:childTnLst>
+                                </p:cTn>
+                              </p:par>
+                            </p:childTnLst>
+                          </p:cTn>
+                        </p:par>
+                      </p:childTnLst>
+                    </p:cTn>
+                  </p:par>
+                  <p:par>
+                    <p:cTn id="17" fill="hold">
+                      <p:stCondLst>
+                        <p:cond delay="indefinite"/>
+                      </p:stCondLst>
+                      <p:childTnLst>
+                        <p:par>
+                          <p:cTn id="18" fill="hold">
+                            <p:stCondLst>
+                              <p:cond delay="0"/>
+                            </p:stCondLst>
+                            <p:childTnLst>
+                              <p:par>
+                                <p:cTn id="19" presetID="1" presetClass="entr" presetSubtype="0" fill="hold" grpId="0" nodeType="clickEffect">
+                                  <p:stCondLst>
+                                    <p:cond delay="0"/>
+                                  </p:stCondLst>
+                                  <p:childTnLst>
+                                    <p:set>
+                                      <p:cBhvr>
+                                        <p:cTn id="20" dur="1" fill="hold">
+                                          <p:stCondLst>
+                                            <p:cond delay="0"/>
+                                          </p:stCondLst>
+                                        </p:cTn>
+                                        <p:tgtEl>
+                                          <p:spTgt spid="15"/>
+                                        </p:tgtEl>
+                                        <p:attrNameLst>
+                                          <p:attrName>style.visibility</p:attrName>
+                                        </p:attrNameLst>
+                                      </p:cBhvr>
+                                      <p:to>
+                                        <p:strVal val="visible"/>
+                                      </p:to>
+                                    </p:set>
+                                  </p:childTnLst>
+                                </p:cTn>
+                              </p:par>
+                            </p:childTnLst>
+                          </p:cTn>
+                        </p:par>
+                      </p:childTnLst>
+                    </p:cTn>
+                  </p:par>
+                </p:childTnLst>
+              </p:cTn>
+              <p:prevCondLst>
+                <p:cond evt="onPrev" delay="0">
+                  <p:tgtEl>
+                    <p:sldTgt/>
+                  </p:tgtEl>
+                </p:cond>
+              </p:prevCondLst>
+              <p:nextCondLst>
+                <p:cond evt="onNext" delay="0">
+                  <p:tgtEl>
+                    <p:sldTgt/>
+                  </p:tgtEl>
+                </p:cond>
+              </p:nextCondLst>
+            </p:seq>
+          </p:childTnLst>
+        </p:cTn>
+      </p:par>
+    </p:tnLst>
+    <p:bldLst>
+      <p:bldP spid="5" grpId="0" uiExpand="1" build="p"/>
+      <p:bldP spid="15" grpId="0"/>
+    </p:bldLst>
+  </p:timing>
+</p:sld>
+</file>
+
 <file path=ppt/slides/slide3.xml><?xml version="1.0" encoding="utf-8"?>
 <p:sld xmlns:a="http://schemas.openxmlformats.org/drawingml/2006/main" xmlns:r="http://schemas.openxmlformats.org/officeDocument/2006/relationships" xmlns:p="http://schemas.openxmlformats.org/presentationml/2006/main">
   <p:cSld>
@@ -9700,6 +14451,2839 @@
             </p:seq>
           </p:childTnLst>
         </p:cTn>
+      </p:par>
+    </p:tnLst>
+  </p:timing>
+</p:sld>
+</file>
+
+<file path=ppt/slides/slide30.xml><?xml version="1.0" encoding="utf-8"?>
+<p:sld xmlns:a="http://schemas.openxmlformats.org/drawingml/2006/main" xmlns:r="http://schemas.openxmlformats.org/officeDocument/2006/relationships" xmlns:p="http://schemas.openxmlformats.org/presentationml/2006/main">
+  <p:cSld>
+    <p:spTree>
+      <p:nvGrpSpPr>
+        <p:cNvPr id="1" name=""/>
+        <p:cNvGrpSpPr/>
+        <p:nvPr/>
+      </p:nvGrpSpPr>
+      <p:grpSpPr>
+        <a:xfrm>
+          <a:off x="0" y="0"/>
+          <a:ext cx="0" cy="0"/>
+          <a:chOff x="0" y="0"/>
+          <a:chExt cx="0" cy="0"/>
+        </a:xfrm>
+      </p:grpSpPr>
+      <mc:AlternateContent xmlns:mc="http://schemas.openxmlformats.org/markup-compatibility/2006">
+        <mc:Choice xmlns:a14="http://schemas.microsoft.com/office/drawing/2010/main" Requires="a14">
+          <p:sp>
+            <p:nvSpPr>
+              <p:cNvPr id="5" name="Inhaltsplatzhalter 4"/>
+              <p:cNvSpPr>
+                <a:spLocks noGrp="1"/>
+              </p:cNvSpPr>
+              <p:nvPr>
+                <p:ph idx="1"/>
+              </p:nvPr>
+            </p:nvSpPr>
+            <p:spPr>
+              <a:xfrm>
+                <a:off x="623392" y="1124744"/>
+                <a:ext cx="10945216" cy="5052219"/>
+              </a:xfrm>
+            </p:spPr>
+            <p:txBody>
+              <a:bodyPr anchor="ctr">
+                <a:normAutofit/>
+              </a:bodyPr>
+              <a:lstStyle/>
+              <a:p>
+                <a:pPr marL="457200" indent="-457200">
+                  <a:lnSpc>
+                    <a:spcPct val="200000"/>
+                  </a:lnSpc>
+                  <a:buFont typeface="+mj-lt"/>
+                  <a:buAutoNum type="arabicPeriod"/>
+                </a:pPr>
+                <a:r>
+                  <a:rPr lang="de-DE" sz="2400" b="0" dirty="0" smtClean="0"/>
+                  <a:t>Sei </a:t>
+                </a:r>
+                <a14:m>
+                  <m:oMath xmlns:m="http://schemas.openxmlformats.org/officeDocument/2006/math">
+                    <m:r>
+                      <a:rPr lang="de-DE" sz="2400" b="0" i="1" smtClean="0">
+                        <a:latin typeface="Cambria Math"/>
+                      </a:rPr>
+                      <m:t>𝑋</m:t>
+                    </m:r>
+                  </m:oMath>
+                </a14:m>
+                <a:r>
+                  <a:rPr lang="de-DE" sz="2400" dirty="0" smtClean="0"/>
+                  <a:t> </a:t>
+                </a:r>
+                <a:r>
+                  <a:rPr lang="de-DE" sz="2400" dirty="0"/>
+                  <a:t>Zufallsvektor, für alle </a:t>
+                </a:r>
+                <a:r>
+                  <a:rPr lang="de-DE" sz="2400" dirty="0" smtClean="0"/>
+                  <a:t>im </a:t>
+                </a:r>
+                <a:r>
+                  <a:rPr lang="de-DE" sz="2400" dirty="0"/>
+                  <a:t>KG vorhandenen Relationen</a:t>
+                </a:r>
+                <a:endParaRPr lang="de-DE" sz="2400" b="0" dirty="0" smtClean="0"/>
+              </a:p>
+              <a:p>
+                <a:pPr marL="457200" indent="-457200">
+                  <a:lnSpc>
+                    <a:spcPct val="200000"/>
+                  </a:lnSpc>
+                  <a:buFont typeface="+mj-lt"/>
+                  <a:buAutoNum type="arabicPeriod"/>
+                </a:pPr>
+                <a:r>
+                  <a:rPr lang="de-DE" sz="2400" dirty="0" smtClean="0"/>
+                  <a:t>Sei </a:t>
+                </a:r>
+                <a14:m>
+                  <m:oMath xmlns:m="http://schemas.openxmlformats.org/officeDocument/2006/math">
+                    <m:r>
+                      <a:rPr lang="de-DE" sz="2400" b="0" i="1" smtClean="0">
+                        <a:latin typeface="Cambria Math"/>
+                      </a:rPr>
+                      <m:t>𝑌</m:t>
+                    </m:r>
+                  </m:oMath>
+                </a14:m>
+                <a:r>
+                  <a:rPr lang="de-DE" sz="2400" b="0" dirty="0" smtClean="0"/>
+                  <a:t> Zufallsvektor, für alle nicht im KG vorhandenen Relationen</a:t>
+                </a:r>
+              </a:p>
+              <a:p>
+                <a:pPr marL="457200" indent="-457200">
+                  <a:lnSpc>
+                    <a:spcPct val="200000"/>
+                  </a:lnSpc>
+                  <a:buFont typeface="+mj-lt"/>
+                  <a:buAutoNum type="arabicPeriod"/>
+                </a:pPr>
+                <a:r>
+                  <a:rPr lang="de-DE" sz="2400" dirty="0" smtClean="0"/>
+                  <a:t>Finde </a:t>
+                </a:r>
+                <a14:m>
+                  <m:oMath xmlns:m="http://schemas.openxmlformats.org/officeDocument/2006/math">
+                    <m:func>
+                      <m:funcPr>
+                        <m:ctrlPr>
+                          <a:rPr lang="de-DE" sz="2400" i="1">
+                            <a:latin typeface="Cambria Math"/>
+                          </a:rPr>
+                        </m:ctrlPr>
+                      </m:funcPr>
+                      <m:fName>
+                        <m:bar>
+                          <m:barPr>
+                            <m:pos m:val="top"/>
+                            <m:ctrlPr>
+                              <a:rPr lang="de-DE" sz="2400" i="1" smtClean="0">
+                                <a:latin typeface="Cambria Math"/>
+                              </a:rPr>
+                            </m:ctrlPr>
+                          </m:barPr>
+                          <m:e>
+                            <m:r>
+                              <a:rPr lang="de-DE" sz="2400" b="0" i="1" smtClean="0">
+                                <a:latin typeface="Cambria Math"/>
+                              </a:rPr>
+                              <m:t>𝑦</m:t>
+                            </m:r>
+                          </m:e>
+                        </m:bar>
+                        <m:r>
+                          <a:rPr lang="de-DE" sz="2400" b="0" i="1" smtClean="0">
+                            <a:latin typeface="Cambria Math"/>
+                          </a:rPr>
+                          <m:t>=</m:t>
+                        </m:r>
+                        <m:limLow>
+                          <m:limLowPr>
+                            <m:ctrlPr>
+                              <a:rPr lang="de-DE" sz="2400" i="1">
+                                <a:latin typeface="Cambria Math"/>
+                              </a:rPr>
+                            </m:ctrlPr>
+                          </m:limLowPr>
+                          <m:e>
+                            <m:r>
+                              <m:rPr>
+                                <m:sty m:val="p"/>
+                              </m:rPr>
+                              <a:rPr lang="de-DE" sz="2400">
+                                <a:latin typeface="Cambria Math"/>
+                              </a:rPr>
+                              <m:t>argmax</m:t>
+                            </m:r>
+                          </m:e>
+                          <m:lim>
+                            <m:r>
+                              <a:rPr lang="de-DE" sz="2400" b="0" i="1" smtClean="0">
+                                <a:latin typeface="Cambria Math"/>
+                              </a:rPr>
+                              <m:t>𝑦</m:t>
+                            </m:r>
+                          </m:lim>
+                        </m:limLow>
+                      </m:fName>
+                      <m:e>
+                        <m:r>
+                          <a:rPr lang="de-DE" sz="2400" i="1">
+                            <a:latin typeface="Cambria Math"/>
+                          </a:rPr>
+                          <m:t>𝑃</m:t>
+                        </m:r>
+                        <m:d>
+                          <m:dPr>
+                            <m:endChr m:val="|"/>
+                            <m:ctrlPr>
+                              <a:rPr lang="de-DE" sz="2400" i="1">
+                                <a:latin typeface="Cambria Math"/>
+                              </a:rPr>
+                            </m:ctrlPr>
+                          </m:dPr>
+                          <m:e>
+                            <m:r>
+                              <a:rPr lang="de-DE" sz="2400" b="0" i="1" smtClean="0">
+                                <a:latin typeface="Cambria Math"/>
+                              </a:rPr>
+                              <m:t>𝑌</m:t>
+                            </m:r>
+                            <m:r>
+                              <a:rPr lang="de-DE" sz="2400" b="0" i="1" smtClean="0">
+                                <a:latin typeface="Cambria Math"/>
+                              </a:rPr>
+                              <m:t>=</m:t>
+                            </m:r>
+                            <m:r>
+                              <a:rPr lang="de-DE" sz="2400" b="0" i="1" smtClean="0">
+                                <a:latin typeface="Cambria Math"/>
+                              </a:rPr>
+                              <m:t>𝑦</m:t>
+                            </m:r>
+                          </m:e>
+                        </m:d>
+                        <m:r>
+                          <a:rPr lang="de-DE" sz="2400" i="1">
+                            <a:latin typeface="Cambria Math"/>
+                          </a:rPr>
+                          <m:t>𝑋</m:t>
+                        </m:r>
+                        <m:r>
+                          <a:rPr lang="de-DE" sz="2400" i="1">
+                            <a:latin typeface="Cambria Math"/>
+                          </a:rPr>
+                          <m:t>=</m:t>
+                        </m:r>
+                        <m:sSup>
+                          <m:sSupPr>
+                            <m:ctrlPr>
+                              <a:rPr lang="de-DE" sz="2400" i="1" smtClean="0">
+                                <a:latin typeface="Cambria Math"/>
+                              </a:rPr>
+                            </m:ctrlPr>
+                          </m:sSupPr>
+                          <m:e>
+                            <m:r>
+                              <a:rPr lang="de-DE" sz="2400" b="0" i="1" smtClean="0">
+                                <a:latin typeface="Cambria Math"/>
+                              </a:rPr>
+                              <m:t>{1}</m:t>
+                            </m:r>
+                          </m:e>
+                          <m:sup>
+                            <m:r>
+                              <a:rPr lang="de-DE" sz="2400" b="0" i="1" smtClean="0">
+                                <a:latin typeface="Cambria Math"/>
+                              </a:rPr>
+                              <m:t>𝑛</m:t>
+                            </m:r>
+                          </m:sup>
+                        </m:sSup>
+                        <m:r>
+                          <a:rPr lang="de-DE" sz="2400" i="1">
+                            <a:latin typeface="Cambria Math"/>
+                          </a:rPr>
+                          <m:t>)</m:t>
+                        </m:r>
+                        <m:r>
+                          <m:rPr>
+                            <m:nor/>
+                          </m:rPr>
+                          <a:rPr lang="de-DE" sz="2400" dirty="0"/>
+                          <m:t> </m:t>
+                        </m:r>
+                      </m:e>
+                    </m:func>
+                  </m:oMath>
+                </a14:m>
+                <a:r>
+                  <a:rPr lang="de-DE" sz="2400" b="0" dirty="0" smtClean="0"/>
+                  <a:t>mittels ADMM</a:t>
+                </a:r>
+              </a:p>
+              <a:p>
+                <a:pPr marL="457200" indent="-457200">
+                  <a:lnSpc>
+                    <a:spcPct val="200000"/>
+                  </a:lnSpc>
+                  <a:buFont typeface="+mj-lt"/>
+                  <a:buAutoNum type="arabicPeriod"/>
+                </a:pPr>
+                <a:r>
+                  <a:rPr lang="de-DE" sz="2400" dirty="0" smtClean="0"/>
+                  <a:t>Füge alle </a:t>
+                </a:r>
+                <a:r>
+                  <a:rPr lang="de-DE" sz="2400" b="0" dirty="0" smtClean="0"/>
+                  <a:t>Relationen</a:t>
+                </a:r>
+                <a:r>
+                  <a:rPr lang="de-DE" sz="2400" dirty="0" smtClean="0"/>
+                  <a:t> </a:t>
+                </a:r>
+                <a14:m>
+                  <m:oMath xmlns:m="http://schemas.openxmlformats.org/officeDocument/2006/math">
+                    <m:sSub>
+                      <m:sSubPr>
+                        <m:ctrlPr>
+                          <a:rPr lang="de-DE" sz="2400" i="1" smtClean="0">
+                            <a:latin typeface="Cambria Math"/>
+                          </a:rPr>
+                        </m:ctrlPr>
+                      </m:sSubPr>
+                      <m:e>
+                        <m:r>
+                          <a:rPr lang="de-DE" sz="2400" b="0" i="1" smtClean="0">
+                            <a:latin typeface="Cambria Math"/>
+                          </a:rPr>
+                          <m:t>𝑟</m:t>
+                        </m:r>
+                      </m:e>
+                      <m:sub>
+                        <m:r>
+                          <a:rPr lang="de-DE" sz="2400" b="0" i="1" smtClean="0">
+                            <a:latin typeface="Cambria Math"/>
+                          </a:rPr>
+                          <m:t>𝑖</m:t>
+                        </m:r>
+                      </m:sub>
+                    </m:sSub>
+                  </m:oMath>
+                </a14:m>
+                <a:r>
+                  <a:rPr lang="de-DE" sz="2400" b="0" dirty="0" smtClean="0"/>
+                  <a:t> ein, für die </a:t>
+                </a:r>
+                <a14:m>
+                  <m:oMath xmlns:m="http://schemas.openxmlformats.org/officeDocument/2006/math">
+                    <m:bar>
+                      <m:barPr>
+                        <m:pos m:val="top"/>
+                        <m:ctrlPr>
+                          <a:rPr lang="de-DE" sz="2400" i="1">
+                            <a:latin typeface="Cambria Math"/>
+                          </a:rPr>
+                        </m:ctrlPr>
+                      </m:barPr>
+                      <m:e>
+                        <m:sSub>
+                          <m:sSubPr>
+                            <m:ctrlPr>
+                              <a:rPr lang="de-DE" sz="2400" i="1">
+                                <a:latin typeface="Cambria Math"/>
+                              </a:rPr>
+                            </m:ctrlPr>
+                          </m:sSubPr>
+                          <m:e>
+                            <m:r>
+                              <a:rPr lang="de-DE" sz="2400" i="1">
+                                <a:latin typeface="Cambria Math"/>
+                              </a:rPr>
+                              <m:t>𝑦</m:t>
+                            </m:r>
+                          </m:e>
+                          <m:sub>
+                            <m:r>
+                              <a:rPr lang="de-DE" sz="2400" i="1">
+                                <a:latin typeface="Cambria Math"/>
+                              </a:rPr>
+                              <m:t>𝑖</m:t>
+                            </m:r>
+                          </m:sub>
+                        </m:sSub>
+                      </m:e>
+                    </m:bar>
+                    <m:r>
+                      <a:rPr lang="de-DE" sz="2400" b="0" i="1" smtClean="0">
+                        <a:latin typeface="Cambria Math"/>
+                      </a:rPr>
+                      <m:t>&gt;0.5</m:t>
+                    </m:r>
+                  </m:oMath>
+                </a14:m>
+                <a:endParaRPr lang="de-DE" sz="2400" b="0" dirty="0" smtClean="0"/>
+              </a:p>
+              <a:p>
+                <a:pPr marL="457200" indent="-457200">
+                  <a:lnSpc>
+                    <a:spcPct val="200000"/>
+                  </a:lnSpc>
+                  <a:buFont typeface="+mj-lt"/>
+                  <a:buAutoNum type="arabicPeriod"/>
+                </a:pPr>
+                <a:r>
+                  <a:rPr lang="de-DE" sz="2400" b="0" dirty="0" smtClean="0"/>
+                  <a:t>Verwende das Ergebnis als neuen Wissensgraph</a:t>
+                </a:r>
+              </a:p>
+            </p:txBody>
+          </p:sp>
+        </mc:Choice>
+        <mc:Fallback>
+          <p:sp>
+            <p:nvSpPr>
+              <p:cNvPr id="5" name="Inhaltsplatzhalter 4"/>
+              <p:cNvSpPr>
+                <a:spLocks noGrp="1" noRot="1" noChangeAspect="1" noMove="1" noResize="1" noEditPoints="1" noAdjustHandles="1" noChangeArrowheads="1" noChangeShapeType="1" noTextEdit="1"/>
+              </p:cNvSpPr>
+              <p:nvPr>
+                <p:ph idx="1"/>
+              </p:nvPr>
+            </p:nvSpPr>
+            <p:spPr>
+              <a:xfrm>
+                <a:off x="623392" y="1124744"/>
+                <a:ext cx="10945216" cy="5052219"/>
+              </a:xfrm>
+              <a:blipFill rotWithShape="1">
+                <a:blip r:embed="rId2"/>
+                <a:stretch>
+                  <a:fillRect l="-1002"/>
+                </a:stretch>
+              </a:blipFill>
+            </p:spPr>
+            <p:txBody>
+              <a:bodyPr/>
+              <a:lstStyle/>
+              <a:p>
+                <a:r>
+                  <a:rPr lang="de-DE">
+                    <a:noFill/>
+                  </a:rPr>
+                  <a:t> </a:t>
+                </a:r>
+              </a:p>
+            </p:txBody>
+          </p:sp>
+        </mc:Fallback>
+      </mc:AlternateContent>
+      <p:sp>
+        <p:nvSpPr>
+          <p:cNvPr id="2" name="Foliennummernplatzhalter 1"/>
+          <p:cNvSpPr>
+            <a:spLocks noGrp="1"/>
+          </p:cNvSpPr>
+          <p:nvPr>
+            <p:ph type="sldNum" sz="quarter" idx="12"/>
+          </p:nvPr>
+        </p:nvSpPr>
+        <p:spPr/>
+        <p:txBody>
+          <a:bodyPr/>
+          <a:lstStyle/>
+          <a:p>
+            <a:fld id="{F4DAF760-8A09-427D-9634-9AF01F07ABD5}" type="slidenum">
+              <a:rPr lang="de-DE" smtClean="0"/>
+              <a:t>30</a:t>
+            </a:fld>
+            <a:endParaRPr lang="de-DE" dirty="0"/>
+          </a:p>
+        </p:txBody>
+      </p:sp>
+      <p:sp>
+        <p:nvSpPr>
+          <p:cNvPr id="3" name="Titel 2"/>
+          <p:cNvSpPr>
+            <a:spLocks noGrp="1"/>
+          </p:cNvSpPr>
+          <p:nvPr>
+            <p:ph type="title"/>
+          </p:nvPr>
+        </p:nvSpPr>
+        <p:spPr/>
+        <p:txBody>
+          <a:bodyPr/>
+          <a:lstStyle/>
+          <a:p>
+            <a:r>
+              <a:rPr lang="de-DE" sz="2400" b="1" dirty="0" smtClean="0"/>
+              <a:t>WG-Konstruktionsphase</a:t>
+            </a:r>
+            <a:r>
+              <a:rPr lang="de-DE" sz="2400" b="1" dirty="0" smtClean="0"/>
+              <a:t>:</a:t>
+            </a:r>
+            <a:r>
+              <a:rPr lang="de-DE" sz="2400" dirty="0" smtClean="0"/>
+              <a:t>	</a:t>
+            </a:r>
+            <a:r>
+              <a:rPr lang="de-DE" dirty="0" smtClean="0"/>
+              <a:t>Grundidee</a:t>
+            </a:r>
+            <a:endParaRPr lang="de-DE" dirty="0"/>
+          </a:p>
+        </p:txBody>
+      </p:sp>
+    </p:spTree>
+    <p:extLst>
+      <p:ext uri="{BB962C8B-B14F-4D97-AF65-F5344CB8AC3E}">
+        <p14:creationId xmlns:p14="http://schemas.microsoft.com/office/powerpoint/2010/main" val="956080671"/>
+      </p:ext>
+    </p:extLst>
+  </p:cSld>
+  <p:clrMapOvr>
+    <a:masterClrMapping/>
+  </p:clrMapOvr>
+  <p:timing>
+    <p:tnLst>
+      <p:par>
+        <p:cTn id="1" dur="indefinite" restart="never" nodeType="tmRoot">
+          <p:childTnLst>
+            <p:seq concurrent="1" nextAc="seek">
+              <p:cTn id="2" dur="indefinite" nodeType="mainSeq">
+                <p:childTnLst>
+                  <p:par>
+                    <p:cTn id="3" fill="hold">
+                      <p:stCondLst>
+                        <p:cond delay="indefinite"/>
+                      </p:stCondLst>
+                      <p:childTnLst>
+                        <p:par>
+                          <p:cTn id="4" fill="hold">
+                            <p:stCondLst>
+                              <p:cond delay="0"/>
+                            </p:stCondLst>
+                            <p:childTnLst>
+                              <p:par>
+                                <p:cTn id="5" presetID="1" presetClass="entr" presetSubtype="0" fill="hold" grpId="0" nodeType="clickEffect">
+                                  <p:stCondLst>
+                                    <p:cond delay="0"/>
+                                  </p:stCondLst>
+                                  <p:childTnLst>
+                                    <p:set>
+                                      <p:cBhvr>
+                                        <p:cTn id="6" dur="1" fill="hold">
+                                          <p:stCondLst>
+                                            <p:cond delay="0"/>
+                                          </p:stCondLst>
+                                        </p:cTn>
+                                        <p:tgtEl>
+                                          <p:spTgt spid="5">
+                                            <p:txEl>
+                                              <p:pRg st="0" end="0"/>
+                                            </p:txEl>
+                                          </p:spTgt>
+                                        </p:tgtEl>
+                                        <p:attrNameLst>
+                                          <p:attrName>style.visibility</p:attrName>
+                                        </p:attrNameLst>
+                                      </p:cBhvr>
+                                      <p:to>
+                                        <p:strVal val="visible"/>
+                                      </p:to>
+                                    </p:set>
+                                  </p:childTnLst>
+                                </p:cTn>
+                              </p:par>
+                            </p:childTnLst>
+                          </p:cTn>
+                        </p:par>
+                      </p:childTnLst>
+                    </p:cTn>
+                  </p:par>
+                  <p:par>
+                    <p:cTn id="7" fill="hold">
+                      <p:stCondLst>
+                        <p:cond delay="indefinite"/>
+                      </p:stCondLst>
+                      <p:childTnLst>
+                        <p:par>
+                          <p:cTn id="8" fill="hold">
+                            <p:stCondLst>
+                              <p:cond delay="0"/>
+                            </p:stCondLst>
+                            <p:childTnLst>
+                              <p:par>
+                                <p:cTn id="9" presetID="1" presetClass="entr" presetSubtype="0" fill="hold" grpId="0" nodeType="clickEffect">
+                                  <p:stCondLst>
+                                    <p:cond delay="0"/>
+                                  </p:stCondLst>
+                                  <p:childTnLst>
+                                    <p:set>
+                                      <p:cBhvr>
+                                        <p:cTn id="10" dur="1" fill="hold">
+                                          <p:stCondLst>
+                                            <p:cond delay="0"/>
+                                          </p:stCondLst>
+                                        </p:cTn>
+                                        <p:tgtEl>
+                                          <p:spTgt spid="5">
+                                            <p:txEl>
+                                              <p:pRg st="1" end="1"/>
+                                            </p:txEl>
+                                          </p:spTgt>
+                                        </p:tgtEl>
+                                        <p:attrNameLst>
+                                          <p:attrName>style.visibility</p:attrName>
+                                        </p:attrNameLst>
+                                      </p:cBhvr>
+                                      <p:to>
+                                        <p:strVal val="visible"/>
+                                      </p:to>
+                                    </p:set>
+                                  </p:childTnLst>
+                                </p:cTn>
+                              </p:par>
+                            </p:childTnLst>
+                          </p:cTn>
+                        </p:par>
+                      </p:childTnLst>
+                    </p:cTn>
+                  </p:par>
+                  <p:par>
+                    <p:cTn id="11" fill="hold">
+                      <p:stCondLst>
+                        <p:cond delay="indefinite"/>
+                      </p:stCondLst>
+                      <p:childTnLst>
+                        <p:par>
+                          <p:cTn id="12" fill="hold">
+                            <p:stCondLst>
+                              <p:cond delay="0"/>
+                            </p:stCondLst>
+                            <p:childTnLst>
+                              <p:par>
+                                <p:cTn id="13" presetID="1" presetClass="entr" presetSubtype="0" fill="hold" grpId="0" nodeType="clickEffect">
+                                  <p:stCondLst>
+                                    <p:cond delay="0"/>
+                                  </p:stCondLst>
+                                  <p:childTnLst>
+                                    <p:set>
+                                      <p:cBhvr>
+                                        <p:cTn id="14" dur="1" fill="hold">
+                                          <p:stCondLst>
+                                            <p:cond delay="0"/>
+                                          </p:stCondLst>
+                                        </p:cTn>
+                                        <p:tgtEl>
+                                          <p:spTgt spid="5">
+                                            <p:txEl>
+                                              <p:pRg st="2" end="2"/>
+                                            </p:txEl>
+                                          </p:spTgt>
+                                        </p:tgtEl>
+                                        <p:attrNameLst>
+                                          <p:attrName>style.visibility</p:attrName>
+                                        </p:attrNameLst>
+                                      </p:cBhvr>
+                                      <p:to>
+                                        <p:strVal val="visible"/>
+                                      </p:to>
+                                    </p:set>
+                                  </p:childTnLst>
+                                </p:cTn>
+                              </p:par>
+                            </p:childTnLst>
+                          </p:cTn>
+                        </p:par>
+                      </p:childTnLst>
+                    </p:cTn>
+                  </p:par>
+                  <p:par>
+                    <p:cTn id="15" fill="hold">
+                      <p:stCondLst>
+                        <p:cond delay="indefinite"/>
+                      </p:stCondLst>
+                      <p:childTnLst>
+                        <p:par>
+                          <p:cTn id="16" fill="hold">
+                            <p:stCondLst>
+                              <p:cond delay="0"/>
+                            </p:stCondLst>
+                            <p:childTnLst>
+                              <p:par>
+                                <p:cTn id="17" presetID="1" presetClass="entr" presetSubtype="0" fill="hold" grpId="0" nodeType="clickEffect">
+                                  <p:stCondLst>
+                                    <p:cond delay="0"/>
+                                  </p:stCondLst>
+                                  <p:childTnLst>
+                                    <p:set>
+                                      <p:cBhvr>
+                                        <p:cTn id="18" dur="1" fill="hold">
+                                          <p:stCondLst>
+                                            <p:cond delay="0"/>
+                                          </p:stCondLst>
+                                        </p:cTn>
+                                        <p:tgtEl>
+                                          <p:spTgt spid="5">
+                                            <p:txEl>
+                                              <p:pRg st="3" end="3"/>
+                                            </p:txEl>
+                                          </p:spTgt>
+                                        </p:tgtEl>
+                                        <p:attrNameLst>
+                                          <p:attrName>style.visibility</p:attrName>
+                                        </p:attrNameLst>
+                                      </p:cBhvr>
+                                      <p:to>
+                                        <p:strVal val="visible"/>
+                                      </p:to>
+                                    </p:set>
+                                  </p:childTnLst>
+                                </p:cTn>
+                              </p:par>
+                            </p:childTnLst>
+                          </p:cTn>
+                        </p:par>
+                      </p:childTnLst>
+                    </p:cTn>
+                  </p:par>
+                  <p:par>
+                    <p:cTn id="19" fill="hold">
+                      <p:stCondLst>
+                        <p:cond delay="indefinite"/>
+                      </p:stCondLst>
+                      <p:childTnLst>
+                        <p:par>
+                          <p:cTn id="20" fill="hold">
+                            <p:stCondLst>
+                              <p:cond delay="0"/>
+                            </p:stCondLst>
+                            <p:childTnLst>
+                              <p:par>
+                                <p:cTn id="21" presetID="1" presetClass="entr" presetSubtype="0" fill="hold" grpId="0" nodeType="clickEffect">
+                                  <p:stCondLst>
+                                    <p:cond delay="0"/>
+                                  </p:stCondLst>
+                                  <p:childTnLst>
+                                    <p:set>
+                                      <p:cBhvr>
+                                        <p:cTn id="22" dur="1" fill="hold">
+                                          <p:stCondLst>
+                                            <p:cond delay="0"/>
+                                          </p:stCondLst>
+                                        </p:cTn>
+                                        <p:tgtEl>
+                                          <p:spTgt spid="5">
+                                            <p:txEl>
+                                              <p:pRg st="4" end="4"/>
+                                            </p:txEl>
+                                          </p:spTgt>
+                                        </p:tgtEl>
+                                        <p:attrNameLst>
+                                          <p:attrName>style.visibility</p:attrName>
+                                        </p:attrNameLst>
+                                      </p:cBhvr>
+                                      <p:to>
+                                        <p:strVal val="visible"/>
+                                      </p:to>
+                                    </p:set>
+                                  </p:childTnLst>
+                                </p:cTn>
+                              </p:par>
+                            </p:childTnLst>
+                          </p:cTn>
+                        </p:par>
+                      </p:childTnLst>
+                    </p:cTn>
+                  </p:par>
+                </p:childTnLst>
+              </p:cTn>
+              <p:prevCondLst>
+                <p:cond evt="onPrev" delay="0">
+                  <p:tgtEl>
+                    <p:sldTgt/>
+                  </p:tgtEl>
+                </p:cond>
+              </p:prevCondLst>
+              <p:nextCondLst>
+                <p:cond evt="onNext" delay="0">
+                  <p:tgtEl>
+                    <p:sldTgt/>
+                  </p:tgtEl>
+                </p:cond>
+              </p:nextCondLst>
+            </p:seq>
+          </p:childTnLst>
+        </p:cTn>
+      </p:par>
+    </p:tnLst>
+    <p:bldLst>
+      <p:bldP spid="5" grpId="0" uiExpand="1" build="p"/>
+    </p:bldLst>
+  </p:timing>
+</p:sld>
+</file>
+
+<file path=ppt/slides/slide31.xml><?xml version="1.0" encoding="utf-8"?>
+<p:sld xmlns:a="http://schemas.openxmlformats.org/drawingml/2006/main" xmlns:r="http://schemas.openxmlformats.org/officeDocument/2006/relationships" xmlns:p="http://schemas.openxmlformats.org/presentationml/2006/main">
+  <p:cSld>
+    <p:spTree>
+      <p:nvGrpSpPr>
+        <p:cNvPr id="1" name=""/>
+        <p:cNvGrpSpPr/>
+        <p:nvPr/>
+      </p:nvGrpSpPr>
+      <p:grpSpPr>
+        <a:xfrm>
+          <a:off x="0" y="0"/>
+          <a:ext cx="0" cy="0"/>
+          <a:chOff x="0" y="0"/>
+          <a:chExt cx="0" cy="0"/>
+        </a:xfrm>
+      </p:grpSpPr>
+      <p:sp>
+        <p:nvSpPr>
+          <p:cNvPr id="2" name="Titel 1"/>
+          <p:cNvSpPr>
+            <a:spLocks noGrp="1"/>
+          </p:cNvSpPr>
+          <p:nvPr>
+            <p:ph type="title"/>
+          </p:nvPr>
+        </p:nvSpPr>
+        <p:spPr>
+          <a:xfrm>
+            <a:off x="831851" y="1772817"/>
+            <a:ext cx="10515600" cy="3816424"/>
+          </a:xfrm>
+        </p:spPr>
+        <p:txBody>
+          <a:bodyPr anchor="ctr"/>
+          <a:lstStyle/>
+          <a:p>
+            <a:pPr algn="ctr">
+              <a:lnSpc>
+                <a:spcPct val="150000"/>
+              </a:lnSpc>
+            </a:pPr>
+            <a:r>
+              <a:rPr lang="de-DE" dirty="0" smtClean="0"/>
+              <a:t>4. Bewertung des Verfahrens</a:t>
+            </a:r>
+            <a:endParaRPr lang="de-DE" dirty="0"/>
+          </a:p>
+        </p:txBody>
+      </p:sp>
+      <p:sp>
+        <p:nvSpPr>
+          <p:cNvPr id="4" name="Foliennummernplatzhalter 3"/>
+          <p:cNvSpPr>
+            <a:spLocks noGrp="1"/>
+          </p:cNvSpPr>
+          <p:nvPr>
+            <p:ph type="sldNum" sz="quarter" idx="12"/>
+          </p:nvPr>
+        </p:nvSpPr>
+        <p:spPr/>
+        <p:txBody>
+          <a:bodyPr/>
+          <a:lstStyle/>
+          <a:p>
+            <a:fld id="{F4DAF760-8A09-427D-9634-9AF01F07ABD5}" type="slidenum">
+              <a:rPr lang="de-DE" smtClean="0"/>
+              <a:t>31</a:t>
+            </a:fld>
+            <a:endParaRPr lang="de-DE" dirty="0"/>
+          </a:p>
+        </p:txBody>
+      </p:sp>
+      <p:sp>
+        <p:nvSpPr>
+          <p:cNvPr id="6" name="Rechteck 5"/>
+          <p:cNvSpPr/>
+          <p:nvPr/>
+        </p:nvSpPr>
+        <p:spPr>
+          <a:xfrm>
+            <a:off x="9376564" y="1267862"/>
+            <a:ext cx="1904012" cy="1008112"/>
+          </a:xfrm>
+          <a:prstGeom prst="rect">
+            <a:avLst/>
+          </a:prstGeom>
+          <a:solidFill>
+            <a:schemeClr val="bg1"/>
+          </a:solidFill>
+          <a:ln>
+            <a:noFill/>
+          </a:ln>
+        </p:spPr>
+        <p:style>
+          <a:lnRef idx="2">
+            <a:schemeClr val="accent1">
+              <a:shade val="50000"/>
+            </a:schemeClr>
+          </a:lnRef>
+          <a:fillRef idx="1">
+            <a:schemeClr val="accent1"/>
+          </a:fillRef>
+          <a:effectRef idx="0">
+            <a:schemeClr val="accent1"/>
+          </a:effectRef>
+          <a:fontRef idx="minor">
+            <a:schemeClr val="lt1"/>
+          </a:fontRef>
+        </p:style>
+        <p:txBody>
+          <a:bodyPr rtlCol="0" anchor="ctr"/>
+          <a:lstStyle/>
+          <a:p>
+            <a:pPr algn="ctr"/>
+            <a:endParaRPr lang="de-DE"/>
+          </a:p>
+        </p:txBody>
+      </p:sp>
+    </p:spTree>
+    <p:extLst>
+      <p:ext uri="{BB962C8B-B14F-4D97-AF65-F5344CB8AC3E}">
+        <p14:creationId xmlns:p14="http://schemas.microsoft.com/office/powerpoint/2010/main" val="2189953439"/>
+      </p:ext>
+    </p:extLst>
+  </p:cSld>
+  <p:clrMapOvr>
+    <a:masterClrMapping/>
+  </p:clrMapOvr>
+  <p:timing>
+    <p:tnLst>
+      <p:par>
+        <p:cTn id="1" dur="indefinite" restart="never" nodeType="tmRoot"/>
+      </p:par>
+    </p:tnLst>
+  </p:timing>
+</p:sld>
+</file>
+
+<file path=ppt/slides/slide32.xml><?xml version="1.0" encoding="utf-8"?>
+<p:sld xmlns:a="http://schemas.openxmlformats.org/drawingml/2006/main" xmlns:r="http://schemas.openxmlformats.org/officeDocument/2006/relationships" xmlns:p="http://schemas.openxmlformats.org/presentationml/2006/main">
+  <p:cSld>
+    <p:spTree>
+      <p:nvGrpSpPr>
+        <p:cNvPr id="1" name=""/>
+        <p:cNvGrpSpPr/>
+        <p:nvPr/>
+      </p:nvGrpSpPr>
+      <p:grpSpPr>
+        <a:xfrm>
+          <a:off x="0" y="0"/>
+          <a:ext cx="0" cy="0"/>
+          <a:chOff x="0" y="0"/>
+          <a:chExt cx="0" cy="0"/>
+        </a:xfrm>
+      </p:grpSpPr>
+      <p:sp>
+        <p:nvSpPr>
+          <p:cNvPr id="5" name="Inhaltsplatzhalter 4"/>
+          <p:cNvSpPr>
+            <a:spLocks noGrp="1"/>
+          </p:cNvSpPr>
+          <p:nvPr>
+            <p:ph idx="1"/>
+          </p:nvPr>
+        </p:nvSpPr>
+        <p:spPr>
+          <a:xfrm>
+            <a:off x="1703512" y="1124744"/>
+            <a:ext cx="8784976" cy="5052219"/>
+          </a:xfrm>
+        </p:spPr>
+        <p:txBody>
+          <a:bodyPr anchor="ctr">
+            <a:normAutofit/>
+          </a:bodyPr>
+          <a:lstStyle/>
+          <a:p>
+            <a:pPr marL="0" indent="0">
+              <a:lnSpc>
+                <a:spcPct val="200000"/>
+              </a:lnSpc>
+              <a:buNone/>
+            </a:pPr>
+            <a:r>
+              <a:rPr lang="de-DE" sz="2400" b="1" dirty="0" smtClean="0"/>
+              <a:t>Problem: </a:t>
+            </a:r>
+            <a:r>
+              <a:rPr lang="de-DE" sz="2400" b="0" dirty="0" smtClean="0"/>
+              <a:t>Es gibt keine Benchmarks für </a:t>
+            </a:r>
+            <a:r>
+              <a:rPr lang="de-DE" sz="2400" b="0" dirty="0" err="1" smtClean="0"/>
+              <a:t>Wissensgraphkonstruktion</a:t>
+            </a:r>
+            <a:r>
+              <a:rPr lang="de-DE" sz="2400" b="0" dirty="0" smtClean="0"/>
+              <a:t> + Kommunikationsdaten.</a:t>
+            </a:r>
+          </a:p>
+          <a:p>
+            <a:pPr marL="0" indent="0">
+              <a:lnSpc>
+                <a:spcPct val="200000"/>
+              </a:lnSpc>
+              <a:buNone/>
+            </a:pPr>
+            <a:r>
+              <a:rPr lang="de-DE" sz="2400" b="1" dirty="0" smtClean="0"/>
+              <a:t>Daher: </a:t>
+            </a:r>
+            <a:r>
+              <a:rPr lang="de-DE" sz="2400" dirty="0" smtClean="0"/>
+              <a:t>Manuelles, stichprobenartiges Auswerten von Testdaten aus dem </a:t>
+            </a:r>
+            <a:r>
+              <a:rPr lang="de-DE" sz="2400" dirty="0" err="1" smtClean="0"/>
+              <a:t>Enron</a:t>
+            </a:r>
+            <a:r>
+              <a:rPr lang="de-DE" sz="2400" dirty="0" smtClean="0"/>
+              <a:t> E-Mail Corpus.</a:t>
+            </a:r>
+            <a:endParaRPr lang="de-DE" sz="2400" b="0" dirty="0" smtClean="0"/>
+          </a:p>
+        </p:txBody>
+      </p:sp>
+      <p:sp>
+        <p:nvSpPr>
+          <p:cNvPr id="2" name="Foliennummernplatzhalter 1"/>
+          <p:cNvSpPr>
+            <a:spLocks noGrp="1"/>
+          </p:cNvSpPr>
+          <p:nvPr>
+            <p:ph type="sldNum" sz="quarter" idx="12"/>
+          </p:nvPr>
+        </p:nvSpPr>
+        <p:spPr/>
+        <p:txBody>
+          <a:bodyPr/>
+          <a:lstStyle/>
+          <a:p>
+            <a:fld id="{F4DAF760-8A09-427D-9634-9AF01F07ABD5}" type="slidenum">
+              <a:rPr lang="de-DE" smtClean="0"/>
+              <a:t>32</a:t>
+            </a:fld>
+            <a:endParaRPr lang="de-DE" dirty="0"/>
+          </a:p>
+        </p:txBody>
+      </p:sp>
+      <p:sp>
+        <p:nvSpPr>
+          <p:cNvPr id="3" name="Titel 2"/>
+          <p:cNvSpPr>
+            <a:spLocks noGrp="1"/>
+          </p:cNvSpPr>
+          <p:nvPr>
+            <p:ph type="title"/>
+          </p:nvPr>
+        </p:nvSpPr>
+        <p:spPr/>
+        <p:txBody>
+          <a:bodyPr/>
+          <a:lstStyle/>
+          <a:p>
+            <a:r>
+              <a:rPr lang="de-DE" sz="2400" b="1" dirty="0" smtClean="0"/>
+              <a:t>Bewertung:</a:t>
+            </a:r>
+            <a:r>
+              <a:rPr lang="de-DE" sz="2400" dirty="0" smtClean="0"/>
+              <a:t>	</a:t>
+            </a:r>
+            <a:r>
+              <a:rPr lang="de-DE" dirty="0" smtClean="0"/>
+              <a:t>Ansatz</a:t>
+            </a:r>
+            <a:endParaRPr lang="de-DE" dirty="0"/>
+          </a:p>
+        </p:txBody>
+      </p:sp>
+    </p:spTree>
+    <p:extLst>
+      <p:ext uri="{BB962C8B-B14F-4D97-AF65-F5344CB8AC3E}">
+        <p14:creationId xmlns:p14="http://schemas.microsoft.com/office/powerpoint/2010/main" val="4110223717"/>
+      </p:ext>
+    </p:extLst>
+  </p:cSld>
+  <p:clrMapOvr>
+    <a:masterClrMapping/>
+  </p:clrMapOvr>
+  <p:timing>
+    <p:tnLst>
+      <p:par>
+        <p:cTn id="1" dur="indefinite" restart="never" nodeType="tmRoot">
+          <p:childTnLst>
+            <p:seq concurrent="1" nextAc="seek">
+              <p:cTn id="2" dur="indefinite" nodeType="mainSeq">
+                <p:childTnLst>
+                  <p:par>
+                    <p:cTn id="3" fill="hold">
+                      <p:stCondLst>
+                        <p:cond delay="indefinite"/>
+                        <p:cond evt="onBegin" delay="0">
+                          <p:tn val="2"/>
+                        </p:cond>
+                      </p:stCondLst>
+                      <p:childTnLst>
+                        <p:par>
+                          <p:cTn id="4" fill="hold">
+                            <p:stCondLst>
+                              <p:cond delay="0"/>
+                            </p:stCondLst>
+                            <p:childTnLst>
+                              <p:par>
+                                <p:cTn id="5" presetID="1" presetClass="entr" presetSubtype="0" fill="hold" grpId="0" nodeType="withEffect">
+                                  <p:stCondLst>
+                                    <p:cond delay="0"/>
+                                  </p:stCondLst>
+                                  <p:childTnLst>
+                                    <p:set>
+                                      <p:cBhvr>
+                                        <p:cTn id="6" dur="1" fill="hold">
+                                          <p:stCondLst>
+                                            <p:cond delay="0"/>
+                                          </p:stCondLst>
+                                        </p:cTn>
+                                        <p:tgtEl>
+                                          <p:spTgt spid="5">
+                                            <p:txEl>
+                                              <p:pRg st="0" end="0"/>
+                                            </p:txEl>
+                                          </p:spTgt>
+                                        </p:tgtEl>
+                                        <p:attrNameLst>
+                                          <p:attrName>style.visibility</p:attrName>
+                                        </p:attrNameLst>
+                                      </p:cBhvr>
+                                      <p:to>
+                                        <p:strVal val="visible"/>
+                                      </p:to>
+                                    </p:set>
+                                  </p:childTnLst>
+                                </p:cTn>
+                              </p:par>
+                            </p:childTnLst>
+                          </p:cTn>
+                        </p:par>
+                      </p:childTnLst>
+                    </p:cTn>
+                  </p:par>
+                  <p:par>
+                    <p:cTn id="7" fill="hold">
+                      <p:stCondLst>
+                        <p:cond delay="indefinite"/>
+                      </p:stCondLst>
+                      <p:childTnLst>
+                        <p:par>
+                          <p:cTn id="8" fill="hold">
+                            <p:stCondLst>
+                              <p:cond delay="0"/>
+                            </p:stCondLst>
+                            <p:childTnLst>
+                              <p:par>
+                                <p:cTn id="9" presetID="1" presetClass="entr" presetSubtype="0" fill="hold" grpId="0" nodeType="clickEffect">
+                                  <p:stCondLst>
+                                    <p:cond delay="0"/>
+                                  </p:stCondLst>
+                                  <p:childTnLst>
+                                    <p:set>
+                                      <p:cBhvr>
+                                        <p:cTn id="10" dur="1" fill="hold">
+                                          <p:stCondLst>
+                                            <p:cond delay="0"/>
+                                          </p:stCondLst>
+                                        </p:cTn>
+                                        <p:tgtEl>
+                                          <p:spTgt spid="5">
+                                            <p:txEl>
+                                              <p:pRg st="1" end="1"/>
+                                            </p:txEl>
+                                          </p:spTgt>
+                                        </p:tgtEl>
+                                        <p:attrNameLst>
+                                          <p:attrName>style.visibility</p:attrName>
+                                        </p:attrNameLst>
+                                      </p:cBhvr>
+                                      <p:to>
+                                        <p:strVal val="visible"/>
+                                      </p:to>
+                                    </p:set>
+                                  </p:childTnLst>
+                                </p:cTn>
+                              </p:par>
+                            </p:childTnLst>
+                          </p:cTn>
+                        </p:par>
+                      </p:childTnLst>
+                    </p:cTn>
+                  </p:par>
+                </p:childTnLst>
+              </p:cTn>
+              <p:prevCondLst>
+                <p:cond evt="onPrev" delay="0">
+                  <p:tgtEl>
+                    <p:sldTgt/>
+                  </p:tgtEl>
+                </p:cond>
+              </p:prevCondLst>
+              <p:nextCondLst>
+                <p:cond evt="onNext" delay="0">
+                  <p:tgtEl>
+                    <p:sldTgt/>
+                  </p:tgtEl>
+                </p:cond>
+              </p:nextCondLst>
+            </p:seq>
+          </p:childTnLst>
+        </p:cTn>
+      </p:par>
+    </p:tnLst>
+    <p:bldLst>
+      <p:bldP spid="5" grpId="0" uiExpand="1" build="p"/>
+    </p:bldLst>
+  </p:timing>
+</p:sld>
+</file>
+
+<file path=ppt/slides/slide33.xml><?xml version="1.0" encoding="utf-8"?>
+<p:sld xmlns:a="http://schemas.openxmlformats.org/drawingml/2006/main" xmlns:r="http://schemas.openxmlformats.org/officeDocument/2006/relationships" xmlns:p="http://schemas.openxmlformats.org/presentationml/2006/main">
+  <p:cSld>
+    <p:spTree>
+      <p:nvGrpSpPr>
+        <p:cNvPr id="1" name=""/>
+        <p:cNvGrpSpPr/>
+        <p:nvPr/>
+      </p:nvGrpSpPr>
+      <p:grpSpPr>
+        <a:xfrm>
+          <a:off x="0" y="0"/>
+          <a:ext cx="0" cy="0"/>
+          <a:chOff x="0" y="0"/>
+          <a:chExt cx="0" cy="0"/>
+        </a:xfrm>
+      </p:grpSpPr>
+      <p:sp>
+        <p:nvSpPr>
+          <p:cNvPr id="4" name="Textplatzhalter 3"/>
+          <p:cNvSpPr>
+            <a:spLocks noGrp="1"/>
+          </p:cNvSpPr>
+          <p:nvPr>
+            <p:ph type="body" idx="1"/>
+          </p:nvPr>
+        </p:nvSpPr>
+        <p:spPr/>
+        <p:txBody>
+          <a:bodyPr/>
+          <a:lstStyle/>
+          <a:p>
+            <a:r>
+              <a:rPr lang="de-DE" dirty="0" smtClean="0"/>
+              <a:t>Erkannt wird:</a:t>
+            </a:r>
+            <a:endParaRPr lang="de-DE" dirty="0"/>
+          </a:p>
+        </p:txBody>
+      </p:sp>
+      <p:sp>
+        <p:nvSpPr>
+          <p:cNvPr id="5" name="Inhaltsplatzhalter 4"/>
+          <p:cNvSpPr>
+            <a:spLocks noGrp="1"/>
+          </p:cNvSpPr>
+          <p:nvPr>
+            <p:ph sz="half" idx="2"/>
+          </p:nvPr>
+        </p:nvSpPr>
+        <p:spPr/>
+        <p:txBody>
+          <a:bodyPr anchor="ctr">
+            <a:normAutofit/>
+          </a:bodyPr>
+          <a:lstStyle/>
+          <a:p>
+            <a:pPr>
+              <a:lnSpc>
+                <a:spcPct val="150000"/>
+              </a:lnSpc>
+            </a:pPr>
+            <a:r>
+              <a:rPr lang="de-DE" sz="2400" dirty="0" smtClean="0"/>
+              <a:t>Zuordnung: Name </a:t>
+            </a:r>
+            <a:r>
+              <a:rPr lang="de-DE" sz="2400" b="1" dirty="0">
+                <a:solidFill>
+                  <a:srgbClr val="00205B"/>
+                </a:solidFill>
+              </a:rPr>
+              <a:t>→ </a:t>
+            </a:r>
+            <a:r>
+              <a:rPr lang="de-DE" sz="2400" dirty="0" smtClean="0"/>
+              <a:t>Person</a:t>
+            </a:r>
+          </a:p>
+          <a:p>
+            <a:pPr>
+              <a:lnSpc>
+                <a:spcPct val="150000"/>
+              </a:lnSpc>
+            </a:pPr>
+            <a:r>
+              <a:rPr lang="de-DE" sz="2400" b="0" dirty="0" smtClean="0"/>
+              <a:t>Was Personen, wann getan haben</a:t>
+            </a:r>
+          </a:p>
+          <a:p>
+            <a:pPr>
+              <a:lnSpc>
+                <a:spcPct val="150000"/>
+              </a:lnSpc>
+            </a:pPr>
+            <a:r>
+              <a:rPr lang="de-DE" sz="2400" dirty="0" smtClean="0"/>
+              <a:t>Personenbezogene Daten</a:t>
+            </a:r>
+          </a:p>
+          <a:p>
+            <a:pPr>
+              <a:lnSpc>
+                <a:spcPct val="150000"/>
+              </a:lnSpc>
+            </a:pPr>
+            <a:r>
+              <a:rPr lang="de-DE" sz="2400" b="0" dirty="0" smtClean="0"/>
+              <a:t>Einfache Negationen</a:t>
+            </a:r>
+          </a:p>
+        </p:txBody>
+      </p:sp>
+      <p:sp>
+        <p:nvSpPr>
+          <p:cNvPr id="6" name="Textplatzhalter 5"/>
+          <p:cNvSpPr>
+            <a:spLocks noGrp="1"/>
+          </p:cNvSpPr>
+          <p:nvPr>
+            <p:ph type="body" sz="quarter" idx="3"/>
+          </p:nvPr>
+        </p:nvSpPr>
+        <p:spPr/>
+        <p:txBody>
+          <a:bodyPr/>
+          <a:lstStyle/>
+          <a:p>
+            <a:r>
+              <a:rPr lang="de-DE" dirty="0" smtClean="0"/>
+              <a:t>Nicht erkannt wird:</a:t>
+            </a:r>
+            <a:endParaRPr lang="de-DE" dirty="0"/>
+          </a:p>
+        </p:txBody>
+      </p:sp>
+      <p:sp>
+        <p:nvSpPr>
+          <p:cNvPr id="7" name="Inhaltsplatzhalter 6"/>
+          <p:cNvSpPr>
+            <a:spLocks noGrp="1"/>
+          </p:cNvSpPr>
+          <p:nvPr>
+            <p:ph sz="quarter" idx="4"/>
+          </p:nvPr>
+        </p:nvSpPr>
+        <p:spPr/>
+        <p:txBody>
+          <a:bodyPr anchor="ctr"/>
+          <a:lstStyle/>
+          <a:p>
+            <a:pPr>
+              <a:lnSpc>
+                <a:spcPct val="150000"/>
+              </a:lnSpc>
+            </a:pPr>
+            <a:r>
+              <a:rPr lang="de-DE" sz="2400" dirty="0" smtClean="0"/>
+              <a:t>Kontextabhängige Bedeutungen von Bezeichnern</a:t>
+            </a:r>
+          </a:p>
+          <a:p>
+            <a:pPr>
+              <a:lnSpc>
+                <a:spcPct val="150000"/>
+              </a:lnSpc>
+            </a:pPr>
+            <a:r>
+              <a:rPr lang="de-DE" sz="2400" dirty="0" smtClean="0"/>
+              <a:t>Bezugnahme auf vorherige Nachrichten</a:t>
+            </a:r>
+          </a:p>
+          <a:p>
+            <a:pPr>
+              <a:lnSpc>
+                <a:spcPct val="150000"/>
+              </a:lnSpc>
+            </a:pPr>
+            <a:r>
+              <a:rPr lang="de-DE" sz="2400" dirty="0" smtClean="0"/>
+              <a:t>Komplexere logische Strukturen</a:t>
+            </a:r>
+            <a:endParaRPr lang="de-DE" sz="2400" dirty="0"/>
+          </a:p>
+        </p:txBody>
+      </p:sp>
+      <p:sp>
+        <p:nvSpPr>
+          <p:cNvPr id="2" name="Foliennummernplatzhalter 1"/>
+          <p:cNvSpPr>
+            <a:spLocks noGrp="1"/>
+          </p:cNvSpPr>
+          <p:nvPr>
+            <p:ph type="sldNum" sz="quarter" idx="12"/>
+          </p:nvPr>
+        </p:nvSpPr>
+        <p:spPr/>
+        <p:txBody>
+          <a:bodyPr/>
+          <a:lstStyle/>
+          <a:p>
+            <a:fld id="{F4DAF760-8A09-427D-9634-9AF01F07ABD5}" type="slidenum">
+              <a:rPr lang="de-DE" smtClean="0"/>
+              <a:t>33</a:t>
+            </a:fld>
+            <a:endParaRPr lang="de-DE" dirty="0"/>
+          </a:p>
+        </p:txBody>
+      </p:sp>
+      <p:sp>
+        <p:nvSpPr>
+          <p:cNvPr id="3" name="Titel 2"/>
+          <p:cNvSpPr>
+            <a:spLocks noGrp="1"/>
+          </p:cNvSpPr>
+          <p:nvPr>
+            <p:ph type="title"/>
+          </p:nvPr>
+        </p:nvSpPr>
+        <p:spPr/>
+        <p:txBody>
+          <a:bodyPr/>
+          <a:lstStyle/>
+          <a:p>
+            <a:r>
+              <a:rPr lang="de-DE" sz="2400" b="1" dirty="0" smtClean="0"/>
+              <a:t>Bewertung:</a:t>
+            </a:r>
+            <a:r>
+              <a:rPr lang="de-DE" sz="2400" dirty="0" smtClean="0"/>
+              <a:t>	</a:t>
+            </a:r>
+            <a:r>
+              <a:rPr lang="de-DE" dirty="0" smtClean="0"/>
+              <a:t>Qualität</a:t>
+            </a:r>
+            <a:endParaRPr lang="de-DE" dirty="0"/>
+          </a:p>
+        </p:txBody>
+      </p:sp>
+    </p:spTree>
+    <p:extLst>
+      <p:ext uri="{BB962C8B-B14F-4D97-AF65-F5344CB8AC3E}">
+        <p14:creationId xmlns:p14="http://schemas.microsoft.com/office/powerpoint/2010/main" val="3609588300"/>
+      </p:ext>
+    </p:extLst>
+  </p:cSld>
+  <p:clrMapOvr>
+    <a:masterClrMapping/>
+  </p:clrMapOvr>
+  <p:timing>
+    <p:tnLst>
+      <p:par>
+        <p:cTn id="1" dur="indefinite" restart="never" nodeType="tmRoot"/>
+      </p:par>
+    </p:tnLst>
+  </p:timing>
+</p:sld>
+</file>
+
+<file path=ppt/slides/slide34.xml><?xml version="1.0" encoding="utf-8"?>
+<p:sld xmlns:a="http://schemas.openxmlformats.org/drawingml/2006/main" xmlns:r="http://schemas.openxmlformats.org/officeDocument/2006/relationships" xmlns:p="http://schemas.openxmlformats.org/presentationml/2006/main">
+  <p:cSld>
+    <p:spTree>
+      <p:nvGrpSpPr>
+        <p:cNvPr id="1" name=""/>
+        <p:cNvGrpSpPr/>
+        <p:nvPr/>
+      </p:nvGrpSpPr>
+      <p:grpSpPr>
+        <a:xfrm>
+          <a:off x="0" y="0"/>
+          <a:ext cx="0" cy="0"/>
+          <a:chOff x="0" y="0"/>
+          <a:chExt cx="0" cy="0"/>
+        </a:xfrm>
+      </p:grpSpPr>
+      <p:sp>
+        <p:nvSpPr>
+          <p:cNvPr id="3" name="Titel 2"/>
+          <p:cNvSpPr>
+            <a:spLocks noGrp="1"/>
+          </p:cNvSpPr>
+          <p:nvPr>
+            <p:ph type="title"/>
+          </p:nvPr>
+        </p:nvSpPr>
+        <p:spPr/>
+        <p:txBody>
+          <a:bodyPr/>
+          <a:lstStyle/>
+          <a:p>
+            <a:r>
+              <a:rPr lang="de-DE" sz="2400" b="1" dirty="0" smtClean="0"/>
+              <a:t>Bewertung:</a:t>
+            </a:r>
+            <a:r>
+              <a:rPr lang="de-DE" sz="2400" dirty="0" smtClean="0"/>
+              <a:t>	</a:t>
+            </a:r>
+            <a:r>
+              <a:rPr lang="de-DE" dirty="0" smtClean="0"/>
+              <a:t>Qualität</a:t>
+            </a:r>
+            <a:endParaRPr lang="de-DE" dirty="0"/>
+          </a:p>
+        </p:txBody>
+      </p:sp>
+      <p:sp>
+        <p:nvSpPr>
+          <p:cNvPr id="2" name="Foliennummernplatzhalter 1"/>
+          <p:cNvSpPr>
+            <a:spLocks noGrp="1"/>
+          </p:cNvSpPr>
+          <p:nvPr>
+            <p:ph type="sldNum" sz="quarter" idx="12"/>
+          </p:nvPr>
+        </p:nvSpPr>
+        <p:spPr/>
+        <p:txBody>
+          <a:bodyPr/>
+          <a:lstStyle/>
+          <a:p>
+            <a:fld id="{F4DAF760-8A09-427D-9634-9AF01F07ABD5}" type="slidenum">
+              <a:rPr lang="de-DE" smtClean="0"/>
+              <a:t>34</a:t>
+            </a:fld>
+            <a:endParaRPr lang="de-DE" dirty="0"/>
+          </a:p>
+        </p:txBody>
+      </p:sp>
+      <p:graphicFrame>
+        <p:nvGraphicFramePr>
+          <p:cNvPr id="8" name="Tabelle 7"/>
+          <p:cNvGraphicFramePr>
+            <a:graphicFrameLocks noGrp="1"/>
+          </p:cNvGraphicFramePr>
+          <p:nvPr>
+            <p:extLst>
+              <p:ext uri="{D42A27DB-BD31-4B8C-83A1-F6EECF244321}">
+                <p14:modId xmlns:p14="http://schemas.microsoft.com/office/powerpoint/2010/main" val="508498730"/>
+              </p:ext>
+            </p:extLst>
+          </p:nvPr>
+        </p:nvGraphicFramePr>
+        <p:xfrm>
+          <a:off x="3071664" y="2348880"/>
+          <a:ext cx="6048672" cy="1675488"/>
+        </p:xfrm>
+        <a:graphic>
+          <a:graphicData uri="http://schemas.openxmlformats.org/drawingml/2006/table">
+            <a:tbl>
+              <a:tblPr firstRow="1" bandRow="1">
+                <a:tableStyleId>{7E9639D4-E3E2-4D34-9284-5A2195B3D0D7}</a:tableStyleId>
+              </a:tblPr>
+              <a:tblGrid>
+                <a:gridCol w="504056"/>
+                <a:gridCol w="2016224"/>
+                <a:gridCol w="3528392"/>
+              </a:tblGrid>
+              <a:tr h="386655">
+                <a:tc>
+                  <a:txBody>
+                    <a:bodyPr/>
+                    <a:lstStyle/>
+                    <a:p>
+                      <a:pPr algn="r"/>
+                      <a:endParaRPr lang="de-DE" dirty="0">
+                        <a:latin typeface="Roboto Light" panose="02000000000000000000" pitchFamily="2" charset="0"/>
+                        <a:ea typeface="Roboto Light" panose="02000000000000000000" pitchFamily="2" charset="0"/>
+                      </a:endParaRPr>
+                    </a:p>
+                  </a:txBody>
+                  <a:tcPr anchor="ctr">
+                    <a:lnL w="6350" cap="flat" cmpd="sng" algn="ctr">
+                      <a:noFill/>
+                      <a:prstDash val="solid"/>
+                      <a:miter lim="800000"/>
+                    </a:lnL>
+                    <a:lnR>
+                      <a:noFill/>
+                    </a:lnR>
+                    <a:lnT w="6350" cap="flat" cmpd="sng" algn="ctr">
+                      <a:noFill/>
+                      <a:prstDash val="solid"/>
+                      <a:miter lim="800000"/>
+                    </a:lnT>
+                    <a:lnB w="6350" cap="flat" cmpd="sng" algn="ctr">
+                      <a:noFill/>
+                      <a:prstDash val="solid"/>
+                      <a:miter lim="800000"/>
+                    </a:lnB>
+                    <a:lnTlToBr w="12700" cmpd="sng">
+                      <a:noFill/>
+                      <a:prstDash val="solid"/>
+                    </a:lnTlToBr>
+                    <a:lnBlToTr w="12700" cmpd="sng">
+                      <a:noFill/>
+                      <a:prstDash val="solid"/>
+                    </a:lnBlToTr>
+                  </a:tcPr>
+                </a:tc>
+                <a:tc>
+                  <a:txBody>
+                    <a:bodyPr/>
+                    <a:lstStyle/>
+                    <a:p>
+                      <a:r>
+                        <a:rPr lang="de-DE" dirty="0" err="1" smtClean="0">
+                          <a:latin typeface="Roboto Light" panose="02000000000000000000" pitchFamily="2" charset="0"/>
+                          <a:ea typeface="Roboto Light" panose="02000000000000000000" pitchFamily="2" charset="0"/>
+                        </a:rPr>
+                        <a:t>name</a:t>
+                      </a:r>
+                      <a:endParaRPr lang="de-DE" dirty="0">
+                        <a:latin typeface="Roboto Light" panose="02000000000000000000" pitchFamily="2" charset="0"/>
+                        <a:ea typeface="Roboto Light" panose="02000000000000000000" pitchFamily="2" charset="0"/>
+                      </a:endParaRPr>
+                    </a:p>
+                  </a:txBody>
+                  <a:tcPr anchor="ctr">
+                    <a:lnL>
+                      <a:noFill/>
+                    </a:lnL>
+                    <a:lnR>
+                      <a:noFill/>
+                    </a:lnR>
+                    <a:lnT w="6350" cap="flat" cmpd="sng" algn="ctr">
+                      <a:noFill/>
+                      <a:prstDash val="solid"/>
+                      <a:miter lim="800000"/>
+                    </a:lnT>
+                    <a:lnB w="6350" cap="flat" cmpd="sng" algn="ctr">
+                      <a:noFill/>
+                      <a:prstDash val="solid"/>
+                      <a:miter lim="800000"/>
+                    </a:lnB>
+                    <a:lnTlToBr w="12700" cmpd="sng">
+                      <a:noFill/>
+                      <a:prstDash val="solid"/>
+                    </a:lnTlToBr>
+                    <a:lnBlToTr w="12700" cmpd="sng">
+                      <a:noFill/>
+                      <a:prstDash val="solid"/>
+                    </a:lnBlToTr>
+                  </a:tcPr>
+                </a:tc>
+                <a:tc>
+                  <a:txBody>
+                    <a:bodyPr/>
+                    <a:lstStyle/>
+                    <a:p>
+                      <a:r>
+                        <a:rPr lang="de-DE" dirty="0" err="1" smtClean="0">
+                          <a:latin typeface="Roboto Light" panose="02000000000000000000" pitchFamily="2" charset="0"/>
+                          <a:ea typeface="Roboto Light" panose="02000000000000000000" pitchFamily="2" charset="0"/>
+                        </a:rPr>
+                        <a:t>numbers</a:t>
+                      </a:r>
+                      <a:endParaRPr lang="de-DE" dirty="0">
+                        <a:latin typeface="Roboto Light" panose="02000000000000000000" pitchFamily="2" charset="0"/>
+                        <a:ea typeface="Roboto Light" panose="02000000000000000000" pitchFamily="2" charset="0"/>
+                      </a:endParaRPr>
+                    </a:p>
+                  </a:txBody>
+                  <a:tcPr anchor="ctr">
+                    <a:lnL>
+                      <a:noFill/>
+                    </a:lnL>
+                    <a:lnR w="6350" cap="flat" cmpd="sng" algn="ctr">
+                      <a:noFill/>
+                      <a:prstDash val="solid"/>
+                      <a:miter lim="800000"/>
+                    </a:lnR>
+                    <a:lnT w="6350" cap="flat" cmpd="sng" algn="ctr">
+                      <a:noFill/>
+                      <a:prstDash val="solid"/>
+                      <a:miter lim="800000"/>
+                    </a:lnT>
+                    <a:lnB w="6350" cap="flat" cmpd="sng" algn="ctr">
+                      <a:noFill/>
+                      <a:prstDash val="solid"/>
+                      <a:miter lim="800000"/>
+                    </a:lnB>
+                    <a:lnTlToBr w="12700" cmpd="sng">
+                      <a:noFill/>
+                      <a:prstDash val="solid"/>
+                    </a:lnTlToBr>
+                    <a:lnBlToTr w="12700" cmpd="sng">
+                      <a:noFill/>
+                      <a:prstDash val="solid"/>
+                    </a:lnBlToTr>
+                  </a:tcPr>
+                </a:tc>
+              </a:tr>
+              <a:tr h="621457">
+                <a:tc>
+                  <a:txBody>
+                    <a:bodyPr/>
+                    <a:lstStyle/>
+                    <a:p>
+                      <a:pPr algn="r"/>
+                      <a:r>
+                        <a:rPr lang="de-DE" dirty="0" smtClean="0">
+                          <a:latin typeface="Roboto Light" panose="02000000000000000000" pitchFamily="2" charset="0"/>
+                          <a:ea typeface="Roboto Light" panose="02000000000000000000" pitchFamily="2" charset="0"/>
+                        </a:rPr>
+                        <a:t>1</a:t>
+                      </a:r>
+                      <a:endParaRPr lang="de-DE" dirty="0">
+                        <a:latin typeface="Roboto Light" panose="02000000000000000000" pitchFamily="2" charset="0"/>
+                        <a:ea typeface="Roboto Light" panose="02000000000000000000" pitchFamily="2" charset="0"/>
+                      </a:endParaRPr>
+                    </a:p>
+                  </a:txBody>
+                  <a:tcPr anchor="ctr">
+                    <a:lnL w="6350" cap="flat" cmpd="sng" algn="ctr">
+                      <a:noFill/>
+                      <a:prstDash val="solid"/>
+                      <a:miter lim="800000"/>
+                    </a:lnL>
+                    <a:lnR>
+                      <a:noFill/>
+                    </a:lnR>
+                    <a:lnT w="6350" cap="flat" cmpd="sng" algn="ctr">
+                      <a:noFill/>
+                      <a:prstDash val="solid"/>
+                      <a:miter lim="800000"/>
+                    </a:lnT>
+                    <a:lnB w="6350" cap="flat" cmpd="sng" algn="ctr">
+                      <a:noFill/>
+                      <a:prstDash val="solid"/>
+                      <a:miter lim="800000"/>
+                    </a:lnB>
+                    <a:lnTlToBr w="12700" cmpd="sng">
+                      <a:noFill/>
+                      <a:prstDash val="solid"/>
+                    </a:lnTlToBr>
+                    <a:lnBlToTr w="12700" cmpd="sng">
+                      <a:noFill/>
+                      <a:prstDash val="solid"/>
+                    </a:lnBlToTr>
+                  </a:tcPr>
+                </a:tc>
+                <a:tc>
+                  <a:txBody>
+                    <a:bodyPr/>
+                    <a:lstStyle/>
+                    <a:p>
+                      <a:r>
+                        <a:rPr lang="de-DE" dirty="0" smtClean="0">
+                          <a:latin typeface="Roboto Light" panose="02000000000000000000" pitchFamily="2" charset="0"/>
+                          <a:ea typeface="Roboto Light" panose="02000000000000000000" pitchFamily="2" charset="0"/>
+                        </a:rPr>
+                        <a:t>Duane </a:t>
+                      </a:r>
+                      <a:r>
+                        <a:rPr lang="de-DE" dirty="0" err="1" smtClean="0">
+                          <a:latin typeface="Roboto Light" panose="02000000000000000000" pitchFamily="2" charset="0"/>
+                          <a:ea typeface="Roboto Light" panose="02000000000000000000" pitchFamily="2" charset="0"/>
+                        </a:rPr>
+                        <a:t>Seppi</a:t>
+                      </a:r>
+                      <a:endParaRPr lang="de-DE" dirty="0">
+                        <a:latin typeface="Roboto Light" panose="02000000000000000000" pitchFamily="2" charset="0"/>
+                        <a:ea typeface="Roboto Light" panose="02000000000000000000" pitchFamily="2" charset="0"/>
+                      </a:endParaRPr>
+                    </a:p>
+                  </a:txBody>
+                  <a:tcPr anchor="ctr">
+                    <a:lnL>
+                      <a:noFill/>
+                    </a:lnL>
+                    <a:lnR>
+                      <a:noFill/>
+                    </a:lnR>
+                    <a:lnT w="6350" cap="flat" cmpd="sng" algn="ctr">
+                      <a:noFill/>
+                      <a:prstDash val="solid"/>
+                      <a:miter lim="800000"/>
+                    </a:lnT>
+                    <a:lnB w="6350" cap="flat" cmpd="sng" algn="ctr">
+                      <a:noFill/>
+                      <a:prstDash val="solid"/>
+                      <a:miter lim="800000"/>
+                    </a:lnB>
+                    <a:lnTlToBr w="12700" cmpd="sng">
+                      <a:noFill/>
+                      <a:prstDash val="solid"/>
+                    </a:lnTlToBr>
+                    <a:lnBlToTr w="12700" cmpd="sng">
+                      <a:noFill/>
+                      <a:prstDash val="solid"/>
+                    </a:lnBlToTr>
+                  </a:tcPr>
+                </a:tc>
+                <a:tc>
+                  <a:txBody>
+                    <a:bodyPr/>
+                    <a:lstStyle/>
+                    <a:p>
+                      <a:r>
+                        <a:rPr lang="de-DE" sz="1800" u="none" strike="noStrike" kern="1200" baseline="0" dirty="0" err="1" smtClean="0">
+                          <a:latin typeface="Roboto Light" panose="02000000000000000000" pitchFamily="2" charset="0"/>
+                          <a:ea typeface="Roboto Light" panose="02000000000000000000" pitchFamily="2" charset="0"/>
+                        </a:rPr>
+                        <a:t>number</a:t>
+                      </a:r>
+                      <a:r>
+                        <a:rPr lang="de-DE" sz="1800" u="none" strike="noStrike" kern="1200" baseline="0" dirty="0" smtClean="0">
+                          <a:latin typeface="Roboto Light" panose="02000000000000000000" pitchFamily="2" charset="0"/>
+                          <a:ea typeface="Roboto Light" panose="02000000000000000000" pitchFamily="2" charset="0"/>
+                        </a:rPr>
+                        <a:t>, 412-268-2298</a:t>
+                      </a:r>
+                      <a:endParaRPr lang="de-DE" dirty="0">
+                        <a:latin typeface="Roboto Light" panose="02000000000000000000" pitchFamily="2" charset="0"/>
+                        <a:ea typeface="Roboto Light" panose="02000000000000000000" pitchFamily="2" charset="0"/>
+                      </a:endParaRPr>
+                    </a:p>
+                  </a:txBody>
+                  <a:tcPr anchor="ctr">
+                    <a:lnL>
+                      <a:noFill/>
+                    </a:lnL>
+                    <a:lnR w="6350" cap="flat" cmpd="sng" algn="ctr">
+                      <a:noFill/>
+                      <a:prstDash val="solid"/>
+                      <a:miter lim="800000"/>
+                    </a:lnR>
+                    <a:lnT w="6350" cap="flat" cmpd="sng" algn="ctr">
+                      <a:noFill/>
+                      <a:prstDash val="solid"/>
+                      <a:miter lim="800000"/>
+                    </a:lnT>
+                    <a:lnB w="6350" cap="flat" cmpd="sng" algn="ctr">
+                      <a:noFill/>
+                      <a:prstDash val="solid"/>
+                      <a:miter lim="800000"/>
+                    </a:lnB>
+                    <a:lnTlToBr w="12700" cmpd="sng">
+                      <a:noFill/>
+                      <a:prstDash val="solid"/>
+                    </a:lnTlToBr>
+                    <a:lnBlToTr w="12700" cmpd="sng">
+                      <a:noFill/>
+                      <a:prstDash val="solid"/>
+                    </a:lnBlToTr>
+                  </a:tcPr>
+                </a:tc>
+              </a:tr>
+              <a:tr h="667376">
+                <a:tc>
+                  <a:txBody>
+                    <a:bodyPr/>
+                    <a:lstStyle/>
+                    <a:p>
+                      <a:pPr algn="r"/>
+                      <a:r>
+                        <a:rPr lang="de-DE" dirty="0" smtClean="0">
+                          <a:latin typeface="Roboto Light" panose="02000000000000000000" pitchFamily="2" charset="0"/>
+                          <a:ea typeface="Roboto Light" panose="02000000000000000000" pitchFamily="2" charset="0"/>
+                        </a:rPr>
+                        <a:t>2</a:t>
+                      </a:r>
+                      <a:endParaRPr lang="de-DE" dirty="0">
+                        <a:latin typeface="Roboto Light" panose="02000000000000000000" pitchFamily="2" charset="0"/>
+                        <a:ea typeface="Roboto Light" panose="02000000000000000000" pitchFamily="2" charset="0"/>
+                      </a:endParaRPr>
+                    </a:p>
+                  </a:txBody>
+                  <a:tcPr anchor="ctr">
+                    <a:lnL w="6350" cap="flat" cmpd="sng" algn="ctr">
+                      <a:noFill/>
+                      <a:prstDash val="solid"/>
+                      <a:miter lim="800000"/>
+                    </a:lnL>
+                    <a:lnR>
+                      <a:noFill/>
+                    </a:lnR>
+                    <a:lnT w="6350" cap="flat" cmpd="sng" algn="ctr">
+                      <a:noFill/>
+                      <a:prstDash val="solid"/>
+                      <a:miter lim="800000"/>
+                    </a:lnT>
+                    <a:lnB w="6350" cap="flat" cmpd="sng" algn="ctr">
+                      <a:noFill/>
+                      <a:prstDash val="solid"/>
+                      <a:miter lim="800000"/>
+                    </a:lnB>
+                    <a:lnTlToBr w="12700" cmpd="sng">
+                      <a:noFill/>
+                      <a:prstDash val="solid"/>
+                    </a:lnTlToBr>
+                    <a:lnBlToTr w="12700" cmpd="sng">
+                      <a:noFill/>
+                      <a:prstDash val="solid"/>
+                    </a:lnBlToTr>
+                  </a:tcPr>
+                </a:tc>
+                <a:tc>
+                  <a:txBody>
+                    <a:bodyPr/>
+                    <a:lstStyle/>
+                    <a:p>
+                      <a:r>
+                        <a:rPr lang="de-DE" dirty="0" err="1" smtClean="0">
+                          <a:latin typeface="Roboto Light" panose="02000000000000000000" pitchFamily="2" charset="0"/>
+                          <a:ea typeface="Roboto Light" panose="02000000000000000000" pitchFamily="2" charset="0"/>
+                        </a:rPr>
+                        <a:t>Zimin</a:t>
+                      </a:r>
+                      <a:r>
+                        <a:rPr lang="de-DE" baseline="0" dirty="0" smtClean="0">
+                          <a:latin typeface="Roboto Light" panose="02000000000000000000" pitchFamily="2" charset="0"/>
+                          <a:ea typeface="Roboto Light" panose="02000000000000000000" pitchFamily="2" charset="0"/>
+                        </a:rPr>
+                        <a:t> </a:t>
+                      </a:r>
+                      <a:r>
+                        <a:rPr lang="de-DE" baseline="0" dirty="0" err="1" smtClean="0">
+                          <a:latin typeface="Roboto Light" panose="02000000000000000000" pitchFamily="2" charset="0"/>
+                          <a:ea typeface="Roboto Light" panose="02000000000000000000" pitchFamily="2" charset="0"/>
+                        </a:rPr>
+                        <a:t>Lu</a:t>
+                      </a:r>
+                      <a:endParaRPr lang="de-DE" dirty="0">
+                        <a:latin typeface="Roboto Light" panose="02000000000000000000" pitchFamily="2" charset="0"/>
+                        <a:ea typeface="Roboto Light" panose="02000000000000000000" pitchFamily="2" charset="0"/>
+                      </a:endParaRPr>
+                    </a:p>
+                  </a:txBody>
+                  <a:tcPr anchor="ctr">
+                    <a:lnL>
+                      <a:noFill/>
+                    </a:lnL>
+                    <a:lnR>
+                      <a:noFill/>
+                    </a:lnR>
+                    <a:lnT w="6350" cap="flat" cmpd="sng" algn="ctr">
+                      <a:noFill/>
+                      <a:prstDash val="solid"/>
+                      <a:miter lim="800000"/>
+                    </a:lnT>
+                    <a:lnB w="6350" cap="flat" cmpd="sng" algn="ctr">
+                      <a:noFill/>
+                      <a:prstDash val="solid"/>
+                      <a:miter lim="800000"/>
+                    </a:lnB>
+                    <a:lnTlToBr w="12700" cmpd="sng">
+                      <a:noFill/>
+                      <a:prstDash val="solid"/>
+                    </a:lnTlToBr>
+                    <a:lnBlToTr w="12700" cmpd="sng">
+                      <a:noFill/>
+                      <a:prstDash val="solid"/>
+                    </a:lnBlToTr>
+                  </a:tcPr>
+                </a:tc>
+                <a:tc>
+                  <a:txBody>
+                    <a:bodyPr/>
+                    <a:lstStyle/>
+                    <a:p>
+                      <a:r>
+                        <a:rPr lang="de-DE" sz="1800" u="none" strike="noStrike" kern="1200" baseline="0" dirty="0" err="1" smtClean="0">
+                          <a:latin typeface="Roboto Light" panose="02000000000000000000" pitchFamily="2" charset="0"/>
+                          <a:ea typeface="Roboto Light" panose="02000000000000000000" pitchFamily="2" charset="0"/>
+                        </a:rPr>
+                        <a:t>phone</a:t>
+                      </a:r>
+                      <a:r>
+                        <a:rPr lang="de-DE" sz="1800" u="none" strike="noStrike" kern="1200" baseline="0" dirty="0" smtClean="0">
+                          <a:latin typeface="Roboto Light" panose="02000000000000000000" pitchFamily="2" charset="0"/>
+                          <a:ea typeface="Roboto Light" panose="02000000000000000000" pitchFamily="2" charset="0"/>
+                        </a:rPr>
+                        <a:t> </a:t>
+                      </a:r>
+                      <a:r>
+                        <a:rPr lang="de-DE" sz="1800" u="none" strike="noStrike" kern="1200" baseline="0" dirty="0" err="1" smtClean="0">
+                          <a:latin typeface="Roboto Light" panose="02000000000000000000" pitchFamily="2" charset="0"/>
+                          <a:ea typeface="Roboto Light" panose="02000000000000000000" pitchFamily="2" charset="0"/>
+                        </a:rPr>
+                        <a:t>number</a:t>
+                      </a:r>
+                      <a:r>
+                        <a:rPr lang="de-DE" sz="1800" u="none" strike="noStrike" kern="1200" baseline="0" dirty="0" smtClean="0">
+                          <a:latin typeface="Roboto Light" panose="02000000000000000000" pitchFamily="2" charset="0"/>
+                          <a:ea typeface="Roboto Light" panose="02000000000000000000" pitchFamily="2" charset="0"/>
+                        </a:rPr>
+                        <a:t>, 713-853-6388</a:t>
+                      </a:r>
+                      <a:endParaRPr lang="de-DE" dirty="0">
+                        <a:latin typeface="Roboto Light" panose="02000000000000000000" pitchFamily="2" charset="0"/>
+                        <a:ea typeface="Roboto Light" panose="02000000000000000000" pitchFamily="2" charset="0"/>
+                      </a:endParaRPr>
+                    </a:p>
+                  </a:txBody>
+                  <a:tcPr anchor="ctr">
+                    <a:lnL>
+                      <a:noFill/>
+                    </a:lnL>
+                    <a:lnR w="6350" cap="flat" cmpd="sng" algn="ctr">
+                      <a:noFill/>
+                      <a:prstDash val="solid"/>
+                      <a:miter lim="800000"/>
+                    </a:lnR>
+                    <a:lnT w="6350" cap="flat" cmpd="sng" algn="ctr">
+                      <a:noFill/>
+                      <a:prstDash val="solid"/>
+                      <a:miter lim="800000"/>
+                    </a:lnT>
+                    <a:lnB w="6350" cap="flat" cmpd="sng" algn="ctr">
+                      <a:noFill/>
+                      <a:prstDash val="solid"/>
+                      <a:miter lim="800000"/>
+                    </a:lnB>
+                    <a:lnTlToBr w="12700" cmpd="sng">
+                      <a:noFill/>
+                      <a:prstDash val="solid"/>
+                    </a:lnTlToBr>
+                    <a:lnBlToTr w="12700" cmpd="sng">
+                      <a:noFill/>
+                      <a:prstDash val="solid"/>
+                    </a:lnBlToTr>
+                  </a:tcPr>
+                </a:tc>
+              </a:tr>
+            </a:tbl>
+          </a:graphicData>
+        </a:graphic>
+      </p:graphicFrame>
+      <p:sp>
+        <p:nvSpPr>
+          <p:cNvPr id="9" name="Rechteck 8"/>
+          <p:cNvSpPr/>
+          <p:nvPr/>
+        </p:nvSpPr>
+        <p:spPr>
+          <a:xfrm>
+            <a:off x="767408" y="1124744"/>
+            <a:ext cx="10585176" cy="665631"/>
+          </a:xfrm>
+          <a:prstGeom prst="rect">
+            <a:avLst/>
+          </a:prstGeom>
+        </p:spPr>
+        <p:txBody>
+          <a:bodyPr wrap="square">
+            <a:spAutoFit/>
+          </a:bodyPr>
+          <a:lstStyle/>
+          <a:p>
+            <a:pPr marL="0" lvl="0" indent="0" algn="ctr">
+              <a:lnSpc>
+                <a:spcPct val="150000"/>
+              </a:lnSpc>
+              <a:buNone/>
+            </a:pPr>
+            <a:r>
+              <a:rPr lang="en-US" sz="2800" i="1" dirty="0" err="1" smtClean="0">
+                <a:solidFill>
+                  <a:srgbClr val="00205B"/>
+                </a:solidFill>
+                <a:latin typeface="Roboto Light" panose="02000000000000000000" pitchFamily="2" charset="0"/>
+                <a:ea typeface="Roboto Light" panose="02000000000000000000" pitchFamily="2" charset="0"/>
+              </a:rPr>
+              <a:t>Welche</a:t>
+            </a:r>
+            <a:r>
+              <a:rPr lang="en-US" sz="2800" i="1" dirty="0" smtClean="0">
+                <a:solidFill>
+                  <a:srgbClr val="00205B"/>
+                </a:solidFill>
+                <a:latin typeface="Roboto Light" panose="02000000000000000000" pitchFamily="2" charset="0"/>
+                <a:ea typeface="Roboto Light" panose="02000000000000000000" pitchFamily="2" charset="0"/>
+              </a:rPr>
+              <a:t> </a:t>
+            </a:r>
+            <a:r>
+              <a:rPr lang="en-US" sz="2800" i="1" dirty="0" err="1" smtClean="0">
+                <a:solidFill>
+                  <a:srgbClr val="00205B"/>
+                </a:solidFill>
+                <a:latin typeface="Roboto Light" panose="02000000000000000000" pitchFamily="2" charset="0"/>
+                <a:ea typeface="Roboto Light" panose="02000000000000000000" pitchFamily="2" charset="0"/>
+              </a:rPr>
+              <a:t>Nummern</a:t>
+            </a:r>
+            <a:r>
+              <a:rPr lang="en-US" sz="2800" i="1" dirty="0" smtClean="0">
+                <a:solidFill>
+                  <a:srgbClr val="00205B"/>
+                </a:solidFill>
+                <a:latin typeface="Roboto Light" panose="02000000000000000000" pitchFamily="2" charset="0"/>
+                <a:ea typeface="Roboto Light" panose="02000000000000000000" pitchFamily="2" charset="0"/>
+              </a:rPr>
+              <a:t> </a:t>
+            </a:r>
+            <a:r>
+              <a:rPr lang="en-US" sz="2800" i="1" dirty="0" err="1" smtClean="0">
+                <a:solidFill>
+                  <a:srgbClr val="00205B"/>
+                </a:solidFill>
+                <a:latin typeface="Roboto Light" panose="02000000000000000000" pitchFamily="2" charset="0"/>
+                <a:ea typeface="Roboto Light" panose="02000000000000000000" pitchFamily="2" charset="0"/>
+              </a:rPr>
+              <a:t>haben</a:t>
+            </a:r>
+            <a:r>
+              <a:rPr lang="en-US" sz="2800" i="1" dirty="0" smtClean="0">
+                <a:solidFill>
+                  <a:srgbClr val="00205B"/>
+                </a:solidFill>
+                <a:latin typeface="Roboto Light" panose="02000000000000000000" pitchFamily="2" charset="0"/>
+                <a:ea typeface="Roboto Light" panose="02000000000000000000" pitchFamily="2" charset="0"/>
+              </a:rPr>
+              <a:t> </a:t>
+            </a:r>
+            <a:r>
+              <a:rPr lang="en-US" sz="2800" i="1" dirty="0" err="1" smtClean="0">
+                <a:solidFill>
+                  <a:srgbClr val="00205B"/>
+                </a:solidFill>
+                <a:latin typeface="Roboto Light" panose="02000000000000000000" pitchFamily="2" charset="0"/>
+                <a:ea typeface="Roboto Light" panose="02000000000000000000" pitchFamily="2" charset="0"/>
+              </a:rPr>
+              <a:t>Personen</a:t>
+            </a:r>
+            <a:r>
+              <a:rPr lang="en-US" sz="2800" i="1" dirty="0" smtClean="0">
+                <a:solidFill>
+                  <a:srgbClr val="00205B"/>
+                </a:solidFill>
+                <a:latin typeface="Roboto Light" panose="02000000000000000000" pitchFamily="2" charset="0"/>
+                <a:ea typeface="Roboto Light" panose="02000000000000000000" pitchFamily="2" charset="0"/>
+              </a:rPr>
+              <a:t>?</a:t>
+            </a:r>
+            <a:endParaRPr lang="en-US" sz="2400" i="1" dirty="0">
+              <a:latin typeface="Roboto Light" panose="02000000000000000000" pitchFamily="2" charset="0"/>
+              <a:ea typeface="Roboto Light" panose="02000000000000000000" pitchFamily="2" charset="0"/>
+            </a:endParaRPr>
+          </a:p>
+        </p:txBody>
+      </p:sp>
+      <p:sp>
+        <p:nvSpPr>
+          <p:cNvPr id="10" name="Rechteck 9"/>
+          <p:cNvSpPr/>
+          <p:nvPr/>
+        </p:nvSpPr>
+        <p:spPr>
+          <a:xfrm>
+            <a:off x="2783632" y="4437113"/>
+            <a:ext cx="6624736" cy="1477328"/>
+          </a:xfrm>
+          <a:prstGeom prst="rect">
+            <a:avLst/>
+          </a:prstGeom>
+        </p:spPr>
+        <p:txBody>
+          <a:bodyPr wrap="square" anchor="ctr">
+            <a:spAutoFit/>
+          </a:bodyPr>
+          <a:lstStyle/>
+          <a:p>
+            <a:pPr>
+              <a:lnSpc>
+                <a:spcPct val="250000"/>
+              </a:lnSpc>
+            </a:pPr>
+            <a:r>
+              <a:rPr lang="en-US" b="1" dirty="0" err="1" smtClean="0">
+                <a:latin typeface="Roboto Light" panose="02000000000000000000" pitchFamily="2" charset="0"/>
+                <a:ea typeface="Roboto Light" panose="02000000000000000000" pitchFamily="2" charset="0"/>
+              </a:rPr>
+              <a:t>Zimin</a:t>
+            </a:r>
+            <a:r>
+              <a:rPr lang="en-US" b="1" dirty="0" smtClean="0">
+                <a:latin typeface="Roboto Light" panose="02000000000000000000" pitchFamily="2" charset="0"/>
+                <a:ea typeface="Roboto Light" panose="02000000000000000000" pitchFamily="2" charset="0"/>
+              </a:rPr>
+              <a:t> Lu</a:t>
+            </a:r>
+            <a:r>
+              <a:rPr lang="de-DE" b="1" dirty="0">
+                <a:solidFill>
+                  <a:srgbClr val="00205B"/>
+                </a:solidFill>
+                <a:latin typeface="Roboto Light" panose="02000000000000000000" pitchFamily="2" charset="0"/>
+                <a:ea typeface="Roboto Light" panose="02000000000000000000" pitchFamily="2" charset="0"/>
+              </a:rPr>
+              <a:t> → </a:t>
+            </a:r>
+            <a:r>
+              <a:rPr lang="de-DE" b="1" dirty="0" smtClean="0">
+                <a:solidFill>
+                  <a:srgbClr val="00205B"/>
+                </a:solidFill>
+                <a:latin typeface="Roboto Light" panose="02000000000000000000" pitchFamily="2" charset="0"/>
+                <a:ea typeface="Roboto Light" panose="02000000000000000000" pitchFamily="2" charset="0"/>
+              </a:rPr>
+              <a:t>Duane </a:t>
+            </a:r>
+            <a:r>
+              <a:rPr lang="de-DE" b="1" dirty="0" err="1" smtClean="0">
+                <a:solidFill>
+                  <a:srgbClr val="00205B"/>
+                </a:solidFill>
+                <a:latin typeface="Roboto Light" panose="02000000000000000000" pitchFamily="2" charset="0"/>
+                <a:ea typeface="Roboto Light" panose="02000000000000000000" pitchFamily="2" charset="0"/>
+              </a:rPr>
+              <a:t>Seppi</a:t>
+            </a:r>
+            <a:r>
+              <a:rPr lang="en-US" b="1" dirty="0" smtClean="0">
+                <a:latin typeface="Roboto Light" panose="02000000000000000000" pitchFamily="2" charset="0"/>
+                <a:ea typeface="Roboto Light" panose="02000000000000000000" pitchFamily="2" charset="0"/>
+              </a:rPr>
+              <a:t>: </a:t>
+            </a:r>
+            <a:r>
+              <a:rPr lang="en-US" i="1" dirty="0" smtClean="0">
+                <a:latin typeface="Roboto Light" panose="02000000000000000000" pitchFamily="2" charset="0"/>
+                <a:ea typeface="Roboto Light" panose="02000000000000000000" pitchFamily="2" charset="0"/>
+              </a:rPr>
+              <a:t>“… My </a:t>
+            </a:r>
+            <a:r>
+              <a:rPr lang="en-US" i="1" dirty="0">
+                <a:latin typeface="Roboto Light" panose="02000000000000000000" pitchFamily="2" charset="0"/>
+                <a:ea typeface="Roboto Light" panose="02000000000000000000" pitchFamily="2" charset="0"/>
+              </a:rPr>
+              <a:t>phone number is </a:t>
+            </a:r>
+            <a:r>
+              <a:rPr lang="en-US" i="1" dirty="0" smtClean="0">
+                <a:latin typeface="Roboto Light" panose="02000000000000000000" pitchFamily="2" charset="0"/>
+                <a:ea typeface="Roboto Light" panose="02000000000000000000" pitchFamily="2" charset="0"/>
+              </a:rPr>
+              <a:t>713-853-6388…”</a:t>
+            </a:r>
+          </a:p>
+          <a:p>
+            <a:pPr>
+              <a:lnSpc>
+                <a:spcPct val="250000"/>
+              </a:lnSpc>
+            </a:pPr>
+            <a:r>
+              <a:rPr lang="de-DE" b="1" dirty="0">
+                <a:solidFill>
+                  <a:srgbClr val="00205B"/>
+                </a:solidFill>
+                <a:latin typeface="Roboto Light" panose="02000000000000000000" pitchFamily="2" charset="0"/>
+                <a:ea typeface="Roboto Light" panose="02000000000000000000" pitchFamily="2" charset="0"/>
+              </a:rPr>
+              <a:t>Duane </a:t>
+            </a:r>
+            <a:r>
+              <a:rPr lang="de-DE" b="1" dirty="0" err="1">
+                <a:solidFill>
+                  <a:srgbClr val="00205B"/>
+                </a:solidFill>
+                <a:latin typeface="Roboto Light" panose="02000000000000000000" pitchFamily="2" charset="0"/>
+                <a:ea typeface="Roboto Light" panose="02000000000000000000" pitchFamily="2" charset="0"/>
+              </a:rPr>
+              <a:t>Seppi</a:t>
+            </a:r>
+            <a:r>
+              <a:rPr lang="de-DE" b="1" dirty="0">
+                <a:solidFill>
+                  <a:srgbClr val="00205B"/>
+                </a:solidFill>
+                <a:latin typeface="Roboto Light" panose="02000000000000000000" pitchFamily="2" charset="0"/>
+                <a:ea typeface="Roboto Light" panose="02000000000000000000" pitchFamily="2" charset="0"/>
+              </a:rPr>
+              <a:t> </a:t>
+            </a:r>
+            <a:r>
+              <a:rPr lang="de-DE" b="1" dirty="0" smtClean="0">
+                <a:solidFill>
+                  <a:srgbClr val="00205B"/>
+                </a:solidFill>
+                <a:latin typeface="Roboto Light" panose="02000000000000000000" pitchFamily="2" charset="0"/>
+                <a:ea typeface="Roboto Light" panose="02000000000000000000" pitchFamily="2" charset="0"/>
+              </a:rPr>
+              <a:t>→ </a:t>
+            </a:r>
+            <a:r>
+              <a:rPr lang="en-US" b="1" dirty="0" err="1">
+                <a:latin typeface="Roboto Light" panose="02000000000000000000" pitchFamily="2" charset="0"/>
+                <a:ea typeface="Roboto Light" panose="02000000000000000000" pitchFamily="2" charset="0"/>
+              </a:rPr>
+              <a:t>Zimin</a:t>
+            </a:r>
+            <a:r>
+              <a:rPr lang="en-US" b="1" dirty="0">
+                <a:latin typeface="Roboto Light" panose="02000000000000000000" pitchFamily="2" charset="0"/>
+                <a:ea typeface="Roboto Light" panose="02000000000000000000" pitchFamily="2" charset="0"/>
+              </a:rPr>
+              <a:t> </a:t>
+            </a:r>
+            <a:r>
+              <a:rPr lang="en-US" b="1" dirty="0" smtClean="0">
+                <a:latin typeface="Roboto Light" panose="02000000000000000000" pitchFamily="2" charset="0"/>
+                <a:ea typeface="Roboto Light" panose="02000000000000000000" pitchFamily="2" charset="0"/>
+              </a:rPr>
+              <a:t>Lu: </a:t>
+            </a:r>
+            <a:r>
+              <a:rPr lang="en-US" i="1" dirty="0">
+                <a:latin typeface="Roboto Light" panose="02000000000000000000" pitchFamily="2" charset="0"/>
+                <a:ea typeface="Roboto Light" panose="02000000000000000000" pitchFamily="2" charset="0"/>
+              </a:rPr>
+              <a:t>“… My number is </a:t>
+            </a:r>
+            <a:r>
+              <a:rPr lang="en-US" i="1" dirty="0" smtClean="0">
+                <a:latin typeface="Roboto Light" panose="02000000000000000000" pitchFamily="2" charset="0"/>
+                <a:ea typeface="Roboto Light" panose="02000000000000000000" pitchFamily="2" charset="0"/>
+              </a:rPr>
+              <a:t>412-268-2298…”</a:t>
+            </a:r>
+            <a:endParaRPr lang="en-US" i="1" dirty="0">
+              <a:latin typeface="Roboto Light" panose="02000000000000000000" pitchFamily="2" charset="0"/>
+              <a:ea typeface="Roboto Light" panose="02000000000000000000" pitchFamily="2" charset="0"/>
+            </a:endParaRPr>
+          </a:p>
+        </p:txBody>
+      </p:sp>
+    </p:spTree>
+    <p:extLst>
+      <p:ext uri="{BB962C8B-B14F-4D97-AF65-F5344CB8AC3E}">
+        <p14:creationId xmlns:p14="http://schemas.microsoft.com/office/powerpoint/2010/main" val="2773422908"/>
+      </p:ext>
+    </p:extLst>
+  </p:cSld>
+  <p:clrMapOvr>
+    <a:masterClrMapping/>
+  </p:clrMapOvr>
+  <p:timing>
+    <p:tnLst>
+      <p:par>
+        <p:cTn id="1" dur="indefinite" restart="never" nodeType="tmRoot">
+          <p:childTnLst>
+            <p:seq concurrent="1" nextAc="seek">
+              <p:cTn id="2" dur="indefinite" nodeType="mainSeq">
+                <p:childTnLst>
+                  <p:par>
+                    <p:cTn id="3" fill="hold">
+                      <p:stCondLst>
+                        <p:cond delay="indefinite"/>
+                      </p:stCondLst>
+                      <p:childTnLst>
+                        <p:par>
+                          <p:cTn id="4" fill="hold">
+                            <p:stCondLst>
+                              <p:cond delay="0"/>
+                            </p:stCondLst>
+                            <p:childTnLst>
+                              <p:par>
+                                <p:cTn id="5" presetID="1" presetClass="entr" presetSubtype="0" fill="hold" grpId="0" nodeType="clickEffect">
+                                  <p:stCondLst>
+                                    <p:cond delay="0"/>
+                                  </p:stCondLst>
+                                  <p:childTnLst>
+                                    <p:set>
+                                      <p:cBhvr>
+                                        <p:cTn id="6" dur="1" fill="hold">
+                                          <p:stCondLst>
+                                            <p:cond delay="0"/>
+                                          </p:stCondLst>
+                                        </p:cTn>
+                                        <p:tgtEl>
+                                          <p:spTgt spid="10"/>
+                                        </p:tgtEl>
+                                        <p:attrNameLst>
+                                          <p:attrName>style.visibility</p:attrName>
+                                        </p:attrNameLst>
+                                      </p:cBhvr>
+                                      <p:to>
+                                        <p:strVal val="visible"/>
+                                      </p:to>
+                                    </p:set>
+                                  </p:childTnLst>
+                                </p:cTn>
+                              </p:par>
+                            </p:childTnLst>
+                          </p:cTn>
+                        </p:par>
+                      </p:childTnLst>
+                    </p:cTn>
+                  </p:par>
+                </p:childTnLst>
+              </p:cTn>
+              <p:prevCondLst>
+                <p:cond evt="onPrev" delay="0">
+                  <p:tgtEl>
+                    <p:sldTgt/>
+                  </p:tgtEl>
+                </p:cond>
+              </p:prevCondLst>
+              <p:nextCondLst>
+                <p:cond evt="onNext" delay="0">
+                  <p:tgtEl>
+                    <p:sldTgt/>
+                  </p:tgtEl>
+                </p:cond>
+              </p:nextCondLst>
+            </p:seq>
+          </p:childTnLst>
+        </p:cTn>
+      </p:par>
+    </p:tnLst>
+    <p:bldLst>
+      <p:bldP spid="10" grpId="0"/>
+    </p:bldLst>
+  </p:timing>
+</p:sld>
+</file>
+
+<file path=ppt/slides/slide35.xml><?xml version="1.0" encoding="utf-8"?>
+<p:sld xmlns:a="http://schemas.openxmlformats.org/drawingml/2006/main" xmlns:r="http://schemas.openxmlformats.org/officeDocument/2006/relationships" xmlns:p="http://schemas.openxmlformats.org/presentationml/2006/main">
+  <p:cSld>
+    <p:spTree>
+      <p:nvGrpSpPr>
+        <p:cNvPr id="1" name=""/>
+        <p:cNvGrpSpPr/>
+        <p:nvPr/>
+      </p:nvGrpSpPr>
+      <p:grpSpPr>
+        <a:xfrm>
+          <a:off x="0" y="0"/>
+          <a:ext cx="0" cy="0"/>
+          <a:chOff x="0" y="0"/>
+          <a:chExt cx="0" cy="0"/>
+        </a:xfrm>
+      </p:grpSpPr>
+      <p:sp>
+        <p:nvSpPr>
+          <p:cNvPr id="3" name="Titel 2"/>
+          <p:cNvSpPr>
+            <a:spLocks noGrp="1"/>
+          </p:cNvSpPr>
+          <p:nvPr>
+            <p:ph type="title"/>
+          </p:nvPr>
+        </p:nvSpPr>
+        <p:spPr/>
+        <p:txBody>
+          <a:bodyPr/>
+          <a:lstStyle/>
+          <a:p>
+            <a:r>
+              <a:rPr lang="de-DE" sz="2400" b="1" dirty="0" smtClean="0"/>
+              <a:t>Bewertung:</a:t>
+            </a:r>
+            <a:r>
+              <a:rPr lang="de-DE" sz="2400" dirty="0" smtClean="0"/>
+              <a:t>	</a:t>
+            </a:r>
+            <a:r>
+              <a:rPr lang="de-DE" dirty="0" smtClean="0"/>
+              <a:t>Laufzeitverhalten</a:t>
+            </a:r>
+            <a:endParaRPr lang="de-DE" dirty="0"/>
+          </a:p>
+        </p:txBody>
+      </p:sp>
+      <p:sp>
+        <p:nvSpPr>
+          <p:cNvPr id="2" name="Foliennummernplatzhalter 1"/>
+          <p:cNvSpPr>
+            <a:spLocks noGrp="1"/>
+          </p:cNvSpPr>
+          <p:nvPr>
+            <p:ph type="sldNum" sz="quarter" idx="12"/>
+          </p:nvPr>
+        </p:nvSpPr>
+        <p:spPr/>
+        <p:txBody>
+          <a:bodyPr/>
+          <a:lstStyle/>
+          <a:p>
+            <a:fld id="{F4DAF760-8A09-427D-9634-9AF01F07ABD5}" type="slidenum">
+              <a:rPr lang="de-DE" smtClean="0"/>
+              <a:t>35</a:t>
+            </a:fld>
+            <a:endParaRPr lang="de-DE" dirty="0"/>
+          </a:p>
+        </p:txBody>
+      </p:sp>
+      <p:graphicFrame>
+        <p:nvGraphicFramePr>
+          <p:cNvPr id="4" name="Diagramm 3"/>
+          <p:cNvGraphicFramePr/>
+          <p:nvPr>
+            <p:extLst>
+              <p:ext uri="{D42A27DB-BD31-4B8C-83A1-F6EECF244321}">
+                <p14:modId xmlns:p14="http://schemas.microsoft.com/office/powerpoint/2010/main" val="3386619584"/>
+              </p:ext>
+            </p:extLst>
+          </p:nvPr>
+        </p:nvGraphicFramePr>
+        <p:xfrm>
+          <a:off x="1775520" y="1556792"/>
+          <a:ext cx="8928992" cy="4410555"/>
+        </p:xfrm>
+        <a:graphic>
+          <a:graphicData uri="http://schemas.openxmlformats.org/drawingml/2006/chart">
+            <c:chart xmlns:c="http://schemas.openxmlformats.org/drawingml/2006/chart" xmlns:r="http://schemas.openxmlformats.org/officeDocument/2006/relationships" r:id="rId2"/>
+          </a:graphicData>
+        </a:graphic>
+      </p:graphicFrame>
+    </p:spTree>
+    <p:extLst>
+      <p:ext uri="{BB962C8B-B14F-4D97-AF65-F5344CB8AC3E}">
+        <p14:creationId xmlns:p14="http://schemas.microsoft.com/office/powerpoint/2010/main" val="3112279224"/>
+      </p:ext>
+    </p:extLst>
+  </p:cSld>
+  <p:clrMapOvr>
+    <a:masterClrMapping/>
+  </p:clrMapOvr>
+  <p:timing>
+    <p:tnLst>
+      <p:par>
+        <p:cTn id="1" dur="indefinite" restart="never" nodeType="tmRoot"/>
+      </p:par>
+    </p:tnLst>
+  </p:timing>
+</p:sld>
+</file>
+
+<file path=ppt/slides/slide36.xml><?xml version="1.0" encoding="utf-8"?>
+<p:sld xmlns:a="http://schemas.openxmlformats.org/drawingml/2006/main" xmlns:r="http://schemas.openxmlformats.org/officeDocument/2006/relationships" xmlns:p="http://schemas.openxmlformats.org/presentationml/2006/main">
+  <p:cSld>
+    <p:spTree>
+      <p:nvGrpSpPr>
+        <p:cNvPr id="1" name=""/>
+        <p:cNvGrpSpPr/>
+        <p:nvPr/>
+      </p:nvGrpSpPr>
+      <p:grpSpPr>
+        <a:xfrm>
+          <a:off x="0" y="0"/>
+          <a:ext cx="0" cy="0"/>
+          <a:chOff x="0" y="0"/>
+          <a:chExt cx="0" cy="0"/>
+        </a:xfrm>
+      </p:grpSpPr>
+      <p:sp>
+        <p:nvSpPr>
+          <p:cNvPr id="2" name="Titel 1"/>
+          <p:cNvSpPr>
+            <a:spLocks noGrp="1"/>
+          </p:cNvSpPr>
+          <p:nvPr>
+            <p:ph type="title"/>
+          </p:nvPr>
+        </p:nvSpPr>
+        <p:spPr>
+          <a:xfrm>
+            <a:off x="831851" y="1772817"/>
+            <a:ext cx="10515600" cy="3816424"/>
+          </a:xfrm>
+        </p:spPr>
+        <p:txBody>
+          <a:bodyPr anchor="ctr"/>
+          <a:lstStyle/>
+          <a:p>
+            <a:pPr algn="ctr">
+              <a:lnSpc>
+                <a:spcPct val="150000"/>
+              </a:lnSpc>
+            </a:pPr>
+            <a:r>
+              <a:rPr lang="de-DE" dirty="0"/>
+              <a:t>5</a:t>
+            </a:r>
+            <a:r>
+              <a:rPr lang="de-DE" dirty="0" smtClean="0"/>
+              <a:t>. Ausblick</a:t>
+            </a:r>
+            <a:endParaRPr lang="de-DE" dirty="0"/>
+          </a:p>
+        </p:txBody>
+      </p:sp>
+      <p:sp>
+        <p:nvSpPr>
+          <p:cNvPr id="4" name="Foliennummernplatzhalter 3"/>
+          <p:cNvSpPr>
+            <a:spLocks noGrp="1"/>
+          </p:cNvSpPr>
+          <p:nvPr>
+            <p:ph type="sldNum" sz="quarter" idx="12"/>
+          </p:nvPr>
+        </p:nvSpPr>
+        <p:spPr/>
+        <p:txBody>
+          <a:bodyPr/>
+          <a:lstStyle/>
+          <a:p>
+            <a:fld id="{F4DAF760-8A09-427D-9634-9AF01F07ABD5}" type="slidenum">
+              <a:rPr lang="de-DE" smtClean="0"/>
+              <a:t>36</a:t>
+            </a:fld>
+            <a:endParaRPr lang="de-DE" dirty="0"/>
+          </a:p>
+        </p:txBody>
+      </p:sp>
+      <p:sp>
+        <p:nvSpPr>
+          <p:cNvPr id="6" name="Rechteck 5"/>
+          <p:cNvSpPr/>
+          <p:nvPr/>
+        </p:nvSpPr>
+        <p:spPr>
+          <a:xfrm>
+            <a:off x="9376564" y="1267862"/>
+            <a:ext cx="1904012" cy="1008112"/>
+          </a:xfrm>
+          <a:prstGeom prst="rect">
+            <a:avLst/>
+          </a:prstGeom>
+          <a:solidFill>
+            <a:schemeClr val="bg1"/>
+          </a:solidFill>
+          <a:ln>
+            <a:noFill/>
+          </a:ln>
+        </p:spPr>
+        <p:style>
+          <a:lnRef idx="2">
+            <a:schemeClr val="accent1">
+              <a:shade val="50000"/>
+            </a:schemeClr>
+          </a:lnRef>
+          <a:fillRef idx="1">
+            <a:schemeClr val="accent1"/>
+          </a:fillRef>
+          <a:effectRef idx="0">
+            <a:schemeClr val="accent1"/>
+          </a:effectRef>
+          <a:fontRef idx="minor">
+            <a:schemeClr val="lt1"/>
+          </a:fontRef>
+        </p:style>
+        <p:txBody>
+          <a:bodyPr rtlCol="0" anchor="ctr"/>
+          <a:lstStyle/>
+          <a:p>
+            <a:pPr algn="ctr"/>
+            <a:endParaRPr lang="de-DE"/>
+          </a:p>
+        </p:txBody>
+      </p:sp>
+    </p:spTree>
+    <p:extLst>
+      <p:ext uri="{BB962C8B-B14F-4D97-AF65-F5344CB8AC3E}">
+        <p14:creationId xmlns:p14="http://schemas.microsoft.com/office/powerpoint/2010/main" val="3269562061"/>
+      </p:ext>
+    </p:extLst>
+  </p:cSld>
+  <p:clrMapOvr>
+    <a:masterClrMapping/>
+  </p:clrMapOvr>
+  <p:timing>
+    <p:tnLst>
+      <p:par>
+        <p:cTn id="1" dur="indefinite" restart="never" nodeType="tmRoot"/>
+      </p:par>
+    </p:tnLst>
+  </p:timing>
+</p:sld>
+</file>
+
+<file path=ppt/slides/slide37.xml><?xml version="1.0" encoding="utf-8"?>
+<p:sld xmlns:a="http://schemas.openxmlformats.org/drawingml/2006/main" xmlns:r="http://schemas.openxmlformats.org/officeDocument/2006/relationships" xmlns:p="http://schemas.openxmlformats.org/presentationml/2006/main">
+  <p:cSld>
+    <p:spTree>
+      <p:nvGrpSpPr>
+        <p:cNvPr id="1" name=""/>
+        <p:cNvGrpSpPr/>
+        <p:nvPr/>
+      </p:nvGrpSpPr>
+      <p:grpSpPr>
+        <a:xfrm>
+          <a:off x="0" y="0"/>
+          <a:ext cx="0" cy="0"/>
+          <a:chOff x="0" y="0"/>
+          <a:chExt cx="0" cy="0"/>
+        </a:xfrm>
+      </p:grpSpPr>
+      <p:sp>
+        <p:nvSpPr>
+          <p:cNvPr id="2" name="Titel 1"/>
+          <p:cNvSpPr>
+            <a:spLocks noGrp="1"/>
+          </p:cNvSpPr>
+          <p:nvPr>
+            <p:ph type="title"/>
+          </p:nvPr>
+        </p:nvSpPr>
+        <p:spPr>
+          <a:xfrm>
+            <a:off x="831851" y="1772817"/>
+            <a:ext cx="10515600" cy="3816424"/>
+          </a:xfrm>
+        </p:spPr>
+        <p:txBody>
+          <a:bodyPr anchor="ctr"/>
+          <a:lstStyle/>
+          <a:p>
+            <a:pPr algn="ctr">
+              <a:lnSpc>
+                <a:spcPct val="150000"/>
+              </a:lnSpc>
+            </a:pPr>
+            <a:r>
+              <a:rPr lang="de-DE" smtClean="0"/>
+              <a:t>Danke!</a:t>
+            </a:r>
+            <a:endParaRPr lang="de-DE" dirty="0"/>
+          </a:p>
+        </p:txBody>
+      </p:sp>
+      <p:sp>
+        <p:nvSpPr>
+          <p:cNvPr id="4" name="Foliennummernplatzhalter 3"/>
+          <p:cNvSpPr>
+            <a:spLocks noGrp="1"/>
+          </p:cNvSpPr>
+          <p:nvPr>
+            <p:ph type="sldNum" sz="quarter" idx="12"/>
+          </p:nvPr>
+        </p:nvSpPr>
+        <p:spPr/>
+        <p:txBody>
+          <a:bodyPr/>
+          <a:lstStyle/>
+          <a:p>
+            <a:fld id="{F4DAF760-8A09-427D-9634-9AF01F07ABD5}" type="slidenum">
+              <a:rPr lang="de-DE" smtClean="0"/>
+              <a:t>37</a:t>
+            </a:fld>
+            <a:endParaRPr lang="de-DE" dirty="0"/>
+          </a:p>
+        </p:txBody>
+      </p:sp>
+      <p:sp>
+        <p:nvSpPr>
+          <p:cNvPr id="6" name="Rechteck 5"/>
+          <p:cNvSpPr/>
+          <p:nvPr/>
+        </p:nvSpPr>
+        <p:spPr>
+          <a:xfrm>
+            <a:off x="9376564" y="1267862"/>
+            <a:ext cx="1904012" cy="1008112"/>
+          </a:xfrm>
+          <a:prstGeom prst="rect">
+            <a:avLst/>
+          </a:prstGeom>
+          <a:solidFill>
+            <a:schemeClr val="bg1"/>
+          </a:solidFill>
+          <a:ln>
+            <a:noFill/>
+          </a:ln>
+        </p:spPr>
+        <p:style>
+          <a:lnRef idx="2">
+            <a:schemeClr val="accent1">
+              <a:shade val="50000"/>
+            </a:schemeClr>
+          </a:lnRef>
+          <a:fillRef idx="1">
+            <a:schemeClr val="accent1"/>
+          </a:fillRef>
+          <a:effectRef idx="0">
+            <a:schemeClr val="accent1"/>
+          </a:effectRef>
+          <a:fontRef idx="minor">
+            <a:schemeClr val="lt1"/>
+          </a:fontRef>
+        </p:style>
+        <p:txBody>
+          <a:bodyPr rtlCol="0" anchor="ctr"/>
+          <a:lstStyle/>
+          <a:p>
+            <a:pPr algn="ctr"/>
+            <a:endParaRPr lang="de-DE"/>
+          </a:p>
+        </p:txBody>
+      </p:sp>
+    </p:spTree>
+    <p:extLst>
+      <p:ext uri="{BB962C8B-B14F-4D97-AF65-F5344CB8AC3E}">
+        <p14:creationId xmlns:p14="http://schemas.microsoft.com/office/powerpoint/2010/main" val="2382665206"/>
+      </p:ext>
+    </p:extLst>
+  </p:cSld>
+  <p:clrMapOvr>
+    <a:masterClrMapping/>
+  </p:clrMapOvr>
+  <p:timing>
+    <p:tnLst>
+      <p:par>
+        <p:cTn id="1" dur="indefinite" restart="never" nodeType="tmRoot"/>
       </p:par>
     </p:tnLst>
   </p:timing>
@@ -11188,7 +18772,7 @@
           <a:lstStyle/>
           <a:p>
             <a:pPr algn="ctr"/>
-            <a:endParaRPr lang="de-DE"/>
+            <a:endParaRPr lang="de-DE" dirty="0"/>
           </a:p>
         </p:txBody>
       </p:sp>
@@ -11234,7 +18818,7 @@
           <a:lstStyle/>
           <a:p>
             <a:pPr algn="ctr"/>
-            <a:endParaRPr lang="de-DE"/>
+            <a:endParaRPr lang="de-DE" dirty="0"/>
           </a:p>
         </p:txBody>
       </p:sp>
@@ -12007,7 +19591,7 @@
           <a:lstStyle/>
           <a:p>
             <a:pPr algn="ctr"/>
-            <a:endParaRPr lang="de-DE"/>
+            <a:endParaRPr lang="de-DE" dirty="0"/>
           </a:p>
         </p:txBody>
       </p:sp>
@@ -12778,7 +20362,7 @@
           <a:lstStyle/>
           <a:p>
             <a:pPr algn="ctr"/>
-            <a:endParaRPr lang="de-DE"/>
+            <a:endParaRPr lang="de-DE" dirty="0"/>
           </a:p>
         </p:txBody>
       </p:sp>
@@ -13154,7 +20738,6 @@
               <a:rPr lang="de-DE" dirty="0" smtClean="0"/>
               <a:t>Der Wissensgraph repräsentiert einen FOL-Ausdruck.</a:t>
             </a:r>
-            <a:endParaRPr lang="de-DE" dirty="0" smtClean="0"/>
           </a:p>
         </p:txBody>
       </p:sp>
@@ -13395,7 +20978,7 @@
           <p:nvPr/>
         </p:nvPicPr>
         <p:blipFill>
-          <a:blip r:embed="rId3" cstate="print">
+          <a:blip r:embed="rId2" cstate="print">
             <a:extLst>
               <a:ext uri="{28A0092B-C50C-407E-A947-70E740481C1C}">
                 <a14:useLocalDpi xmlns:a14="http://schemas.microsoft.com/office/drawing/2010/main" val="0"/>
@@ -13426,8 +21009,8 @@
           </a:extLst>
         </p:spPr>
       </p:pic>
-      <mc:AlternateContent xmlns:mc="http://schemas.openxmlformats.org/markup-compatibility/2006">
-        <mc:Choice xmlns:a14="http://schemas.microsoft.com/office/drawing/2010/main" Requires="a14">
+      <mc:AlternateContent xmlns:mc="http://schemas.openxmlformats.org/markup-compatibility/2006" xmlns:a14="http://schemas.microsoft.com/office/drawing/2010/main">
+        <mc:Choice Requires="a14">
           <p:sp>
             <p:nvSpPr>
               <p:cNvPr id="9" name="Rechteck 8"/>
@@ -13508,7 +21091,7 @@
             </p:txBody>
           </p:sp>
         </mc:Choice>
-        <mc:Fallback>
+        <mc:Fallback xmlns="">
           <p:sp>
             <p:nvSpPr>
               <p:cNvPr id="9" name="Rechteck 8"/>
@@ -13741,7 +21324,6 @@
               <a:rPr lang="de-DE" dirty="0" smtClean="0"/>
               <a:t>Konzeptknoten:</a:t>
             </a:r>
-            <a:endParaRPr lang="de-DE" dirty="0" smtClean="0"/>
           </a:p>
         </p:txBody>
       </p:sp>
@@ -14029,7 +21611,7 @@
   <a:extraClrSchemeLst/>
   <a:extLst>
     <a:ext uri="{05A4C25C-085E-4340-85A3-A5531E510DB2}">
-      <thm15:themeFamily xmlns:thm15="http://schemas.microsoft.com/office/thememl/2012/main" xmlns="" name="Office Theme" id="{62F939B6-93AF-4DB8-9C6B-D6C7DFDC589F}" vid="{4A3C46E8-61CC-4603-A589-7422A47A8E4A}"/>
+      <thm15:themeFamily xmlns="" xmlns:thm15="http://schemas.microsoft.com/office/thememl/2012/main" name="Office Theme" id="{62F939B6-93AF-4DB8-9C6B-D6C7DFDC589F}" vid="{4A3C46E8-61CC-4603-A589-7422A47A8E4A}"/>
     </a:ext>
   </a:extLst>
 </a:theme>

--- a/presentation/presentation.pptx
+++ b/presentation/presentation.pptx
@@ -5,7 +5,7 @@
     <p:sldMasterId id="2147483777" r:id="rId1"/>
   </p:sldMasterIdLst>
   <p:notesMasterIdLst>
-    <p:notesMasterId r:id="rId39"/>
+    <p:notesMasterId r:id="rId42"/>
   </p:notesMasterIdLst>
   <p:sldIdLst>
     <p:sldId id="256" r:id="rId2"/>
@@ -44,41 +44,44 @@
     <p:sldId id="296" r:id="rId35"/>
     <p:sldId id="297" r:id="rId36"/>
     <p:sldId id="295" r:id="rId37"/>
-    <p:sldId id="298" r:id="rId38"/>
+    <p:sldId id="299" r:id="rId38"/>
+    <p:sldId id="300" r:id="rId39"/>
+    <p:sldId id="301" r:id="rId40"/>
+    <p:sldId id="298" r:id="rId41"/>
   </p:sldIdLst>
   <p:sldSz cx="12192000" cy="6858000"/>
   <p:notesSz cx="6858000" cy="9144000"/>
   <p:embeddedFontLst>
     <p:embeddedFont>
-      <p:font typeface="Calibri" panose="020F0502020204030204" pitchFamily="34" charset="0"/>
-      <p:regular r:id="rId40"/>
-      <p:bold r:id="rId41"/>
-      <p:italic r:id="rId42"/>
-      <p:boldItalic r:id="rId43"/>
+      <p:font typeface="Century Gothic" panose="020B0502020202020204" pitchFamily="34" charset="0"/>
+      <p:regular r:id="rId43"/>
+      <p:bold r:id="rId44"/>
+      <p:italic r:id="rId45"/>
+      <p:boldItalic r:id="rId46"/>
     </p:embeddedFont>
     <p:embeddedFont>
-      <p:font typeface="Century Gothic" panose="020B0502020202020204" pitchFamily="34" charset="0"/>
-      <p:regular r:id="rId44"/>
-      <p:bold r:id="rId45"/>
-      <p:italic r:id="rId46"/>
-      <p:boldItalic r:id="rId47"/>
+      <p:font typeface="Wingdings 2" panose="05020102010507070707" pitchFamily="18" charset="2"/>
+      <p:regular r:id="rId47"/>
+    </p:embeddedFont>
+    <p:embeddedFont>
+      <p:font typeface="Cambria Math" panose="02040503050406030204" pitchFamily="18" charset="0"/>
+      <p:regular r:id="rId48"/>
     </p:embeddedFont>
     <p:embeddedFont>
       <p:font typeface="Roboto Light" panose="02000000000000000000" pitchFamily="2" charset="0"/>
-      <p:regular r:id="rId48"/>
-      <p:italic r:id="rId49"/>
+      <p:regular r:id="rId49"/>
+      <p:italic r:id="rId50"/>
     </p:embeddedFont>
     <p:embeddedFont>
-      <p:font typeface="Cambria Math" panose="02040503050406030204" pitchFamily="18" charset="0"/>
-      <p:regular r:id="rId50"/>
-    </p:embeddedFont>
-    <p:embeddedFont>
-      <p:font typeface="Wingdings 2" panose="05020102010507070707" pitchFamily="18" charset="2"/>
+      <p:font typeface="Calibri" panose="020F0502020204030204" pitchFamily="34" charset="0"/>
       <p:regular r:id="rId51"/>
+      <p:bold r:id="rId52"/>
+      <p:italic r:id="rId53"/>
+      <p:boldItalic r:id="rId54"/>
     </p:embeddedFont>
   </p:embeddedFontLst>
   <p:custDataLst>
-    <p:tags r:id="rId52"/>
+    <p:tags r:id="rId55"/>
   </p:custDataLst>
   <p:defaultTextStyle>
     <a:defPPr>
@@ -270,13 +273,16 @@
         <p14:section name="Ausblick" id="{58EDE193-070D-47FB-9F3A-90C760D1E494}">
           <p14:sldIdLst>
             <p14:sldId id="295"/>
+            <p14:sldId id="299"/>
+            <p14:sldId id="300"/>
+            <p14:sldId id="301"/>
             <p14:sldId id="298"/>
           </p14:sldIdLst>
         </p14:section>
       </p14:sectionLst>
     </p:ext>
     <p:ext uri="{EFAFB233-063F-42B5-8137-9DF3F51BA10A}">
-      <p15:sldGuideLst xmlns="" xmlns:p15="http://schemas.microsoft.com/office/powerpoint/2012/main">
+      <p15:sldGuideLst xmlns:p15="http://schemas.microsoft.com/office/powerpoint/2012/main" xmlns="">
         <p15:guide id="1" orient="horz" pos="2160" userDrawn="1">
           <p15:clr>
             <a:srgbClr val="A4A3A4"/>
@@ -332,6 +338,14 @@
               <a:noFill/>
             </a:ln>
           </c:spPr>
+          <c:dPt>
+            <c:idx val="23"/>
+            <c:marker>
+              <c:symbol val="diamond"/>
+              <c:size val="7"/>
+            </c:marker>
+            <c:bubble3D val="0"/>
+          </c:dPt>
           <c:cat>
             <c:numRef>
               <c:f>Tabelle1!$A$2:$A$58</c:f>
@@ -1124,11 +1138,11 @@
         </c:dLbls>
         <c:marker val="1"/>
         <c:smooth val="0"/>
-        <c:axId val="167495552"/>
-        <c:axId val="95349376"/>
+        <c:axId val="102563840"/>
+        <c:axId val="102565376"/>
       </c:lineChart>
       <c:catAx>
-        <c:axId val="167495552"/>
+        <c:axId val="102563840"/>
         <c:scaling>
           <c:orientation val="minMax"/>
         </c:scaling>
@@ -1148,7 +1162,7 @@
             <a:endParaRPr lang="de-DE"/>
           </a:p>
         </c:txPr>
-        <c:crossAx val="95349376"/>
+        <c:crossAx val="102565376"/>
         <c:crosses val="autoZero"/>
         <c:auto val="1"/>
         <c:lblAlgn val="ctr"/>
@@ -1156,7 +1170,7 @@
         <c:noMultiLvlLbl val="0"/>
       </c:catAx>
       <c:valAx>
-        <c:axId val="95349376"/>
+        <c:axId val="102565376"/>
         <c:scaling>
           <c:orientation val="minMax"/>
         </c:scaling>
@@ -1201,7 +1215,966 @@
             <a:endParaRPr lang="de-DE"/>
           </a:p>
         </c:txPr>
-        <c:crossAx val="167495552"/>
+        <c:crossAx val="102563840"/>
+        <c:crosses val="autoZero"/>
+        <c:crossBetween val="between"/>
+      </c:valAx>
+    </c:plotArea>
+    <c:legend>
+      <c:legendPos val="r"/>
+      <c:layout/>
+      <c:overlay val="0"/>
+      <c:txPr>
+        <a:bodyPr/>
+        <a:lstStyle/>
+        <a:p>
+          <a:pPr>
+            <a:defRPr sz="1400"/>
+          </a:pPr>
+          <a:endParaRPr lang="de-DE"/>
+        </a:p>
+      </c:txPr>
+    </c:legend>
+    <c:plotVisOnly val="1"/>
+    <c:dispBlanksAs val="gap"/>
+    <c:showDLblsOverMax val="0"/>
+  </c:chart>
+  <c:txPr>
+    <a:bodyPr/>
+    <a:lstStyle/>
+    <a:p>
+      <a:pPr>
+        <a:defRPr sz="1800">
+          <a:latin typeface="Roboto Light" panose="02000000000000000000" pitchFamily="2" charset="0"/>
+          <a:ea typeface="Roboto Light" panose="02000000000000000000" pitchFamily="2" charset="0"/>
+        </a:defRPr>
+      </a:pPr>
+      <a:endParaRPr lang="de-DE"/>
+    </a:p>
+  </c:txPr>
+  <c:externalData r:id="rId1">
+    <c:autoUpdate val="0"/>
+  </c:externalData>
+</c:chartSpace>
+</file>
+
+<file path=ppt/charts/chart2.xml><?xml version="1.0" encoding="utf-8"?>
+<c:chartSpace xmlns:c="http://schemas.openxmlformats.org/drawingml/2006/chart" xmlns:a="http://schemas.openxmlformats.org/drawingml/2006/main" xmlns:r="http://schemas.openxmlformats.org/officeDocument/2006/relationships">
+  <c:date1904 val="0"/>
+  <c:lang val="de-DE"/>
+  <c:roundedCorners val="0"/>
+  <mc:AlternateContent xmlns:mc="http://schemas.openxmlformats.org/markup-compatibility/2006">
+    <mc:Choice xmlns:c14="http://schemas.microsoft.com/office/drawing/2007/8/2/chart" Requires="c14">
+      <c14:style val="110"/>
+    </mc:Choice>
+    <mc:Fallback>
+      <c:style val="10"/>
+    </mc:Fallback>
+  </mc:AlternateContent>
+  <c:chart>
+    <c:autoTitleDeleted val="0"/>
+    <c:plotArea>
+      <c:layout/>
+      <c:lineChart>
+        <c:grouping val="standard"/>
+        <c:varyColors val="0"/>
+        <c:ser>
+          <c:idx val="0"/>
+          <c:order val="0"/>
+          <c:tx>
+            <c:strRef>
+              <c:f>Tabelle1!$B$1</c:f>
+              <c:strCache>
+                <c:ptCount val="1"/>
+                <c:pt idx="0">
+                  <c:v>Thread 1</c:v>
+                </c:pt>
+              </c:strCache>
+            </c:strRef>
+          </c:tx>
+          <c:spPr>
+            <a:ln w="31750">
+              <a:noFill/>
+            </a:ln>
+          </c:spPr>
+          <c:dPt>
+            <c:idx val="23"/>
+            <c:marker>
+              <c:symbol val="diamond"/>
+              <c:size val="7"/>
+            </c:marker>
+            <c:bubble3D val="0"/>
+          </c:dPt>
+          <c:cat>
+            <c:numRef>
+              <c:f>Tabelle1!$A$2:$A$58</c:f>
+              <c:numCache>
+                <c:formatCode>General</c:formatCode>
+                <c:ptCount val="57"/>
+                <c:pt idx="0">
+                  <c:v>1</c:v>
+                </c:pt>
+                <c:pt idx="1">
+                  <c:v>2</c:v>
+                </c:pt>
+                <c:pt idx="2">
+                  <c:v>3</c:v>
+                </c:pt>
+                <c:pt idx="3">
+                  <c:v>4</c:v>
+                </c:pt>
+                <c:pt idx="4">
+                  <c:v>5</c:v>
+                </c:pt>
+                <c:pt idx="5">
+                  <c:v>6</c:v>
+                </c:pt>
+                <c:pt idx="6">
+                  <c:v>7</c:v>
+                </c:pt>
+                <c:pt idx="7">
+                  <c:v>8</c:v>
+                </c:pt>
+                <c:pt idx="8">
+                  <c:v>9</c:v>
+                </c:pt>
+                <c:pt idx="9">
+                  <c:v>10</c:v>
+                </c:pt>
+                <c:pt idx="10">
+                  <c:v>11</c:v>
+                </c:pt>
+                <c:pt idx="11">
+                  <c:v>12</c:v>
+                </c:pt>
+                <c:pt idx="12">
+                  <c:v>13</c:v>
+                </c:pt>
+                <c:pt idx="13">
+                  <c:v>14</c:v>
+                </c:pt>
+                <c:pt idx="14">
+                  <c:v>15</c:v>
+                </c:pt>
+                <c:pt idx="15">
+                  <c:v>16</c:v>
+                </c:pt>
+                <c:pt idx="16">
+                  <c:v>17</c:v>
+                </c:pt>
+                <c:pt idx="17">
+                  <c:v>18</c:v>
+                </c:pt>
+                <c:pt idx="18">
+                  <c:v>19</c:v>
+                </c:pt>
+                <c:pt idx="19">
+                  <c:v>20</c:v>
+                </c:pt>
+                <c:pt idx="20">
+                  <c:v>21</c:v>
+                </c:pt>
+                <c:pt idx="21">
+                  <c:v>22</c:v>
+                </c:pt>
+                <c:pt idx="22">
+                  <c:v>23</c:v>
+                </c:pt>
+                <c:pt idx="23">
+                  <c:v>24</c:v>
+                </c:pt>
+                <c:pt idx="24">
+                  <c:v>25</c:v>
+                </c:pt>
+                <c:pt idx="25">
+                  <c:v>26</c:v>
+                </c:pt>
+                <c:pt idx="26">
+                  <c:v>27</c:v>
+                </c:pt>
+                <c:pt idx="27">
+                  <c:v>28</c:v>
+                </c:pt>
+                <c:pt idx="28">
+                  <c:v>29</c:v>
+                </c:pt>
+                <c:pt idx="29">
+                  <c:v>30</c:v>
+                </c:pt>
+                <c:pt idx="30">
+                  <c:v>31</c:v>
+                </c:pt>
+                <c:pt idx="31">
+                  <c:v>32</c:v>
+                </c:pt>
+                <c:pt idx="32">
+                  <c:v>33</c:v>
+                </c:pt>
+                <c:pt idx="33">
+                  <c:v>34</c:v>
+                </c:pt>
+                <c:pt idx="34">
+                  <c:v>35</c:v>
+                </c:pt>
+                <c:pt idx="35">
+                  <c:v>36</c:v>
+                </c:pt>
+                <c:pt idx="36">
+                  <c:v>37</c:v>
+                </c:pt>
+                <c:pt idx="37">
+                  <c:v>38</c:v>
+                </c:pt>
+                <c:pt idx="38">
+                  <c:v>39</c:v>
+                </c:pt>
+                <c:pt idx="39">
+                  <c:v>40</c:v>
+                </c:pt>
+                <c:pt idx="40">
+                  <c:v>41</c:v>
+                </c:pt>
+                <c:pt idx="41">
+                  <c:v>42</c:v>
+                </c:pt>
+                <c:pt idx="42">
+                  <c:v>43</c:v>
+                </c:pt>
+                <c:pt idx="43">
+                  <c:v>44</c:v>
+                </c:pt>
+                <c:pt idx="44">
+                  <c:v>45</c:v>
+                </c:pt>
+                <c:pt idx="45">
+                  <c:v>46</c:v>
+                </c:pt>
+                <c:pt idx="46">
+                  <c:v>47</c:v>
+                </c:pt>
+                <c:pt idx="47">
+                  <c:v>48</c:v>
+                </c:pt>
+                <c:pt idx="48">
+                  <c:v>49</c:v>
+                </c:pt>
+                <c:pt idx="49">
+                  <c:v>50</c:v>
+                </c:pt>
+                <c:pt idx="50">
+                  <c:v>51</c:v>
+                </c:pt>
+                <c:pt idx="51">
+                  <c:v>52</c:v>
+                </c:pt>
+                <c:pt idx="52">
+                  <c:v>53</c:v>
+                </c:pt>
+                <c:pt idx="53">
+                  <c:v>54</c:v>
+                </c:pt>
+                <c:pt idx="54">
+                  <c:v>55</c:v>
+                </c:pt>
+                <c:pt idx="55">
+                  <c:v>56</c:v>
+                </c:pt>
+                <c:pt idx="56">
+                  <c:v>57</c:v>
+                </c:pt>
+              </c:numCache>
+            </c:numRef>
+          </c:cat>
+          <c:val>
+            <c:numRef>
+              <c:f>Tabelle1!$B$2:$B$58</c:f>
+              <c:numCache>
+                <c:formatCode>General</c:formatCode>
+                <c:ptCount val="57"/>
+                <c:pt idx="0">
+                  <c:v>8</c:v>
+                </c:pt>
+                <c:pt idx="1">
+                  <c:v>4</c:v>
+                </c:pt>
+                <c:pt idx="2">
+                  <c:v>6</c:v>
+                </c:pt>
+                <c:pt idx="3">
+                  <c:v>21</c:v>
+                </c:pt>
+                <c:pt idx="4">
+                  <c:v>29</c:v>
+                </c:pt>
+                <c:pt idx="5">
+                  <c:v>29</c:v>
+                </c:pt>
+                <c:pt idx="6">
+                  <c:v>39</c:v>
+                </c:pt>
+                <c:pt idx="7">
+                  <c:v>34</c:v>
+                </c:pt>
+                <c:pt idx="8">
+                  <c:v>38</c:v>
+                </c:pt>
+                <c:pt idx="9">
+                  <c:v>47</c:v>
+                </c:pt>
+                <c:pt idx="10">
+                  <c:v>48</c:v>
+                </c:pt>
+                <c:pt idx="11">
+                  <c:v>49</c:v>
+                </c:pt>
+                <c:pt idx="12">
+                  <c:v>51</c:v>
+                </c:pt>
+                <c:pt idx="13">
+                  <c:v>63</c:v>
+                </c:pt>
+                <c:pt idx="14">
+                  <c:v>63</c:v>
+                </c:pt>
+                <c:pt idx="15">
+                  <c:v>67</c:v>
+                </c:pt>
+                <c:pt idx="16">
+                  <c:v>80</c:v>
+                </c:pt>
+                <c:pt idx="17">
+                  <c:v>79</c:v>
+                </c:pt>
+                <c:pt idx="18">
+                  <c:v>80</c:v>
+                </c:pt>
+                <c:pt idx="19">
+                  <c:v>84</c:v>
+                </c:pt>
+                <c:pt idx="20">
+                  <c:v>98</c:v>
+                </c:pt>
+                <c:pt idx="21">
+                  <c:v>99</c:v>
+                </c:pt>
+                <c:pt idx="22">
+                  <c:v>101</c:v>
+                </c:pt>
+                <c:pt idx="23">
+                  <c:v>218</c:v>
+                </c:pt>
+              </c:numCache>
+            </c:numRef>
+          </c:val>
+          <c:smooth val="0"/>
+        </c:ser>
+        <c:ser>
+          <c:idx val="1"/>
+          <c:order val="1"/>
+          <c:tx>
+            <c:strRef>
+              <c:f>Tabelle1!$C$1</c:f>
+              <c:strCache>
+                <c:ptCount val="1"/>
+                <c:pt idx="0">
+                  <c:v>Thread 2</c:v>
+                </c:pt>
+              </c:strCache>
+            </c:strRef>
+          </c:tx>
+          <c:spPr>
+            <a:ln w="31750">
+              <a:noFill/>
+            </a:ln>
+          </c:spPr>
+          <c:cat>
+            <c:numRef>
+              <c:f>Tabelle1!$A$2:$A$58</c:f>
+              <c:numCache>
+                <c:formatCode>General</c:formatCode>
+                <c:ptCount val="57"/>
+                <c:pt idx="0">
+                  <c:v>1</c:v>
+                </c:pt>
+                <c:pt idx="1">
+                  <c:v>2</c:v>
+                </c:pt>
+                <c:pt idx="2">
+                  <c:v>3</c:v>
+                </c:pt>
+                <c:pt idx="3">
+                  <c:v>4</c:v>
+                </c:pt>
+                <c:pt idx="4">
+                  <c:v>5</c:v>
+                </c:pt>
+                <c:pt idx="5">
+                  <c:v>6</c:v>
+                </c:pt>
+                <c:pt idx="6">
+                  <c:v>7</c:v>
+                </c:pt>
+                <c:pt idx="7">
+                  <c:v>8</c:v>
+                </c:pt>
+                <c:pt idx="8">
+                  <c:v>9</c:v>
+                </c:pt>
+                <c:pt idx="9">
+                  <c:v>10</c:v>
+                </c:pt>
+                <c:pt idx="10">
+                  <c:v>11</c:v>
+                </c:pt>
+                <c:pt idx="11">
+                  <c:v>12</c:v>
+                </c:pt>
+                <c:pt idx="12">
+                  <c:v>13</c:v>
+                </c:pt>
+                <c:pt idx="13">
+                  <c:v>14</c:v>
+                </c:pt>
+                <c:pt idx="14">
+                  <c:v>15</c:v>
+                </c:pt>
+                <c:pt idx="15">
+                  <c:v>16</c:v>
+                </c:pt>
+                <c:pt idx="16">
+                  <c:v>17</c:v>
+                </c:pt>
+                <c:pt idx="17">
+                  <c:v>18</c:v>
+                </c:pt>
+                <c:pt idx="18">
+                  <c:v>19</c:v>
+                </c:pt>
+                <c:pt idx="19">
+                  <c:v>20</c:v>
+                </c:pt>
+                <c:pt idx="20">
+                  <c:v>21</c:v>
+                </c:pt>
+                <c:pt idx="21">
+                  <c:v>22</c:v>
+                </c:pt>
+                <c:pt idx="22">
+                  <c:v>23</c:v>
+                </c:pt>
+                <c:pt idx="23">
+                  <c:v>24</c:v>
+                </c:pt>
+                <c:pt idx="24">
+                  <c:v>25</c:v>
+                </c:pt>
+                <c:pt idx="25">
+                  <c:v>26</c:v>
+                </c:pt>
+                <c:pt idx="26">
+                  <c:v>27</c:v>
+                </c:pt>
+                <c:pt idx="27">
+                  <c:v>28</c:v>
+                </c:pt>
+                <c:pt idx="28">
+                  <c:v>29</c:v>
+                </c:pt>
+                <c:pt idx="29">
+                  <c:v>30</c:v>
+                </c:pt>
+                <c:pt idx="30">
+                  <c:v>31</c:v>
+                </c:pt>
+                <c:pt idx="31">
+                  <c:v>32</c:v>
+                </c:pt>
+                <c:pt idx="32">
+                  <c:v>33</c:v>
+                </c:pt>
+                <c:pt idx="33">
+                  <c:v>34</c:v>
+                </c:pt>
+                <c:pt idx="34">
+                  <c:v>35</c:v>
+                </c:pt>
+                <c:pt idx="35">
+                  <c:v>36</c:v>
+                </c:pt>
+                <c:pt idx="36">
+                  <c:v>37</c:v>
+                </c:pt>
+                <c:pt idx="37">
+                  <c:v>38</c:v>
+                </c:pt>
+                <c:pt idx="38">
+                  <c:v>39</c:v>
+                </c:pt>
+                <c:pt idx="39">
+                  <c:v>40</c:v>
+                </c:pt>
+                <c:pt idx="40">
+                  <c:v>41</c:v>
+                </c:pt>
+                <c:pt idx="41">
+                  <c:v>42</c:v>
+                </c:pt>
+                <c:pt idx="42">
+                  <c:v>43</c:v>
+                </c:pt>
+                <c:pt idx="43">
+                  <c:v>44</c:v>
+                </c:pt>
+                <c:pt idx="44">
+                  <c:v>45</c:v>
+                </c:pt>
+                <c:pt idx="45">
+                  <c:v>46</c:v>
+                </c:pt>
+                <c:pt idx="46">
+                  <c:v>47</c:v>
+                </c:pt>
+                <c:pt idx="47">
+                  <c:v>48</c:v>
+                </c:pt>
+                <c:pt idx="48">
+                  <c:v>49</c:v>
+                </c:pt>
+                <c:pt idx="49">
+                  <c:v>50</c:v>
+                </c:pt>
+                <c:pt idx="50">
+                  <c:v>51</c:v>
+                </c:pt>
+                <c:pt idx="51">
+                  <c:v>52</c:v>
+                </c:pt>
+                <c:pt idx="52">
+                  <c:v>53</c:v>
+                </c:pt>
+                <c:pt idx="53">
+                  <c:v>54</c:v>
+                </c:pt>
+                <c:pt idx="54">
+                  <c:v>55</c:v>
+                </c:pt>
+                <c:pt idx="55">
+                  <c:v>56</c:v>
+                </c:pt>
+                <c:pt idx="56">
+                  <c:v>57</c:v>
+                </c:pt>
+              </c:numCache>
+            </c:numRef>
+          </c:cat>
+          <c:val>
+            <c:numRef>
+              <c:f>Tabelle1!$C$2:$C$58</c:f>
+              <c:numCache>
+                <c:formatCode>General</c:formatCode>
+                <c:ptCount val="57"/>
+                <c:pt idx="24">
+                  <c:v>1263</c:v>
+                </c:pt>
+                <c:pt idx="25">
+                  <c:v>935</c:v>
+                </c:pt>
+                <c:pt idx="26">
+                  <c:v>955</c:v>
+                </c:pt>
+                <c:pt idx="27">
+                  <c:v>842</c:v>
+                </c:pt>
+                <c:pt idx="28">
+                  <c:v>964</c:v>
+                </c:pt>
+                <c:pt idx="29">
+                  <c:v>1902</c:v>
+                </c:pt>
+                <c:pt idx="30">
+                  <c:v>1353</c:v>
+                </c:pt>
+                <c:pt idx="31">
+                  <c:v>1518</c:v>
+                </c:pt>
+              </c:numCache>
+            </c:numRef>
+          </c:val>
+          <c:smooth val="0"/>
+        </c:ser>
+        <c:ser>
+          <c:idx val="2"/>
+          <c:order val="2"/>
+          <c:tx>
+            <c:strRef>
+              <c:f>Tabelle1!$D$1</c:f>
+              <c:strCache>
+                <c:ptCount val="1"/>
+                <c:pt idx="0">
+                  <c:v>Thread 3</c:v>
+                </c:pt>
+              </c:strCache>
+            </c:strRef>
+          </c:tx>
+          <c:spPr>
+            <a:ln w="31750">
+              <a:noFill/>
+            </a:ln>
+          </c:spPr>
+          <c:cat>
+            <c:numRef>
+              <c:f>Tabelle1!$A$2:$A$58</c:f>
+              <c:numCache>
+                <c:formatCode>General</c:formatCode>
+                <c:ptCount val="57"/>
+                <c:pt idx="0">
+                  <c:v>1</c:v>
+                </c:pt>
+                <c:pt idx="1">
+                  <c:v>2</c:v>
+                </c:pt>
+                <c:pt idx="2">
+                  <c:v>3</c:v>
+                </c:pt>
+                <c:pt idx="3">
+                  <c:v>4</c:v>
+                </c:pt>
+                <c:pt idx="4">
+                  <c:v>5</c:v>
+                </c:pt>
+                <c:pt idx="5">
+                  <c:v>6</c:v>
+                </c:pt>
+                <c:pt idx="6">
+                  <c:v>7</c:v>
+                </c:pt>
+                <c:pt idx="7">
+                  <c:v>8</c:v>
+                </c:pt>
+                <c:pt idx="8">
+                  <c:v>9</c:v>
+                </c:pt>
+                <c:pt idx="9">
+                  <c:v>10</c:v>
+                </c:pt>
+                <c:pt idx="10">
+                  <c:v>11</c:v>
+                </c:pt>
+                <c:pt idx="11">
+                  <c:v>12</c:v>
+                </c:pt>
+                <c:pt idx="12">
+                  <c:v>13</c:v>
+                </c:pt>
+                <c:pt idx="13">
+                  <c:v>14</c:v>
+                </c:pt>
+                <c:pt idx="14">
+                  <c:v>15</c:v>
+                </c:pt>
+                <c:pt idx="15">
+                  <c:v>16</c:v>
+                </c:pt>
+                <c:pt idx="16">
+                  <c:v>17</c:v>
+                </c:pt>
+                <c:pt idx="17">
+                  <c:v>18</c:v>
+                </c:pt>
+                <c:pt idx="18">
+                  <c:v>19</c:v>
+                </c:pt>
+                <c:pt idx="19">
+                  <c:v>20</c:v>
+                </c:pt>
+                <c:pt idx="20">
+                  <c:v>21</c:v>
+                </c:pt>
+                <c:pt idx="21">
+                  <c:v>22</c:v>
+                </c:pt>
+                <c:pt idx="22">
+                  <c:v>23</c:v>
+                </c:pt>
+                <c:pt idx="23">
+                  <c:v>24</c:v>
+                </c:pt>
+                <c:pt idx="24">
+                  <c:v>25</c:v>
+                </c:pt>
+                <c:pt idx="25">
+                  <c:v>26</c:v>
+                </c:pt>
+                <c:pt idx="26">
+                  <c:v>27</c:v>
+                </c:pt>
+                <c:pt idx="27">
+                  <c:v>28</c:v>
+                </c:pt>
+                <c:pt idx="28">
+                  <c:v>29</c:v>
+                </c:pt>
+                <c:pt idx="29">
+                  <c:v>30</c:v>
+                </c:pt>
+                <c:pt idx="30">
+                  <c:v>31</c:v>
+                </c:pt>
+                <c:pt idx="31">
+                  <c:v>32</c:v>
+                </c:pt>
+                <c:pt idx="32">
+                  <c:v>33</c:v>
+                </c:pt>
+                <c:pt idx="33">
+                  <c:v>34</c:v>
+                </c:pt>
+                <c:pt idx="34">
+                  <c:v>35</c:v>
+                </c:pt>
+                <c:pt idx="35">
+                  <c:v>36</c:v>
+                </c:pt>
+                <c:pt idx="36">
+                  <c:v>37</c:v>
+                </c:pt>
+                <c:pt idx="37">
+                  <c:v>38</c:v>
+                </c:pt>
+                <c:pt idx="38">
+                  <c:v>39</c:v>
+                </c:pt>
+                <c:pt idx="39">
+                  <c:v>40</c:v>
+                </c:pt>
+                <c:pt idx="40">
+                  <c:v>41</c:v>
+                </c:pt>
+                <c:pt idx="41">
+                  <c:v>42</c:v>
+                </c:pt>
+                <c:pt idx="42">
+                  <c:v>43</c:v>
+                </c:pt>
+                <c:pt idx="43">
+                  <c:v>44</c:v>
+                </c:pt>
+                <c:pt idx="44">
+                  <c:v>45</c:v>
+                </c:pt>
+                <c:pt idx="45">
+                  <c:v>46</c:v>
+                </c:pt>
+                <c:pt idx="46">
+                  <c:v>47</c:v>
+                </c:pt>
+                <c:pt idx="47">
+                  <c:v>48</c:v>
+                </c:pt>
+                <c:pt idx="48">
+                  <c:v>49</c:v>
+                </c:pt>
+                <c:pt idx="49">
+                  <c:v>50</c:v>
+                </c:pt>
+                <c:pt idx="50">
+                  <c:v>51</c:v>
+                </c:pt>
+                <c:pt idx="51">
+                  <c:v>52</c:v>
+                </c:pt>
+                <c:pt idx="52">
+                  <c:v>53</c:v>
+                </c:pt>
+                <c:pt idx="53">
+                  <c:v>54</c:v>
+                </c:pt>
+                <c:pt idx="54">
+                  <c:v>55</c:v>
+                </c:pt>
+                <c:pt idx="55">
+                  <c:v>56</c:v>
+                </c:pt>
+                <c:pt idx="56">
+                  <c:v>57</c:v>
+                </c:pt>
+              </c:numCache>
+            </c:numRef>
+          </c:cat>
+          <c:val>
+            <c:numRef>
+              <c:f>Tabelle1!$D$2:$D$58</c:f>
+              <c:numCache>
+                <c:formatCode>General</c:formatCode>
+                <c:ptCount val="57"/>
+                <c:pt idx="32">
+                  <c:v>4735</c:v>
+                </c:pt>
+                <c:pt idx="33">
+                  <c:v>3361</c:v>
+                </c:pt>
+                <c:pt idx="34">
+                  <c:v>3394</c:v>
+                </c:pt>
+                <c:pt idx="35">
+                  <c:v>3742</c:v>
+                </c:pt>
+                <c:pt idx="36">
+                  <c:v>4256</c:v>
+                </c:pt>
+                <c:pt idx="37">
+                  <c:v>4087</c:v>
+                </c:pt>
+                <c:pt idx="38">
+                  <c:v>4592</c:v>
+                </c:pt>
+                <c:pt idx="39">
+                  <c:v>4494</c:v>
+                </c:pt>
+                <c:pt idx="40">
+                  <c:v>4743</c:v>
+                </c:pt>
+                <c:pt idx="41">
+                  <c:v>6503</c:v>
+                </c:pt>
+                <c:pt idx="42">
+                  <c:v>5741</c:v>
+                </c:pt>
+                <c:pt idx="43">
+                  <c:v>5846</c:v>
+                </c:pt>
+                <c:pt idx="44">
+                  <c:v>5754</c:v>
+                </c:pt>
+                <c:pt idx="45">
+                  <c:v>5805</c:v>
+                </c:pt>
+                <c:pt idx="46">
+                  <c:v>5865</c:v>
+                </c:pt>
+                <c:pt idx="47">
+                  <c:v>5975</c:v>
+                </c:pt>
+                <c:pt idx="48">
+                  <c:v>6023</c:v>
+                </c:pt>
+                <c:pt idx="49">
+                  <c:v>6271</c:v>
+                </c:pt>
+                <c:pt idx="50">
+                  <c:v>6173</c:v>
+                </c:pt>
+                <c:pt idx="51">
+                  <c:v>6433</c:v>
+                </c:pt>
+                <c:pt idx="52">
+                  <c:v>7344</c:v>
+                </c:pt>
+                <c:pt idx="53">
+                  <c:v>6824</c:v>
+                </c:pt>
+                <c:pt idx="54">
+                  <c:v>6952</c:v>
+                </c:pt>
+                <c:pt idx="55">
+                  <c:v>7020</c:v>
+                </c:pt>
+                <c:pt idx="56">
+                  <c:v>7043</c:v>
+                </c:pt>
+              </c:numCache>
+            </c:numRef>
+          </c:val>
+          <c:smooth val="0"/>
+        </c:ser>
+        <c:dLbls>
+          <c:showLegendKey val="0"/>
+          <c:showVal val="0"/>
+          <c:showCatName val="0"/>
+          <c:showSerName val="0"/>
+          <c:showPercent val="0"/>
+          <c:showBubbleSize val="0"/>
+        </c:dLbls>
+        <c:marker val="1"/>
+        <c:smooth val="0"/>
+        <c:axId val="3381888"/>
+        <c:axId val="44433408"/>
+      </c:lineChart>
+      <c:catAx>
+        <c:axId val="3381888"/>
+        <c:scaling>
+          <c:orientation val="minMax"/>
+        </c:scaling>
+        <c:delete val="0"/>
+        <c:axPos val="b"/>
+        <c:numFmt formatCode="General" sourceLinked="1"/>
+        <c:majorTickMark val="out"/>
+        <c:minorTickMark val="none"/>
+        <c:tickLblPos val="nextTo"/>
+        <c:txPr>
+          <a:bodyPr/>
+          <a:lstStyle/>
+          <a:p>
+            <a:pPr>
+              <a:defRPr sz="1200"/>
+            </a:pPr>
+            <a:endParaRPr lang="de-DE"/>
+          </a:p>
+        </c:txPr>
+        <c:crossAx val="44433408"/>
+        <c:crosses val="autoZero"/>
+        <c:auto val="1"/>
+        <c:lblAlgn val="ctr"/>
+        <c:lblOffset val="100"/>
+        <c:noMultiLvlLbl val="0"/>
+      </c:catAx>
+      <c:valAx>
+        <c:axId val="44433408"/>
+        <c:scaling>
+          <c:orientation val="minMax"/>
+        </c:scaling>
+        <c:delete val="0"/>
+        <c:axPos val="l"/>
+        <c:majorGridlines/>
+        <c:title>
+          <c:tx>
+            <c:rich>
+              <a:bodyPr rot="-5400000" vert="horz"/>
+              <a:lstStyle/>
+              <a:p>
+                <a:pPr>
+                  <a:defRPr sz="1200"/>
+                </a:pPr>
+                <a:r>
+                  <a:rPr lang="de-DE" sz="1200" dirty="0" err="1" smtClean="0"/>
+                  <a:t>Einfügedauer</a:t>
+                </a:r>
+                <a:r>
+                  <a:rPr lang="de-DE" sz="1200" dirty="0" smtClean="0"/>
+                  <a:t> in Sek.</a:t>
+                </a:r>
+                <a:endParaRPr lang="de-DE" sz="1200" dirty="0"/>
+              </a:p>
+            </c:rich>
+          </c:tx>
+          <c:layout/>
+          <c:overlay val="0"/>
+        </c:title>
+        <c:numFmt formatCode="General" sourceLinked="0"/>
+        <c:majorTickMark val="out"/>
+        <c:minorTickMark val="none"/>
+        <c:tickLblPos val="nextTo"/>
+        <c:txPr>
+          <a:bodyPr/>
+          <a:lstStyle/>
+          <a:p>
+            <a:pPr>
+              <a:defRPr sz="1400"/>
+            </a:pPr>
+            <a:endParaRPr lang="de-DE"/>
+          </a:p>
+        </c:txPr>
+        <c:crossAx val="3381888"/>
         <c:crosses val="autoZero"/>
         <c:crossBetween val="between"/>
       </c:valAx>
@@ -1327,7 +2300,7 @@
             <a:fld id="{070EEAC5-C180-4BB0-8CEB-D0349F56CA62}" type="datetimeFigureOut">
               <a:rPr lang="de-DE" smtClean="0"/>
               <a:pPr/>
-              <a:t>26.10.2017</a:t>
+              <a:t>27.10.2017</a:t>
             </a:fld>
             <a:endParaRPr lang="de-DE" dirty="0"/>
           </a:p>
@@ -2103,7 +3076,7 @@
           <a:p>
             <a:fld id="{BF21FDD1-FA09-4BA0-B88A-7ECBCAA800CC}" type="datetime1">
               <a:rPr lang="de-DE" smtClean="0"/>
-              <a:t>26.10.2017</a:t>
+              <a:t>27.10.2017</a:t>
             </a:fld>
             <a:endParaRPr lang="de-DE" dirty="0"/>
           </a:p>
@@ -2392,7 +3365,7 @@
           <a:p>
             <a:fld id="{036C97DE-B393-47A3-99A6-1B0C91AC8E51}" type="datetime1">
               <a:rPr lang="de-DE" smtClean="0"/>
-              <a:t>26.10.2017</a:t>
+              <a:t>27.10.2017</a:t>
             </a:fld>
             <a:endParaRPr lang="de-DE" dirty="0"/>
           </a:p>
@@ -2608,7 +3581,7 @@
           <a:p>
             <a:fld id="{93579388-70C9-498E-BC37-0CD0D4E909B8}" type="datetime1">
               <a:rPr lang="de-DE" smtClean="0"/>
-              <a:t>26.10.2017</a:t>
+              <a:t>27.10.2017</a:t>
             </a:fld>
             <a:endParaRPr lang="de-DE" dirty="0"/>
           </a:p>
@@ -2987,7 +3960,7 @@
           <a:p>
             <a:fld id="{1E2DA32B-7E9D-4942-B0A8-5FBBBE77D83D}" type="datetime1">
               <a:rPr lang="de-DE" smtClean="0"/>
-              <a:t>26.10.2017</a:t>
+              <a:t>27.10.2017</a:t>
             </a:fld>
             <a:endParaRPr lang="de-DE" dirty="0"/>
           </a:p>
@@ -3146,7 +4119,7 @@
             <a:fld id="{1217C929-59DE-4893-8992-D8FC7123675F}" type="datetime1">
               <a:rPr lang="de-DE" smtClean="0"/>
               <a:pPr/>
-              <a:t>26.10.2017</a:t>
+              <a:t>27.10.2017</a:t>
             </a:fld>
             <a:endParaRPr lang="de-DE" dirty="0"/>
           </a:p>
@@ -3249,7 +4222,7 @@
           <a:p>
             <a:fld id="{B8D6D5E1-500A-4D23-9381-FF82601E1329}" type="datetime1">
               <a:rPr lang="de-DE" smtClean="0"/>
-              <a:t>26.10.2017</a:t>
+              <a:t>27.10.2017</a:t>
             </a:fld>
             <a:endParaRPr lang="de-DE" dirty="0"/>
           </a:p>
@@ -3536,7 +4509,7 @@
           <a:p>
             <a:fld id="{9DEA69BE-655B-4CEC-8542-DBFADD7876E1}" type="datetime1">
               <a:rPr lang="de-DE" smtClean="0"/>
-              <a:t>26.10.2017</a:t>
+              <a:t>27.10.2017</a:t>
             </a:fld>
             <a:endParaRPr lang="de-DE" dirty="0"/>
           </a:p>
@@ -6887,8 +7860,8 @@
           </a:p>
         </p:txBody>
       </p:sp>
-      <mc:AlternateContent xmlns:mc="http://schemas.openxmlformats.org/markup-compatibility/2006">
-        <mc:Choice xmlns:a14="http://schemas.microsoft.com/office/drawing/2010/main" Requires="a14">
+      <mc:AlternateContent xmlns:mc="http://schemas.openxmlformats.org/markup-compatibility/2006" xmlns:a14="http://schemas.microsoft.com/office/drawing/2010/main">
+        <mc:Choice Requires="a14">
           <p:sp>
             <p:nvSpPr>
               <p:cNvPr id="9" name="Rechteck 8"/>
@@ -7110,7 +8083,7 @@
             </p:txBody>
           </p:sp>
         </mc:Choice>
-        <mc:Fallback>
+        <mc:Fallback xmlns="">
           <p:sp>
             <p:nvSpPr>
               <p:cNvPr id="9" name="Rechteck 8"/>
@@ -7230,8 +8203,8 @@
           </a:extLst>
         </p:spPr>
       </p:pic>
-      <mc:AlternateContent xmlns:mc="http://schemas.openxmlformats.org/markup-compatibility/2006">
-        <mc:Choice xmlns:a14="http://schemas.microsoft.com/office/drawing/2010/main" Requires="a14">
+      <mc:AlternateContent xmlns:mc="http://schemas.openxmlformats.org/markup-compatibility/2006" xmlns:a14="http://schemas.microsoft.com/office/drawing/2010/main">
+        <mc:Choice Requires="a14">
           <p:sp>
             <p:nvSpPr>
               <p:cNvPr id="12" name="Textfeld 11"/>
@@ -7276,7 +8249,7 @@
             </p:txBody>
           </p:sp>
         </mc:Choice>
-        <mc:Fallback>
+        <mc:Fallback xmlns="">
           <p:sp>
             <p:nvSpPr>
               <p:cNvPr id="12" name="Textfeld 11"/>
@@ -8525,7 +9498,7 @@
                 </a:ext>
               </a:extLst>
             </a:blip>
-            <a:srcRect l="-722" t="-961" r="722" b="961"/>
+            <a:srcRect l="-1445" t="-961" r="1445" b="961"/>
             <a:stretch/>
           </p:blipFill>
           <p:spPr bwMode="auto">
@@ -8806,15 +9779,7 @@
             </a:pPr>
             <a:r>
               <a:rPr lang="de-DE" dirty="0" smtClean="0"/>
-              <a:t>Mittels </a:t>
-            </a:r>
-            <a:r>
-              <a:rPr lang="de-DE" dirty="0" smtClean="0"/>
-              <a:t>Transformationsregeln aus </a:t>
-            </a:r>
-            <a:r>
-              <a:rPr lang="de-DE" dirty="0" smtClean="0"/>
-              <a:t>Annotationsgraph aufgebaut, ohne Wissen über Wortbedeutungen.</a:t>
+              <a:t>Mittels Transformationsregeln aus Annotationsgraph aufgebaut, ohne Wissen über Wortbedeutungen.</a:t>
             </a:r>
             <a:endParaRPr lang="de-DE" i="1" dirty="0"/>
           </a:p>
@@ -10303,11 +11268,7 @@
           <a:p>
             <a:r>
               <a:rPr lang="de-DE" sz="2400" b="1" dirty="0" smtClean="0"/>
-              <a:t>WG-Konstruktionsphase</a:t>
-            </a:r>
-            <a:r>
-              <a:rPr lang="de-DE" sz="2400" b="1" dirty="0" smtClean="0"/>
-              <a:t>:</a:t>
+              <a:t>WG-Konstruktionsphase:</a:t>
             </a:r>
             <a:r>
               <a:rPr lang="de-DE" sz="2400" dirty="0" smtClean="0"/>
@@ -10416,11 +11377,7 @@
           <a:p>
             <a:r>
               <a:rPr lang="de-DE" sz="2400" b="1" dirty="0" smtClean="0"/>
-              <a:t>WG-Konstruktionsphase</a:t>
-            </a:r>
-            <a:r>
-              <a:rPr lang="de-DE" sz="2400" b="1" dirty="0" smtClean="0"/>
-              <a:t>:</a:t>
+              <a:t>WG-Konstruktionsphase:</a:t>
             </a:r>
             <a:r>
               <a:rPr lang="de-DE" sz="2400" dirty="0" smtClean="0"/>
@@ -10656,11 +11613,7 @@
           <a:p>
             <a:r>
               <a:rPr lang="de-DE" sz="2400" b="1" dirty="0" smtClean="0"/>
-              <a:t>WG-Konstruktionsphase</a:t>
-            </a:r>
-            <a:r>
-              <a:rPr lang="de-DE" sz="2400" b="1" dirty="0" smtClean="0"/>
-              <a:t>:</a:t>
+              <a:t>WG-Konstruktionsphase:</a:t>
             </a:r>
             <a:r>
               <a:rPr lang="de-DE" sz="2400" dirty="0" smtClean="0"/>
@@ -10866,11 +11819,7 @@
           <a:p>
             <a:r>
               <a:rPr lang="de-DE" sz="2400" b="1" dirty="0" smtClean="0"/>
-              <a:t>WG-Konstruktionsphase</a:t>
-            </a:r>
-            <a:r>
-              <a:rPr lang="de-DE" sz="2400" b="1" dirty="0" smtClean="0"/>
-              <a:t>:</a:t>
+              <a:t>WG-Konstruktionsphase:</a:t>
             </a:r>
             <a:r>
               <a:rPr lang="de-DE" sz="2400" dirty="0" smtClean="0"/>
@@ -11056,11 +12005,7 @@
           <a:p>
             <a:r>
               <a:rPr lang="de-DE" sz="2400" b="1" dirty="0" smtClean="0"/>
-              <a:t>WG-Konstruktionsphase</a:t>
-            </a:r>
-            <a:r>
-              <a:rPr lang="de-DE" sz="2400" b="1" dirty="0" smtClean="0"/>
-              <a:t>:</a:t>
+              <a:t>WG-Konstruktionsphase:</a:t>
             </a:r>
             <a:r>
               <a:rPr lang="de-DE" sz="2400" dirty="0" smtClean="0"/>
@@ -11266,11 +12211,7 @@
           <a:p>
             <a:r>
               <a:rPr lang="de-DE" sz="2400" b="1" dirty="0" smtClean="0"/>
-              <a:t>WG-Konstruktionsphase</a:t>
-            </a:r>
-            <a:r>
-              <a:rPr lang="de-DE" sz="2400" b="1" dirty="0" smtClean="0"/>
-              <a:t>:</a:t>
+              <a:t>WG-Konstruktionsphase:</a:t>
             </a:r>
             <a:r>
               <a:rPr lang="de-DE" sz="2400" dirty="0" smtClean="0"/>
@@ -11735,11 +12676,7 @@
           <a:p>
             <a:r>
               <a:rPr lang="de-DE" sz="2400" b="1" dirty="0" smtClean="0"/>
-              <a:t>WG-Konstruktionsphase</a:t>
-            </a:r>
-            <a:r>
-              <a:rPr lang="de-DE" sz="2400" b="1" dirty="0" smtClean="0"/>
-              <a:t>:</a:t>
+              <a:t>WG-Konstruktionsphase:</a:t>
             </a:r>
             <a:r>
               <a:rPr lang="de-DE" sz="2400" dirty="0" smtClean="0"/>
@@ -11776,8 +12713,8 @@
           </a:p>
         </p:txBody>
       </p:sp>
-      <mc:AlternateContent xmlns:mc="http://schemas.openxmlformats.org/markup-compatibility/2006">
-        <mc:Choice xmlns:a14="http://schemas.microsoft.com/office/drawing/2010/main" Requires="a14">
+      <mc:AlternateContent xmlns:mc="http://schemas.openxmlformats.org/markup-compatibility/2006" xmlns:a14="http://schemas.microsoft.com/office/drawing/2010/main">
+        <mc:Choice Requires="a14">
           <p:sp>
             <p:nvSpPr>
               <p:cNvPr id="6" name="Inhaltsplatzhalter 1"/>
@@ -12336,7 +13273,7 @@
             </p:txBody>
           </p:sp>
         </mc:Choice>
-        <mc:Fallback>
+        <mc:Fallback xmlns="">
           <p:sp>
             <p:nvSpPr>
               <p:cNvPr id="6" name="Inhaltsplatzhalter 1"/>
@@ -12892,8 +13829,8 @@
           <a:chExt cx="0" cy="0"/>
         </a:xfrm>
       </p:grpSpPr>
-      <mc:AlternateContent xmlns:mc="http://schemas.openxmlformats.org/markup-compatibility/2006">
-        <mc:Choice xmlns:a14="http://schemas.microsoft.com/office/drawing/2010/main" Requires="a14">
+      <mc:AlternateContent xmlns:mc="http://schemas.openxmlformats.org/markup-compatibility/2006" xmlns:a14="http://schemas.microsoft.com/office/drawing/2010/main">
+        <mc:Choice Requires="a14">
           <p:sp>
             <p:nvSpPr>
               <p:cNvPr id="5" name="Inhaltsplatzhalter 4"/>
@@ -13240,16 +14177,7 @@
                                 <a:rPr lang="de-DE" sz="2400" b="0" i="0" smtClean="0">
                                   <a:latin typeface="Cambria Math"/>
                                 </a:rPr>
-                                <m:t>arg</m:t>
-                              </m:r>
-                              <m:r>
-                                <m:rPr>
-                                  <m:sty m:val="p"/>
-                                </m:rPr>
-                                <a:rPr lang="de-DE" sz="2400" b="0" i="0" smtClean="0">
-                                  <a:latin typeface="Cambria Math"/>
-                                </a:rPr>
-                                <m:t>max</m:t>
+                                <m:t>argmax</m:t>
                               </m:r>
                             </m:e>
                             <m:lim>
@@ -13316,7 +14244,7 @@
             </p:txBody>
           </p:sp>
         </mc:Choice>
-        <mc:Fallback>
+        <mc:Fallback xmlns="">
           <p:sp>
             <p:nvSpPr>
               <p:cNvPr id="5" name="Inhaltsplatzhalter 4"/>
@@ -13394,11 +14322,7 @@
           <a:p>
             <a:r>
               <a:rPr lang="de-DE" sz="2400" b="1" dirty="0" smtClean="0"/>
-              <a:t>WG-Konstruktionsphase</a:t>
-            </a:r>
-            <a:r>
-              <a:rPr lang="de-DE" sz="2400" b="1" dirty="0" smtClean="0"/>
-              <a:t>:</a:t>
+              <a:t>WG-Konstruktionsphase:</a:t>
             </a:r>
             <a:r>
               <a:rPr lang="de-DE" sz="2400" dirty="0" smtClean="0"/>
@@ -13421,9 +14345,9 @@
         <p:grpSpPr>
           <a:xfrm>
             <a:off x="263352" y="4509657"/>
-            <a:ext cx="7118085" cy="1457182"/>
+            <a:ext cx="7118085" cy="1377672"/>
             <a:chOff x="263352" y="4509657"/>
-            <a:chExt cx="7118085" cy="1457182"/>
+            <a:chExt cx="7118085" cy="1377672"/>
           </a:xfrm>
         </p:grpSpPr>
         <p:sp>
@@ -13480,7 +14404,7 @@
           </p:nvSpPr>
           <p:spPr>
             <a:xfrm>
-              <a:off x="263352" y="5301208"/>
+              <a:off x="263352" y="5221698"/>
               <a:ext cx="5184576" cy="665631"/>
             </a:xfrm>
             <a:prstGeom prst="rect">
@@ -13548,8 +14472,8 @@
         </p:nvSpPr>
         <p:spPr>
           <a:xfrm>
-            <a:off x="6384032" y="5301208"/>
-            <a:ext cx="5184576" cy="665631"/>
+            <a:off x="6384032" y="5221698"/>
+            <a:ext cx="5184576" cy="1200329"/>
           </a:xfrm>
           <a:prstGeom prst="rect">
             <a:avLst/>
@@ -13625,9 +14549,117 @@
                 <a:latin typeface="Roboto Light" panose="02000000000000000000" pitchFamily="2" charset="0"/>
                 <a:ea typeface="Roboto Light" panose="02000000000000000000" pitchFamily="2" charset="0"/>
               </a:rPr>
-              <a:t> ADMM</a:t>
-            </a:r>
-            <a:endParaRPr lang="en-US" sz="2400" dirty="0">
+              <a:t> </a:t>
+            </a:r>
+            <a:r>
+              <a:rPr lang="en-US" sz="2800" i="1" dirty="0" smtClean="0">
+                <a:solidFill>
+                  <a:schemeClr val="accent3"/>
+                </a:solidFill>
+                <a:latin typeface="Roboto Light" panose="02000000000000000000" pitchFamily="2" charset="0"/>
+                <a:ea typeface="Roboto Light" panose="02000000000000000000" pitchFamily="2" charset="0"/>
+              </a:rPr>
+              <a:t>ADMM</a:t>
+            </a:r>
+          </a:p>
+          <a:p>
+            <a:pPr marL="0" lvl="0" indent="0" algn="ctr">
+              <a:lnSpc>
+                <a:spcPct val="150000"/>
+              </a:lnSpc>
+              <a:buNone/>
+            </a:pPr>
+            <a:r>
+              <a:rPr lang="en-US" sz="2000" dirty="0" smtClean="0">
+                <a:solidFill>
+                  <a:schemeClr val="accent3"/>
+                </a:solidFill>
+                <a:latin typeface="Roboto Light" panose="02000000000000000000" pitchFamily="2" charset="0"/>
+                <a:ea typeface="Roboto Light" panose="02000000000000000000" pitchFamily="2" charset="0"/>
+              </a:rPr>
+              <a:t>(</a:t>
+            </a:r>
+            <a:r>
+              <a:rPr lang="en-US" sz="2000" b="1" dirty="0" smtClean="0">
+                <a:solidFill>
+                  <a:schemeClr val="accent3"/>
+                </a:solidFill>
+                <a:latin typeface="Roboto Light" panose="02000000000000000000" pitchFamily="2" charset="0"/>
+                <a:ea typeface="Roboto Light" panose="02000000000000000000" pitchFamily="2" charset="0"/>
+              </a:rPr>
+              <a:t>A</a:t>
+            </a:r>
+            <a:r>
+              <a:rPr lang="en-US" sz="2000" dirty="0" smtClean="0">
+                <a:solidFill>
+                  <a:schemeClr val="accent3"/>
+                </a:solidFill>
+                <a:latin typeface="Roboto Light" panose="02000000000000000000" pitchFamily="2" charset="0"/>
+                <a:ea typeface="Roboto Light" panose="02000000000000000000" pitchFamily="2" charset="0"/>
+              </a:rPr>
+              <a:t>lternating </a:t>
+            </a:r>
+            <a:r>
+              <a:rPr lang="en-US" sz="2000" b="1" dirty="0" smtClean="0">
+                <a:solidFill>
+                  <a:schemeClr val="accent3"/>
+                </a:solidFill>
+                <a:latin typeface="Roboto Light" panose="02000000000000000000" pitchFamily="2" charset="0"/>
+                <a:ea typeface="Roboto Light" panose="02000000000000000000" pitchFamily="2" charset="0"/>
+              </a:rPr>
+              <a:t>D</a:t>
+            </a:r>
+            <a:r>
+              <a:rPr lang="en-US" sz="2000" dirty="0" smtClean="0">
+                <a:solidFill>
+                  <a:schemeClr val="accent3"/>
+                </a:solidFill>
+                <a:latin typeface="Roboto Light" panose="02000000000000000000" pitchFamily="2" charset="0"/>
+                <a:ea typeface="Roboto Light" panose="02000000000000000000" pitchFamily="2" charset="0"/>
+              </a:rPr>
+              <a:t>irection </a:t>
+            </a:r>
+            <a:r>
+              <a:rPr lang="en-US" sz="2000" b="1" dirty="0" smtClean="0">
+                <a:solidFill>
+                  <a:schemeClr val="accent3"/>
+                </a:solidFill>
+                <a:latin typeface="Roboto Light" panose="02000000000000000000" pitchFamily="2" charset="0"/>
+                <a:ea typeface="Roboto Light" panose="02000000000000000000" pitchFamily="2" charset="0"/>
+              </a:rPr>
+              <a:t>M</a:t>
+            </a:r>
+            <a:r>
+              <a:rPr lang="en-US" sz="2000" dirty="0" smtClean="0">
+                <a:solidFill>
+                  <a:schemeClr val="accent3"/>
+                </a:solidFill>
+                <a:latin typeface="Roboto Light" panose="02000000000000000000" pitchFamily="2" charset="0"/>
+                <a:ea typeface="Roboto Light" panose="02000000000000000000" pitchFamily="2" charset="0"/>
+              </a:rPr>
+              <a:t>ethod of </a:t>
+            </a:r>
+            <a:r>
+              <a:rPr lang="en-US" sz="2000" b="1" dirty="0" smtClean="0">
+                <a:solidFill>
+                  <a:schemeClr val="accent3"/>
+                </a:solidFill>
+                <a:latin typeface="Roboto Light" panose="02000000000000000000" pitchFamily="2" charset="0"/>
+                <a:ea typeface="Roboto Light" panose="02000000000000000000" pitchFamily="2" charset="0"/>
+              </a:rPr>
+              <a:t>M</a:t>
+            </a:r>
+            <a:r>
+              <a:rPr lang="en-US" sz="2000" dirty="0" smtClean="0">
+                <a:solidFill>
+                  <a:schemeClr val="accent3"/>
+                </a:solidFill>
+                <a:latin typeface="Roboto Light" panose="02000000000000000000" pitchFamily="2" charset="0"/>
+                <a:ea typeface="Roboto Light" panose="02000000000000000000" pitchFamily="2" charset="0"/>
+              </a:rPr>
+              <a:t>ultipliers)</a:t>
+            </a:r>
+            <a:endParaRPr lang="en-US" sz="2000" dirty="0">
               <a:solidFill>
                 <a:schemeClr val="accent3"/>
               </a:solidFill>
@@ -13732,39 +14764,26 @@
                                   </p:childTnLst>
                                 </p:cTn>
                               </p:par>
+                            </p:childTnLst>
+                          </p:cTn>
+                        </p:par>
+                      </p:childTnLst>
+                    </p:cTn>
+                  </p:par>
+                  <p:par>
+                    <p:cTn id="9" fill="hold">
+                      <p:stCondLst>
+                        <p:cond delay="indefinite"/>
+                      </p:stCondLst>
+                      <p:childTnLst>
+                        <p:par>
+                          <p:cTn id="10" fill="hold">
+                            <p:stCondLst>
+                              <p:cond delay="0"/>
+                            </p:stCondLst>
+                            <p:childTnLst>
                               <p:par>
-                                <p:cTn id="9" presetID="1" presetClass="entr" presetSubtype="0" fill="hold" grpId="0" nodeType="withEffect">
-                                  <p:stCondLst>
-                                    <p:cond delay="0"/>
-                                  </p:stCondLst>
-                                  <p:childTnLst>
-                                    <p:set>
-                                      <p:cBhvr>
-                                        <p:cTn id="10" dur="1" fill="hold">
-                                          <p:stCondLst>
-                                            <p:cond delay="0"/>
-                                          </p:stCondLst>
-                                        </p:cTn>
-                                        <p:tgtEl>
-                                          <p:spTgt spid="5">
-                                            <p:txEl>
-                                              <p:pRg st="2" end="2"/>
-                                            </p:txEl>
-                                          </p:spTgt>
-                                        </p:tgtEl>
-                                        <p:attrNameLst>
-                                          <p:attrName>style.visibility</p:attrName>
-                                        </p:attrNameLst>
-                                      </p:cBhvr>
-                                      <p:to>
-                                        <p:strVal val="visible"/>
-                                      </p:to>
-                                    </p:set>
-                                  </p:childTnLst>
-                                </p:cTn>
-                              </p:par>
-                              <p:par>
-                                <p:cTn id="11" presetID="1" presetClass="entr" presetSubtype="0" fill="hold" grpId="0" nodeType="withEffect">
+                                <p:cTn id="11" presetID="1" presetClass="entr" presetSubtype="0" fill="hold" grpId="0" nodeType="clickEffect">
                                   <p:stCondLst>
                                     <p:cond delay="0"/>
                                   </p:stCondLst>
@@ -13779,7 +14798,7 @@
                                         <p:tgtEl>
                                           <p:spTgt spid="5">
                                             <p:txEl>
-                                              <p:pRg st="3" end="3"/>
+                                              <p:pRg st="2" end="2"/>
                                             </p:txEl>
                                           </p:spTgt>
                                         </p:tgtEl>
@@ -13813,7 +14832,7 @@
                             </p:stCondLst>
                             <p:childTnLst>
                               <p:par>
-                                <p:cTn id="15" presetID="1" presetClass="entr" presetSubtype="0" fill="hold" nodeType="clickEffect">
+                                <p:cTn id="15" presetID="1" presetClass="entr" presetSubtype="0" fill="hold" grpId="0" nodeType="clickEffect">
                                   <p:stCondLst>
                                     <p:cond delay="0"/>
                                   </p:stCondLst>
@@ -13826,7 +14845,11 @@
                                           </p:stCondLst>
                                         </p:cTn>
                                         <p:tgtEl>
-                                          <p:spTgt spid="16"/>
+                                          <p:spTgt spid="5">
+                                            <p:txEl>
+                                              <p:pRg st="3" end="3"/>
+                                            </p:txEl>
+                                          </p:spTgt>
                                         </p:tgtEl>
                                         <p:attrNameLst>
                                           <p:attrName>style.visibility</p:attrName>
@@ -13858,7 +14881,7 @@
                             </p:stCondLst>
                             <p:childTnLst>
                               <p:par>
-                                <p:cTn id="19" presetID="1" presetClass="entr" presetSubtype="0" fill="hold" grpId="0" nodeType="clickEffect">
+                                <p:cTn id="19" presetID="1" presetClass="entr" presetSubtype="0" fill="hold" nodeType="clickEffect">
                                   <p:stCondLst>
                                     <p:cond delay="0"/>
                                   </p:stCondLst>
@@ -13866,6 +14889,51 @@
                                     <p:set>
                                       <p:cBhvr>
                                         <p:cTn id="20" dur="1" fill="hold">
+                                          <p:stCondLst>
+                                            <p:cond delay="0"/>
+                                          </p:stCondLst>
+                                        </p:cTn>
+                                        <p:tgtEl>
+                                          <p:spTgt spid="16"/>
+                                        </p:tgtEl>
+                                        <p:attrNameLst>
+                                          <p:attrName>style.visibility</p:attrName>
+                                        </p:attrNameLst>
+                                      </p:cBhvr>
+                                      <p:to>
+                                        <p:strVal val="visible"/>
+                                      </p:to>
+                                    </p:set>
+                                  </p:childTnLst>
+                                </p:cTn>
+                              </p:par>
+                            </p:childTnLst>
+                          </p:cTn>
+                        </p:par>
+                      </p:childTnLst>
+                    </p:cTn>
+                  </p:par>
+                  <p:par>
+                    <p:cTn id="21" fill="hold">
+                      <p:stCondLst>
+                        <p:cond delay="indefinite"/>
+                      </p:stCondLst>
+                      <p:childTnLst>
+                        <p:par>
+                          <p:cTn id="22" fill="hold">
+                            <p:stCondLst>
+                              <p:cond delay="0"/>
+                            </p:stCondLst>
+                            <p:childTnLst>
+                              <p:par>
+                                <p:cTn id="23" presetID="1" presetClass="entr" presetSubtype="0" fill="hold" grpId="0" nodeType="clickEffect">
+                                  <p:stCondLst>
+                                    <p:cond delay="0"/>
+                                  </p:stCondLst>
+                                  <p:childTnLst>
+                                    <p:set>
+                                      <p:cBhvr>
+                                        <p:cTn id="24" dur="1" fill="hold">
                                           <p:stCondLst>
                                             <p:cond delay="0"/>
                                           </p:stCondLst>
@@ -14474,8 +15542,8 @@
           <a:chExt cx="0" cy="0"/>
         </a:xfrm>
       </p:grpSpPr>
-      <mc:AlternateContent xmlns:mc="http://schemas.openxmlformats.org/markup-compatibility/2006">
-        <mc:Choice xmlns:a14="http://schemas.microsoft.com/office/drawing/2010/main" Requires="a14">
+      <mc:AlternateContent xmlns:mc="http://schemas.openxmlformats.org/markup-compatibility/2006" xmlns:a14="http://schemas.microsoft.com/office/drawing/2010/main">
+        <mc:Choice Requires="a14">
           <p:sp>
             <p:nvSpPr>
               <p:cNvPr id="5" name="Inhaltsplatzhalter 4"/>
@@ -14854,7 +15922,7 @@
             </p:txBody>
           </p:sp>
         </mc:Choice>
-        <mc:Fallback>
+        <mc:Fallback xmlns="">
           <p:sp>
             <p:nvSpPr>
               <p:cNvPr id="5" name="Inhaltsplatzhalter 4"/>
@@ -14932,11 +16000,7 @@
           <a:p>
             <a:r>
               <a:rPr lang="de-DE" sz="2400" b="1" dirty="0" smtClean="0"/>
-              <a:t>WG-Konstruktionsphase</a:t>
-            </a:r>
-            <a:r>
-              <a:rPr lang="de-DE" sz="2400" b="1" dirty="0" smtClean="0"/>
-              <a:t>:</a:t>
+              <a:t>WG-Konstruktionsphase:</a:t>
             </a:r>
             <a:r>
               <a:rPr lang="de-DE" sz="2400" dirty="0" smtClean="0"/>
@@ -16973,7 +18037,7 @@
           <p:nvPr>
             <p:extLst>
               <p:ext uri="{D42A27DB-BD31-4B8C-83A1-F6EECF244321}">
-                <p14:modId xmlns:p14="http://schemas.microsoft.com/office/powerpoint/2010/main" val="3386619584"/>
+                <p14:modId xmlns:p14="http://schemas.microsoft.com/office/powerpoint/2010/main" val="4128423222"/>
               </p:ext>
             </p:extLst>
           </p:nvPr>
@@ -17170,7 +18234,7 @@
       </p:grpSpPr>
       <p:sp>
         <p:nvSpPr>
-          <p:cNvPr id="2" name="Titel 1"/>
+          <p:cNvPr id="3" name="Titel 2"/>
           <p:cNvSpPr>
             <a:spLocks noGrp="1"/>
           </p:cNvSpPr>
@@ -17178,24 +18242,22 @@
             <p:ph type="title"/>
           </p:nvPr>
         </p:nvSpPr>
-        <p:spPr>
-          <a:xfrm>
-            <a:off x="831851" y="1772817"/>
-            <a:ext cx="10515600" cy="3816424"/>
-          </a:xfrm>
-        </p:spPr>
+        <p:spPr/>
         <p:txBody>
-          <a:bodyPr anchor="ctr"/>
+          <a:bodyPr/>
           <a:lstStyle/>
           <a:p>
-            <a:pPr algn="ctr">
-              <a:lnSpc>
-                <a:spcPct val="150000"/>
-              </a:lnSpc>
-            </a:pPr>
-            <a:r>
-              <a:rPr lang="de-DE" smtClean="0"/>
-              <a:t>Danke!</a:t>
+            <a:r>
+              <a:rPr lang="de-DE" sz="2400" b="1" dirty="0" smtClean="0"/>
+              <a:t>Ausblick:</a:t>
+            </a:r>
+            <a:r>
+              <a:rPr lang="de-DE" sz="2400" dirty="0" smtClean="0"/>
+              <a:t>	</a:t>
+            </a:r>
+            <a:r>
+              <a:rPr lang="de-DE" dirty="0" smtClean="0"/>
+              <a:t>Testdaten</a:t>
             </a:r>
             <a:endParaRPr lang="de-DE" dirty="0"/>
           </a:p>
@@ -17203,7 +18265,7 @@
       </p:sp>
       <p:sp>
         <p:nvSpPr>
-          <p:cNvPr id="4" name="Foliennummernplatzhalter 3"/>
+          <p:cNvPr id="2" name="Foliennummernplatzhalter 1"/>
           <p:cNvSpPr>
             <a:spLocks noGrp="1"/>
           </p:cNvSpPr>
@@ -17226,54 +18288,267 @@
       </p:sp>
       <p:sp>
         <p:nvSpPr>
-          <p:cNvPr id="6" name="Rechteck 5"/>
-          <p:cNvSpPr/>
+          <p:cNvPr id="5" name="Inhaltsplatzhalter 4"/>
+          <p:cNvSpPr txBox="1">
+            <a:spLocks/>
+          </p:cNvSpPr>
           <p:nvPr/>
         </p:nvSpPr>
         <p:spPr>
           <a:xfrm>
-            <a:off x="9376564" y="1267862"/>
-            <a:ext cx="1904012" cy="1008112"/>
+            <a:off x="1703512" y="1124744"/>
+            <a:ext cx="8784976" cy="5052219"/>
           </a:xfrm>
           <a:prstGeom prst="rect">
             <a:avLst/>
           </a:prstGeom>
-          <a:solidFill>
-            <a:schemeClr val="bg1"/>
-          </a:solidFill>
-          <a:ln>
-            <a:noFill/>
-          </a:ln>
         </p:spPr>
-        <p:style>
-          <a:lnRef idx="2">
-            <a:schemeClr val="accent1">
-              <a:shade val="50000"/>
-            </a:schemeClr>
-          </a:lnRef>
-          <a:fillRef idx="1">
-            <a:schemeClr val="accent1"/>
-          </a:fillRef>
-          <a:effectRef idx="0">
-            <a:schemeClr val="accent1"/>
-          </a:effectRef>
-          <a:fontRef idx="minor">
-            <a:schemeClr val="lt1"/>
-          </a:fontRef>
-        </p:style>
         <p:txBody>
-          <a:bodyPr rtlCol="0" anchor="ctr"/>
-          <a:lstStyle/>
-          <a:p>
-            <a:pPr algn="ctr"/>
-            <a:endParaRPr lang="de-DE"/>
+          <a:bodyPr anchor="ctr">
+            <a:normAutofit/>
+          </a:bodyPr>
+          <a:lstStyle>
+            <a:lvl1pPr marL="228600" indent="-228600" algn="l" defTabSz="914400" rtl="0" eaLnBrk="1" latinLnBrk="0" hangingPunct="1">
+              <a:lnSpc>
+                <a:spcPct val="90000"/>
+              </a:lnSpc>
+              <a:spcBef>
+                <a:spcPts val="1000"/>
+              </a:spcBef>
+              <a:buFont typeface="Arial" panose="020B0604020202020204" pitchFamily="34" charset="0"/>
+              <a:buChar char="•"/>
+              <a:defRPr sz="2800" kern="1200">
+                <a:solidFill>
+                  <a:schemeClr val="tx1"/>
+                </a:solidFill>
+                <a:latin typeface="Roboto Light" panose="02000000000000000000" pitchFamily="2" charset="0"/>
+                <a:ea typeface="Roboto Light" panose="02000000000000000000" pitchFamily="2" charset="0"/>
+                <a:cs typeface="+mn-cs"/>
+              </a:defRPr>
+            </a:lvl1pPr>
+            <a:lvl2pPr marL="685800" indent="-228600" algn="l" defTabSz="914400" rtl="0" eaLnBrk="1" latinLnBrk="0" hangingPunct="1">
+              <a:lnSpc>
+                <a:spcPct val="90000"/>
+              </a:lnSpc>
+              <a:spcBef>
+                <a:spcPts val="500"/>
+              </a:spcBef>
+              <a:buFont typeface="Arial" panose="020B0604020202020204" pitchFamily="34" charset="0"/>
+              <a:buChar char="•"/>
+              <a:defRPr sz="2400" kern="1200">
+                <a:solidFill>
+                  <a:schemeClr val="tx1"/>
+                </a:solidFill>
+                <a:latin typeface="Roboto Light" panose="02000000000000000000" pitchFamily="2" charset="0"/>
+                <a:ea typeface="Roboto Light" panose="02000000000000000000" pitchFamily="2" charset="0"/>
+                <a:cs typeface="+mn-cs"/>
+              </a:defRPr>
+            </a:lvl2pPr>
+            <a:lvl3pPr marL="1143000" indent="-228600" algn="l" defTabSz="914400" rtl="0" eaLnBrk="1" latinLnBrk="0" hangingPunct="1">
+              <a:lnSpc>
+                <a:spcPct val="90000"/>
+              </a:lnSpc>
+              <a:spcBef>
+                <a:spcPts val="500"/>
+              </a:spcBef>
+              <a:buFont typeface="Arial" panose="020B0604020202020204" pitchFamily="34" charset="0"/>
+              <a:buChar char="•"/>
+              <a:defRPr sz="2000" kern="1200">
+                <a:solidFill>
+                  <a:schemeClr val="tx1"/>
+                </a:solidFill>
+                <a:latin typeface="Roboto Light" panose="02000000000000000000" pitchFamily="2" charset="0"/>
+                <a:ea typeface="Roboto Light" panose="02000000000000000000" pitchFamily="2" charset="0"/>
+                <a:cs typeface="+mn-cs"/>
+              </a:defRPr>
+            </a:lvl3pPr>
+            <a:lvl4pPr marL="1600200" indent="-228600" algn="l" defTabSz="914400" rtl="0" eaLnBrk="1" latinLnBrk="0" hangingPunct="1">
+              <a:lnSpc>
+                <a:spcPct val="90000"/>
+              </a:lnSpc>
+              <a:spcBef>
+                <a:spcPts val="500"/>
+              </a:spcBef>
+              <a:buFont typeface="Arial" panose="020B0604020202020204" pitchFamily="34" charset="0"/>
+              <a:buChar char="•"/>
+              <a:defRPr sz="1800" kern="1200">
+                <a:solidFill>
+                  <a:schemeClr val="tx1"/>
+                </a:solidFill>
+                <a:latin typeface="Roboto Light" panose="02000000000000000000" pitchFamily="2" charset="0"/>
+                <a:ea typeface="Roboto Light" panose="02000000000000000000" pitchFamily="2" charset="0"/>
+                <a:cs typeface="+mn-cs"/>
+              </a:defRPr>
+            </a:lvl4pPr>
+            <a:lvl5pPr marL="2057400" indent="-228600" algn="l" defTabSz="914400" rtl="0" eaLnBrk="1" latinLnBrk="0" hangingPunct="1">
+              <a:lnSpc>
+                <a:spcPct val="90000"/>
+              </a:lnSpc>
+              <a:spcBef>
+                <a:spcPts val="500"/>
+              </a:spcBef>
+              <a:buFont typeface="Arial" panose="020B0604020202020204" pitchFamily="34" charset="0"/>
+              <a:buChar char="•"/>
+              <a:defRPr sz="1800" kern="1200">
+                <a:solidFill>
+                  <a:schemeClr val="tx1"/>
+                </a:solidFill>
+                <a:latin typeface="Roboto Light" panose="02000000000000000000" pitchFamily="2" charset="0"/>
+                <a:ea typeface="Roboto Light" panose="02000000000000000000" pitchFamily="2" charset="0"/>
+                <a:cs typeface="+mn-cs"/>
+              </a:defRPr>
+            </a:lvl5pPr>
+            <a:lvl6pPr marL="2514600" indent="-228600" algn="l" defTabSz="914400" rtl="0" eaLnBrk="1" latinLnBrk="0" hangingPunct="1">
+              <a:lnSpc>
+                <a:spcPct val="90000"/>
+              </a:lnSpc>
+              <a:spcBef>
+                <a:spcPts val="500"/>
+              </a:spcBef>
+              <a:buFont typeface="Arial" panose="020B0604020202020204" pitchFamily="34" charset="0"/>
+              <a:buChar char="•"/>
+              <a:defRPr sz="1800" kern="1200">
+                <a:solidFill>
+                  <a:schemeClr val="tx1"/>
+                </a:solidFill>
+                <a:latin typeface="+mn-lt"/>
+                <a:ea typeface="+mn-ea"/>
+                <a:cs typeface="+mn-cs"/>
+              </a:defRPr>
+            </a:lvl6pPr>
+            <a:lvl7pPr marL="2971800" indent="-228600" algn="l" defTabSz="914400" rtl="0" eaLnBrk="1" latinLnBrk="0" hangingPunct="1">
+              <a:lnSpc>
+                <a:spcPct val="90000"/>
+              </a:lnSpc>
+              <a:spcBef>
+                <a:spcPts val="500"/>
+              </a:spcBef>
+              <a:buFont typeface="Arial" panose="020B0604020202020204" pitchFamily="34" charset="0"/>
+              <a:buChar char="•"/>
+              <a:defRPr sz="1800" kern="1200">
+                <a:solidFill>
+                  <a:schemeClr val="tx1"/>
+                </a:solidFill>
+                <a:latin typeface="+mn-lt"/>
+                <a:ea typeface="+mn-ea"/>
+                <a:cs typeface="+mn-cs"/>
+              </a:defRPr>
+            </a:lvl7pPr>
+            <a:lvl8pPr marL="3429000" indent="-228600" algn="l" defTabSz="914400" rtl="0" eaLnBrk="1" latinLnBrk="0" hangingPunct="1">
+              <a:lnSpc>
+                <a:spcPct val="90000"/>
+              </a:lnSpc>
+              <a:spcBef>
+                <a:spcPts val="500"/>
+              </a:spcBef>
+              <a:buFont typeface="Arial" panose="020B0604020202020204" pitchFamily="34" charset="0"/>
+              <a:buChar char="•"/>
+              <a:defRPr sz="1800" kern="1200">
+                <a:solidFill>
+                  <a:schemeClr val="tx1"/>
+                </a:solidFill>
+                <a:latin typeface="+mn-lt"/>
+                <a:ea typeface="+mn-ea"/>
+                <a:cs typeface="+mn-cs"/>
+              </a:defRPr>
+            </a:lvl8pPr>
+            <a:lvl9pPr marL="3886200" indent="-228600" algn="l" defTabSz="914400" rtl="0" eaLnBrk="1" latinLnBrk="0" hangingPunct="1">
+              <a:lnSpc>
+                <a:spcPct val="90000"/>
+              </a:lnSpc>
+              <a:spcBef>
+                <a:spcPts val="500"/>
+              </a:spcBef>
+              <a:buFont typeface="Arial" panose="020B0604020202020204" pitchFamily="34" charset="0"/>
+              <a:buChar char="•"/>
+              <a:defRPr sz="1800" kern="1200">
+                <a:solidFill>
+                  <a:schemeClr val="tx1"/>
+                </a:solidFill>
+                <a:latin typeface="+mn-lt"/>
+                <a:ea typeface="+mn-ea"/>
+                <a:cs typeface="+mn-cs"/>
+              </a:defRPr>
+            </a:lvl9pPr>
+          </a:lstStyle>
+          <a:p>
+            <a:pPr marL="0" indent="0" algn="ctr" fontAlgn="auto">
+              <a:lnSpc>
+                <a:spcPct val="200000"/>
+              </a:lnSpc>
+              <a:spcAft>
+                <a:spcPts val="0"/>
+              </a:spcAft>
+              <a:buFont typeface="Arial" panose="020B0604020202020204" pitchFamily="34" charset="0"/>
+              <a:buNone/>
+            </a:pPr>
+            <a:r>
+              <a:rPr lang="de-DE" sz="2400" dirty="0" smtClean="0"/>
+              <a:t>Entwickeln eines </a:t>
+            </a:r>
+            <a:r>
+              <a:rPr lang="de-DE" sz="2400" dirty="0" err="1" smtClean="0"/>
+              <a:t>Testsets</a:t>
+            </a:r>
+            <a:r>
+              <a:rPr lang="de-DE" sz="2400" dirty="0" smtClean="0"/>
+              <a:t> aus Kommunikationsdaten</a:t>
+            </a:r>
+          </a:p>
+          <a:p>
+            <a:pPr fontAlgn="auto">
+              <a:lnSpc>
+                <a:spcPct val="200000"/>
+              </a:lnSpc>
+              <a:spcAft>
+                <a:spcPts val="0"/>
+              </a:spcAft>
+              <a:buFont typeface="Wingdings" panose="05000000000000000000" pitchFamily="2" charset="2"/>
+              <a:buChar char="Ø"/>
+            </a:pPr>
+            <a:r>
+              <a:rPr lang="de-DE" sz="2400" dirty="0" smtClean="0"/>
+              <a:t>Lernen der Regelgewichte</a:t>
+            </a:r>
+          </a:p>
+          <a:p>
+            <a:pPr fontAlgn="auto">
+              <a:lnSpc>
+                <a:spcPct val="200000"/>
+              </a:lnSpc>
+              <a:spcAft>
+                <a:spcPts val="0"/>
+              </a:spcAft>
+              <a:buFont typeface="Wingdings" panose="05000000000000000000" pitchFamily="2" charset="2"/>
+              <a:buChar char="Ø"/>
+            </a:pPr>
+            <a:r>
+              <a:rPr lang="de-DE" sz="2400" dirty="0" smtClean="0"/>
+              <a:t>Empirischer Vergleich verschiedener PSL-Programme</a:t>
+            </a:r>
+          </a:p>
+          <a:p>
+            <a:pPr fontAlgn="auto">
+              <a:lnSpc>
+                <a:spcPct val="200000"/>
+              </a:lnSpc>
+              <a:spcAft>
+                <a:spcPts val="0"/>
+              </a:spcAft>
+              <a:buFont typeface="Wingdings" panose="05000000000000000000" pitchFamily="2" charset="2"/>
+              <a:buChar char="Ø"/>
+            </a:pPr>
+            <a:r>
+              <a:rPr lang="de-DE" sz="2400" dirty="0" smtClean="0"/>
+              <a:t>Vergleichbarkeit mit alternativen Verfahren</a:t>
+            </a:r>
           </a:p>
         </p:txBody>
       </p:sp>
     </p:spTree>
     <p:extLst>
       <p:ext uri="{BB962C8B-B14F-4D97-AF65-F5344CB8AC3E}">
-        <p14:creationId xmlns:p14="http://schemas.microsoft.com/office/powerpoint/2010/main" val="2382665206"/>
+        <p14:creationId xmlns:p14="http://schemas.microsoft.com/office/powerpoint/2010/main" val="1525470284"/>
       </p:ext>
     </p:extLst>
   </p:cSld>
@@ -17283,9 +18558,1709 @@
   <p:timing>
     <p:tnLst>
       <p:par>
-        <p:cTn id="1" dur="indefinite" restart="never" nodeType="tmRoot"/>
+        <p:cTn id="1" dur="indefinite" restart="never" nodeType="tmRoot">
+          <p:childTnLst>
+            <p:seq concurrent="1" nextAc="seek">
+              <p:cTn id="2" dur="indefinite" nodeType="mainSeq">
+                <p:childTnLst>
+                  <p:par>
+                    <p:cTn id="3" fill="hold">
+                      <p:stCondLst>
+                        <p:cond delay="indefinite"/>
+                        <p:cond evt="onBegin" delay="0">
+                          <p:tn val="2"/>
+                        </p:cond>
+                      </p:stCondLst>
+                      <p:childTnLst>
+                        <p:par>
+                          <p:cTn id="4" fill="hold">
+                            <p:stCondLst>
+                              <p:cond delay="0"/>
+                            </p:stCondLst>
+                            <p:childTnLst>
+                              <p:par>
+                                <p:cTn id="5" presetID="1" presetClass="entr" presetSubtype="0" fill="hold" grpId="0" nodeType="withEffect">
+                                  <p:stCondLst>
+                                    <p:cond delay="0"/>
+                                  </p:stCondLst>
+                                  <p:childTnLst>
+                                    <p:set>
+                                      <p:cBhvr>
+                                        <p:cTn id="6" dur="1" fill="hold">
+                                          <p:stCondLst>
+                                            <p:cond delay="0"/>
+                                          </p:stCondLst>
+                                        </p:cTn>
+                                        <p:tgtEl>
+                                          <p:spTgt spid="5">
+                                            <p:txEl>
+                                              <p:pRg st="0" end="0"/>
+                                            </p:txEl>
+                                          </p:spTgt>
+                                        </p:tgtEl>
+                                        <p:attrNameLst>
+                                          <p:attrName>style.visibility</p:attrName>
+                                        </p:attrNameLst>
+                                      </p:cBhvr>
+                                      <p:to>
+                                        <p:strVal val="visible"/>
+                                      </p:to>
+                                    </p:set>
+                                  </p:childTnLst>
+                                </p:cTn>
+                              </p:par>
+                            </p:childTnLst>
+                          </p:cTn>
+                        </p:par>
+                      </p:childTnLst>
+                    </p:cTn>
+                  </p:par>
+                  <p:par>
+                    <p:cTn id="7" fill="hold">
+                      <p:stCondLst>
+                        <p:cond delay="indefinite"/>
+                      </p:stCondLst>
+                      <p:childTnLst>
+                        <p:par>
+                          <p:cTn id="8" fill="hold">
+                            <p:stCondLst>
+                              <p:cond delay="0"/>
+                            </p:stCondLst>
+                            <p:childTnLst>
+                              <p:par>
+                                <p:cTn id="9" presetID="1" presetClass="entr" presetSubtype="0" fill="hold" grpId="0" nodeType="clickEffect">
+                                  <p:stCondLst>
+                                    <p:cond delay="0"/>
+                                  </p:stCondLst>
+                                  <p:childTnLst>
+                                    <p:set>
+                                      <p:cBhvr>
+                                        <p:cTn id="10" dur="1" fill="hold">
+                                          <p:stCondLst>
+                                            <p:cond delay="0"/>
+                                          </p:stCondLst>
+                                        </p:cTn>
+                                        <p:tgtEl>
+                                          <p:spTgt spid="5">
+                                            <p:txEl>
+                                              <p:pRg st="1" end="1"/>
+                                            </p:txEl>
+                                          </p:spTgt>
+                                        </p:tgtEl>
+                                        <p:attrNameLst>
+                                          <p:attrName>style.visibility</p:attrName>
+                                        </p:attrNameLst>
+                                      </p:cBhvr>
+                                      <p:to>
+                                        <p:strVal val="visible"/>
+                                      </p:to>
+                                    </p:set>
+                                  </p:childTnLst>
+                                </p:cTn>
+                              </p:par>
+                              <p:par>
+                                <p:cTn id="11" presetID="1" presetClass="entr" presetSubtype="0" fill="hold" grpId="0" nodeType="withEffect">
+                                  <p:stCondLst>
+                                    <p:cond delay="0"/>
+                                  </p:stCondLst>
+                                  <p:childTnLst>
+                                    <p:set>
+                                      <p:cBhvr>
+                                        <p:cTn id="12" dur="1" fill="hold">
+                                          <p:stCondLst>
+                                            <p:cond delay="0"/>
+                                          </p:stCondLst>
+                                        </p:cTn>
+                                        <p:tgtEl>
+                                          <p:spTgt spid="5">
+                                            <p:txEl>
+                                              <p:pRg st="2" end="2"/>
+                                            </p:txEl>
+                                          </p:spTgt>
+                                        </p:tgtEl>
+                                        <p:attrNameLst>
+                                          <p:attrName>style.visibility</p:attrName>
+                                        </p:attrNameLst>
+                                      </p:cBhvr>
+                                      <p:to>
+                                        <p:strVal val="visible"/>
+                                      </p:to>
+                                    </p:set>
+                                  </p:childTnLst>
+                                </p:cTn>
+                              </p:par>
+                              <p:par>
+                                <p:cTn id="13" presetID="1" presetClass="entr" presetSubtype="0" fill="hold" grpId="0" nodeType="withEffect">
+                                  <p:stCondLst>
+                                    <p:cond delay="0"/>
+                                  </p:stCondLst>
+                                  <p:childTnLst>
+                                    <p:set>
+                                      <p:cBhvr>
+                                        <p:cTn id="14" dur="1" fill="hold">
+                                          <p:stCondLst>
+                                            <p:cond delay="0"/>
+                                          </p:stCondLst>
+                                        </p:cTn>
+                                        <p:tgtEl>
+                                          <p:spTgt spid="5">
+                                            <p:txEl>
+                                              <p:pRg st="3" end="3"/>
+                                            </p:txEl>
+                                          </p:spTgt>
+                                        </p:tgtEl>
+                                        <p:attrNameLst>
+                                          <p:attrName>style.visibility</p:attrName>
+                                        </p:attrNameLst>
+                                      </p:cBhvr>
+                                      <p:to>
+                                        <p:strVal val="visible"/>
+                                      </p:to>
+                                    </p:set>
+                                  </p:childTnLst>
+                                </p:cTn>
+                              </p:par>
+                            </p:childTnLst>
+                          </p:cTn>
+                        </p:par>
+                      </p:childTnLst>
+                    </p:cTn>
+                  </p:par>
+                </p:childTnLst>
+              </p:cTn>
+              <p:prevCondLst>
+                <p:cond evt="onPrev" delay="0">
+                  <p:tgtEl>
+                    <p:sldTgt/>
+                  </p:tgtEl>
+                </p:cond>
+              </p:prevCondLst>
+              <p:nextCondLst>
+                <p:cond evt="onNext" delay="0">
+                  <p:tgtEl>
+                    <p:sldTgt/>
+                  </p:tgtEl>
+                </p:cond>
+              </p:nextCondLst>
+            </p:seq>
+          </p:childTnLst>
+        </p:cTn>
       </p:par>
     </p:tnLst>
+    <p:bldLst>
+      <p:bldP spid="5" grpId="0" uiExpand="1" build="p"/>
+    </p:bldLst>
+  </p:timing>
+</p:sld>
+</file>
+
+<file path=ppt/slides/slide38.xml><?xml version="1.0" encoding="utf-8"?>
+<p:sld xmlns:a="http://schemas.openxmlformats.org/drawingml/2006/main" xmlns:r="http://schemas.openxmlformats.org/officeDocument/2006/relationships" xmlns:p="http://schemas.openxmlformats.org/presentationml/2006/main">
+  <p:cSld>
+    <p:spTree>
+      <p:nvGrpSpPr>
+        <p:cNvPr id="1" name=""/>
+        <p:cNvGrpSpPr/>
+        <p:nvPr/>
+      </p:nvGrpSpPr>
+      <p:grpSpPr>
+        <a:xfrm>
+          <a:off x="0" y="0"/>
+          <a:ext cx="0" cy="0"/>
+          <a:chOff x="0" y="0"/>
+          <a:chExt cx="0" cy="0"/>
+        </a:xfrm>
+      </p:grpSpPr>
+      <p:sp>
+        <p:nvSpPr>
+          <p:cNvPr id="3" name="Titel 2"/>
+          <p:cNvSpPr>
+            <a:spLocks noGrp="1"/>
+          </p:cNvSpPr>
+          <p:nvPr>
+            <p:ph type="title"/>
+          </p:nvPr>
+        </p:nvSpPr>
+        <p:spPr/>
+        <p:txBody>
+          <a:bodyPr/>
+          <a:lstStyle/>
+          <a:p>
+            <a:r>
+              <a:rPr lang="de-DE" sz="2400" b="1" dirty="0" smtClean="0"/>
+              <a:t>Ausblick:</a:t>
+            </a:r>
+            <a:r>
+              <a:rPr lang="de-DE" sz="2400" dirty="0" smtClean="0"/>
+              <a:t>	</a:t>
+            </a:r>
+            <a:r>
+              <a:rPr lang="de-DE" dirty="0" smtClean="0"/>
+              <a:t>NLP- &amp; PSL-Phase</a:t>
+            </a:r>
+            <a:endParaRPr lang="de-DE" dirty="0"/>
+          </a:p>
+        </p:txBody>
+      </p:sp>
+      <p:sp>
+        <p:nvSpPr>
+          <p:cNvPr id="2" name="Foliennummernplatzhalter 1"/>
+          <p:cNvSpPr>
+            <a:spLocks noGrp="1"/>
+          </p:cNvSpPr>
+          <p:nvPr>
+            <p:ph type="sldNum" sz="quarter" idx="12"/>
+          </p:nvPr>
+        </p:nvSpPr>
+        <p:spPr/>
+        <p:txBody>
+          <a:bodyPr/>
+          <a:lstStyle/>
+          <a:p>
+            <a:fld id="{F4DAF760-8A09-427D-9634-9AF01F07ABD5}" type="slidenum">
+              <a:rPr lang="de-DE" smtClean="0"/>
+              <a:t>38</a:t>
+            </a:fld>
+            <a:endParaRPr lang="de-DE" dirty="0"/>
+          </a:p>
+        </p:txBody>
+      </p:sp>
+      <mc:AlternateContent xmlns:mc="http://schemas.openxmlformats.org/markup-compatibility/2006">
+        <mc:Choice xmlns:a14="http://schemas.microsoft.com/office/drawing/2010/main" Requires="a14">
+          <p:sp>
+            <p:nvSpPr>
+              <p:cNvPr id="5" name="Inhaltsplatzhalter 4"/>
+              <p:cNvSpPr txBox="1">
+                <a:spLocks/>
+              </p:cNvSpPr>
+              <p:nvPr/>
+            </p:nvSpPr>
+            <p:spPr>
+              <a:xfrm>
+                <a:off x="911424" y="1124744"/>
+                <a:ext cx="10369152" cy="5052219"/>
+              </a:xfrm>
+              <a:prstGeom prst="rect">
+                <a:avLst/>
+              </a:prstGeom>
+            </p:spPr>
+            <p:txBody>
+              <a:bodyPr anchor="ctr">
+                <a:normAutofit/>
+              </a:bodyPr>
+              <a:lstStyle>
+                <a:lvl1pPr marL="228600" indent="-228600" algn="l" defTabSz="914400" rtl="0" eaLnBrk="1" latinLnBrk="0" hangingPunct="1">
+                  <a:lnSpc>
+                    <a:spcPct val="90000"/>
+                  </a:lnSpc>
+                  <a:spcBef>
+                    <a:spcPts val="1000"/>
+                  </a:spcBef>
+                  <a:buFont typeface="Arial" panose="020B0604020202020204" pitchFamily="34" charset="0"/>
+                  <a:buChar char="•"/>
+                  <a:defRPr sz="2800" kern="1200">
+                    <a:solidFill>
+                      <a:schemeClr val="tx1"/>
+                    </a:solidFill>
+                    <a:latin typeface="Roboto Light" panose="02000000000000000000" pitchFamily="2" charset="0"/>
+                    <a:ea typeface="Roboto Light" panose="02000000000000000000" pitchFamily="2" charset="0"/>
+                    <a:cs typeface="+mn-cs"/>
+                  </a:defRPr>
+                </a:lvl1pPr>
+                <a:lvl2pPr marL="685800" indent="-228600" algn="l" defTabSz="914400" rtl="0" eaLnBrk="1" latinLnBrk="0" hangingPunct="1">
+                  <a:lnSpc>
+                    <a:spcPct val="90000"/>
+                  </a:lnSpc>
+                  <a:spcBef>
+                    <a:spcPts val="500"/>
+                  </a:spcBef>
+                  <a:buFont typeface="Arial" panose="020B0604020202020204" pitchFamily="34" charset="0"/>
+                  <a:buChar char="•"/>
+                  <a:defRPr sz="2400" kern="1200">
+                    <a:solidFill>
+                      <a:schemeClr val="tx1"/>
+                    </a:solidFill>
+                    <a:latin typeface="Roboto Light" panose="02000000000000000000" pitchFamily="2" charset="0"/>
+                    <a:ea typeface="Roboto Light" panose="02000000000000000000" pitchFamily="2" charset="0"/>
+                    <a:cs typeface="+mn-cs"/>
+                  </a:defRPr>
+                </a:lvl2pPr>
+                <a:lvl3pPr marL="1143000" indent="-228600" algn="l" defTabSz="914400" rtl="0" eaLnBrk="1" latinLnBrk="0" hangingPunct="1">
+                  <a:lnSpc>
+                    <a:spcPct val="90000"/>
+                  </a:lnSpc>
+                  <a:spcBef>
+                    <a:spcPts val="500"/>
+                  </a:spcBef>
+                  <a:buFont typeface="Arial" panose="020B0604020202020204" pitchFamily="34" charset="0"/>
+                  <a:buChar char="•"/>
+                  <a:defRPr sz="2000" kern="1200">
+                    <a:solidFill>
+                      <a:schemeClr val="tx1"/>
+                    </a:solidFill>
+                    <a:latin typeface="Roboto Light" panose="02000000000000000000" pitchFamily="2" charset="0"/>
+                    <a:ea typeface="Roboto Light" panose="02000000000000000000" pitchFamily="2" charset="0"/>
+                    <a:cs typeface="+mn-cs"/>
+                  </a:defRPr>
+                </a:lvl3pPr>
+                <a:lvl4pPr marL="1600200" indent="-228600" algn="l" defTabSz="914400" rtl="0" eaLnBrk="1" latinLnBrk="0" hangingPunct="1">
+                  <a:lnSpc>
+                    <a:spcPct val="90000"/>
+                  </a:lnSpc>
+                  <a:spcBef>
+                    <a:spcPts val="500"/>
+                  </a:spcBef>
+                  <a:buFont typeface="Arial" panose="020B0604020202020204" pitchFamily="34" charset="0"/>
+                  <a:buChar char="•"/>
+                  <a:defRPr sz="1800" kern="1200">
+                    <a:solidFill>
+                      <a:schemeClr val="tx1"/>
+                    </a:solidFill>
+                    <a:latin typeface="Roboto Light" panose="02000000000000000000" pitchFamily="2" charset="0"/>
+                    <a:ea typeface="Roboto Light" panose="02000000000000000000" pitchFamily="2" charset="0"/>
+                    <a:cs typeface="+mn-cs"/>
+                  </a:defRPr>
+                </a:lvl4pPr>
+                <a:lvl5pPr marL="2057400" indent="-228600" algn="l" defTabSz="914400" rtl="0" eaLnBrk="1" latinLnBrk="0" hangingPunct="1">
+                  <a:lnSpc>
+                    <a:spcPct val="90000"/>
+                  </a:lnSpc>
+                  <a:spcBef>
+                    <a:spcPts val="500"/>
+                  </a:spcBef>
+                  <a:buFont typeface="Arial" panose="020B0604020202020204" pitchFamily="34" charset="0"/>
+                  <a:buChar char="•"/>
+                  <a:defRPr sz="1800" kern="1200">
+                    <a:solidFill>
+                      <a:schemeClr val="tx1"/>
+                    </a:solidFill>
+                    <a:latin typeface="Roboto Light" panose="02000000000000000000" pitchFamily="2" charset="0"/>
+                    <a:ea typeface="Roboto Light" panose="02000000000000000000" pitchFamily="2" charset="0"/>
+                    <a:cs typeface="+mn-cs"/>
+                  </a:defRPr>
+                </a:lvl5pPr>
+                <a:lvl6pPr marL="2514600" indent="-228600" algn="l" defTabSz="914400" rtl="0" eaLnBrk="1" latinLnBrk="0" hangingPunct="1">
+                  <a:lnSpc>
+                    <a:spcPct val="90000"/>
+                  </a:lnSpc>
+                  <a:spcBef>
+                    <a:spcPts val="500"/>
+                  </a:spcBef>
+                  <a:buFont typeface="Arial" panose="020B0604020202020204" pitchFamily="34" charset="0"/>
+                  <a:buChar char="•"/>
+                  <a:defRPr sz="1800" kern="1200">
+                    <a:solidFill>
+                      <a:schemeClr val="tx1"/>
+                    </a:solidFill>
+                    <a:latin typeface="+mn-lt"/>
+                    <a:ea typeface="+mn-ea"/>
+                    <a:cs typeface="+mn-cs"/>
+                  </a:defRPr>
+                </a:lvl6pPr>
+                <a:lvl7pPr marL="2971800" indent="-228600" algn="l" defTabSz="914400" rtl="0" eaLnBrk="1" latinLnBrk="0" hangingPunct="1">
+                  <a:lnSpc>
+                    <a:spcPct val="90000"/>
+                  </a:lnSpc>
+                  <a:spcBef>
+                    <a:spcPts val="500"/>
+                  </a:spcBef>
+                  <a:buFont typeface="Arial" panose="020B0604020202020204" pitchFamily="34" charset="0"/>
+                  <a:buChar char="•"/>
+                  <a:defRPr sz="1800" kern="1200">
+                    <a:solidFill>
+                      <a:schemeClr val="tx1"/>
+                    </a:solidFill>
+                    <a:latin typeface="+mn-lt"/>
+                    <a:ea typeface="+mn-ea"/>
+                    <a:cs typeface="+mn-cs"/>
+                  </a:defRPr>
+                </a:lvl7pPr>
+                <a:lvl8pPr marL="3429000" indent="-228600" algn="l" defTabSz="914400" rtl="0" eaLnBrk="1" latinLnBrk="0" hangingPunct="1">
+                  <a:lnSpc>
+                    <a:spcPct val="90000"/>
+                  </a:lnSpc>
+                  <a:spcBef>
+                    <a:spcPts val="500"/>
+                  </a:spcBef>
+                  <a:buFont typeface="Arial" panose="020B0604020202020204" pitchFamily="34" charset="0"/>
+                  <a:buChar char="•"/>
+                  <a:defRPr sz="1800" kern="1200">
+                    <a:solidFill>
+                      <a:schemeClr val="tx1"/>
+                    </a:solidFill>
+                    <a:latin typeface="+mn-lt"/>
+                    <a:ea typeface="+mn-ea"/>
+                    <a:cs typeface="+mn-cs"/>
+                  </a:defRPr>
+                </a:lvl8pPr>
+                <a:lvl9pPr marL="3886200" indent="-228600" algn="l" defTabSz="914400" rtl="0" eaLnBrk="1" latinLnBrk="0" hangingPunct="1">
+                  <a:lnSpc>
+                    <a:spcPct val="90000"/>
+                  </a:lnSpc>
+                  <a:spcBef>
+                    <a:spcPts val="500"/>
+                  </a:spcBef>
+                  <a:buFont typeface="Arial" panose="020B0604020202020204" pitchFamily="34" charset="0"/>
+                  <a:buChar char="•"/>
+                  <a:defRPr sz="1800" kern="1200">
+                    <a:solidFill>
+                      <a:schemeClr val="tx1"/>
+                    </a:solidFill>
+                    <a:latin typeface="+mn-lt"/>
+                    <a:ea typeface="+mn-ea"/>
+                    <a:cs typeface="+mn-cs"/>
+                  </a:defRPr>
+                </a:lvl9pPr>
+              </a:lstStyle>
+              <a:p>
+                <a:pPr fontAlgn="auto">
+                  <a:lnSpc>
+                    <a:spcPct val="200000"/>
+                  </a:lnSpc>
+                  <a:spcAft>
+                    <a:spcPts val="0"/>
+                  </a:spcAft>
+                </a:pPr>
+                <a:r>
+                  <a:rPr lang="de-DE" sz="2400" dirty="0" smtClean="0"/>
+                  <a:t>Nicht alle </a:t>
+                </a:r>
+                <a:r>
+                  <a:rPr lang="de-DE" sz="2400" dirty="0" err="1" smtClean="0"/>
+                  <a:t>CoreNLP</a:t>
+                </a:r>
+                <a:r>
+                  <a:rPr lang="de-DE" sz="2400" dirty="0" smtClean="0"/>
+                  <a:t>-Annotationen werden bislang genutzt</a:t>
+                </a:r>
+              </a:p>
+              <a:p>
+                <a:pPr lvl="1" fontAlgn="auto">
+                  <a:lnSpc>
+                    <a:spcPct val="200000"/>
+                  </a:lnSpc>
+                  <a:spcAft>
+                    <a:spcPts val="0"/>
+                  </a:spcAft>
+                  <a:buFont typeface="Wingdings" panose="05000000000000000000" pitchFamily="2" charset="2"/>
+                  <a:buChar char="Ø"/>
+                </a:pPr>
+                <a:r>
+                  <a:rPr lang="de-DE" sz="2000" dirty="0" smtClean="0"/>
+                  <a:t>z. B. Integration des Natural </a:t>
+                </a:r>
+                <a:r>
+                  <a:rPr lang="de-DE" sz="2000" dirty="0" err="1" smtClean="0"/>
+                  <a:t>Logic</a:t>
+                </a:r>
+                <a:r>
+                  <a:rPr lang="de-DE" sz="2000" dirty="0" smtClean="0"/>
+                  <a:t> </a:t>
+                </a:r>
+                <a:r>
+                  <a:rPr lang="de-DE" sz="2000" dirty="0" err="1" smtClean="0"/>
+                  <a:t>Annotators</a:t>
+                </a:r>
+                <a:endParaRPr lang="de-DE" sz="2000" dirty="0" smtClean="0"/>
+              </a:p>
+              <a:p>
+                <a:pPr fontAlgn="auto">
+                  <a:lnSpc>
+                    <a:spcPct val="200000"/>
+                  </a:lnSpc>
+                  <a:spcAft>
+                    <a:spcPts val="0"/>
+                  </a:spcAft>
+                </a:pPr>
+                <a:r>
+                  <a:rPr lang="de-DE" sz="2400" dirty="0" smtClean="0"/>
+                  <a:t>Bislang sehr rudimentäres, exemplarisches PSL-Programm</a:t>
+                </a:r>
+              </a:p>
+              <a:p>
+                <a:pPr lvl="1" fontAlgn="auto">
+                  <a:lnSpc>
+                    <a:spcPct val="200000"/>
+                  </a:lnSpc>
+                  <a:spcAft>
+                    <a:spcPts val="0"/>
+                  </a:spcAft>
+                  <a:buFont typeface="Wingdings" panose="05000000000000000000" pitchFamily="2" charset="2"/>
+                  <a:buChar char="Ø"/>
+                </a:pPr>
+                <a:r>
+                  <a:rPr lang="de-DE" sz="2000" dirty="0" smtClean="0"/>
+                  <a:t>Stärkere Nutzung der Kontextinformationen, z. B. Inferenz von </a:t>
+                </a:r>
+                <a14:m>
+                  <m:oMath xmlns:m="http://schemas.openxmlformats.org/officeDocument/2006/math">
+                    <m:r>
+                      <a:rPr lang="de-DE" sz="2000" b="0" i="1" smtClean="0">
+                        <a:latin typeface="Cambria Math"/>
+                      </a:rPr>
+                      <m:t>𝑎𝑐𝑡𝑢𝑎𝑙</m:t>
+                    </m:r>
+                  </m:oMath>
+                </a14:m>
+                <a:endParaRPr lang="de-DE" sz="2000" dirty="0" smtClean="0"/>
+              </a:p>
+              <a:p>
+                <a:pPr fontAlgn="auto">
+                  <a:lnSpc>
+                    <a:spcPct val="200000"/>
+                  </a:lnSpc>
+                  <a:spcAft>
+                    <a:spcPts val="0"/>
+                  </a:spcAft>
+                </a:pPr>
+                <a:r>
+                  <a:rPr lang="de-DE" sz="2400" dirty="0" smtClean="0"/>
+                  <a:t>Kaum domänenspezifisches Vorwissen</a:t>
+                </a:r>
+              </a:p>
+              <a:p>
+                <a:pPr lvl="1" fontAlgn="auto">
+                  <a:lnSpc>
+                    <a:spcPct val="200000"/>
+                  </a:lnSpc>
+                  <a:spcAft>
+                    <a:spcPts val="0"/>
+                  </a:spcAft>
+                  <a:buFont typeface="Wingdings" panose="05000000000000000000" pitchFamily="2" charset="2"/>
+                  <a:buChar char="Ø"/>
+                </a:pPr>
+                <a:r>
+                  <a:rPr lang="de-DE" sz="2000" dirty="0" smtClean="0"/>
+                  <a:t>Integration vorhandener Wissensbasen, z. B. </a:t>
+                </a:r>
+                <a:r>
+                  <a:rPr lang="de-DE" sz="2000" i="1" dirty="0" smtClean="0"/>
+                  <a:t>NELL</a:t>
+                </a:r>
+                <a:r>
+                  <a:rPr lang="de-DE" sz="2000" dirty="0"/>
+                  <a:t> </a:t>
+                </a:r>
+                <a:r>
+                  <a:rPr lang="de-DE" sz="2000" dirty="0" smtClean="0"/>
+                  <a:t>oder </a:t>
+                </a:r>
+                <a:r>
+                  <a:rPr lang="de-DE" sz="2000" i="1" dirty="0" smtClean="0"/>
+                  <a:t>YAGO</a:t>
+                </a:r>
+              </a:p>
+            </p:txBody>
+          </p:sp>
+        </mc:Choice>
+        <mc:Fallback>
+          <p:sp>
+            <p:nvSpPr>
+              <p:cNvPr id="5" name="Inhaltsplatzhalter 4"/>
+              <p:cNvSpPr txBox="1">
+                <a:spLocks noRot="1" noChangeAspect="1" noMove="1" noResize="1" noEditPoints="1" noAdjustHandles="1" noChangeArrowheads="1" noChangeShapeType="1" noTextEdit="1"/>
+              </p:cNvSpPr>
+              <p:nvPr/>
+            </p:nvSpPr>
+            <p:spPr>
+              <a:xfrm>
+                <a:off x="911424" y="1124744"/>
+                <a:ext cx="10369152" cy="5052219"/>
+              </a:xfrm>
+              <a:prstGeom prst="rect">
+                <a:avLst/>
+              </a:prstGeom>
+              <a:blipFill rotWithShape="1">
+                <a:blip r:embed="rId2"/>
+                <a:stretch>
+                  <a:fillRect l="-824"/>
+                </a:stretch>
+              </a:blipFill>
+            </p:spPr>
+            <p:txBody>
+              <a:bodyPr/>
+              <a:lstStyle/>
+              <a:p>
+                <a:r>
+                  <a:rPr lang="de-DE">
+                    <a:noFill/>
+                  </a:rPr>
+                  <a:t> </a:t>
+                </a:r>
+              </a:p>
+            </p:txBody>
+          </p:sp>
+        </mc:Fallback>
+      </mc:AlternateContent>
+      <p:pic>
+        <p:nvPicPr>
+          <p:cNvPr id="1026" name="Picture 2" descr="C:\Users\a587002\Documents\bachelor-thesis\presentation\initialGraph.emf"/>
+          <p:cNvPicPr>
+            <a:picLocks noChangeAspect="1" noChangeArrowheads="1"/>
+          </p:cNvPicPr>
+          <p:nvPr/>
+        </p:nvPicPr>
+        <p:blipFill>
+          <a:blip r:embed="rId3" cstate="print">
+            <a:extLst>
+              <a:ext uri="{28A0092B-C50C-407E-A947-70E740481C1C}">
+                <a14:useLocalDpi xmlns:a14="http://schemas.microsoft.com/office/drawing/2010/main" val="0"/>
+              </a:ext>
+            </a:extLst>
+          </a:blip>
+          <a:srcRect/>
+          <a:stretch>
+            <a:fillRect/>
+          </a:stretch>
+        </p:blipFill>
+        <p:spPr bwMode="auto">
+          <a:xfrm>
+            <a:off x="6744072" y="4437112"/>
+            <a:ext cx="5256163" cy="996353"/>
+          </a:xfrm>
+          <a:prstGeom prst="rect">
+            <a:avLst/>
+          </a:prstGeom>
+          <a:noFill/>
+          <a:extLst>
+            <a:ext uri="{909E8E84-426E-40DD-AFC4-6F175D3DCCD1}">
+              <a14:hiddenFill xmlns:a14="http://schemas.microsoft.com/office/drawing/2010/main">
+                <a:solidFill>
+                  <a:srgbClr val="FFFFFF"/>
+                </a:solidFill>
+              </a14:hiddenFill>
+            </a:ext>
+          </a:extLst>
+        </p:spPr>
+      </p:pic>
+    </p:spTree>
+    <p:extLst>
+      <p:ext uri="{BB962C8B-B14F-4D97-AF65-F5344CB8AC3E}">
+        <p14:creationId xmlns:p14="http://schemas.microsoft.com/office/powerpoint/2010/main" val="3811464052"/>
+      </p:ext>
+    </p:extLst>
+  </p:cSld>
+  <p:clrMapOvr>
+    <a:masterClrMapping/>
+  </p:clrMapOvr>
+  <p:timing>
+    <p:tnLst>
+      <p:par>
+        <p:cTn id="1" dur="indefinite" restart="never" nodeType="tmRoot">
+          <p:childTnLst>
+            <p:seq concurrent="1" nextAc="seek">
+              <p:cTn id="2" dur="indefinite" nodeType="mainSeq">
+                <p:childTnLst>
+                  <p:par>
+                    <p:cTn id="3" fill="hold">
+                      <p:stCondLst>
+                        <p:cond delay="indefinite"/>
+                      </p:stCondLst>
+                      <p:childTnLst>
+                        <p:par>
+                          <p:cTn id="4" fill="hold">
+                            <p:stCondLst>
+                              <p:cond delay="0"/>
+                            </p:stCondLst>
+                            <p:childTnLst>
+                              <p:par>
+                                <p:cTn id="5" presetID="1" presetClass="entr" presetSubtype="0" fill="hold" grpId="0" nodeType="clickEffect">
+                                  <p:stCondLst>
+                                    <p:cond delay="0"/>
+                                  </p:stCondLst>
+                                  <p:childTnLst>
+                                    <p:set>
+                                      <p:cBhvr>
+                                        <p:cTn id="6" dur="1" fill="hold">
+                                          <p:stCondLst>
+                                            <p:cond delay="0"/>
+                                          </p:stCondLst>
+                                        </p:cTn>
+                                        <p:tgtEl>
+                                          <p:spTgt spid="5">
+                                            <p:txEl>
+                                              <p:pRg st="0" end="0"/>
+                                            </p:txEl>
+                                          </p:spTgt>
+                                        </p:tgtEl>
+                                        <p:attrNameLst>
+                                          <p:attrName>style.visibility</p:attrName>
+                                        </p:attrNameLst>
+                                      </p:cBhvr>
+                                      <p:to>
+                                        <p:strVal val="visible"/>
+                                      </p:to>
+                                    </p:set>
+                                  </p:childTnLst>
+                                </p:cTn>
+                              </p:par>
+                              <p:par>
+                                <p:cTn id="7" presetID="1" presetClass="entr" presetSubtype="0" fill="hold" grpId="0" nodeType="withEffect">
+                                  <p:stCondLst>
+                                    <p:cond delay="0"/>
+                                  </p:stCondLst>
+                                  <p:childTnLst>
+                                    <p:set>
+                                      <p:cBhvr>
+                                        <p:cTn id="8" dur="1" fill="hold">
+                                          <p:stCondLst>
+                                            <p:cond delay="0"/>
+                                          </p:stCondLst>
+                                        </p:cTn>
+                                        <p:tgtEl>
+                                          <p:spTgt spid="5">
+                                            <p:txEl>
+                                              <p:pRg st="1" end="1"/>
+                                            </p:txEl>
+                                          </p:spTgt>
+                                        </p:tgtEl>
+                                        <p:attrNameLst>
+                                          <p:attrName>style.visibility</p:attrName>
+                                        </p:attrNameLst>
+                                      </p:cBhvr>
+                                      <p:to>
+                                        <p:strVal val="visible"/>
+                                      </p:to>
+                                    </p:set>
+                                  </p:childTnLst>
+                                </p:cTn>
+                              </p:par>
+                            </p:childTnLst>
+                          </p:cTn>
+                        </p:par>
+                      </p:childTnLst>
+                    </p:cTn>
+                  </p:par>
+                  <p:par>
+                    <p:cTn id="9" fill="hold">
+                      <p:stCondLst>
+                        <p:cond delay="indefinite"/>
+                      </p:stCondLst>
+                      <p:childTnLst>
+                        <p:par>
+                          <p:cTn id="10" fill="hold">
+                            <p:stCondLst>
+                              <p:cond delay="0"/>
+                            </p:stCondLst>
+                            <p:childTnLst>
+                              <p:par>
+                                <p:cTn id="11" presetID="1" presetClass="entr" presetSubtype="0" fill="hold" grpId="0" nodeType="clickEffect">
+                                  <p:stCondLst>
+                                    <p:cond delay="0"/>
+                                  </p:stCondLst>
+                                  <p:childTnLst>
+                                    <p:set>
+                                      <p:cBhvr>
+                                        <p:cTn id="12" dur="1" fill="hold">
+                                          <p:stCondLst>
+                                            <p:cond delay="0"/>
+                                          </p:stCondLst>
+                                        </p:cTn>
+                                        <p:tgtEl>
+                                          <p:spTgt spid="5">
+                                            <p:txEl>
+                                              <p:pRg st="2" end="2"/>
+                                            </p:txEl>
+                                          </p:spTgt>
+                                        </p:tgtEl>
+                                        <p:attrNameLst>
+                                          <p:attrName>style.visibility</p:attrName>
+                                        </p:attrNameLst>
+                                      </p:cBhvr>
+                                      <p:to>
+                                        <p:strVal val="visible"/>
+                                      </p:to>
+                                    </p:set>
+                                  </p:childTnLst>
+                                </p:cTn>
+                              </p:par>
+                              <p:par>
+                                <p:cTn id="13" presetID="1" presetClass="entr" presetSubtype="0" fill="hold" grpId="0" nodeType="withEffect">
+                                  <p:stCondLst>
+                                    <p:cond delay="0"/>
+                                  </p:stCondLst>
+                                  <p:childTnLst>
+                                    <p:set>
+                                      <p:cBhvr>
+                                        <p:cTn id="14" dur="1" fill="hold">
+                                          <p:stCondLst>
+                                            <p:cond delay="0"/>
+                                          </p:stCondLst>
+                                        </p:cTn>
+                                        <p:tgtEl>
+                                          <p:spTgt spid="5">
+                                            <p:txEl>
+                                              <p:pRg st="3" end="3"/>
+                                            </p:txEl>
+                                          </p:spTgt>
+                                        </p:tgtEl>
+                                        <p:attrNameLst>
+                                          <p:attrName>style.visibility</p:attrName>
+                                        </p:attrNameLst>
+                                      </p:cBhvr>
+                                      <p:to>
+                                        <p:strVal val="visible"/>
+                                      </p:to>
+                                    </p:set>
+                                  </p:childTnLst>
+                                </p:cTn>
+                              </p:par>
+                            </p:childTnLst>
+                          </p:cTn>
+                        </p:par>
+                      </p:childTnLst>
+                    </p:cTn>
+                  </p:par>
+                  <p:par>
+                    <p:cTn id="15" fill="hold">
+                      <p:stCondLst>
+                        <p:cond delay="indefinite"/>
+                      </p:stCondLst>
+                      <p:childTnLst>
+                        <p:par>
+                          <p:cTn id="16" fill="hold">
+                            <p:stCondLst>
+                              <p:cond delay="0"/>
+                            </p:stCondLst>
+                            <p:childTnLst>
+                              <p:par>
+                                <p:cTn id="17" presetID="1" presetClass="entr" presetSubtype="0" fill="hold" grpId="0" nodeType="clickEffect">
+                                  <p:stCondLst>
+                                    <p:cond delay="0"/>
+                                  </p:stCondLst>
+                                  <p:childTnLst>
+                                    <p:set>
+                                      <p:cBhvr>
+                                        <p:cTn id="18" dur="1" fill="hold">
+                                          <p:stCondLst>
+                                            <p:cond delay="0"/>
+                                          </p:stCondLst>
+                                        </p:cTn>
+                                        <p:tgtEl>
+                                          <p:spTgt spid="5">
+                                            <p:txEl>
+                                              <p:pRg st="4" end="4"/>
+                                            </p:txEl>
+                                          </p:spTgt>
+                                        </p:tgtEl>
+                                        <p:attrNameLst>
+                                          <p:attrName>style.visibility</p:attrName>
+                                        </p:attrNameLst>
+                                      </p:cBhvr>
+                                      <p:to>
+                                        <p:strVal val="visible"/>
+                                      </p:to>
+                                    </p:set>
+                                  </p:childTnLst>
+                                </p:cTn>
+                              </p:par>
+                              <p:par>
+                                <p:cTn id="19" presetID="1" presetClass="entr" presetSubtype="0" fill="hold" grpId="0" nodeType="withEffect">
+                                  <p:stCondLst>
+                                    <p:cond delay="0"/>
+                                  </p:stCondLst>
+                                  <p:childTnLst>
+                                    <p:set>
+                                      <p:cBhvr>
+                                        <p:cTn id="20" dur="1" fill="hold">
+                                          <p:stCondLst>
+                                            <p:cond delay="0"/>
+                                          </p:stCondLst>
+                                        </p:cTn>
+                                        <p:tgtEl>
+                                          <p:spTgt spid="5">
+                                            <p:txEl>
+                                              <p:pRg st="5" end="5"/>
+                                            </p:txEl>
+                                          </p:spTgt>
+                                        </p:tgtEl>
+                                        <p:attrNameLst>
+                                          <p:attrName>style.visibility</p:attrName>
+                                        </p:attrNameLst>
+                                      </p:cBhvr>
+                                      <p:to>
+                                        <p:strVal val="visible"/>
+                                      </p:to>
+                                    </p:set>
+                                  </p:childTnLst>
+                                </p:cTn>
+                              </p:par>
+                              <p:par>
+                                <p:cTn id="21" presetID="1" presetClass="entr" presetSubtype="0" fill="hold" nodeType="withEffect">
+                                  <p:stCondLst>
+                                    <p:cond delay="0"/>
+                                  </p:stCondLst>
+                                  <p:childTnLst>
+                                    <p:set>
+                                      <p:cBhvr>
+                                        <p:cTn id="22" dur="1" fill="hold">
+                                          <p:stCondLst>
+                                            <p:cond delay="0"/>
+                                          </p:stCondLst>
+                                        </p:cTn>
+                                        <p:tgtEl>
+                                          <p:spTgt spid="1026"/>
+                                        </p:tgtEl>
+                                        <p:attrNameLst>
+                                          <p:attrName>style.visibility</p:attrName>
+                                        </p:attrNameLst>
+                                      </p:cBhvr>
+                                      <p:to>
+                                        <p:strVal val="visible"/>
+                                      </p:to>
+                                    </p:set>
+                                  </p:childTnLst>
+                                </p:cTn>
+                              </p:par>
+                            </p:childTnLst>
+                          </p:cTn>
+                        </p:par>
+                      </p:childTnLst>
+                    </p:cTn>
+                  </p:par>
+                </p:childTnLst>
+              </p:cTn>
+              <p:prevCondLst>
+                <p:cond evt="onPrev" delay="0">
+                  <p:tgtEl>
+                    <p:sldTgt/>
+                  </p:tgtEl>
+                </p:cond>
+              </p:prevCondLst>
+              <p:nextCondLst>
+                <p:cond evt="onNext" delay="0">
+                  <p:tgtEl>
+                    <p:sldTgt/>
+                  </p:tgtEl>
+                </p:cond>
+              </p:nextCondLst>
+            </p:seq>
+          </p:childTnLst>
+        </p:cTn>
+      </p:par>
+    </p:tnLst>
+    <p:bldLst>
+      <p:bldP spid="5" grpId="0" uiExpand="1" build="p"/>
+    </p:bldLst>
+  </p:timing>
+</p:sld>
+</file>
+
+<file path=ppt/slides/slide39.xml><?xml version="1.0" encoding="utf-8"?>
+<p:sld xmlns:a="http://schemas.openxmlformats.org/drawingml/2006/main" xmlns:r="http://schemas.openxmlformats.org/officeDocument/2006/relationships" xmlns:p="http://schemas.openxmlformats.org/presentationml/2006/main">
+  <p:cSld>
+    <p:spTree>
+      <p:nvGrpSpPr>
+        <p:cNvPr id="1" name=""/>
+        <p:cNvGrpSpPr/>
+        <p:nvPr/>
+      </p:nvGrpSpPr>
+      <p:grpSpPr>
+        <a:xfrm>
+          <a:off x="0" y="0"/>
+          <a:ext cx="0" cy="0"/>
+          <a:chOff x="0" y="0"/>
+          <a:chExt cx="0" cy="0"/>
+        </a:xfrm>
+      </p:grpSpPr>
+      <p:sp>
+        <p:nvSpPr>
+          <p:cNvPr id="3" name="Titel 2"/>
+          <p:cNvSpPr>
+            <a:spLocks noGrp="1"/>
+          </p:cNvSpPr>
+          <p:nvPr>
+            <p:ph type="title"/>
+          </p:nvPr>
+        </p:nvSpPr>
+        <p:spPr/>
+        <p:txBody>
+          <a:bodyPr/>
+          <a:lstStyle/>
+          <a:p>
+            <a:r>
+              <a:rPr lang="de-DE" sz="2400" b="1" dirty="0" smtClean="0"/>
+              <a:t>Ausblick:</a:t>
+            </a:r>
+            <a:r>
+              <a:rPr lang="de-DE" sz="2400" dirty="0" smtClean="0"/>
+              <a:t>	</a:t>
+            </a:r>
+            <a:r>
+              <a:rPr lang="de-DE" dirty="0" smtClean="0"/>
+              <a:t>Inferenzverfahren</a:t>
+            </a:r>
+            <a:endParaRPr lang="de-DE" dirty="0"/>
+          </a:p>
+        </p:txBody>
+      </p:sp>
+      <p:sp>
+        <p:nvSpPr>
+          <p:cNvPr id="2" name="Foliennummernplatzhalter 1"/>
+          <p:cNvSpPr>
+            <a:spLocks noGrp="1"/>
+          </p:cNvSpPr>
+          <p:nvPr>
+            <p:ph type="sldNum" sz="quarter" idx="12"/>
+          </p:nvPr>
+        </p:nvSpPr>
+        <p:spPr/>
+        <p:txBody>
+          <a:bodyPr/>
+          <a:lstStyle/>
+          <a:p>
+            <a:fld id="{F4DAF760-8A09-427D-9634-9AF01F07ABD5}" type="slidenum">
+              <a:rPr lang="de-DE" smtClean="0"/>
+              <a:t>39</a:t>
+            </a:fld>
+            <a:endParaRPr lang="de-DE" dirty="0"/>
+          </a:p>
+        </p:txBody>
+      </p:sp>
+      <p:sp>
+        <p:nvSpPr>
+          <p:cNvPr id="5" name="Inhaltsplatzhalter 4"/>
+          <p:cNvSpPr txBox="1">
+            <a:spLocks/>
+          </p:cNvSpPr>
+          <p:nvPr/>
+        </p:nvSpPr>
+        <p:spPr>
+          <a:xfrm>
+            <a:off x="623392" y="1124745"/>
+            <a:ext cx="10945216" cy="4392487"/>
+          </a:xfrm>
+          <a:prstGeom prst="rect">
+            <a:avLst/>
+          </a:prstGeom>
+        </p:spPr>
+        <p:txBody>
+          <a:bodyPr anchor="ctr">
+            <a:normAutofit/>
+          </a:bodyPr>
+          <a:lstStyle>
+            <a:lvl1pPr marL="228600" indent="-228600" algn="l" defTabSz="914400" rtl="0" eaLnBrk="1" latinLnBrk="0" hangingPunct="1">
+              <a:lnSpc>
+                <a:spcPct val="90000"/>
+              </a:lnSpc>
+              <a:spcBef>
+                <a:spcPts val="1000"/>
+              </a:spcBef>
+              <a:buFont typeface="Arial" panose="020B0604020202020204" pitchFamily="34" charset="0"/>
+              <a:buChar char="•"/>
+              <a:defRPr sz="2800" kern="1200">
+                <a:solidFill>
+                  <a:schemeClr val="tx1"/>
+                </a:solidFill>
+                <a:latin typeface="Roboto Light" panose="02000000000000000000" pitchFamily="2" charset="0"/>
+                <a:ea typeface="Roboto Light" panose="02000000000000000000" pitchFamily="2" charset="0"/>
+                <a:cs typeface="+mn-cs"/>
+              </a:defRPr>
+            </a:lvl1pPr>
+            <a:lvl2pPr marL="685800" indent="-228600" algn="l" defTabSz="914400" rtl="0" eaLnBrk="1" latinLnBrk="0" hangingPunct="1">
+              <a:lnSpc>
+                <a:spcPct val="90000"/>
+              </a:lnSpc>
+              <a:spcBef>
+                <a:spcPts val="500"/>
+              </a:spcBef>
+              <a:buFont typeface="Arial" panose="020B0604020202020204" pitchFamily="34" charset="0"/>
+              <a:buChar char="•"/>
+              <a:defRPr sz="2400" kern="1200">
+                <a:solidFill>
+                  <a:schemeClr val="tx1"/>
+                </a:solidFill>
+                <a:latin typeface="Roboto Light" panose="02000000000000000000" pitchFamily="2" charset="0"/>
+                <a:ea typeface="Roboto Light" panose="02000000000000000000" pitchFamily="2" charset="0"/>
+                <a:cs typeface="+mn-cs"/>
+              </a:defRPr>
+            </a:lvl2pPr>
+            <a:lvl3pPr marL="1143000" indent="-228600" algn="l" defTabSz="914400" rtl="0" eaLnBrk="1" latinLnBrk="0" hangingPunct="1">
+              <a:lnSpc>
+                <a:spcPct val="90000"/>
+              </a:lnSpc>
+              <a:spcBef>
+                <a:spcPts val="500"/>
+              </a:spcBef>
+              <a:buFont typeface="Arial" panose="020B0604020202020204" pitchFamily="34" charset="0"/>
+              <a:buChar char="•"/>
+              <a:defRPr sz="2000" kern="1200">
+                <a:solidFill>
+                  <a:schemeClr val="tx1"/>
+                </a:solidFill>
+                <a:latin typeface="Roboto Light" panose="02000000000000000000" pitchFamily="2" charset="0"/>
+                <a:ea typeface="Roboto Light" panose="02000000000000000000" pitchFamily="2" charset="0"/>
+                <a:cs typeface="+mn-cs"/>
+              </a:defRPr>
+            </a:lvl3pPr>
+            <a:lvl4pPr marL="1600200" indent="-228600" algn="l" defTabSz="914400" rtl="0" eaLnBrk="1" latinLnBrk="0" hangingPunct="1">
+              <a:lnSpc>
+                <a:spcPct val="90000"/>
+              </a:lnSpc>
+              <a:spcBef>
+                <a:spcPts val="500"/>
+              </a:spcBef>
+              <a:buFont typeface="Arial" panose="020B0604020202020204" pitchFamily="34" charset="0"/>
+              <a:buChar char="•"/>
+              <a:defRPr sz="1800" kern="1200">
+                <a:solidFill>
+                  <a:schemeClr val="tx1"/>
+                </a:solidFill>
+                <a:latin typeface="Roboto Light" panose="02000000000000000000" pitchFamily="2" charset="0"/>
+                <a:ea typeface="Roboto Light" panose="02000000000000000000" pitchFamily="2" charset="0"/>
+                <a:cs typeface="+mn-cs"/>
+              </a:defRPr>
+            </a:lvl4pPr>
+            <a:lvl5pPr marL="2057400" indent="-228600" algn="l" defTabSz="914400" rtl="0" eaLnBrk="1" latinLnBrk="0" hangingPunct="1">
+              <a:lnSpc>
+                <a:spcPct val="90000"/>
+              </a:lnSpc>
+              <a:spcBef>
+                <a:spcPts val="500"/>
+              </a:spcBef>
+              <a:buFont typeface="Arial" panose="020B0604020202020204" pitchFamily="34" charset="0"/>
+              <a:buChar char="•"/>
+              <a:defRPr sz="1800" kern="1200">
+                <a:solidFill>
+                  <a:schemeClr val="tx1"/>
+                </a:solidFill>
+                <a:latin typeface="Roboto Light" panose="02000000000000000000" pitchFamily="2" charset="0"/>
+                <a:ea typeface="Roboto Light" panose="02000000000000000000" pitchFamily="2" charset="0"/>
+                <a:cs typeface="+mn-cs"/>
+              </a:defRPr>
+            </a:lvl5pPr>
+            <a:lvl6pPr marL="2514600" indent="-228600" algn="l" defTabSz="914400" rtl="0" eaLnBrk="1" latinLnBrk="0" hangingPunct="1">
+              <a:lnSpc>
+                <a:spcPct val="90000"/>
+              </a:lnSpc>
+              <a:spcBef>
+                <a:spcPts val="500"/>
+              </a:spcBef>
+              <a:buFont typeface="Arial" panose="020B0604020202020204" pitchFamily="34" charset="0"/>
+              <a:buChar char="•"/>
+              <a:defRPr sz="1800" kern="1200">
+                <a:solidFill>
+                  <a:schemeClr val="tx1"/>
+                </a:solidFill>
+                <a:latin typeface="+mn-lt"/>
+                <a:ea typeface="+mn-ea"/>
+                <a:cs typeface="+mn-cs"/>
+              </a:defRPr>
+            </a:lvl6pPr>
+            <a:lvl7pPr marL="2971800" indent="-228600" algn="l" defTabSz="914400" rtl="0" eaLnBrk="1" latinLnBrk="0" hangingPunct="1">
+              <a:lnSpc>
+                <a:spcPct val="90000"/>
+              </a:lnSpc>
+              <a:spcBef>
+                <a:spcPts val="500"/>
+              </a:spcBef>
+              <a:buFont typeface="Arial" panose="020B0604020202020204" pitchFamily="34" charset="0"/>
+              <a:buChar char="•"/>
+              <a:defRPr sz="1800" kern="1200">
+                <a:solidFill>
+                  <a:schemeClr val="tx1"/>
+                </a:solidFill>
+                <a:latin typeface="+mn-lt"/>
+                <a:ea typeface="+mn-ea"/>
+                <a:cs typeface="+mn-cs"/>
+              </a:defRPr>
+            </a:lvl7pPr>
+            <a:lvl8pPr marL="3429000" indent="-228600" algn="l" defTabSz="914400" rtl="0" eaLnBrk="1" latinLnBrk="0" hangingPunct="1">
+              <a:lnSpc>
+                <a:spcPct val="90000"/>
+              </a:lnSpc>
+              <a:spcBef>
+                <a:spcPts val="500"/>
+              </a:spcBef>
+              <a:buFont typeface="Arial" panose="020B0604020202020204" pitchFamily="34" charset="0"/>
+              <a:buChar char="•"/>
+              <a:defRPr sz="1800" kern="1200">
+                <a:solidFill>
+                  <a:schemeClr val="tx1"/>
+                </a:solidFill>
+                <a:latin typeface="+mn-lt"/>
+                <a:ea typeface="+mn-ea"/>
+                <a:cs typeface="+mn-cs"/>
+              </a:defRPr>
+            </a:lvl8pPr>
+            <a:lvl9pPr marL="3886200" indent="-228600" algn="l" defTabSz="914400" rtl="0" eaLnBrk="1" latinLnBrk="0" hangingPunct="1">
+              <a:lnSpc>
+                <a:spcPct val="90000"/>
+              </a:lnSpc>
+              <a:spcBef>
+                <a:spcPts val="500"/>
+              </a:spcBef>
+              <a:buFont typeface="Arial" panose="020B0604020202020204" pitchFamily="34" charset="0"/>
+              <a:buChar char="•"/>
+              <a:defRPr sz="1800" kern="1200">
+                <a:solidFill>
+                  <a:schemeClr val="tx1"/>
+                </a:solidFill>
+                <a:latin typeface="+mn-lt"/>
+                <a:ea typeface="+mn-ea"/>
+                <a:cs typeface="+mn-cs"/>
+              </a:defRPr>
+            </a:lvl9pPr>
+          </a:lstStyle>
+          <a:p>
+            <a:pPr fontAlgn="auto">
+              <a:lnSpc>
+                <a:spcPct val="200000"/>
+              </a:lnSpc>
+              <a:spcAft>
+                <a:spcPts val="0"/>
+              </a:spcAft>
+            </a:pPr>
+            <a:r>
+              <a:rPr lang="de-DE" sz="2400" dirty="0" smtClean="0"/>
+              <a:t>Bislang Nutzung der ADMM-Implementation der PSL-</a:t>
+            </a:r>
+            <a:r>
+              <a:rPr lang="de-DE" sz="2400" dirty="0" err="1" smtClean="0"/>
+              <a:t>Referenzimplementation</a:t>
+            </a:r>
+            <a:endParaRPr lang="de-DE" sz="2400" dirty="0" smtClean="0"/>
+          </a:p>
+          <a:p>
+            <a:pPr lvl="1" fontAlgn="auto">
+              <a:lnSpc>
+                <a:spcPct val="200000"/>
+              </a:lnSpc>
+              <a:spcAft>
+                <a:spcPts val="0"/>
+              </a:spcAft>
+              <a:buFont typeface="Wingdings" panose="05000000000000000000" pitchFamily="2" charset="2"/>
+              <a:buChar char="Ø"/>
+            </a:pPr>
+            <a:r>
+              <a:rPr lang="de-DE" sz="2000" dirty="0" smtClean="0"/>
+              <a:t>Umstieg auf eine verteilte ADMM-Implementation, z. B. auf Basis von </a:t>
+            </a:r>
+            <a:r>
+              <a:rPr lang="de-DE" sz="2000" i="1" dirty="0" err="1" smtClean="0"/>
+              <a:t>Hadoop</a:t>
+            </a:r>
+            <a:r>
+              <a:rPr lang="de-DE" sz="2000" i="1" dirty="0" smtClean="0"/>
+              <a:t> </a:t>
+            </a:r>
+            <a:r>
+              <a:rPr lang="de-DE" sz="2000" i="1" dirty="0" err="1" smtClean="0"/>
+              <a:t>MapReduce</a:t>
+            </a:r>
+            <a:endParaRPr lang="de-DE" sz="2000" i="1" dirty="0" smtClean="0"/>
+          </a:p>
+          <a:p>
+            <a:pPr fontAlgn="auto">
+              <a:lnSpc>
+                <a:spcPct val="200000"/>
+              </a:lnSpc>
+              <a:spcAft>
+                <a:spcPts val="0"/>
+              </a:spcAft>
+            </a:pPr>
+            <a:r>
+              <a:rPr lang="de-DE" sz="2400" dirty="0" smtClean="0"/>
+              <a:t>Vollständige ADMM-Inferenz nach jeder eingefügten Nachricht</a:t>
+            </a:r>
+          </a:p>
+          <a:p>
+            <a:pPr lvl="1" fontAlgn="auto">
+              <a:lnSpc>
+                <a:spcPct val="200000"/>
+              </a:lnSpc>
+              <a:spcAft>
+                <a:spcPts val="0"/>
+              </a:spcAft>
+              <a:buFont typeface="Wingdings" panose="05000000000000000000" pitchFamily="2" charset="2"/>
+              <a:buChar char="Ø"/>
+            </a:pPr>
+            <a:r>
+              <a:rPr lang="de-DE" sz="2000" dirty="0" smtClean="0"/>
+              <a:t>Weiterentwicklung und Integration von </a:t>
+            </a:r>
+            <a:r>
+              <a:rPr lang="de-DE" sz="2000" i="1" dirty="0" smtClean="0"/>
+              <a:t>BOCI</a:t>
+            </a:r>
+            <a:r>
+              <a:rPr lang="de-DE" sz="2000" dirty="0" smtClean="0"/>
+              <a:t> (</a:t>
+            </a:r>
+            <a:r>
+              <a:rPr lang="de-DE" sz="2000" b="1" dirty="0" err="1" smtClean="0"/>
+              <a:t>B</a:t>
+            </a:r>
+            <a:r>
+              <a:rPr lang="de-DE" sz="2000" dirty="0" err="1" smtClean="0"/>
+              <a:t>udgeted</a:t>
+            </a:r>
+            <a:r>
+              <a:rPr lang="de-DE" sz="2000" dirty="0" smtClean="0"/>
+              <a:t> </a:t>
+            </a:r>
+            <a:r>
+              <a:rPr lang="de-DE" sz="2000" b="1" dirty="0" smtClean="0"/>
+              <a:t>O</a:t>
+            </a:r>
+            <a:r>
+              <a:rPr lang="de-DE" sz="2000" dirty="0" smtClean="0"/>
+              <a:t>nline </a:t>
+            </a:r>
+            <a:r>
+              <a:rPr lang="de-DE" sz="2000" b="1" dirty="0" smtClean="0"/>
+              <a:t>C</a:t>
+            </a:r>
+            <a:r>
+              <a:rPr lang="de-DE" sz="2000" dirty="0" smtClean="0"/>
+              <a:t>ollective </a:t>
+            </a:r>
+            <a:r>
+              <a:rPr lang="de-DE" sz="2000" b="1" dirty="0" err="1" smtClean="0"/>
+              <a:t>I</a:t>
+            </a:r>
+            <a:r>
+              <a:rPr lang="de-DE" sz="2000" dirty="0" err="1" smtClean="0"/>
+              <a:t>nference</a:t>
+            </a:r>
+            <a:r>
+              <a:rPr lang="de-DE" sz="2000" dirty="0" smtClean="0"/>
+              <a:t>)</a:t>
+            </a:r>
+          </a:p>
+          <a:p>
+            <a:pPr marL="457200" lvl="1" indent="0" fontAlgn="auto">
+              <a:lnSpc>
+                <a:spcPct val="200000"/>
+              </a:lnSpc>
+              <a:spcAft>
+                <a:spcPts val="0"/>
+              </a:spcAft>
+              <a:buNone/>
+            </a:pPr>
+            <a:r>
+              <a:rPr lang="de-DE" sz="2000" dirty="0" smtClean="0"/>
+              <a:t>    Reduktion der Inferenzdauer um 65%, ohne Verschlechterung des Ergebnisses</a:t>
+            </a:r>
+            <a:endParaRPr lang="de-DE" sz="2000" dirty="0"/>
+          </a:p>
+        </p:txBody>
+      </p:sp>
+      <p:graphicFrame>
+        <p:nvGraphicFramePr>
+          <p:cNvPr id="6" name="Diagramm 5"/>
+          <p:cNvGraphicFramePr/>
+          <p:nvPr>
+            <p:extLst>
+              <p:ext uri="{D42A27DB-BD31-4B8C-83A1-F6EECF244321}">
+                <p14:modId xmlns:p14="http://schemas.microsoft.com/office/powerpoint/2010/main" val="3367471763"/>
+              </p:ext>
+            </p:extLst>
+          </p:nvPr>
+        </p:nvGraphicFramePr>
+        <p:xfrm>
+          <a:off x="3089277" y="3356992"/>
+          <a:ext cx="6013446" cy="2970395"/>
+        </p:xfrm>
+        <a:graphic>
+          <a:graphicData uri="http://schemas.openxmlformats.org/drawingml/2006/chart">
+            <c:chart xmlns:c="http://schemas.openxmlformats.org/drawingml/2006/chart" xmlns:r="http://schemas.openxmlformats.org/officeDocument/2006/relationships" r:id="rId2"/>
+          </a:graphicData>
+        </a:graphic>
+      </p:graphicFrame>
+    </p:spTree>
+    <p:extLst>
+      <p:ext uri="{BB962C8B-B14F-4D97-AF65-F5344CB8AC3E}">
+        <p14:creationId xmlns:p14="http://schemas.microsoft.com/office/powerpoint/2010/main" val="1894764074"/>
+      </p:ext>
+    </p:extLst>
+  </p:cSld>
+  <p:clrMapOvr>
+    <a:masterClrMapping/>
+  </p:clrMapOvr>
+  <p:timing>
+    <p:tnLst>
+      <p:par>
+        <p:cTn id="1" dur="indefinite" restart="never" nodeType="tmRoot">
+          <p:childTnLst>
+            <p:seq concurrent="1" nextAc="seek">
+              <p:cTn id="2" dur="indefinite" nodeType="mainSeq">
+                <p:childTnLst>
+                  <p:par>
+                    <p:cTn id="3" fill="hold">
+                      <p:stCondLst>
+                        <p:cond delay="indefinite"/>
+                      </p:stCondLst>
+                      <p:childTnLst>
+                        <p:par>
+                          <p:cTn id="4" fill="hold">
+                            <p:stCondLst>
+                              <p:cond delay="0"/>
+                            </p:stCondLst>
+                            <p:childTnLst>
+                              <p:par>
+                                <p:cTn id="5" presetID="1" presetClass="entr" presetSubtype="0" fill="hold" grpId="0" nodeType="clickEffect">
+                                  <p:stCondLst>
+                                    <p:cond delay="0"/>
+                                  </p:stCondLst>
+                                  <p:childTnLst>
+                                    <p:set>
+                                      <p:cBhvr>
+                                        <p:cTn id="6" dur="1" fill="hold">
+                                          <p:stCondLst>
+                                            <p:cond delay="0"/>
+                                          </p:stCondLst>
+                                        </p:cTn>
+                                        <p:tgtEl>
+                                          <p:spTgt spid="5">
+                                            <p:txEl>
+                                              <p:pRg st="0" end="0"/>
+                                            </p:txEl>
+                                          </p:spTgt>
+                                        </p:tgtEl>
+                                        <p:attrNameLst>
+                                          <p:attrName>style.visibility</p:attrName>
+                                        </p:attrNameLst>
+                                      </p:cBhvr>
+                                      <p:to>
+                                        <p:strVal val="visible"/>
+                                      </p:to>
+                                    </p:set>
+                                  </p:childTnLst>
+                                </p:cTn>
+                              </p:par>
+                              <p:par>
+                                <p:cTn id="7" presetID="1" presetClass="entr" presetSubtype="0" fill="hold" grpId="0" nodeType="withEffect">
+                                  <p:stCondLst>
+                                    <p:cond delay="0"/>
+                                  </p:stCondLst>
+                                  <p:childTnLst>
+                                    <p:set>
+                                      <p:cBhvr>
+                                        <p:cTn id="8" dur="1" fill="hold">
+                                          <p:stCondLst>
+                                            <p:cond delay="0"/>
+                                          </p:stCondLst>
+                                        </p:cTn>
+                                        <p:tgtEl>
+                                          <p:spTgt spid="5">
+                                            <p:txEl>
+                                              <p:pRg st="1" end="1"/>
+                                            </p:txEl>
+                                          </p:spTgt>
+                                        </p:tgtEl>
+                                        <p:attrNameLst>
+                                          <p:attrName>style.visibility</p:attrName>
+                                        </p:attrNameLst>
+                                      </p:cBhvr>
+                                      <p:to>
+                                        <p:strVal val="visible"/>
+                                      </p:to>
+                                    </p:set>
+                                  </p:childTnLst>
+                                </p:cTn>
+                              </p:par>
+                              <p:par>
+                                <p:cTn id="9" presetID="1" presetClass="entr" presetSubtype="0" fill="hold" grpId="1" nodeType="withEffect">
+                                  <p:stCondLst>
+                                    <p:cond delay="0"/>
+                                  </p:stCondLst>
+                                  <p:childTnLst>
+                                    <p:set>
+                                      <p:cBhvr>
+                                        <p:cTn id="10" dur="1" fill="hold">
+                                          <p:stCondLst>
+                                            <p:cond delay="0"/>
+                                          </p:stCondLst>
+                                        </p:cTn>
+                                        <p:tgtEl>
+                                          <p:spTgt spid="6"/>
+                                        </p:tgtEl>
+                                        <p:attrNameLst>
+                                          <p:attrName>style.visibility</p:attrName>
+                                        </p:attrNameLst>
+                                      </p:cBhvr>
+                                      <p:to>
+                                        <p:strVal val="visible"/>
+                                      </p:to>
+                                    </p:set>
+                                  </p:childTnLst>
+                                </p:cTn>
+                              </p:par>
+                            </p:childTnLst>
+                          </p:cTn>
+                        </p:par>
+                      </p:childTnLst>
+                    </p:cTn>
+                  </p:par>
+                  <p:par>
+                    <p:cTn id="11" fill="hold">
+                      <p:stCondLst>
+                        <p:cond delay="indefinite"/>
+                      </p:stCondLst>
+                      <p:childTnLst>
+                        <p:par>
+                          <p:cTn id="12" fill="hold">
+                            <p:stCondLst>
+                              <p:cond delay="0"/>
+                            </p:stCondLst>
+                            <p:childTnLst>
+                              <p:par>
+                                <p:cTn id="13" presetID="1" presetClass="entr" presetSubtype="0" fill="hold" grpId="0" nodeType="clickEffect">
+                                  <p:stCondLst>
+                                    <p:cond delay="0"/>
+                                  </p:stCondLst>
+                                  <p:childTnLst>
+                                    <p:set>
+                                      <p:cBhvr>
+                                        <p:cTn id="14" dur="1" fill="hold">
+                                          <p:stCondLst>
+                                            <p:cond delay="0"/>
+                                          </p:stCondLst>
+                                        </p:cTn>
+                                        <p:tgtEl>
+                                          <p:spTgt spid="5">
+                                            <p:txEl>
+                                              <p:pRg st="2" end="2"/>
+                                            </p:txEl>
+                                          </p:spTgt>
+                                        </p:tgtEl>
+                                        <p:attrNameLst>
+                                          <p:attrName>style.visibility</p:attrName>
+                                        </p:attrNameLst>
+                                      </p:cBhvr>
+                                      <p:to>
+                                        <p:strVal val="visible"/>
+                                      </p:to>
+                                    </p:set>
+                                  </p:childTnLst>
+                                </p:cTn>
+                              </p:par>
+                              <p:par>
+                                <p:cTn id="15" presetID="1" presetClass="exit" presetSubtype="0" fill="hold" grpId="0" nodeType="withEffect">
+                                  <p:stCondLst>
+                                    <p:cond delay="0"/>
+                                  </p:stCondLst>
+                                  <p:childTnLst>
+                                    <p:set>
+                                      <p:cBhvr>
+                                        <p:cTn id="16" dur="1" fill="hold">
+                                          <p:stCondLst>
+                                            <p:cond delay="0"/>
+                                          </p:stCondLst>
+                                        </p:cTn>
+                                        <p:tgtEl>
+                                          <p:spTgt spid="6"/>
+                                        </p:tgtEl>
+                                        <p:attrNameLst>
+                                          <p:attrName>style.visibility</p:attrName>
+                                        </p:attrNameLst>
+                                      </p:cBhvr>
+                                      <p:to>
+                                        <p:strVal val="hidden"/>
+                                      </p:to>
+                                    </p:set>
+                                  </p:childTnLst>
+                                </p:cTn>
+                              </p:par>
+                              <p:par>
+                                <p:cTn id="17" presetID="1" presetClass="entr" presetSubtype="0" fill="hold" grpId="0" nodeType="withEffect">
+                                  <p:stCondLst>
+                                    <p:cond delay="0"/>
+                                  </p:stCondLst>
+                                  <p:childTnLst>
+                                    <p:set>
+                                      <p:cBhvr>
+                                        <p:cTn id="18" dur="1" fill="hold">
+                                          <p:stCondLst>
+                                            <p:cond delay="0"/>
+                                          </p:stCondLst>
+                                        </p:cTn>
+                                        <p:tgtEl>
+                                          <p:spTgt spid="5">
+                                            <p:txEl>
+                                              <p:pRg st="3" end="3"/>
+                                            </p:txEl>
+                                          </p:spTgt>
+                                        </p:tgtEl>
+                                        <p:attrNameLst>
+                                          <p:attrName>style.visibility</p:attrName>
+                                        </p:attrNameLst>
+                                      </p:cBhvr>
+                                      <p:to>
+                                        <p:strVal val="visible"/>
+                                      </p:to>
+                                    </p:set>
+                                  </p:childTnLst>
+                                </p:cTn>
+                              </p:par>
+                              <p:par>
+                                <p:cTn id="19" presetID="1" presetClass="entr" presetSubtype="0" fill="hold" grpId="0" nodeType="withEffect">
+                                  <p:stCondLst>
+                                    <p:cond delay="0"/>
+                                  </p:stCondLst>
+                                  <p:childTnLst>
+                                    <p:set>
+                                      <p:cBhvr>
+                                        <p:cTn id="20" dur="1" fill="hold">
+                                          <p:stCondLst>
+                                            <p:cond delay="0"/>
+                                          </p:stCondLst>
+                                        </p:cTn>
+                                        <p:tgtEl>
+                                          <p:spTgt spid="5">
+                                            <p:txEl>
+                                              <p:pRg st="4" end="4"/>
+                                            </p:txEl>
+                                          </p:spTgt>
+                                        </p:tgtEl>
+                                        <p:attrNameLst>
+                                          <p:attrName>style.visibility</p:attrName>
+                                        </p:attrNameLst>
+                                      </p:cBhvr>
+                                      <p:to>
+                                        <p:strVal val="visible"/>
+                                      </p:to>
+                                    </p:set>
+                                  </p:childTnLst>
+                                </p:cTn>
+                              </p:par>
+                            </p:childTnLst>
+                          </p:cTn>
+                        </p:par>
+                      </p:childTnLst>
+                    </p:cTn>
+                  </p:par>
+                </p:childTnLst>
+              </p:cTn>
+              <p:prevCondLst>
+                <p:cond evt="onPrev" delay="0">
+                  <p:tgtEl>
+                    <p:sldTgt/>
+                  </p:tgtEl>
+                </p:cond>
+              </p:prevCondLst>
+              <p:nextCondLst>
+                <p:cond evt="onNext" delay="0">
+                  <p:tgtEl>
+                    <p:sldTgt/>
+                  </p:tgtEl>
+                </p:cond>
+              </p:nextCondLst>
+            </p:seq>
+          </p:childTnLst>
+        </p:cTn>
+      </p:par>
+    </p:tnLst>
+    <p:bldLst>
+      <p:bldP spid="5" grpId="0" uiExpand="1" build="p"/>
+      <p:bldGraphic spid="6" grpId="0">
+        <p:bldAsOne/>
+      </p:bldGraphic>
+      <p:bldGraphic spid="6" grpId="1">
+        <p:bldAsOne/>
+      </p:bldGraphic>
+    </p:bldLst>
   </p:timing>
 </p:sld>
 </file>
@@ -18478,6 +21453,145 @@
     <p:bldLst>
       <p:bldP spid="2048" grpId="0" animBg="1"/>
     </p:bldLst>
+  </p:timing>
+</p:sld>
+</file>
+
+<file path=ppt/slides/slide40.xml><?xml version="1.0" encoding="utf-8"?>
+<p:sld xmlns:a="http://schemas.openxmlformats.org/drawingml/2006/main" xmlns:r="http://schemas.openxmlformats.org/officeDocument/2006/relationships" xmlns:p="http://schemas.openxmlformats.org/presentationml/2006/main">
+  <p:cSld>
+    <p:spTree>
+      <p:nvGrpSpPr>
+        <p:cNvPr id="1" name=""/>
+        <p:cNvGrpSpPr/>
+        <p:nvPr/>
+      </p:nvGrpSpPr>
+      <p:grpSpPr>
+        <a:xfrm>
+          <a:off x="0" y="0"/>
+          <a:ext cx="0" cy="0"/>
+          <a:chOff x="0" y="0"/>
+          <a:chExt cx="0" cy="0"/>
+        </a:xfrm>
+      </p:grpSpPr>
+      <p:sp>
+        <p:nvSpPr>
+          <p:cNvPr id="2" name="Titel 1"/>
+          <p:cNvSpPr>
+            <a:spLocks noGrp="1"/>
+          </p:cNvSpPr>
+          <p:nvPr>
+            <p:ph type="title"/>
+          </p:nvPr>
+        </p:nvSpPr>
+        <p:spPr>
+          <a:xfrm>
+            <a:off x="831851" y="1772817"/>
+            <a:ext cx="10515600" cy="3816424"/>
+          </a:xfrm>
+        </p:spPr>
+        <p:txBody>
+          <a:bodyPr anchor="ctr"/>
+          <a:lstStyle/>
+          <a:p>
+            <a:pPr algn="ctr">
+              <a:lnSpc>
+                <a:spcPct val="150000"/>
+              </a:lnSpc>
+            </a:pPr>
+            <a:r>
+              <a:rPr lang="de-DE" smtClean="0"/>
+              <a:t>Danke!</a:t>
+            </a:r>
+            <a:endParaRPr lang="de-DE" dirty="0"/>
+          </a:p>
+        </p:txBody>
+      </p:sp>
+      <p:sp>
+        <p:nvSpPr>
+          <p:cNvPr id="4" name="Foliennummernplatzhalter 3"/>
+          <p:cNvSpPr>
+            <a:spLocks noGrp="1"/>
+          </p:cNvSpPr>
+          <p:nvPr>
+            <p:ph type="sldNum" sz="quarter" idx="12"/>
+          </p:nvPr>
+        </p:nvSpPr>
+        <p:spPr/>
+        <p:txBody>
+          <a:bodyPr/>
+          <a:lstStyle/>
+          <a:p>
+            <a:fld id="{F4DAF760-8A09-427D-9634-9AF01F07ABD5}" type="slidenum">
+              <a:rPr lang="de-DE" smtClean="0"/>
+              <a:t>40</a:t>
+            </a:fld>
+            <a:endParaRPr lang="de-DE" dirty="0"/>
+          </a:p>
+        </p:txBody>
+      </p:sp>
+      <p:sp>
+        <p:nvSpPr>
+          <p:cNvPr id="6" name="Rechteck 5"/>
+          <p:cNvSpPr/>
+          <p:nvPr/>
+        </p:nvSpPr>
+        <p:spPr>
+          <a:xfrm>
+            <a:off x="9376564" y="1267862"/>
+            <a:ext cx="1904012" cy="1008112"/>
+          </a:xfrm>
+          <a:prstGeom prst="rect">
+            <a:avLst/>
+          </a:prstGeom>
+          <a:solidFill>
+            <a:schemeClr val="bg1"/>
+          </a:solidFill>
+          <a:ln>
+            <a:noFill/>
+          </a:ln>
+        </p:spPr>
+        <p:style>
+          <a:lnRef idx="2">
+            <a:schemeClr val="accent1">
+              <a:shade val="50000"/>
+            </a:schemeClr>
+          </a:lnRef>
+          <a:fillRef idx="1">
+            <a:schemeClr val="accent1"/>
+          </a:fillRef>
+          <a:effectRef idx="0">
+            <a:schemeClr val="accent1"/>
+          </a:effectRef>
+          <a:fontRef idx="minor">
+            <a:schemeClr val="lt1"/>
+          </a:fontRef>
+        </p:style>
+        <p:txBody>
+          <a:bodyPr rtlCol="0" anchor="ctr"/>
+          <a:lstStyle/>
+          <a:p>
+            <a:pPr algn="ctr"/>
+            <a:endParaRPr lang="de-DE"/>
+          </a:p>
+        </p:txBody>
+      </p:sp>
+    </p:spTree>
+    <p:extLst>
+      <p:ext uri="{BB962C8B-B14F-4D97-AF65-F5344CB8AC3E}">
+        <p14:creationId xmlns:p14="http://schemas.microsoft.com/office/powerpoint/2010/main" val="2382665206"/>
+      </p:ext>
+    </p:extLst>
+  </p:cSld>
+  <p:clrMapOvr>
+    <a:masterClrMapping/>
+  </p:clrMapOvr>
+  <p:timing>
+    <p:tnLst>
+      <p:par>
+        <p:cTn id="1" dur="indefinite" restart="never" nodeType="tmRoot"/>
+      </p:par>
+    </p:tnLst>
   </p:timing>
 </p:sld>
 </file>
@@ -21611,7 +24725,7 @@
   <a:extraClrSchemeLst/>
   <a:extLst>
     <a:ext uri="{05A4C25C-085E-4340-85A3-A5531E510DB2}">
-      <thm15:themeFamily xmlns="" xmlns:thm15="http://schemas.microsoft.com/office/thememl/2012/main" name="Office Theme" id="{62F939B6-93AF-4DB8-9C6B-D6C7DFDC589F}" vid="{4A3C46E8-61CC-4603-A589-7422A47A8E4A}"/>
+      <thm15:themeFamily xmlns:thm15="http://schemas.microsoft.com/office/thememl/2012/main" xmlns="" name="Office Theme" id="{62F939B6-93AF-4DB8-9C6B-D6C7DFDC589F}" vid="{4A3C46E8-61CC-4603-A589-7422A47A8E4A}"/>
     </a:ext>
   </a:extLst>
 </a:theme>

--- a/presentation/presentation.pptx
+++ b/presentation/presentation.pptx
@@ -24454,9 +24454,135 @@
   <p:timing>
     <p:tnLst>
       <p:par>
-        <p:cTn id="1" dur="indefinite" restart="never" nodeType="tmRoot"/>
+        <p:cTn id="1" dur="indefinite" restart="never" nodeType="tmRoot">
+          <p:childTnLst>
+            <p:seq concurrent="1" nextAc="seek">
+              <p:cTn id="2" dur="indefinite" nodeType="mainSeq">
+                <p:childTnLst>
+                  <p:par>
+                    <p:cTn id="3" fill="hold">
+                      <p:stCondLst>
+                        <p:cond delay="indefinite"/>
+                      </p:stCondLst>
+                      <p:childTnLst>
+                        <p:par>
+                          <p:cTn id="4" fill="hold">
+                            <p:stCondLst>
+                              <p:cond delay="0"/>
+                            </p:stCondLst>
+                            <p:childTnLst>
+                              <p:par>
+                                <p:cTn id="5" presetID="1" presetClass="entr" presetSubtype="0" fill="hold" grpId="0" nodeType="clickEffect">
+                                  <p:stCondLst>
+                                    <p:cond delay="0"/>
+                                  </p:stCondLst>
+                                  <p:childTnLst>
+                                    <p:set>
+                                      <p:cBhvr>
+                                        <p:cTn id="6" dur="1" fill="hold">
+                                          <p:stCondLst>
+                                            <p:cond delay="0"/>
+                                          </p:stCondLst>
+                                        </p:cTn>
+                                        <p:tgtEl>
+                                          <p:spTgt spid="10"/>
+                                        </p:tgtEl>
+                                        <p:attrNameLst>
+                                          <p:attrName>style.visibility</p:attrName>
+                                        </p:attrNameLst>
+                                      </p:cBhvr>
+                                      <p:to>
+                                        <p:strVal val="visible"/>
+                                      </p:to>
+                                    </p:set>
+                                  </p:childTnLst>
+                                </p:cTn>
+                              </p:par>
+                              <p:par>
+                                <p:cTn id="7" presetID="1" presetClass="entr" presetSubtype="0" fill="hold" nodeType="withEffect">
+                                  <p:stCondLst>
+                                    <p:cond delay="0"/>
+                                  </p:stCondLst>
+                                  <p:childTnLst>
+                                    <p:set>
+                                      <p:cBhvr>
+                                        <p:cTn id="8" dur="1" fill="hold">
+                                          <p:stCondLst>
+                                            <p:cond delay="0"/>
+                                          </p:stCondLst>
+                                        </p:cTn>
+                                        <p:tgtEl>
+                                          <p:spTgt spid="1026"/>
+                                        </p:tgtEl>
+                                        <p:attrNameLst>
+                                          <p:attrName>style.visibility</p:attrName>
+                                        </p:attrNameLst>
+                                      </p:cBhvr>
+                                      <p:to>
+                                        <p:strVal val="visible"/>
+                                      </p:to>
+                                    </p:set>
+                                  </p:childTnLst>
+                                </p:cTn>
+                              </p:par>
+                              <p:par>
+                                <p:cTn id="9" presetID="1" presetClass="entr" presetSubtype="0" fill="hold" grpId="0" nodeType="withEffect">
+                                  <p:stCondLst>
+                                    <p:cond delay="0"/>
+                                  </p:stCondLst>
+                                  <p:childTnLst>
+                                    <p:set>
+                                      <p:cBhvr>
+                                        <p:cTn id="10" dur="1" fill="hold">
+                                          <p:stCondLst>
+                                            <p:cond delay="0"/>
+                                          </p:stCondLst>
+                                        </p:cTn>
+                                        <p:tgtEl>
+                                          <p:spTgt spid="9"/>
+                                        </p:tgtEl>
+                                        <p:attrNameLst>
+                                          <p:attrName>style.visibility</p:attrName>
+                                        </p:attrNameLst>
+                                      </p:cBhvr>
+                                      <p:to>
+                                        <p:strVal val="visible"/>
+                                      </p:to>
+                                    </p:set>
+                                  </p:childTnLst>
+                                </p:cTn>
+                              </p:par>
+                            </p:childTnLst>
+                          </p:cTn>
+                        </p:par>
+                      </p:childTnLst>
+                    </p:cTn>
+                  </p:par>
+                </p:childTnLst>
+              </p:cTn>
+              <p:prevCondLst>
+                <p:cond evt="onPrev" delay="0">
+                  <p:tgtEl>
+                    <p:sldTgt/>
+                  </p:tgtEl>
+                </p:cond>
+              </p:prevCondLst>
+              <p:nextCondLst>
+                <p:cond evt="onNext" delay="0">
+                  <p:tgtEl>
+                    <p:sldTgt/>
+                  </p:tgtEl>
+                </p:cond>
+              </p:nextCondLst>
+            </p:seq>
+          </p:childTnLst>
+        </p:cTn>
       </p:par>
     </p:tnLst>
+    <p:bldLst>
+      <p:bldP spid="9" grpId="0"/>
+      <p:bldP spid="10" grpId="0"/>
+    </p:bldLst>
   </p:timing>
 </p:sld>
 </file>
